--- a/faster2lib/EEG_power_specrum_template.pptx
+++ b/faster2lib/EEG_power_specrum_template.pptx
@@ -247,7 +247,7 @@
           <a:p>
             <a:fld id="{B3DF8FAD-2AB0-4DA8-8497-F48AD089473F}" type="datetimeFigureOut">
               <a:rPr kumimoji="1" lang="ja-JP" altLang="en-US" smtClean="0"/>
-              <a:t>2022/3/29</a:t>
+              <a:t>2022/3/31</a:t>
             </a:fld>
             <a:endParaRPr kumimoji="1" lang="ja-JP" altLang="en-US"/>
           </a:p>
@@ -449,7 +449,7 @@
           <a:p>
             <a:fld id="{B3DF8FAD-2AB0-4DA8-8497-F48AD089473F}" type="datetimeFigureOut">
               <a:rPr kumimoji="1" lang="ja-JP" altLang="en-US" smtClean="0"/>
-              <a:t>2022/3/29</a:t>
+              <a:t>2022/3/31</a:t>
             </a:fld>
             <a:endParaRPr kumimoji="1" lang="ja-JP" altLang="en-US"/>
           </a:p>
@@ -661,7 +661,7 @@
           <a:p>
             <a:fld id="{B3DF8FAD-2AB0-4DA8-8497-F48AD089473F}" type="datetimeFigureOut">
               <a:rPr kumimoji="1" lang="ja-JP" altLang="en-US" smtClean="0"/>
-              <a:t>2022/3/29</a:t>
+              <a:t>2022/3/31</a:t>
             </a:fld>
             <a:endParaRPr kumimoji="1" lang="ja-JP" altLang="en-US"/>
           </a:p>
@@ -863,7 +863,7 @@
           <a:p>
             <a:fld id="{B3DF8FAD-2AB0-4DA8-8497-F48AD089473F}" type="datetimeFigureOut">
               <a:rPr kumimoji="1" lang="ja-JP" altLang="en-US" smtClean="0"/>
-              <a:t>2022/3/29</a:t>
+              <a:t>2022/3/31</a:t>
             </a:fld>
             <a:endParaRPr kumimoji="1" lang="ja-JP" altLang="en-US"/>
           </a:p>
@@ -1109,7 +1109,7 @@
           <a:p>
             <a:fld id="{B3DF8FAD-2AB0-4DA8-8497-F48AD089473F}" type="datetimeFigureOut">
               <a:rPr kumimoji="1" lang="ja-JP" altLang="en-US" smtClean="0"/>
-              <a:t>2022/3/29</a:t>
+              <a:t>2022/3/31</a:t>
             </a:fld>
             <a:endParaRPr kumimoji="1" lang="ja-JP" altLang="en-US"/>
           </a:p>
@@ -1405,7 +1405,7 @@
           <a:p>
             <a:fld id="{B3DF8FAD-2AB0-4DA8-8497-F48AD089473F}" type="datetimeFigureOut">
               <a:rPr kumimoji="1" lang="ja-JP" altLang="en-US" smtClean="0"/>
-              <a:t>2022/3/29</a:t>
+              <a:t>2022/3/31</a:t>
             </a:fld>
             <a:endParaRPr kumimoji="1" lang="ja-JP" altLang="en-US"/>
           </a:p>
@@ -1836,7 +1836,7 @@
           <a:p>
             <a:fld id="{B3DF8FAD-2AB0-4DA8-8497-F48AD089473F}" type="datetimeFigureOut">
               <a:rPr kumimoji="1" lang="ja-JP" altLang="en-US" smtClean="0"/>
-              <a:t>2022/3/29</a:t>
+              <a:t>2022/3/31</a:t>
             </a:fld>
             <a:endParaRPr kumimoji="1" lang="ja-JP" altLang="en-US"/>
           </a:p>
@@ -1954,7 +1954,7 @@
           <a:p>
             <a:fld id="{B3DF8FAD-2AB0-4DA8-8497-F48AD089473F}" type="datetimeFigureOut">
               <a:rPr kumimoji="1" lang="ja-JP" altLang="en-US" smtClean="0"/>
-              <a:t>2022/3/29</a:t>
+              <a:t>2022/3/31</a:t>
             </a:fld>
             <a:endParaRPr kumimoji="1" lang="ja-JP" altLang="en-US"/>
           </a:p>
@@ -2049,7 +2049,7 @@
           <a:p>
             <a:fld id="{B3DF8FAD-2AB0-4DA8-8497-F48AD089473F}" type="datetimeFigureOut">
               <a:rPr kumimoji="1" lang="ja-JP" altLang="en-US" smtClean="0"/>
-              <a:t>2022/3/29</a:t>
+              <a:t>2022/3/31</a:t>
             </a:fld>
             <a:endParaRPr kumimoji="1" lang="ja-JP" altLang="en-US"/>
           </a:p>
@@ -2358,7 +2358,7 @@
           <a:p>
             <a:fld id="{B3DF8FAD-2AB0-4DA8-8497-F48AD089473F}" type="datetimeFigureOut">
               <a:rPr kumimoji="1" lang="ja-JP" altLang="en-US" smtClean="0"/>
-              <a:t>2022/3/29</a:t>
+              <a:t>2022/3/31</a:t>
             </a:fld>
             <a:endParaRPr kumimoji="1" lang="ja-JP" altLang="en-US"/>
           </a:p>
@@ -2615,7 +2615,7 @@
           <a:p>
             <a:fld id="{B3DF8FAD-2AB0-4DA8-8497-F48AD089473F}" type="datetimeFigureOut">
               <a:rPr kumimoji="1" lang="ja-JP" altLang="en-US" smtClean="0"/>
-              <a:t>2022/3/29</a:t>
+              <a:t>2022/3/31</a:t>
             </a:fld>
             <a:endParaRPr kumimoji="1" lang="ja-JP" altLang="en-US"/>
           </a:p>
@@ -2860,7 +2860,7 @@
           <a:p>
             <a:fld id="{B3DF8FAD-2AB0-4DA8-8497-F48AD089473F}" type="datetimeFigureOut">
               <a:rPr kumimoji="1" lang="ja-JP" altLang="en-US" smtClean="0"/>
-              <a:t>2022/3/29</a:t>
+              <a:t>2022/3/31</a:t>
             </a:fld>
             <a:endParaRPr kumimoji="1" lang="ja-JP" altLang="en-US"/>
           </a:p>
@@ -5414,4744 +5414,6 @@
       </p:graphicFrame>
       <p:graphicFrame>
         <p:nvGraphicFramePr>
-          <p:cNvPr id="9" name="表 8">
-            <a:extLst>
-              <a:ext uri="{FF2B5EF4-FFF2-40B4-BE49-F238E27FC236}">
-                <a16:creationId xmlns:a16="http://schemas.microsoft.com/office/drawing/2014/main" id="{078D775B-D492-4C7C-8D5F-0D033459408E}"/>
-              </a:ext>
-            </a:extLst>
-          </p:cNvPr>
-          <p:cNvGraphicFramePr>
-            <a:graphicFrameLocks noGrp="1"/>
-          </p:cNvGraphicFramePr>
-          <p:nvPr>
-            <p:extLst>
-              <p:ext uri="{D42A27DB-BD31-4B8C-83A1-F6EECF244321}">
-                <p14:modId xmlns:p14="http://schemas.microsoft.com/office/powerpoint/2010/main" val="3000788424"/>
-              </p:ext>
-            </p:extLst>
-          </p:nvPr>
-        </p:nvGraphicFramePr>
-        <p:xfrm>
-          <a:off x="9775348" y="3940964"/>
-          <a:ext cx="2416651" cy="2719951"/>
-        </p:xfrm>
-        <a:graphic>
-          <a:graphicData uri="http://schemas.openxmlformats.org/drawingml/2006/table">
-            <a:tbl>
-              <a:tblPr/>
-              <a:tblGrid>
-                <a:gridCol w="587852">
-                  <a:extLst>
-                    <a:ext uri="{9D8B030D-6E8A-4147-A177-3AD203B41FA5}">
-                      <a16:colId xmlns:a16="http://schemas.microsoft.com/office/drawing/2014/main" val="1392627465"/>
-                    </a:ext>
-                  </a:extLst>
-                </a:gridCol>
-                <a:gridCol w="264695">
-                  <a:extLst>
-                    <a:ext uri="{9D8B030D-6E8A-4147-A177-3AD203B41FA5}">
-                      <a16:colId xmlns:a16="http://schemas.microsoft.com/office/drawing/2014/main" val="3327564658"/>
-                    </a:ext>
-                  </a:extLst>
-                </a:gridCol>
-                <a:gridCol w="97255">
-                  <a:extLst>
-                    <a:ext uri="{9D8B030D-6E8A-4147-A177-3AD203B41FA5}">
-                      <a16:colId xmlns:a16="http://schemas.microsoft.com/office/drawing/2014/main" val="1423139776"/>
-                    </a:ext>
-                  </a:extLst>
-                </a:gridCol>
-                <a:gridCol w="389074">
-                  <a:extLst>
-                    <a:ext uri="{9D8B030D-6E8A-4147-A177-3AD203B41FA5}">
-                      <a16:colId xmlns:a16="http://schemas.microsoft.com/office/drawing/2014/main" val="447136922"/>
-                    </a:ext>
-                  </a:extLst>
-                </a:gridCol>
-                <a:gridCol w="384779">
-                  <a:extLst>
-                    <a:ext uri="{9D8B030D-6E8A-4147-A177-3AD203B41FA5}">
-                      <a16:colId xmlns:a16="http://schemas.microsoft.com/office/drawing/2014/main" val="2041675413"/>
-                    </a:ext>
-                  </a:extLst>
-                </a:gridCol>
-                <a:gridCol w="416191">
-                  <a:extLst>
-                    <a:ext uri="{9D8B030D-6E8A-4147-A177-3AD203B41FA5}">
-                      <a16:colId xmlns:a16="http://schemas.microsoft.com/office/drawing/2014/main" val="3512451945"/>
-                    </a:ext>
-                  </a:extLst>
-                </a:gridCol>
-                <a:gridCol w="276805">
-                  <a:extLst>
-                    <a:ext uri="{9D8B030D-6E8A-4147-A177-3AD203B41FA5}">
-                      <a16:colId xmlns:a16="http://schemas.microsoft.com/office/drawing/2014/main" val="3656572944"/>
-                    </a:ext>
-                  </a:extLst>
-                </a:gridCol>
-              </a:tblGrid>
-              <a:tr h="261385">
-                <a:tc>
-                  <a:txBody>
-                    <a:bodyPr/>
-                    <a:lstStyle/>
-                    <a:p>
-                      <a:pPr algn="l" fontAlgn="ctr"/>
-                      <a:r>
-                        <a:rPr lang="en-US" sz="700" b="1" i="0" u="none" strike="noStrike" dirty="0">
-                          <a:solidFill>
-                            <a:srgbClr val="000000"/>
-                          </a:solidFill>
-                          <a:effectLst/>
-                          <a:latin typeface="游ゴシック" panose="020B0400000000000000" pitchFamily="50" charset="-128"/>
-                          <a:ea typeface="游ゴシック" panose="020B0400000000000000" pitchFamily="50" charset="-128"/>
-                        </a:rPr>
-                        <a:t>Mouse group</a:t>
-                      </a:r>
-                    </a:p>
-                  </a:txBody>
-                  <a:tcPr marL="8637" marR="8637" marT="8637" marB="0" anchor="ctr">
-                    <a:lnL>
-                      <a:noFill/>
-                    </a:lnL>
-                    <a:lnR>
-                      <a:noFill/>
-                    </a:lnR>
-                    <a:lnT>
-                      <a:noFill/>
-                    </a:lnT>
-                    <a:lnB>
-                      <a:noFill/>
-                    </a:lnB>
-                  </a:tcPr>
-                </a:tc>
-                <a:tc>
-                  <a:txBody>
-                    <a:bodyPr/>
-                    <a:lstStyle/>
-                    <a:p>
-                      <a:pPr algn="l" fontAlgn="ctr"/>
-                      <a:r>
-                        <a:rPr lang="en-US" sz="700" b="1" i="0" u="none" strike="noStrike" dirty="0">
-                          <a:solidFill>
-                            <a:srgbClr val="000000"/>
-                          </a:solidFill>
-                          <a:effectLst/>
-                          <a:latin typeface="游ゴシック" panose="020B0400000000000000" pitchFamily="50" charset="-128"/>
-                          <a:ea typeface="游ゴシック" panose="020B0400000000000000" pitchFamily="50" charset="-128"/>
-                        </a:rPr>
-                        <a:t>trans </a:t>
-                      </a:r>
-                    </a:p>
-                  </a:txBody>
-                  <a:tcPr marL="8637" marR="8637" marT="8637" marB="0" anchor="ctr">
-                    <a:lnL>
-                      <a:noFill/>
-                    </a:lnL>
-                    <a:lnR>
-                      <a:noFill/>
-                    </a:lnR>
-                    <a:lnT>
-                      <a:noFill/>
-                    </a:lnT>
-                    <a:lnB>
-                      <a:noFill/>
-                    </a:lnB>
-                  </a:tcPr>
-                </a:tc>
-                <a:tc>
-                  <a:txBody>
-                    <a:bodyPr/>
-                    <a:lstStyle/>
-                    <a:p>
-                      <a:pPr algn="l" fontAlgn="ctr"/>
-                      <a:r>
-                        <a:rPr lang="en-US" sz="700" b="1" i="0" u="none" strike="noStrike" dirty="0">
-                          <a:solidFill>
-                            <a:srgbClr val="000000"/>
-                          </a:solidFill>
-                          <a:effectLst/>
-                          <a:latin typeface="游ゴシック" panose="020B0400000000000000" pitchFamily="50" charset="-128"/>
-                          <a:ea typeface="游ゴシック" panose="020B0400000000000000" pitchFamily="50" charset="-128"/>
-                        </a:rPr>
-                        <a:t>N</a:t>
-                      </a:r>
-                    </a:p>
-                  </a:txBody>
-                  <a:tcPr marL="8637" marR="8637" marT="8637" marB="0" anchor="ctr">
-                    <a:lnL>
-                      <a:noFill/>
-                    </a:lnL>
-                    <a:lnR>
-                      <a:noFill/>
-                    </a:lnR>
-                    <a:lnT>
-                      <a:noFill/>
-                    </a:lnT>
-                    <a:lnB>
-                      <a:noFill/>
-                    </a:lnB>
-                  </a:tcPr>
-                </a:tc>
-                <a:tc>
-                  <a:txBody>
-                    <a:bodyPr/>
-                    <a:lstStyle/>
-                    <a:p>
-                      <a:pPr algn="l" fontAlgn="ctr"/>
-                      <a:r>
-                        <a:rPr lang="en-US" sz="700" b="1" i="0" u="none" strike="noStrike" dirty="0">
-                          <a:solidFill>
-                            <a:srgbClr val="000000"/>
-                          </a:solidFill>
-                          <a:effectLst/>
-                          <a:latin typeface="游ゴシック" panose="020B0400000000000000" pitchFamily="50" charset="-128"/>
-                          <a:ea typeface="游ゴシック" panose="020B0400000000000000" pitchFamily="50" charset="-128"/>
-                        </a:rPr>
-                        <a:t>Mean</a:t>
-                      </a:r>
-                    </a:p>
-                  </a:txBody>
-                  <a:tcPr marL="8637" marR="8637" marT="8637" marB="0" anchor="ctr">
-                    <a:lnL>
-                      <a:noFill/>
-                    </a:lnL>
-                    <a:lnR>
-                      <a:noFill/>
-                    </a:lnR>
-                    <a:lnT>
-                      <a:noFill/>
-                    </a:lnT>
-                    <a:lnB>
-                      <a:noFill/>
-                    </a:lnB>
-                  </a:tcPr>
-                </a:tc>
-                <a:tc>
-                  <a:txBody>
-                    <a:bodyPr/>
-                    <a:lstStyle/>
-                    <a:p>
-                      <a:pPr algn="l" fontAlgn="ctr"/>
-                      <a:r>
-                        <a:rPr lang="en-US" sz="700" b="1" i="0" u="none" strike="noStrike" dirty="0">
-                          <a:solidFill>
-                            <a:srgbClr val="000000"/>
-                          </a:solidFill>
-                          <a:effectLst/>
-                          <a:latin typeface="游ゴシック" panose="020B0400000000000000" pitchFamily="50" charset="-128"/>
-                          <a:ea typeface="游ゴシック" panose="020B0400000000000000" pitchFamily="50" charset="-128"/>
-                        </a:rPr>
-                        <a:t>SD</a:t>
-                      </a:r>
-                    </a:p>
-                  </a:txBody>
-                  <a:tcPr marL="8637" marR="8637" marT="8637" marB="0" anchor="ctr">
-                    <a:lnL>
-                      <a:noFill/>
-                    </a:lnL>
-                    <a:lnR>
-                      <a:noFill/>
-                    </a:lnR>
-                    <a:lnT>
-                      <a:noFill/>
-                    </a:lnT>
-                    <a:lnB>
-                      <a:noFill/>
-                    </a:lnB>
-                  </a:tcPr>
-                </a:tc>
-                <a:tc>
-                  <a:txBody>
-                    <a:bodyPr/>
-                    <a:lstStyle/>
-                    <a:p>
-                      <a:pPr algn="l" fontAlgn="ctr"/>
-                      <a:r>
-                        <a:rPr lang="en-US" sz="700" b="1" i="0" u="none" strike="noStrike">
-                          <a:solidFill>
-                            <a:srgbClr val="000000"/>
-                          </a:solidFill>
-                          <a:effectLst/>
-                          <a:latin typeface="游ゴシック" panose="020B0400000000000000" pitchFamily="50" charset="-128"/>
-                          <a:ea typeface="游ゴシック" panose="020B0400000000000000" pitchFamily="50" charset="-128"/>
-                        </a:rPr>
-                        <a:t>Pvalue</a:t>
-                      </a:r>
-                    </a:p>
-                  </a:txBody>
-                  <a:tcPr marL="8637" marR="8637" marT="8637" marB="0" anchor="ctr">
-                    <a:lnL>
-                      <a:noFill/>
-                    </a:lnL>
-                    <a:lnR>
-                      <a:noFill/>
-                    </a:lnR>
-                    <a:lnT>
-                      <a:noFill/>
-                    </a:lnT>
-                    <a:lnB>
-                      <a:noFill/>
-                    </a:lnB>
-                  </a:tcPr>
-                </a:tc>
-                <a:tc>
-                  <a:txBody>
-                    <a:bodyPr/>
-                    <a:lstStyle/>
-                    <a:p>
-                      <a:pPr algn="l" fontAlgn="ctr"/>
-                      <a:r>
-                        <a:rPr lang="en-US" sz="700" b="1" i="0" u="none" strike="noStrike">
-                          <a:solidFill>
-                            <a:srgbClr val="000000"/>
-                          </a:solidFill>
-                          <a:effectLst/>
-                          <a:latin typeface="游ゴシック" panose="020B0400000000000000" pitchFamily="50" charset="-128"/>
-                          <a:ea typeface="游ゴシック" panose="020B0400000000000000" pitchFamily="50" charset="-128"/>
-                        </a:rPr>
-                        <a:t>Stars</a:t>
-                      </a:r>
-                    </a:p>
-                  </a:txBody>
-                  <a:tcPr marL="8637" marR="8637" marT="8637" marB="0" anchor="ctr">
-                    <a:lnL>
-                      <a:noFill/>
-                    </a:lnL>
-                    <a:lnR>
-                      <a:noFill/>
-                    </a:lnR>
-                    <a:lnT>
-                      <a:noFill/>
-                    </a:lnT>
-                    <a:lnB>
-                      <a:noFill/>
-                    </a:lnB>
-                  </a:tcPr>
-                </a:tc>
-                <a:extLst>
-                  <a:ext uri="{0D108BD9-81ED-4DB2-BD59-A6C34878D82A}">
-                    <a16:rowId xmlns:a16="http://schemas.microsoft.com/office/drawing/2014/main" val="548167022"/>
-                  </a:ext>
-                </a:extLst>
-              </a:tr>
-              <a:tr h="136587">
-                <a:tc>
-                  <a:txBody>
-                    <a:bodyPr/>
-                    <a:lstStyle/>
-                    <a:p>
-                      <a:pPr algn="l" fontAlgn="ctr"/>
-                      <a:r>
-                        <a:rPr lang="en-US" sz="700" b="0" i="0" u="none" strike="noStrike" dirty="0">
-                          <a:solidFill>
-                            <a:srgbClr val="000000"/>
-                          </a:solidFill>
-                          <a:effectLst/>
-                          <a:latin typeface="游ゴシック" panose="020B0400000000000000" pitchFamily="50" charset="-128"/>
-                          <a:ea typeface="游ゴシック" panose="020B0400000000000000" pitchFamily="50" charset="-128"/>
-                        </a:rPr>
-                        <a:t>Stage-trans</a:t>
-                      </a:r>
-                    </a:p>
-                  </a:txBody>
-                  <a:tcPr marL="8637" marR="8637" marT="8637" marB="0" anchor="ctr">
-                    <a:lnL>
-                      <a:noFill/>
-                    </a:lnL>
-                    <a:lnR>
-                      <a:noFill/>
-                    </a:lnR>
-                    <a:lnT>
-                      <a:noFill/>
-                    </a:lnT>
-                    <a:lnB>
-                      <a:noFill/>
-                    </a:lnB>
-                  </a:tcPr>
-                </a:tc>
-                <a:tc>
-                  <a:txBody>
-                    <a:bodyPr/>
-                    <a:lstStyle/>
-                    <a:p>
-                      <a:pPr algn="l" fontAlgn="ctr"/>
-                      <a:r>
-                        <a:rPr lang="en-US" sz="700" b="0" i="0" u="none" strike="noStrike" dirty="0">
-                          <a:solidFill>
-                            <a:srgbClr val="000000"/>
-                          </a:solidFill>
-                          <a:effectLst/>
-                          <a:latin typeface="游ゴシック" panose="020B0400000000000000" pitchFamily="50" charset="-128"/>
-                          <a:ea typeface="游ゴシック" panose="020B0400000000000000" pitchFamily="50" charset="-128"/>
-                        </a:rPr>
-                        <a:t>-</a:t>
-                      </a:r>
-                    </a:p>
-                  </a:txBody>
-                  <a:tcPr marL="8637" marR="8637" marT="8637" marB="0" anchor="ctr">
-                    <a:lnL>
-                      <a:noFill/>
-                    </a:lnL>
-                    <a:lnR>
-                      <a:noFill/>
-                    </a:lnR>
-                    <a:lnT>
-                      <a:noFill/>
-                    </a:lnT>
-                    <a:lnB>
-                      <a:noFill/>
-                    </a:lnB>
-                  </a:tcPr>
-                </a:tc>
-                <a:tc>
-                  <a:txBody>
-                    <a:bodyPr/>
-                    <a:lstStyle/>
-                    <a:p>
-                      <a:pPr algn="l" fontAlgn="ctr"/>
-                      <a:r>
-                        <a:rPr lang="en-US" sz="700" b="0" i="0" u="none" strike="noStrike" dirty="0">
-                          <a:solidFill>
-                            <a:srgbClr val="000000"/>
-                          </a:solidFill>
-                          <a:effectLst/>
-                          <a:latin typeface="游ゴシック" panose="020B0400000000000000" pitchFamily="50" charset="-128"/>
-                          <a:ea typeface="游ゴシック" panose="020B0400000000000000" pitchFamily="50" charset="-128"/>
-                        </a:rPr>
-                        <a:t>-</a:t>
-                      </a:r>
-                    </a:p>
-                  </a:txBody>
-                  <a:tcPr marL="8637" marR="8637" marT="8637" marB="0" anchor="ctr">
-                    <a:lnL>
-                      <a:noFill/>
-                    </a:lnL>
-                    <a:lnR>
-                      <a:noFill/>
-                    </a:lnR>
-                    <a:lnT>
-                      <a:noFill/>
-                    </a:lnT>
-                    <a:lnB>
-                      <a:noFill/>
-                    </a:lnB>
-                  </a:tcPr>
-                </a:tc>
-                <a:tc>
-                  <a:txBody>
-                    <a:bodyPr/>
-                    <a:lstStyle/>
-                    <a:p>
-                      <a:pPr algn="l" fontAlgn="ctr"/>
-                      <a:r>
-                        <a:rPr lang="en-US" sz="700" b="0" i="0" u="none" strike="noStrike" dirty="0">
-                          <a:solidFill>
-                            <a:srgbClr val="000000"/>
-                          </a:solidFill>
-                          <a:effectLst/>
-                          <a:latin typeface="游ゴシック" panose="020B0400000000000000" pitchFamily="50" charset="-128"/>
-                          <a:ea typeface="游ゴシック" panose="020B0400000000000000" pitchFamily="50" charset="-128"/>
-                        </a:rPr>
-                        <a:t>-</a:t>
-                      </a:r>
-                    </a:p>
-                  </a:txBody>
-                  <a:tcPr marL="8637" marR="8637" marT="8637" marB="0" anchor="ctr">
-                    <a:lnL>
-                      <a:noFill/>
-                    </a:lnL>
-                    <a:lnR>
-                      <a:noFill/>
-                    </a:lnR>
-                    <a:lnT>
-                      <a:noFill/>
-                    </a:lnT>
-                    <a:lnB>
-                      <a:noFill/>
-                    </a:lnB>
-                  </a:tcPr>
-                </a:tc>
-                <a:tc>
-                  <a:txBody>
-                    <a:bodyPr/>
-                    <a:lstStyle/>
-                    <a:p>
-                      <a:pPr algn="l" fontAlgn="ctr"/>
-                      <a:r>
-                        <a:rPr lang="en-US" sz="700" b="0" i="0" u="none" strike="noStrike" dirty="0">
-                          <a:solidFill>
-                            <a:srgbClr val="000000"/>
-                          </a:solidFill>
-                          <a:effectLst/>
-                          <a:latin typeface="游ゴシック" panose="020B0400000000000000" pitchFamily="50" charset="-128"/>
-                          <a:ea typeface="游ゴシック" panose="020B0400000000000000" pitchFamily="50" charset="-128"/>
-                        </a:rPr>
-                        <a:t>-</a:t>
-                      </a:r>
-                    </a:p>
-                  </a:txBody>
-                  <a:tcPr marL="8637" marR="8637" marT="8637" marB="0" anchor="ctr">
-                    <a:lnL>
-                      <a:noFill/>
-                    </a:lnL>
-                    <a:lnR>
-                      <a:noFill/>
-                    </a:lnR>
-                    <a:lnT>
-                      <a:noFill/>
-                    </a:lnT>
-                    <a:lnB>
-                      <a:noFill/>
-                    </a:lnB>
-                  </a:tcPr>
-                </a:tc>
-                <a:tc>
-                  <a:txBody>
-                    <a:bodyPr/>
-                    <a:lstStyle/>
-                    <a:p>
-                      <a:pPr algn="l" fontAlgn="ctr"/>
-                      <a:r>
-                        <a:rPr lang="en-US" sz="700" b="0" i="0" u="none" strike="noStrike" dirty="0">
-                          <a:solidFill>
-                            <a:srgbClr val="000000"/>
-                          </a:solidFill>
-                          <a:effectLst/>
-                          <a:latin typeface="游ゴシック" panose="020B0400000000000000" pitchFamily="50" charset="-128"/>
-                          <a:ea typeface="游ゴシック" panose="020B0400000000000000" pitchFamily="50" charset="-128"/>
-                        </a:rPr>
-                        <a:t>-</a:t>
-                      </a:r>
-                    </a:p>
-                  </a:txBody>
-                  <a:tcPr marL="8637" marR="8637" marT="8637" marB="0" anchor="ctr">
-                    <a:lnL>
-                      <a:noFill/>
-                    </a:lnL>
-                    <a:lnR>
-                      <a:noFill/>
-                    </a:lnR>
-                    <a:lnT>
-                      <a:noFill/>
-                    </a:lnT>
-                    <a:lnB>
-                      <a:noFill/>
-                    </a:lnB>
-                  </a:tcPr>
-                </a:tc>
-                <a:tc>
-                  <a:txBody>
-                    <a:bodyPr/>
-                    <a:lstStyle/>
-                    <a:p>
-                      <a:pPr algn="l" fontAlgn="ctr"/>
-                      <a:r>
-                        <a:rPr lang="en-US" sz="700" b="0" i="0" u="none" strike="noStrike" dirty="0">
-                          <a:solidFill>
-                            <a:srgbClr val="000000"/>
-                          </a:solidFill>
-                          <a:effectLst/>
-                          <a:latin typeface="游ゴシック" panose="020B0400000000000000" pitchFamily="50" charset="-128"/>
-                          <a:ea typeface="游ゴシック" panose="020B0400000000000000" pitchFamily="50" charset="-128"/>
-                        </a:rPr>
-                        <a:t>-</a:t>
-                      </a:r>
-                    </a:p>
-                  </a:txBody>
-                  <a:tcPr marL="8637" marR="8637" marT="8637" marB="0" anchor="ctr">
-                    <a:lnL>
-                      <a:noFill/>
-                    </a:lnL>
-                    <a:lnR>
-                      <a:noFill/>
-                    </a:lnR>
-                    <a:lnT>
-                      <a:noFill/>
-                    </a:lnT>
-                    <a:lnB>
-                      <a:noFill/>
-                    </a:lnB>
-                  </a:tcPr>
-                </a:tc>
-                <a:extLst>
-                  <a:ext uri="{0D108BD9-81ED-4DB2-BD59-A6C34878D82A}">
-                    <a16:rowId xmlns:a16="http://schemas.microsoft.com/office/drawing/2014/main" val="2019498337"/>
-                  </a:ext>
-                </a:extLst>
-              </a:tr>
-              <a:tr h="136587">
-                <a:tc>
-                  <a:txBody>
-                    <a:bodyPr/>
-                    <a:lstStyle/>
-                    <a:p>
-                      <a:pPr algn="l" fontAlgn="ctr"/>
-                      <a:r>
-                        <a:rPr lang="en-US" sz="700" b="0" i="0" u="none" strike="noStrike" dirty="0">
-                          <a:solidFill>
-                            <a:srgbClr val="000000"/>
-                          </a:solidFill>
-                          <a:effectLst/>
-                          <a:latin typeface="游ゴシック" panose="020B0400000000000000" pitchFamily="50" charset="-128"/>
-                          <a:ea typeface="游ゴシック" panose="020B0400000000000000" pitchFamily="50" charset="-128"/>
-                        </a:rPr>
-                        <a:t>-</a:t>
-                      </a:r>
-                    </a:p>
-                  </a:txBody>
-                  <a:tcPr marL="8637" marR="8637" marT="8637" marB="0" anchor="ctr">
-                    <a:lnL>
-                      <a:noFill/>
-                    </a:lnL>
-                    <a:lnR>
-                      <a:noFill/>
-                    </a:lnR>
-                    <a:lnT>
-                      <a:noFill/>
-                    </a:lnT>
-                    <a:lnB>
-                      <a:noFill/>
-                    </a:lnB>
-                  </a:tcPr>
-                </a:tc>
-                <a:tc>
-                  <a:txBody>
-                    <a:bodyPr/>
-                    <a:lstStyle/>
-                    <a:p>
-                      <a:pPr algn="l" fontAlgn="ctr"/>
-                      <a:r>
-                        <a:rPr lang="en-US" sz="700" b="0" i="0" u="none" strike="noStrike" dirty="0">
-                          <a:solidFill>
-                            <a:srgbClr val="000000"/>
-                          </a:solidFill>
-                          <a:effectLst/>
-                          <a:latin typeface="游ゴシック" panose="020B0400000000000000" pitchFamily="50" charset="-128"/>
-                          <a:ea typeface="游ゴシック" panose="020B0400000000000000" pitchFamily="50" charset="-128"/>
-                        </a:rPr>
-                        <a:t>-</a:t>
-                      </a:r>
-                    </a:p>
-                  </a:txBody>
-                  <a:tcPr marL="8637" marR="8637" marT="8637" marB="0" anchor="ctr">
-                    <a:lnL>
-                      <a:noFill/>
-                    </a:lnL>
-                    <a:lnR>
-                      <a:noFill/>
-                    </a:lnR>
-                    <a:lnT>
-                      <a:noFill/>
-                    </a:lnT>
-                    <a:lnB>
-                      <a:noFill/>
-                    </a:lnB>
-                  </a:tcPr>
-                </a:tc>
-                <a:tc>
-                  <a:txBody>
-                    <a:bodyPr/>
-                    <a:lstStyle/>
-                    <a:p>
-                      <a:pPr algn="l" fontAlgn="ctr"/>
-                      <a:r>
-                        <a:rPr lang="en-US" sz="700" b="0" i="0" u="none" strike="noStrike" dirty="0">
-                          <a:solidFill>
-                            <a:srgbClr val="000000"/>
-                          </a:solidFill>
-                          <a:effectLst/>
-                          <a:latin typeface="游ゴシック" panose="020B0400000000000000" pitchFamily="50" charset="-128"/>
-                          <a:ea typeface="游ゴシック" panose="020B0400000000000000" pitchFamily="50" charset="-128"/>
-                        </a:rPr>
-                        <a:t>-</a:t>
-                      </a:r>
-                    </a:p>
-                  </a:txBody>
-                  <a:tcPr marL="8637" marR="8637" marT="8637" marB="0" anchor="ctr">
-                    <a:lnL>
-                      <a:noFill/>
-                    </a:lnL>
-                    <a:lnR>
-                      <a:noFill/>
-                    </a:lnR>
-                    <a:lnT>
-                      <a:noFill/>
-                    </a:lnT>
-                    <a:lnB>
-                      <a:noFill/>
-                    </a:lnB>
-                  </a:tcPr>
-                </a:tc>
-                <a:tc>
-                  <a:txBody>
-                    <a:bodyPr/>
-                    <a:lstStyle/>
-                    <a:p>
-                      <a:pPr algn="l" fontAlgn="ctr"/>
-                      <a:r>
-                        <a:rPr lang="en-US" sz="700" b="0" i="0" u="none" strike="noStrike" dirty="0">
-                          <a:solidFill>
-                            <a:srgbClr val="000000"/>
-                          </a:solidFill>
-                          <a:effectLst/>
-                          <a:latin typeface="游ゴシック" panose="020B0400000000000000" pitchFamily="50" charset="-128"/>
-                          <a:ea typeface="游ゴシック" panose="020B0400000000000000" pitchFamily="50" charset="-128"/>
-                        </a:rPr>
-                        <a:t>-</a:t>
-                      </a:r>
-                    </a:p>
-                  </a:txBody>
-                  <a:tcPr marL="8637" marR="8637" marT="8637" marB="0" anchor="ctr">
-                    <a:lnL>
-                      <a:noFill/>
-                    </a:lnL>
-                    <a:lnR>
-                      <a:noFill/>
-                    </a:lnR>
-                    <a:lnT>
-                      <a:noFill/>
-                    </a:lnT>
-                    <a:lnB>
-                      <a:noFill/>
-                    </a:lnB>
-                  </a:tcPr>
-                </a:tc>
-                <a:tc>
-                  <a:txBody>
-                    <a:bodyPr/>
-                    <a:lstStyle/>
-                    <a:p>
-                      <a:pPr algn="l" fontAlgn="ctr"/>
-                      <a:r>
-                        <a:rPr lang="en-US" sz="700" b="0" i="0" u="none" strike="noStrike" dirty="0">
-                          <a:solidFill>
-                            <a:srgbClr val="000000"/>
-                          </a:solidFill>
-                          <a:effectLst/>
-                          <a:latin typeface="游ゴシック" panose="020B0400000000000000" pitchFamily="50" charset="-128"/>
-                          <a:ea typeface="游ゴシック" panose="020B0400000000000000" pitchFamily="50" charset="-128"/>
-                        </a:rPr>
-                        <a:t>-</a:t>
-                      </a:r>
-                    </a:p>
-                  </a:txBody>
-                  <a:tcPr marL="8637" marR="8637" marT="8637" marB="0" anchor="ctr">
-                    <a:lnL>
-                      <a:noFill/>
-                    </a:lnL>
-                    <a:lnR>
-                      <a:noFill/>
-                    </a:lnR>
-                    <a:lnT>
-                      <a:noFill/>
-                    </a:lnT>
-                    <a:lnB>
-                      <a:noFill/>
-                    </a:lnB>
-                  </a:tcPr>
-                </a:tc>
-                <a:tc>
-                  <a:txBody>
-                    <a:bodyPr/>
-                    <a:lstStyle/>
-                    <a:p>
-                      <a:pPr algn="l" fontAlgn="ctr"/>
-                      <a:r>
-                        <a:rPr lang="en-US" sz="700" b="0" i="0" u="none" strike="noStrike" dirty="0">
-                          <a:solidFill>
-                            <a:srgbClr val="000000"/>
-                          </a:solidFill>
-                          <a:effectLst/>
-                          <a:latin typeface="游ゴシック" panose="020B0400000000000000" pitchFamily="50" charset="-128"/>
-                          <a:ea typeface="游ゴシック" panose="020B0400000000000000" pitchFamily="50" charset="-128"/>
-                        </a:rPr>
-                        <a:t>-</a:t>
-                      </a:r>
-                    </a:p>
-                  </a:txBody>
-                  <a:tcPr marL="8637" marR="8637" marT="8637" marB="0" anchor="ctr">
-                    <a:lnL>
-                      <a:noFill/>
-                    </a:lnL>
-                    <a:lnR>
-                      <a:noFill/>
-                    </a:lnR>
-                    <a:lnT>
-                      <a:noFill/>
-                    </a:lnT>
-                    <a:lnB>
-                      <a:noFill/>
-                    </a:lnB>
-                  </a:tcPr>
-                </a:tc>
-                <a:tc>
-                  <a:txBody>
-                    <a:bodyPr/>
-                    <a:lstStyle/>
-                    <a:p>
-                      <a:pPr algn="l" fontAlgn="ctr"/>
-                      <a:r>
-                        <a:rPr lang="en-US" sz="700" b="0" i="0" u="none" strike="noStrike" dirty="0">
-                          <a:solidFill>
-                            <a:srgbClr val="000000"/>
-                          </a:solidFill>
-                          <a:effectLst/>
-                          <a:latin typeface="游ゴシック" panose="020B0400000000000000" pitchFamily="50" charset="-128"/>
-                          <a:ea typeface="游ゴシック" panose="020B0400000000000000" pitchFamily="50" charset="-128"/>
-                        </a:rPr>
-                        <a:t>-</a:t>
-                      </a:r>
-                    </a:p>
-                  </a:txBody>
-                  <a:tcPr marL="8637" marR="8637" marT="8637" marB="0" anchor="ctr">
-                    <a:lnL>
-                      <a:noFill/>
-                    </a:lnL>
-                    <a:lnR>
-                      <a:noFill/>
-                    </a:lnR>
-                    <a:lnT>
-                      <a:noFill/>
-                    </a:lnT>
-                    <a:lnB>
-                      <a:noFill/>
-                    </a:lnB>
-                  </a:tcPr>
-                </a:tc>
-                <a:extLst>
-                  <a:ext uri="{0D108BD9-81ED-4DB2-BD59-A6C34878D82A}">
-                    <a16:rowId xmlns:a16="http://schemas.microsoft.com/office/drawing/2014/main" val="1116589441"/>
-                  </a:ext>
-                </a:extLst>
-              </a:tr>
-              <a:tr h="136587">
-                <a:tc>
-                  <a:txBody>
-                    <a:bodyPr/>
-                    <a:lstStyle/>
-                    <a:p>
-                      <a:pPr algn="l" fontAlgn="ctr"/>
-                      <a:r>
-                        <a:rPr lang="en-US" sz="700" b="0" i="0" u="none" strike="noStrike" dirty="0">
-                          <a:solidFill>
-                            <a:srgbClr val="000000"/>
-                          </a:solidFill>
-                          <a:effectLst/>
-                          <a:latin typeface="游ゴシック" panose="020B0400000000000000" pitchFamily="50" charset="-128"/>
-                          <a:ea typeface="游ゴシック" panose="020B0400000000000000" pitchFamily="50" charset="-128"/>
-                        </a:rPr>
-                        <a:t>-</a:t>
-                      </a:r>
-                    </a:p>
-                  </a:txBody>
-                  <a:tcPr marL="8637" marR="8637" marT="8637" marB="0" anchor="ctr">
-                    <a:lnL>
-                      <a:noFill/>
-                    </a:lnL>
-                    <a:lnR>
-                      <a:noFill/>
-                    </a:lnR>
-                    <a:lnT>
-                      <a:noFill/>
-                    </a:lnT>
-                    <a:lnB>
-                      <a:noFill/>
-                    </a:lnB>
-                  </a:tcPr>
-                </a:tc>
-                <a:tc>
-                  <a:txBody>
-                    <a:bodyPr/>
-                    <a:lstStyle/>
-                    <a:p>
-                      <a:pPr algn="l" fontAlgn="ctr"/>
-                      <a:r>
-                        <a:rPr lang="en-US" sz="700" b="0" i="0" u="none" strike="noStrike" dirty="0">
-                          <a:solidFill>
-                            <a:srgbClr val="000000"/>
-                          </a:solidFill>
-                          <a:effectLst/>
-                          <a:latin typeface="游ゴシック" panose="020B0400000000000000" pitchFamily="50" charset="-128"/>
-                          <a:ea typeface="游ゴシック" panose="020B0400000000000000" pitchFamily="50" charset="-128"/>
-                        </a:rPr>
-                        <a:t>-</a:t>
-                      </a:r>
-                    </a:p>
-                  </a:txBody>
-                  <a:tcPr marL="8637" marR="8637" marT="8637" marB="0" anchor="ctr">
-                    <a:lnL>
-                      <a:noFill/>
-                    </a:lnL>
-                    <a:lnR>
-                      <a:noFill/>
-                    </a:lnR>
-                    <a:lnT>
-                      <a:noFill/>
-                    </a:lnT>
-                    <a:lnB>
-                      <a:noFill/>
-                    </a:lnB>
-                  </a:tcPr>
-                </a:tc>
-                <a:tc>
-                  <a:txBody>
-                    <a:bodyPr/>
-                    <a:lstStyle/>
-                    <a:p>
-                      <a:pPr algn="l" fontAlgn="ctr"/>
-                      <a:r>
-                        <a:rPr lang="en-US" sz="700" b="0" i="0" u="none" strike="noStrike" dirty="0">
-                          <a:solidFill>
-                            <a:srgbClr val="000000"/>
-                          </a:solidFill>
-                          <a:effectLst/>
-                          <a:latin typeface="游ゴシック" panose="020B0400000000000000" pitchFamily="50" charset="-128"/>
-                          <a:ea typeface="游ゴシック" panose="020B0400000000000000" pitchFamily="50" charset="-128"/>
-                        </a:rPr>
-                        <a:t>-</a:t>
-                      </a:r>
-                    </a:p>
-                  </a:txBody>
-                  <a:tcPr marL="8637" marR="8637" marT="8637" marB="0" anchor="ctr">
-                    <a:lnL>
-                      <a:noFill/>
-                    </a:lnL>
-                    <a:lnR>
-                      <a:noFill/>
-                    </a:lnR>
-                    <a:lnT>
-                      <a:noFill/>
-                    </a:lnT>
-                    <a:lnB>
-                      <a:noFill/>
-                    </a:lnB>
-                  </a:tcPr>
-                </a:tc>
-                <a:tc>
-                  <a:txBody>
-                    <a:bodyPr/>
-                    <a:lstStyle/>
-                    <a:p>
-                      <a:pPr algn="l" fontAlgn="ctr"/>
-                      <a:r>
-                        <a:rPr lang="en-US" sz="700" b="0" i="0" u="none" strike="noStrike" dirty="0">
-                          <a:solidFill>
-                            <a:srgbClr val="000000"/>
-                          </a:solidFill>
-                          <a:effectLst/>
-                          <a:latin typeface="游ゴシック" panose="020B0400000000000000" pitchFamily="50" charset="-128"/>
-                          <a:ea typeface="游ゴシック" panose="020B0400000000000000" pitchFamily="50" charset="-128"/>
-                        </a:rPr>
-                        <a:t>-</a:t>
-                      </a:r>
-                    </a:p>
-                  </a:txBody>
-                  <a:tcPr marL="8637" marR="8637" marT="8637" marB="0" anchor="ctr">
-                    <a:lnL>
-                      <a:noFill/>
-                    </a:lnL>
-                    <a:lnR>
-                      <a:noFill/>
-                    </a:lnR>
-                    <a:lnT>
-                      <a:noFill/>
-                    </a:lnT>
-                    <a:lnB>
-                      <a:noFill/>
-                    </a:lnB>
-                  </a:tcPr>
-                </a:tc>
-                <a:tc>
-                  <a:txBody>
-                    <a:bodyPr/>
-                    <a:lstStyle/>
-                    <a:p>
-                      <a:pPr algn="l" fontAlgn="ctr"/>
-                      <a:r>
-                        <a:rPr lang="en-US" sz="700" b="0" i="0" u="none" strike="noStrike" dirty="0">
-                          <a:solidFill>
-                            <a:srgbClr val="000000"/>
-                          </a:solidFill>
-                          <a:effectLst/>
-                          <a:latin typeface="游ゴシック" panose="020B0400000000000000" pitchFamily="50" charset="-128"/>
-                          <a:ea typeface="游ゴシック" panose="020B0400000000000000" pitchFamily="50" charset="-128"/>
-                        </a:rPr>
-                        <a:t>-</a:t>
-                      </a:r>
-                    </a:p>
-                  </a:txBody>
-                  <a:tcPr marL="8637" marR="8637" marT="8637" marB="0" anchor="ctr">
-                    <a:lnL>
-                      <a:noFill/>
-                    </a:lnL>
-                    <a:lnR>
-                      <a:noFill/>
-                    </a:lnR>
-                    <a:lnT>
-                      <a:noFill/>
-                    </a:lnT>
-                    <a:lnB>
-                      <a:noFill/>
-                    </a:lnB>
-                  </a:tcPr>
-                </a:tc>
-                <a:tc>
-                  <a:txBody>
-                    <a:bodyPr/>
-                    <a:lstStyle/>
-                    <a:p>
-                      <a:pPr algn="l" fontAlgn="ctr"/>
-                      <a:r>
-                        <a:rPr lang="en-US" sz="700" b="0" i="0" u="none" strike="noStrike" dirty="0">
-                          <a:solidFill>
-                            <a:srgbClr val="000000"/>
-                          </a:solidFill>
-                          <a:effectLst/>
-                          <a:latin typeface="游ゴシック" panose="020B0400000000000000" pitchFamily="50" charset="-128"/>
-                          <a:ea typeface="游ゴシック" panose="020B0400000000000000" pitchFamily="50" charset="-128"/>
-                        </a:rPr>
-                        <a:t>-</a:t>
-                      </a:r>
-                    </a:p>
-                  </a:txBody>
-                  <a:tcPr marL="8637" marR="8637" marT="8637" marB="0" anchor="ctr">
-                    <a:lnL>
-                      <a:noFill/>
-                    </a:lnL>
-                    <a:lnR>
-                      <a:noFill/>
-                    </a:lnR>
-                    <a:lnT>
-                      <a:noFill/>
-                    </a:lnT>
-                    <a:lnB>
-                      <a:noFill/>
-                    </a:lnB>
-                  </a:tcPr>
-                </a:tc>
-                <a:tc>
-                  <a:txBody>
-                    <a:bodyPr/>
-                    <a:lstStyle/>
-                    <a:p>
-                      <a:pPr algn="l" fontAlgn="ctr"/>
-                      <a:r>
-                        <a:rPr lang="en-US" sz="700" b="0" i="0" u="none" strike="noStrike" dirty="0">
-                          <a:solidFill>
-                            <a:srgbClr val="000000"/>
-                          </a:solidFill>
-                          <a:effectLst/>
-                          <a:latin typeface="游ゴシック" panose="020B0400000000000000" pitchFamily="50" charset="-128"/>
-                          <a:ea typeface="游ゴシック" panose="020B0400000000000000" pitchFamily="50" charset="-128"/>
-                        </a:rPr>
-                        <a:t>-</a:t>
-                      </a:r>
-                    </a:p>
-                  </a:txBody>
-                  <a:tcPr marL="8637" marR="8637" marT="8637" marB="0" anchor="ctr">
-                    <a:lnL>
-                      <a:noFill/>
-                    </a:lnL>
-                    <a:lnR>
-                      <a:noFill/>
-                    </a:lnR>
-                    <a:lnT>
-                      <a:noFill/>
-                    </a:lnT>
-                    <a:lnB>
-                      <a:noFill/>
-                    </a:lnB>
-                  </a:tcPr>
-                </a:tc>
-                <a:extLst>
-                  <a:ext uri="{0D108BD9-81ED-4DB2-BD59-A6C34878D82A}">
-                    <a16:rowId xmlns:a16="http://schemas.microsoft.com/office/drawing/2014/main" val="491825746"/>
-                  </a:ext>
-                </a:extLst>
-              </a:tr>
-              <a:tr h="136587">
-                <a:tc>
-                  <a:txBody>
-                    <a:bodyPr/>
-                    <a:lstStyle/>
-                    <a:p>
-                      <a:pPr algn="l" fontAlgn="ctr"/>
-                      <a:r>
-                        <a:rPr lang="en-US" sz="700" b="0" i="0" u="none" strike="noStrike" dirty="0">
-                          <a:solidFill>
-                            <a:srgbClr val="000000"/>
-                          </a:solidFill>
-                          <a:effectLst/>
-                          <a:latin typeface="游ゴシック" panose="020B0400000000000000" pitchFamily="50" charset="-128"/>
-                          <a:ea typeface="游ゴシック" panose="020B0400000000000000" pitchFamily="50" charset="-128"/>
-                        </a:rPr>
-                        <a:t>-</a:t>
-                      </a:r>
-                    </a:p>
-                  </a:txBody>
-                  <a:tcPr marL="8637" marR="8637" marT="8637" marB="0" anchor="ctr">
-                    <a:lnL>
-                      <a:noFill/>
-                    </a:lnL>
-                    <a:lnR>
-                      <a:noFill/>
-                    </a:lnR>
-                    <a:lnT>
-                      <a:noFill/>
-                    </a:lnT>
-                    <a:lnB>
-                      <a:noFill/>
-                    </a:lnB>
-                  </a:tcPr>
-                </a:tc>
-                <a:tc>
-                  <a:txBody>
-                    <a:bodyPr/>
-                    <a:lstStyle/>
-                    <a:p>
-                      <a:pPr algn="l" fontAlgn="ctr"/>
-                      <a:r>
-                        <a:rPr lang="en-US" sz="700" b="0" i="0" u="none" strike="noStrike" dirty="0">
-                          <a:solidFill>
-                            <a:srgbClr val="000000"/>
-                          </a:solidFill>
-                          <a:effectLst/>
-                          <a:latin typeface="游ゴシック" panose="020B0400000000000000" pitchFamily="50" charset="-128"/>
-                          <a:ea typeface="游ゴシック" panose="020B0400000000000000" pitchFamily="50" charset="-128"/>
-                        </a:rPr>
-                        <a:t>-</a:t>
-                      </a:r>
-                    </a:p>
-                  </a:txBody>
-                  <a:tcPr marL="8637" marR="8637" marT="8637" marB="0" anchor="ctr">
-                    <a:lnL>
-                      <a:noFill/>
-                    </a:lnL>
-                    <a:lnR>
-                      <a:noFill/>
-                    </a:lnR>
-                    <a:lnT>
-                      <a:noFill/>
-                    </a:lnT>
-                    <a:lnB>
-                      <a:noFill/>
-                    </a:lnB>
-                  </a:tcPr>
-                </a:tc>
-                <a:tc>
-                  <a:txBody>
-                    <a:bodyPr/>
-                    <a:lstStyle/>
-                    <a:p>
-                      <a:pPr algn="l" fontAlgn="ctr"/>
-                      <a:r>
-                        <a:rPr lang="en-US" sz="700" b="0" i="0" u="none" strike="noStrike" dirty="0">
-                          <a:solidFill>
-                            <a:srgbClr val="000000"/>
-                          </a:solidFill>
-                          <a:effectLst/>
-                          <a:latin typeface="游ゴシック" panose="020B0400000000000000" pitchFamily="50" charset="-128"/>
-                          <a:ea typeface="游ゴシック" panose="020B0400000000000000" pitchFamily="50" charset="-128"/>
-                        </a:rPr>
-                        <a:t>-</a:t>
-                      </a:r>
-                    </a:p>
-                  </a:txBody>
-                  <a:tcPr marL="8637" marR="8637" marT="8637" marB="0" anchor="ctr">
-                    <a:lnL>
-                      <a:noFill/>
-                    </a:lnL>
-                    <a:lnR>
-                      <a:noFill/>
-                    </a:lnR>
-                    <a:lnT>
-                      <a:noFill/>
-                    </a:lnT>
-                    <a:lnB>
-                      <a:noFill/>
-                    </a:lnB>
-                  </a:tcPr>
-                </a:tc>
-                <a:tc>
-                  <a:txBody>
-                    <a:bodyPr/>
-                    <a:lstStyle/>
-                    <a:p>
-                      <a:pPr algn="l" fontAlgn="ctr"/>
-                      <a:r>
-                        <a:rPr lang="en-US" sz="700" b="0" i="0" u="none" strike="noStrike" dirty="0">
-                          <a:solidFill>
-                            <a:srgbClr val="000000"/>
-                          </a:solidFill>
-                          <a:effectLst/>
-                          <a:latin typeface="游ゴシック" panose="020B0400000000000000" pitchFamily="50" charset="-128"/>
-                          <a:ea typeface="游ゴシック" panose="020B0400000000000000" pitchFamily="50" charset="-128"/>
-                        </a:rPr>
-                        <a:t>-</a:t>
-                      </a:r>
-                    </a:p>
-                  </a:txBody>
-                  <a:tcPr marL="8637" marR="8637" marT="8637" marB="0" anchor="ctr">
-                    <a:lnL>
-                      <a:noFill/>
-                    </a:lnL>
-                    <a:lnR>
-                      <a:noFill/>
-                    </a:lnR>
-                    <a:lnT>
-                      <a:noFill/>
-                    </a:lnT>
-                    <a:lnB>
-                      <a:noFill/>
-                    </a:lnB>
-                  </a:tcPr>
-                </a:tc>
-                <a:tc>
-                  <a:txBody>
-                    <a:bodyPr/>
-                    <a:lstStyle/>
-                    <a:p>
-                      <a:pPr algn="l" fontAlgn="ctr"/>
-                      <a:r>
-                        <a:rPr lang="en-US" sz="700" b="0" i="0" u="none" strike="noStrike" dirty="0">
-                          <a:solidFill>
-                            <a:srgbClr val="000000"/>
-                          </a:solidFill>
-                          <a:effectLst/>
-                          <a:latin typeface="游ゴシック" panose="020B0400000000000000" pitchFamily="50" charset="-128"/>
-                          <a:ea typeface="游ゴシック" panose="020B0400000000000000" pitchFamily="50" charset="-128"/>
-                        </a:rPr>
-                        <a:t>-</a:t>
-                      </a:r>
-                    </a:p>
-                  </a:txBody>
-                  <a:tcPr marL="8637" marR="8637" marT="8637" marB="0" anchor="ctr">
-                    <a:lnL>
-                      <a:noFill/>
-                    </a:lnL>
-                    <a:lnR>
-                      <a:noFill/>
-                    </a:lnR>
-                    <a:lnT>
-                      <a:noFill/>
-                    </a:lnT>
-                    <a:lnB>
-                      <a:noFill/>
-                    </a:lnB>
-                  </a:tcPr>
-                </a:tc>
-                <a:tc>
-                  <a:txBody>
-                    <a:bodyPr/>
-                    <a:lstStyle/>
-                    <a:p>
-                      <a:pPr algn="l" fontAlgn="ctr"/>
-                      <a:r>
-                        <a:rPr lang="en-US" sz="700" b="0" i="0" u="none" strike="noStrike" dirty="0">
-                          <a:solidFill>
-                            <a:srgbClr val="000000"/>
-                          </a:solidFill>
-                          <a:effectLst/>
-                          <a:latin typeface="游ゴシック" panose="020B0400000000000000" pitchFamily="50" charset="-128"/>
-                          <a:ea typeface="游ゴシック" panose="020B0400000000000000" pitchFamily="50" charset="-128"/>
-                        </a:rPr>
-                        <a:t>-</a:t>
-                      </a:r>
-                    </a:p>
-                  </a:txBody>
-                  <a:tcPr marL="8637" marR="8637" marT="8637" marB="0" anchor="ctr">
-                    <a:lnL>
-                      <a:noFill/>
-                    </a:lnL>
-                    <a:lnR>
-                      <a:noFill/>
-                    </a:lnR>
-                    <a:lnT>
-                      <a:noFill/>
-                    </a:lnT>
-                    <a:lnB>
-                      <a:noFill/>
-                    </a:lnB>
-                  </a:tcPr>
-                </a:tc>
-                <a:tc>
-                  <a:txBody>
-                    <a:bodyPr/>
-                    <a:lstStyle/>
-                    <a:p>
-                      <a:pPr algn="l" fontAlgn="ctr"/>
-                      <a:r>
-                        <a:rPr lang="en-US" sz="700" b="0" i="0" u="none" strike="noStrike" dirty="0">
-                          <a:solidFill>
-                            <a:srgbClr val="000000"/>
-                          </a:solidFill>
-                          <a:effectLst/>
-                          <a:latin typeface="游ゴシック" panose="020B0400000000000000" pitchFamily="50" charset="-128"/>
-                          <a:ea typeface="游ゴシック" panose="020B0400000000000000" pitchFamily="50" charset="-128"/>
-                        </a:rPr>
-                        <a:t>-</a:t>
-                      </a:r>
-                    </a:p>
-                  </a:txBody>
-                  <a:tcPr marL="8637" marR="8637" marT="8637" marB="0" anchor="ctr">
-                    <a:lnL>
-                      <a:noFill/>
-                    </a:lnL>
-                    <a:lnR>
-                      <a:noFill/>
-                    </a:lnR>
-                    <a:lnT>
-                      <a:noFill/>
-                    </a:lnT>
-                    <a:lnB>
-                      <a:noFill/>
-                    </a:lnB>
-                  </a:tcPr>
-                </a:tc>
-                <a:extLst>
-                  <a:ext uri="{0D108BD9-81ED-4DB2-BD59-A6C34878D82A}">
-                    <a16:rowId xmlns:a16="http://schemas.microsoft.com/office/drawing/2014/main" val="1590320746"/>
-                  </a:ext>
-                </a:extLst>
-              </a:tr>
-              <a:tr h="136587">
-                <a:tc>
-                  <a:txBody>
-                    <a:bodyPr/>
-                    <a:lstStyle/>
-                    <a:p>
-                      <a:pPr algn="l" fontAlgn="ctr"/>
-                      <a:r>
-                        <a:rPr lang="en-US" sz="700" b="0" i="0" u="none" strike="noStrike" dirty="0">
-                          <a:solidFill>
-                            <a:srgbClr val="000000"/>
-                          </a:solidFill>
-                          <a:effectLst/>
-                          <a:latin typeface="游ゴシック" panose="020B0400000000000000" pitchFamily="50" charset="-128"/>
-                          <a:ea typeface="游ゴシック" panose="020B0400000000000000" pitchFamily="50" charset="-128"/>
-                        </a:rPr>
-                        <a:t>-</a:t>
-                      </a:r>
-                    </a:p>
-                  </a:txBody>
-                  <a:tcPr marL="8637" marR="8637" marT="8637" marB="0" anchor="ctr">
-                    <a:lnL>
-                      <a:noFill/>
-                    </a:lnL>
-                    <a:lnR>
-                      <a:noFill/>
-                    </a:lnR>
-                    <a:lnT>
-                      <a:noFill/>
-                    </a:lnT>
-                    <a:lnB>
-                      <a:noFill/>
-                    </a:lnB>
-                  </a:tcPr>
-                </a:tc>
-                <a:tc>
-                  <a:txBody>
-                    <a:bodyPr/>
-                    <a:lstStyle/>
-                    <a:p>
-                      <a:pPr algn="l" fontAlgn="ctr"/>
-                      <a:r>
-                        <a:rPr lang="en-US" sz="700" b="0" i="0" u="none" strike="noStrike" dirty="0">
-                          <a:solidFill>
-                            <a:srgbClr val="000000"/>
-                          </a:solidFill>
-                          <a:effectLst/>
-                          <a:latin typeface="游ゴシック" panose="020B0400000000000000" pitchFamily="50" charset="-128"/>
-                          <a:ea typeface="游ゴシック" panose="020B0400000000000000" pitchFamily="50" charset="-128"/>
-                        </a:rPr>
-                        <a:t>-</a:t>
-                      </a:r>
-                    </a:p>
-                  </a:txBody>
-                  <a:tcPr marL="8637" marR="8637" marT="8637" marB="0" anchor="ctr">
-                    <a:lnL>
-                      <a:noFill/>
-                    </a:lnL>
-                    <a:lnR>
-                      <a:noFill/>
-                    </a:lnR>
-                    <a:lnT>
-                      <a:noFill/>
-                    </a:lnT>
-                    <a:lnB>
-                      <a:noFill/>
-                    </a:lnB>
-                  </a:tcPr>
-                </a:tc>
-                <a:tc>
-                  <a:txBody>
-                    <a:bodyPr/>
-                    <a:lstStyle/>
-                    <a:p>
-                      <a:pPr algn="l" fontAlgn="ctr"/>
-                      <a:r>
-                        <a:rPr lang="en-US" sz="700" b="0" i="0" u="none" strike="noStrike" dirty="0">
-                          <a:solidFill>
-                            <a:srgbClr val="000000"/>
-                          </a:solidFill>
-                          <a:effectLst/>
-                          <a:latin typeface="游ゴシック" panose="020B0400000000000000" pitchFamily="50" charset="-128"/>
-                          <a:ea typeface="游ゴシック" panose="020B0400000000000000" pitchFamily="50" charset="-128"/>
-                        </a:rPr>
-                        <a:t>-</a:t>
-                      </a:r>
-                    </a:p>
-                  </a:txBody>
-                  <a:tcPr marL="8637" marR="8637" marT="8637" marB="0" anchor="ctr">
-                    <a:lnL>
-                      <a:noFill/>
-                    </a:lnL>
-                    <a:lnR>
-                      <a:noFill/>
-                    </a:lnR>
-                    <a:lnT>
-                      <a:noFill/>
-                    </a:lnT>
-                    <a:lnB>
-                      <a:noFill/>
-                    </a:lnB>
-                  </a:tcPr>
-                </a:tc>
-                <a:tc>
-                  <a:txBody>
-                    <a:bodyPr/>
-                    <a:lstStyle/>
-                    <a:p>
-                      <a:pPr algn="l" fontAlgn="ctr"/>
-                      <a:r>
-                        <a:rPr lang="en-US" sz="700" b="0" i="0" u="none" strike="noStrike" dirty="0">
-                          <a:solidFill>
-                            <a:srgbClr val="000000"/>
-                          </a:solidFill>
-                          <a:effectLst/>
-                          <a:latin typeface="游ゴシック" panose="020B0400000000000000" pitchFamily="50" charset="-128"/>
-                          <a:ea typeface="游ゴシック" panose="020B0400000000000000" pitchFamily="50" charset="-128"/>
-                        </a:rPr>
-                        <a:t>-</a:t>
-                      </a:r>
-                    </a:p>
-                  </a:txBody>
-                  <a:tcPr marL="8637" marR="8637" marT="8637" marB="0" anchor="ctr">
-                    <a:lnL>
-                      <a:noFill/>
-                    </a:lnL>
-                    <a:lnR>
-                      <a:noFill/>
-                    </a:lnR>
-                    <a:lnT>
-                      <a:noFill/>
-                    </a:lnT>
-                    <a:lnB>
-                      <a:noFill/>
-                    </a:lnB>
-                  </a:tcPr>
-                </a:tc>
-                <a:tc>
-                  <a:txBody>
-                    <a:bodyPr/>
-                    <a:lstStyle/>
-                    <a:p>
-                      <a:pPr algn="l" fontAlgn="ctr"/>
-                      <a:r>
-                        <a:rPr lang="en-US" sz="700" b="0" i="0" u="none" strike="noStrike" dirty="0">
-                          <a:solidFill>
-                            <a:srgbClr val="000000"/>
-                          </a:solidFill>
-                          <a:effectLst/>
-                          <a:latin typeface="游ゴシック" panose="020B0400000000000000" pitchFamily="50" charset="-128"/>
-                          <a:ea typeface="游ゴシック" panose="020B0400000000000000" pitchFamily="50" charset="-128"/>
-                        </a:rPr>
-                        <a:t>-</a:t>
-                      </a:r>
-                    </a:p>
-                  </a:txBody>
-                  <a:tcPr marL="8637" marR="8637" marT="8637" marB="0" anchor="ctr">
-                    <a:lnL>
-                      <a:noFill/>
-                    </a:lnL>
-                    <a:lnR>
-                      <a:noFill/>
-                    </a:lnR>
-                    <a:lnT>
-                      <a:noFill/>
-                    </a:lnT>
-                    <a:lnB>
-                      <a:noFill/>
-                    </a:lnB>
-                  </a:tcPr>
-                </a:tc>
-                <a:tc>
-                  <a:txBody>
-                    <a:bodyPr/>
-                    <a:lstStyle/>
-                    <a:p>
-                      <a:pPr algn="l" fontAlgn="ctr"/>
-                      <a:r>
-                        <a:rPr lang="en-US" sz="700" b="0" i="0" u="none" strike="noStrike" dirty="0">
-                          <a:solidFill>
-                            <a:srgbClr val="000000"/>
-                          </a:solidFill>
-                          <a:effectLst/>
-                          <a:latin typeface="游ゴシック" panose="020B0400000000000000" pitchFamily="50" charset="-128"/>
-                          <a:ea typeface="游ゴシック" panose="020B0400000000000000" pitchFamily="50" charset="-128"/>
-                        </a:rPr>
-                        <a:t>-</a:t>
-                      </a:r>
-                    </a:p>
-                  </a:txBody>
-                  <a:tcPr marL="8637" marR="8637" marT="8637" marB="0" anchor="ctr">
-                    <a:lnL>
-                      <a:noFill/>
-                    </a:lnL>
-                    <a:lnR>
-                      <a:noFill/>
-                    </a:lnR>
-                    <a:lnT>
-                      <a:noFill/>
-                    </a:lnT>
-                    <a:lnB>
-                      <a:noFill/>
-                    </a:lnB>
-                  </a:tcPr>
-                </a:tc>
-                <a:tc>
-                  <a:txBody>
-                    <a:bodyPr/>
-                    <a:lstStyle/>
-                    <a:p>
-                      <a:pPr algn="l" fontAlgn="ctr"/>
-                      <a:r>
-                        <a:rPr lang="en-US" sz="700" b="0" i="0" u="none" strike="noStrike" dirty="0">
-                          <a:solidFill>
-                            <a:srgbClr val="000000"/>
-                          </a:solidFill>
-                          <a:effectLst/>
-                          <a:latin typeface="游ゴシック" panose="020B0400000000000000" pitchFamily="50" charset="-128"/>
-                          <a:ea typeface="游ゴシック" panose="020B0400000000000000" pitchFamily="50" charset="-128"/>
-                        </a:rPr>
-                        <a:t>-</a:t>
-                      </a:r>
-                    </a:p>
-                  </a:txBody>
-                  <a:tcPr marL="8637" marR="8637" marT="8637" marB="0" anchor="ctr">
-                    <a:lnL>
-                      <a:noFill/>
-                    </a:lnL>
-                    <a:lnR>
-                      <a:noFill/>
-                    </a:lnR>
-                    <a:lnT>
-                      <a:noFill/>
-                    </a:lnT>
-                    <a:lnB>
-                      <a:noFill/>
-                    </a:lnB>
-                  </a:tcPr>
-                </a:tc>
-                <a:extLst>
-                  <a:ext uri="{0D108BD9-81ED-4DB2-BD59-A6C34878D82A}">
-                    <a16:rowId xmlns:a16="http://schemas.microsoft.com/office/drawing/2014/main" val="962580346"/>
-                  </a:ext>
-                </a:extLst>
-              </a:tr>
-              <a:tr h="136587">
-                <a:tc>
-                  <a:txBody>
-                    <a:bodyPr/>
-                    <a:lstStyle/>
-                    <a:p>
-                      <a:pPr algn="l" fontAlgn="ctr"/>
-                      <a:r>
-                        <a:rPr lang="en-US" sz="700" b="0" i="0" u="none" strike="noStrike" dirty="0">
-                          <a:solidFill>
-                            <a:srgbClr val="000000"/>
-                          </a:solidFill>
-                          <a:effectLst/>
-                          <a:latin typeface="游ゴシック" panose="020B0400000000000000" pitchFamily="50" charset="-128"/>
-                          <a:ea typeface="游ゴシック" panose="020B0400000000000000" pitchFamily="50" charset="-128"/>
-                        </a:rPr>
-                        <a:t>-</a:t>
-                      </a:r>
-                    </a:p>
-                  </a:txBody>
-                  <a:tcPr marL="8637" marR="8637" marT="8637" marB="0" anchor="ctr">
-                    <a:lnL>
-                      <a:noFill/>
-                    </a:lnL>
-                    <a:lnR>
-                      <a:noFill/>
-                    </a:lnR>
-                    <a:lnT>
-                      <a:noFill/>
-                    </a:lnT>
-                    <a:lnB>
-                      <a:noFill/>
-                    </a:lnB>
-                  </a:tcPr>
-                </a:tc>
-                <a:tc>
-                  <a:txBody>
-                    <a:bodyPr/>
-                    <a:lstStyle/>
-                    <a:p>
-                      <a:pPr algn="l" fontAlgn="ctr"/>
-                      <a:r>
-                        <a:rPr lang="en-US" sz="700" b="0" i="0" u="none" strike="noStrike" dirty="0">
-                          <a:solidFill>
-                            <a:srgbClr val="000000"/>
-                          </a:solidFill>
-                          <a:effectLst/>
-                          <a:latin typeface="游ゴシック" panose="020B0400000000000000" pitchFamily="50" charset="-128"/>
-                          <a:ea typeface="游ゴシック" panose="020B0400000000000000" pitchFamily="50" charset="-128"/>
-                        </a:rPr>
-                        <a:t>-</a:t>
-                      </a:r>
-                    </a:p>
-                  </a:txBody>
-                  <a:tcPr marL="8637" marR="8637" marT="8637" marB="0" anchor="ctr">
-                    <a:lnL>
-                      <a:noFill/>
-                    </a:lnL>
-                    <a:lnR>
-                      <a:noFill/>
-                    </a:lnR>
-                    <a:lnT>
-                      <a:noFill/>
-                    </a:lnT>
-                    <a:lnB>
-                      <a:noFill/>
-                    </a:lnB>
-                  </a:tcPr>
-                </a:tc>
-                <a:tc>
-                  <a:txBody>
-                    <a:bodyPr/>
-                    <a:lstStyle/>
-                    <a:p>
-                      <a:pPr algn="l" fontAlgn="ctr"/>
-                      <a:r>
-                        <a:rPr lang="en-US" sz="700" b="0" i="0" u="none" strike="noStrike" dirty="0">
-                          <a:solidFill>
-                            <a:srgbClr val="000000"/>
-                          </a:solidFill>
-                          <a:effectLst/>
-                          <a:latin typeface="游ゴシック" panose="020B0400000000000000" pitchFamily="50" charset="-128"/>
-                          <a:ea typeface="游ゴシック" panose="020B0400000000000000" pitchFamily="50" charset="-128"/>
-                        </a:rPr>
-                        <a:t>-</a:t>
-                      </a:r>
-                    </a:p>
-                  </a:txBody>
-                  <a:tcPr marL="8637" marR="8637" marT="8637" marB="0" anchor="ctr">
-                    <a:lnL>
-                      <a:noFill/>
-                    </a:lnL>
-                    <a:lnR>
-                      <a:noFill/>
-                    </a:lnR>
-                    <a:lnT>
-                      <a:noFill/>
-                    </a:lnT>
-                    <a:lnB>
-                      <a:noFill/>
-                    </a:lnB>
-                  </a:tcPr>
-                </a:tc>
-                <a:tc>
-                  <a:txBody>
-                    <a:bodyPr/>
-                    <a:lstStyle/>
-                    <a:p>
-                      <a:pPr algn="l" fontAlgn="ctr"/>
-                      <a:r>
-                        <a:rPr lang="en-US" sz="700" b="0" i="0" u="none" strike="noStrike" dirty="0">
-                          <a:solidFill>
-                            <a:srgbClr val="000000"/>
-                          </a:solidFill>
-                          <a:effectLst/>
-                          <a:latin typeface="游ゴシック" panose="020B0400000000000000" pitchFamily="50" charset="-128"/>
-                          <a:ea typeface="游ゴシック" panose="020B0400000000000000" pitchFamily="50" charset="-128"/>
-                        </a:rPr>
-                        <a:t>-</a:t>
-                      </a:r>
-                    </a:p>
-                  </a:txBody>
-                  <a:tcPr marL="8637" marR="8637" marT="8637" marB="0" anchor="ctr">
-                    <a:lnL>
-                      <a:noFill/>
-                    </a:lnL>
-                    <a:lnR>
-                      <a:noFill/>
-                    </a:lnR>
-                    <a:lnT>
-                      <a:noFill/>
-                    </a:lnT>
-                    <a:lnB>
-                      <a:noFill/>
-                    </a:lnB>
-                  </a:tcPr>
-                </a:tc>
-                <a:tc>
-                  <a:txBody>
-                    <a:bodyPr/>
-                    <a:lstStyle/>
-                    <a:p>
-                      <a:pPr algn="l" fontAlgn="ctr"/>
-                      <a:r>
-                        <a:rPr lang="en-US" sz="700" b="0" i="0" u="none" strike="noStrike" dirty="0">
-                          <a:solidFill>
-                            <a:srgbClr val="000000"/>
-                          </a:solidFill>
-                          <a:effectLst/>
-                          <a:latin typeface="游ゴシック" panose="020B0400000000000000" pitchFamily="50" charset="-128"/>
-                          <a:ea typeface="游ゴシック" panose="020B0400000000000000" pitchFamily="50" charset="-128"/>
-                        </a:rPr>
-                        <a:t>-</a:t>
-                      </a:r>
-                    </a:p>
-                  </a:txBody>
-                  <a:tcPr marL="8637" marR="8637" marT="8637" marB="0" anchor="ctr">
-                    <a:lnL>
-                      <a:noFill/>
-                    </a:lnL>
-                    <a:lnR>
-                      <a:noFill/>
-                    </a:lnR>
-                    <a:lnT>
-                      <a:noFill/>
-                    </a:lnT>
-                    <a:lnB>
-                      <a:noFill/>
-                    </a:lnB>
-                  </a:tcPr>
-                </a:tc>
-                <a:tc>
-                  <a:txBody>
-                    <a:bodyPr/>
-                    <a:lstStyle/>
-                    <a:p>
-                      <a:pPr algn="l" fontAlgn="ctr"/>
-                      <a:r>
-                        <a:rPr lang="en-US" sz="700" b="0" i="0" u="none" strike="noStrike" dirty="0">
-                          <a:solidFill>
-                            <a:srgbClr val="000000"/>
-                          </a:solidFill>
-                          <a:effectLst/>
-                          <a:latin typeface="游ゴシック" panose="020B0400000000000000" pitchFamily="50" charset="-128"/>
-                          <a:ea typeface="游ゴシック" panose="020B0400000000000000" pitchFamily="50" charset="-128"/>
-                        </a:rPr>
-                        <a:t>-</a:t>
-                      </a:r>
-                    </a:p>
-                  </a:txBody>
-                  <a:tcPr marL="8637" marR="8637" marT="8637" marB="0" anchor="ctr">
-                    <a:lnL>
-                      <a:noFill/>
-                    </a:lnL>
-                    <a:lnR>
-                      <a:noFill/>
-                    </a:lnR>
-                    <a:lnT>
-                      <a:noFill/>
-                    </a:lnT>
-                    <a:lnB>
-                      <a:noFill/>
-                    </a:lnB>
-                  </a:tcPr>
-                </a:tc>
-                <a:tc>
-                  <a:txBody>
-                    <a:bodyPr/>
-                    <a:lstStyle/>
-                    <a:p>
-                      <a:pPr algn="l" fontAlgn="ctr"/>
-                      <a:r>
-                        <a:rPr lang="en-US" sz="700" b="0" i="0" u="none" strike="noStrike" dirty="0">
-                          <a:solidFill>
-                            <a:srgbClr val="000000"/>
-                          </a:solidFill>
-                          <a:effectLst/>
-                          <a:latin typeface="游ゴシック" panose="020B0400000000000000" pitchFamily="50" charset="-128"/>
-                          <a:ea typeface="游ゴシック" panose="020B0400000000000000" pitchFamily="50" charset="-128"/>
-                        </a:rPr>
-                        <a:t>-</a:t>
-                      </a:r>
-                    </a:p>
-                  </a:txBody>
-                  <a:tcPr marL="8637" marR="8637" marT="8637" marB="0" anchor="ctr">
-                    <a:lnL>
-                      <a:noFill/>
-                    </a:lnL>
-                    <a:lnR>
-                      <a:noFill/>
-                    </a:lnR>
-                    <a:lnT>
-                      <a:noFill/>
-                    </a:lnT>
-                    <a:lnB>
-                      <a:noFill/>
-                    </a:lnB>
-                  </a:tcPr>
-                </a:tc>
-                <a:extLst>
-                  <a:ext uri="{0D108BD9-81ED-4DB2-BD59-A6C34878D82A}">
-                    <a16:rowId xmlns:a16="http://schemas.microsoft.com/office/drawing/2014/main" val="512392770"/>
-                  </a:ext>
-                </a:extLst>
-              </a:tr>
-              <a:tr h="136587">
-                <a:tc>
-                  <a:txBody>
-                    <a:bodyPr/>
-                    <a:lstStyle/>
-                    <a:p>
-                      <a:pPr algn="l" fontAlgn="ctr"/>
-                      <a:r>
-                        <a:rPr lang="en-US" sz="700" b="0" i="0" u="none" strike="noStrike" dirty="0">
-                          <a:solidFill>
-                            <a:srgbClr val="000000"/>
-                          </a:solidFill>
-                          <a:effectLst/>
-                          <a:latin typeface="游ゴシック" panose="020B0400000000000000" pitchFamily="50" charset="-128"/>
-                          <a:ea typeface="游ゴシック" panose="020B0400000000000000" pitchFamily="50" charset="-128"/>
-                        </a:rPr>
-                        <a:t>-</a:t>
-                      </a:r>
-                    </a:p>
-                  </a:txBody>
-                  <a:tcPr marL="8637" marR="8637" marT="8637" marB="0" anchor="ctr">
-                    <a:lnL>
-                      <a:noFill/>
-                    </a:lnL>
-                    <a:lnR>
-                      <a:noFill/>
-                    </a:lnR>
-                    <a:lnT>
-                      <a:noFill/>
-                    </a:lnT>
-                    <a:lnB>
-                      <a:noFill/>
-                    </a:lnB>
-                  </a:tcPr>
-                </a:tc>
-                <a:tc>
-                  <a:txBody>
-                    <a:bodyPr/>
-                    <a:lstStyle/>
-                    <a:p>
-                      <a:pPr algn="l" fontAlgn="ctr"/>
-                      <a:r>
-                        <a:rPr lang="en-US" sz="700" b="0" i="0" u="none" strike="noStrike" dirty="0">
-                          <a:solidFill>
-                            <a:srgbClr val="000000"/>
-                          </a:solidFill>
-                          <a:effectLst/>
-                          <a:latin typeface="游ゴシック" panose="020B0400000000000000" pitchFamily="50" charset="-128"/>
-                          <a:ea typeface="游ゴシック" panose="020B0400000000000000" pitchFamily="50" charset="-128"/>
-                        </a:rPr>
-                        <a:t>-</a:t>
-                      </a:r>
-                    </a:p>
-                  </a:txBody>
-                  <a:tcPr marL="8637" marR="8637" marT="8637" marB="0" anchor="ctr">
-                    <a:lnL>
-                      <a:noFill/>
-                    </a:lnL>
-                    <a:lnR>
-                      <a:noFill/>
-                    </a:lnR>
-                    <a:lnT>
-                      <a:noFill/>
-                    </a:lnT>
-                    <a:lnB>
-                      <a:noFill/>
-                    </a:lnB>
-                  </a:tcPr>
-                </a:tc>
-                <a:tc>
-                  <a:txBody>
-                    <a:bodyPr/>
-                    <a:lstStyle/>
-                    <a:p>
-                      <a:pPr algn="l" fontAlgn="ctr"/>
-                      <a:r>
-                        <a:rPr lang="en-US" sz="700" b="0" i="0" u="none" strike="noStrike" dirty="0">
-                          <a:solidFill>
-                            <a:srgbClr val="000000"/>
-                          </a:solidFill>
-                          <a:effectLst/>
-                          <a:latin typeface="游ゴシック" panose="020B0400000000000000" pitchFamily="50" charset="-128"/>
-                          <a:ea typeface="游ゴシック" panose="020B0400000000000000" pitchFamily="50" charset="-128"/>
-                        </a:rPr>
-                        <a:t>-</a:t>
-                      </a:r>
-                    </a:p>
-                  </a:txBody>
-                  <a:tcPr marL="8637" marR="8637" marT="8637" marB="0" anchor="ctr">
-                    <a:lnL>
-                      <a:noFill/>
-                    </a:lnL>
-                    <a:lnR>
-                      <a:noFill/>
-                    </a:lnR>
-                    <a:lnT>
-                      <a:noFill/>
-                    </a:lnT>
-                    <a:lnB>
-                      <a:noFill/>
-                    </a:lnB>
-                  </a:tcPr>
-                </a:tc>
-                <a:tc>
-                  <a:txBody>
-                    <a:bodyPr/>
-                    <a:lstStyle/>
-                    <a:p>
-                      <a:pPr algn="l" fontAlgn="ctr"/>
-                      <a:r>
-                        <a:rPr lang="en-US" sz="700" b="0" i="0" u="none" strike="noStrike" dirty="0">
-                          <a:solidFill>
-                            <a:srgbClr val="000000"/>
-                          </a:solidFill>
-                          <a:effectLst/>
-                          <a:latin typeface="游ゴシック" panose="020B0400000000000000" pitchFamily="50" charset="-128"/>
-                          <a:ea typeface="游ゴシック" panose="020B0400000000000000" pitchFamily="50" charset="-128"/>
-                        </a:rPr>
-                        <a:t>-</a:t>
-                      </a:r>
-                    </a:p>
-                  </a:txBody>
-                  <a:tcPr marL="8637" marR="8637" marT="8637" marB="0" anchor="ctr">
-                    <a:lnL>
-                      <a:noFill/>
-                    </a:lnL>
-                    <a:lnR>
-                      <a:noFill/>
-                    </a:lnR>
-                    <a:lnT>
-                      <a:noFill/>
-                    </a:lnT>
-                    <a:lnB>
-                      <a:noFill/>
-                    </a:lnB>
-                  </a:tcPr>
-                </a:tc>
-                <a:tc>
-                  <a:txBody>
-                    <a:bodyPr/>
-                    <a:lstStyle/>
-                    <a:p>
-                      <a:pPr algn="l" fontAlgn="ctr"/>
-                      <a:r>
-                        <a:rPr lang="en-US" sz="700" b="0" i="0" u="none" strike="noStrike" dirty="0">
-                          <a:solidFill>
-                            <a:srgbClr val="000000"/>
-                          </a:solidFill>
-                          <a:effectLst/>
-                          <a:latin typeface="游ゴシック" panose="020B0400000000000000" pitchFamily="50" charset="-128"/>
-                          <a:ea typeface="游ゴシック" panose="020B0400000000000000" pitchFamily="50" charset="-128"/>
-                        </a:rPr>
-                        <a:t>-</a:t>
-                      </a:r>
-                    </a:p>
-                  </a:txBody>
-                  <a:tcPr marL="8637" marR="8637" marT="8637" marB="0" anchor="ctr">
-                    <a:lnL>
-                      <a:noFill/>
-                    </a:lnL>
-                    <a:lnR>
-                      <a:noFill/>
-                    </a:lnR>
-                    <a:lnT>
-                      <a:noFill/>
-                    </a:lnT>
-                    <a:lnB>
-                      <a:noFill/>
-                    </a:lnB>
-                  </a:tcPr>
-                </a:tc>
-                <a:tc>
-                  <a:txBody>
-                    <a:bodyPr/>
-                    <a:lstStyle/>
-                    <a:p>
-                      <a:pPr algn="l" fontAlgn="ctr"/>
-                      <a:r>
-                        <a:rPr lang="en-US" sz="700" b="0" i="0" u="none" strike="noStrike" dirty="0">
-                          <a:solidFill>
-                            <a:srgbClr val="000000"/>
-                          </a:solidFill>
-                          <a:effectLst/>
-                          <a:latin typeface="游ゴシック" panose="020B0400000000000000" pitchFamily="50" charset="-128"/>
-                          <a:ea typeface="游ゴシック" panose="020B0400000000000000" pitchFamily="50" charset="-128"/>
-                        </a:rPr>
-                        <a:t>-</a:t>
-                      </a:r>
-                    </a:p>
-                  </a:txBody>
-                  <a:tcPr marL="8637" marR="8637" marT="8637" marB="0" anchor="ctr">
-                    <a:lnL>
-                      <a:noFill/>
-                    </a:lnL>
-                    <a:lnR>
-                      <a:noFill/>
-                    </a:lnR>
-                    <a:lnT>
-                      <a:noFill/>
-                    </a:lnT>
-                    <a:lnB>
-                      <a:noFill/>
-                    </a:lnB>
-                  </a:tcPr>
-                </a:tc>
-                <a:tc>
-                  <a:txBody>
-                    <a:bodyPr/>
-                    <a:lstStyle/>
-                    <a:p>
-                      <a:pPr algn="l" fontAlgn="ctr"/>
-                      <a:r>
-                        <a:rPr lang="en-US" sz="700" b="0" i="0" u="none" strike="noStrike" dirty="0">
-                          <a:solidFill>
-                            <a:srgbClr val="000000"/>
-                          </a:solidFill>
-                          <a:effectLst/>
-                          <a:latin typeface="游ゴシック" panose="020B0400000000000000" pitchFamily="50" charset="-128"/>
-                          <a:ea typeface="游ゴシック" panose="020B0400000000000000" pitchFamily="50" charset="-128"/>
-                        </a:rPr>
-                        <a:t>-</a:t>
-                      </a:r>
-                    </a:p>
-                  </a:txBody>
-                  <a:tcPr marL="8637" marR="8637" marT="8637" marB="0" anchor="ctr">
-                    <a:lnL>
-                      <a:noFill/>
-                    </a:lnL>
-                    <a:lnR>
-                      <a:noFill/>
-                    </a:lnR>
-                    <a:lnT>
-                      <a:noFill/>
-                    </a:lnT>
-                    <a:lnB>
-                      <a:noFill/>
-                    </a:lnB>
-                  </a:tcPr>
-                </a:tc>
-                <a:extLst>
-                  <a:ext uri="{0D108BD9-81ED-4DB2-BD59-A6C34878D82A}">
-                    <a16:rowId xmlns:a16="http://schemas.microsoft.com/office/drawing/2014/main" val="2459930112"/>
-                  </a:ext>
-                </a:extLst>
-              </a:tr>
-              <a:tr h="136587">
-                <a:tc>
-                  <a:txBody>
-                    <a:bodyPr/>
-                    <a:lstStyle/>
-                    <a:p>
-                      <a:pPr algn="l" fontAlgn="ctr"/>
-                      <a:r>
-                        <a:rPr lang="en-US" sz="700" b="0" i="0" u="none" strike="noStrike" dirty="0">
-                          <a:solidFill>
-                            <a:srgbClr val="000000"/>
-                          </a:solidFill>
-                          <a:effectLst/>
-                          <a:latin typeface="游ゴシック" panose="020B0400000000000000" pitchFamily="50" charset="-128"/>
-                          <a:ea typeface="游ゴシック" panose="020B0400000000000000" pitchFamily="50" charset="-128"/>
-                        </a:rPr>
-                        <a:t>-</a:t>
-                      </a:r>
-                    </a:p>
-                  </a:txBody>
-                  <a:tcPr marL="8637" marR="8637" marT="8637" marB="0" anchor="ctr">
-                    <a:lnL>
-                      <a:noFill/>
-                    </a:lnL>
-                    <a:lnR>
-                      <a:noFill/>
-                    </a:lnR>
-                    <a:lnT>
-                      <a:noFill/>
-                    </a:lnT>
-                    <a:lnB>
-                      <a:noFill/>
-                    </a:lnB>
-                  </a:tcPr>
-                </a:tc>
-                <a:tc>
-                  <a:txBody>
-                    <a:bodyPr/>
-                    <a:lstStyle/>
-                    <a:p>
-                      <a:pPr algn="l" fontAlgn="ctr"/>
-                      <a:r>
-                        <a:rPr lang="en-US" sz="700" b="0" i="0" u="none" strike="noStrike" dirty="0">
-                          <a:solidFill>
-                            <a:srgbClr val="000000"/>
-                          </a:solidFill>
-                          <a:effectLst/>
-                          <a:latin typeface="游ゴシック" panose="020B0400000000000000" pitchFamily="50" charset="-128"/>
-                          <a:ea typeface="游ゴシック" panose="020B0400000000000000" pitchFamily="50" charset="-128"/>
-                        </a:rPr>
-                        <a:t>-</a:t>
-                      </a:r>
-                    </a:p>
-                  </a:txBody>
-                  <a:tcPr marL="8637" marR="8637" marT="8637" marB="0" anchor="ctr">
-                    <a:lnL>
-                      <a:noFill/>
-                    </a:lnL>
-                    <a:lnR>
-                      <a:noFill/>
-                    </a:lnR>
-                    <a:lnT>
-                      <a:noFill/>
-                    </a:lnT>
-                    <a:lnB>
-                      <a:noFill/>
-                    </a:lnB>
-                  </a:tcPr>
-                </a:tc>
-                <a:tc>
-                  <a:txBody>
-                    <a:bodyPr/>
-                    <a:lstStyle/>
-                    <a:p>
-                      <a:pPr algn="l" fontAlgn="ctr"/>
-                      <a:r>
-                        <a:rPr lang="en-US" sz="700" b="0" i="0" u="none" strike="noStrike" dirty="0">
-                          <a:solidFill>
-                            <a:srgbClr val="000000"/>
-                          </a:solidFill>
-                          <a:effectLst/>
-                          <a:latin typeface="游ゴシック" panose="020B0400000000000000" pitchFamily="50" charset="-128"/>
-                          <a:ea typeface="游ゴシック" panose="020B0400000000000000" pitchFamily="50" charset="-128"/>
-                        </a:rPr>
-                        <a:t>-</a:t>
-                      </a:r>
-                    </a:p>
-                  </a:txBody>
-                  <a:tcPr marL="8637" marR="8637" marT="8637" marB="0" anchor="ctr">
-                    <a:lnL>
-                      <a:noFill/>
-                    </a:lnL>
-                    <a:lnR>
-                      <a:noFill/>
-                    </a:lnR>
-                    <a:lnT>
-                      <a:noFill/>
-                    </a:lnT>
-                    <a:lnB>
-                      <a:noFill/>
-                    </a:lnB>
-                  </a:tcPr>
-                </a:tc>
-                <a:tc>
-                  <a:txBody>
-                    <a:bodyPr/>
-                    <a:lstStyle/>
-                    <a:p>
-                      <a:pPr algn="l" fontAlgn="ctr"/>
-                      <a:r>
-                        <a:rPr lang="en-US" sz="700" b="0" i="0" u="none" strike="noStrike" dirty="0">
-                          <a:solidFill>
-                            <a:srgbClr val="000000"/>
-                          </a:solidFill>
-                          <a:effectLst/>
-                          <a:latin typeface="游ゴシック" panose="020B0400000000000000" pitchFamily="50" charset="-128"/>
-                          <a:ea typeface="游ゴシック" panose="020B0400000000000000" pitchFamily="50" charset="-128"/>
-                        </a:rPr>
-                        <a:t>-</a:t>
-                      </a:r>
-                    </a:p>
-                  </a:txBody>
-                  <a:tcPr marL="8637" marR="8637" marT="8637" marB="0" anchor="ctr">
-                    <a:lnL>
-                      <a:noFill/>
-                    </a:lnL>
-                    <a:lnR>
-                      <a:noFill/>
-                    </a:lnR>
-                    <a:lnT>
-                      <a:noFill/>
-                    </a:lnT>
-                    <a:lnB>
-                      <a:noFill/>
-                    </a:lnB>
-                  </a:tcPr>
-                </a:tc>
-                <a:tc>
-                  <a:txBody>
-                    <a:bodyPr/>
-                    <a:lstStyle/>
-                    <a:p>
-                      <a:pPr algn="l" fontAlgn="ctr"/>
-                      <a:r>
-                        <a:rPr lang="en-US" sz="700" b="0" i="0" u="none" strike="noStrike" dirty="0">
-                          <a:solidFill>
-                            <a:srgbClr val="000000"/>
-                          </a:solidFill>
-                          <a:effectLst/>
-                          <a:latin typeface="游ゴシック" panose="020B0400000000000000" pitchFamily="50" charset="-128"/>
-                          <a:ea typeface="游ゴシック" panose="020B0400000000000000" pitchFamily="50" charset="-128"/>
-                        </a:rPr>
-                        <a:t>-</a:t>
-                      </a:r>
-                    </a:p>
-                  </a:txBody>
-                  <a:tcPr marL="8637" marR="8637" marT="8637" marB="0" anchor="ctr">
-                    <a:lnL>
-                      <a:noFill/>
-                    </a:lnL>
-                    <a:lnR>
-                      <a:noFill/>
-                    </a:lnR>
-                    <a:lnT>
-                      <a:noFill/>
-                    </a:lnT>
-                    <a:lnB>
-                      <a:noFill/>
-                    </a:lnB>
-                  </a:tcPr>
-                </a:tc>
-                <a:tc>
-                  <a:txBody>
-                    <a:bodyPr/>
-                    <a:lstStyle/>
-                    <a:p>
-                      <a:pPr algn="l" fontAlgn="ctr"/>
-                      <a:r>
-                        <a:rPr lang="en-US" sz="700" b="0" i="0" u="none" strike="noStrike" dirty="0">
-                          <a:solidFill>
-                            <a:srgbClr val="000000"/>
-                          </a:solidFill>
-                          <a:effectLst/>
-                          <a:latin typeface="游ゴシック" panose="020B0400000000000000" pitchFamily="50" charset="-128"/>
-                          <a:ea typeface="游ゴシック" panose="020B0400000000000000" pitchFamily="50" charset="-128"/>
-                        </a:rPr>
-                        <a:t>-</a:t>
-                      </a:r>
-                    </a:p>
-                  </a:txBody>
-                  <a:tcPr marL="8637" marR="8637" marT="8637" marB="0" anchor="ctr">
-                    <a:lnL>
-                      <a:noFill/>
-                    </a:lnL>
-                    <a:lnR>
-                      <a:noFill/>
-                    </a:lnR>
-                    <a:lnT>
-                      <a:noFill/>
-                    </a:lnT>
-                    <a:lnB>
-                      <a:noFill/>
-                    </a:lnB>
-                  </a:tcPr>
-                </a:tc>
-                <a:tc>
-                  <a:txBody>
-                    <a:bodyPr/>
-                    <a:lstStyle/>
-                    <a:p>
-                      <a:pPr algn="l" fontAlgn="ctr"/>
-                      <a:r>
-                        <a:rPr lang="en-US" sz="700" b="0" i="0" u="none" strike="noStrike" dirty="0">
-                          <a:solidFill>
-                            <a:srgbClr val="000000"/>
-                          </a:solidFill>
-                          <a:effectLst/>
-                          <a:latin typeface="游ゴシック" panose="020B0400000000000000" pitchFamily="50" charset="-128"/>
-                          <a:ea typeface="游ゴシック" panose="020B0400000000000000" pitchFamily="50" charset="-128"/>
-                        </a:rPr>
-                        <a:t>-</a:t>
-                      </a:r>
-                    </a:p>
-                  </a:txBody>
-                  <a:tcPr marL="8637" marR="8637" marT="8637" marB="0" anchor="ctr">
-                    <a:lnL>
-                      <a:noFill/>
-                    </a:lnL>
-                    <a:lnR>
-                      <a:noFill/>
-                    </a:lnR>
-                    <a:lnT>
-                      <a:noFill/>
-                    </a:lnT>
-                    <a:lnB>
-                      <a:noFill/>
-                    </a:lnB>
-                  </a:tcPr>
-                </a:tc>
-                <a:extLst>
-                  <a:ext uri="{0D108BD9-81ED-4DB2-BD59-A6C34878D82A}">
-                    <a16:rowId xmlns:a16="http://schemas.microsoft.com/office/drawing/2014/main" val="1375464116"/>
-                  </a:ext>
-                </a:extLst>
-              </a:tr>
-              <a:tr h="136587">
-                <a:tc>
-                  <a:txBody>
-                    <a:bodyPr/>
-                    <a:lstStyle/>
-                    <a:p>
-                      <a:pPr algn="l" fontAlgn="ctr"/>
-                      <a:r>
-                        <a:rPr lang="en-US" sz="700" b="0" i="0" u="none" strike="noStrike" dirty="0">
-                          <a:solidFill>
-                            <a:srgbClr val="000000"/>
-                          </a:solidFill>
-                          <a:effectLst/>
-                          <a:latin typeface="游ゴシック" panose="020B0400000000000000" pitchFamily="50" charset="-128"/>
-                          <a:ea typeface="游ゴシック" panose="020B0400000000000000" pitchFamily="50" charset="-128"/>
-                        </a:rPr>
-                        <a:t>-</a:t>
-                      </a:r>
-                    </a:p>
-                  </a:txBody>
-                  <a:tcPr marL="8637" marR="8637" marT="8637" marB="0" anchor="ctr">
-                    <a:lnL>
-                      <a:noFill/>
-                    </a:lnL>
-                    <a:lnR>
-                      <a:noFill/>
-                    </a:lnR>
-                    <a:lnT>
-                      <a:noFill/>
-                    </a:lnT>
-                    <a:lnB>
-                      <a:noFill/>
-                    </a:lnB>
-                  </a:tcPr>
-                </a:tc>
-                <a:tc>
-                  <a:txBody>
-                    <a:bodyPr/>
-                    <a:lstStyle/>
-                    <a:p>
-                      <a:pPr algn="l" fontAlgn="ctr"/>
-                      <a:r>
-                        <a:rPr lang="en-US" sz="700" b="0" i="0" u="none" strike="noStrike" dirty="0">
-                          <a:solidFill>
-                            <a:srgbClr val="000000"/>
-                          </a:solidFill>
-                          <a:effectLst/>
-                          <a:latin typeface="游ゴシック" panose="020B0400000000000000" pitchFamily="50" charset="-128"/>
-                          <a:ea typeface="游ゴシック" panose="020B0400000000000000" pitchFamily="50" charset="-128"/>
-                        </a:rPr>
-                        <a:t>-</a:t>
-                      </a:r>
-                    </a:p>
-                  </a:txBody>
-                  <a:tcPr marL="8637" marR="8637" marT="8637" marB="0" anchor="ctr">
-                    <a:lnL>
-                      <a:noFill/>
-                    </a:lnL>
-                    <a:lnR>
-                      <a:noFill/>
-                    </a:lnR>
-                    <a:lnT>
-                      <a:noFill/>
-                    </a:lnT>
-                    <a:lnB>
-                      <a:noFill/>
-                    </a:lnB>
-                  </a:tcPr>
-                </a:tc>
-                <a:tc>
-                  <a:txBody>
-                    <a:bodyPr/>
-                    <a:lstStyle/>
-                    <a:p>
-                      <a:pPr algn="l" fontAlgn="ctr"/>
-                      <a:r>
-                        <a:rPr lang="en-US" sz="700" b="0" i="0" u="none" strike="noStrike" dirty="0">
-                          <a:solidFill>
-                            <a:srgbClr val="000000"/>
-                          </a:solidFill>
-                          <a:effectLst/>
-                          <a:latin typeface="游ゴシック" panose="020B0400000000000000" pitchFamily="50" charset="-128"/>
-                          <a:ea typeface="游ゴシック" panose="020B0400000000000000" pitchFamily="50" charset="-128"/>
-                        </a:rPr>
-                        <a:t>-</a:t>
-                      </a:r>
-                    </a:p>
-                  </a:txBody>
-                  <a:tcPr marL="8637" marR="8637" marT="8637" marB="0" anchor="ctr">
-                    <a:lnL>
-                      <a:noFill/>
-                    </a:lnL>
-                    <a:lnR>
-                      <a:noFill/>
-                    </a:lnR>
-                    <a:lnT>
-                      <a:noFill/>
-                    </a:lnT>
-                    <a:lnB>
-                      <a:noFill/>
-                    </a:lnB>
-                  </a:tcPr>
-                </a:tc>
-                <a:tc>
-                  <a:txBody>
-                    <a:bodyPr/>
-                    <a:lstStyle/>
-                    <a:p>
-                      <a:pPr algn="l" fontAlgn="ctr"/>
-                      <a:r>
-                        <a:rPr lang="en-US" sz="700" b="0" i="0" u="none" strike="noStrike" dirty="0">
-                          <a:solidFill>
-                            <a:srgbClr val="000000"/>
-                          </a:solidFill>
-                          <a:effectLst/>
-                          <a:latin typeface="游ゴシック" panose="020B0400000000000000" pitchFamily="50" charset="-128"/>
-                          <a:ea typeface="游ゴシック" panose="020B0400000000000000" pitchFamily="50" charset="-128"/>
-                        </a:rPr>
-                        <a:t>-</a:t>
-                      </a:r>
-                    </a:p>
-                  </a:txBody>
-                  <a:tcPr marL="8637" marR="8637" marT="8637" marB="0" anchor="ctr">
-                    <a:lnL>
-                      <a:noFill/>
-                    </a:lnL>
-                    <a:lnR>
-                      <a:noFill/>
-                    </a:lnR>
-                    <a:lnT>
-                      <a:noFill/>
-                    </a:lnT>
-                    <a:lnB>
-                      <a:noFill/>
-                    </a:lnB>
-                  </a:tcPr>
-                </a:tc>
-                <a:tc>
-                  <a:txBody>
-                    <a:bodyPr/>
-                    <a:lstStyle/>
-                    <a:p>
-                      <a:pPr algn="l" fontAlgn="ctr"/>
-                      <a:r>
-                        <a:rPr lang="en-US" sz="700" b="0" i="0" u="none" strike="noStrike" dirty="0">
-                          <a:solidFill>
-                            <a:srgbClr val="000000"/>
-                          </a:solidFill>
-                          <a:effectLst/>
-                          <a:latin typeface="游ゴシック" panose="020B0400000000000000" pitchFamily="50" charset="-128"/>
-                          <a:ea typeface="游ゴシック" panose="020B0400000000000000" pitchFamily="50" charset="-128"/>
-                        </a:rPr>
-                        <a:t>-</a:t>
-                      </a:r>
-                    </a:p>
-                  </a:txBody>
-                  <a:tcPr marL="8637" marR="8637" marT="8637" marB="0" anchor="ctr">
-                    <a:lnL>
-                      <a:noFill/>
-                    </a:lnL>
-                    <a:lnR>
-                      <a:noFill/>
-                    </a:lnR>
-                    <a:lnT>
-                      <a:noFill/>
-                    </a:lnT>
-                    <a:lnB>
-                      <a:noFill/>
-                    </a:lnB>
-                  </a:tcPr>
-                </a:tc>
-                <a:tc>
-                  <a:txBody>
-                    <a:bodyPr/>
-                    <a:lstStyle/>
-                    <a:p>
-                      <a:pPr algn="l" fontAlgn="ctr"/>
-                      <a:r>
-                        <a:rPr lang="en-US" sz="700" b="0" i="0" u="none" strike="noStrike" dirty="0">
-                          <a:solidFill>
-                            <a:srgbClr val="000000"/>
-                          </a:solidFill>
-                          <a:effectLst/>
-                          <a:latin typeface="游ゴシック" panose="020B0400000000000000" pitchFamily="50" charset="-128"/>
-                          <a:ea typeface="游ゴシック" panose="020B0400000000000000" pitchFamily="50" charset="-128"/>
-                        </a:rPr>
-                        <a:t>-</a:t>
-                      </a:r>
-                    </a:p>
-                  </a:txBody>
-                  <a:tcPr marL="8637" marR="8637" marT="8637" marB="0" anchor="ctr">
-                    <a:lnL>
-                      <a:noFill/>
-                    </a:lnL>
-                    <a:lnR>
-                      <a:noFill/>
-                    </a:lnR>
-                    <a:lnT>
-                      <a:noFill/>
-                    </a:lnT>
-                    <a:lnB>
-                      <a:noFill/>
-                    </a:lnB>
-                  </a:tcPr>
-                </a:tc>
-                <a:tc>
-                  <a:txBody>
-                    <a:bodyPr/>
-                    <a:lstStyle/>
-                    <a:p>
-                      <a:pPr algn="l" fontAlgn="ctr"/>
-                      <a:r>
-                        <a:rPr lang="en-US" sz="700" b="0" i="0" u="none" strike="noStrike" dirty="0">
-                          <a:solidFill>
-                            <a:srgbClr val="000000"/>
-                          </a:solidFill>
-                          <a:effectLst/>
-                          <a:latin typeface="游ゴシック" panose="020B0400000000000000" pitchFamily="50" charset="-128"/>
-                          <a:ea typeface="游ゴシック" panose="020B0400000000000000" pitchFamily="50" charset="-128"/>
-                        </a:rPr>
-                        <a:t>-</a:t>
-                      </a:r>
-                    </a:p>
-                  </a:txBody>
-                  <a:tcPr marL="8637" marR="8637" marT="8637" marB="0" anchor="ctr">
-                    <a:lnL>
-                      <a:noFill/>
-                    </a:lnL>
-                    <a:lnR>
-                      <a:noFill/>
-                    </a:lnR>
-                    <a:lnT>
-                      <a:noFill/>
-                    </a:lnT>
-                    <a:lnB>
-                      <a:noFill/>
-                    </a:lnB>
-                  </a:tcPr>
-                </a:tc>
-                <a:extLst>
-                  <a:ext uri="{0D108BD9-81ED-4DB2-BD59-A6C34878D82A}">
-                    <a16:rowId xmlns:a16="http://schemas.microsoft.com/office/drawing/2014/main" val="1503823986"/>
-                  </a:ext>
-                </a:extLst>
-              </a:tr>
-              <a:tr h="136587">
-                <a:tc>
-                  <a:txBody>
-                    <a:bodyPr/>
-                    <a:lstStyle/>
-                    <a:p>
-                      <a:pPr algn="l" fontAlgn="ctr"/>
-                      <a:r>
-                        <a:rPr lang="en-US" sz="700" b="0" i="0" u="none" strike="noStrike" dirty="0">
-                          <a:solidFill>
-                            <a:srgbClr val="000000"/>
-                          </a:solidFill>
-                          <a:effectLst/>
-                          <a:latin typeface="游ゴシック" panose="020B0400000000000000" pitchFamily="50" charset="-128"/>
-                          <a:ea typeface="游ゴシック" panose="020B0400000000000000" pitchFamily="50" charset="-128"/>
-                        </a:rPr>
-                        <a:t>-</a:t>
-                      </a:r>
-                    </a:p>
-                  </a:txBody>
-                  <a:tcPr marL="8637" marR="8637" marT="8637" marB="0" anchor="ctr">
-                    <a:lnL>
-                      <a:noFill/>
-                    </a:lnL>
-                    <a:lnR>
-                      <a:noFill/>
-                    </a:lnR>
-                    <a:lnT>
-                      <a:noFill/>
-                    </a:lnT>
-                    <a:lnB>
-                      <a:noFill/>
-                    </a:lnB>
-                  </a:tcPr>
-                </a:tc>
-                <a:tc>
-                  <a:txBody>
-                    <a:bodyPr/>
-                    <a:lstStyle/>
-                    <a:p>
-                      <a:pPr algn="l" fontAlgn="ctr"/>
-                      <a:r>
-                        <a:rPr lang="en-US" sz="700" b="0" i="0" u="none" strike="noStrike" dirty="0">
-                          <a:solidFill>
-                            <a:srgbClr val="000000"/>
-                          </a:solidFill>
-                          <a:effectLst/>
-                          <a:latin typeface="游ゴシック" panose="020B0400000000000000" pitchFamily="50" charset="-128"/>
-                          <a:ea typeface="游ゴシック" panose="020B0400000000000000" pitchFamily="50" charset="-128"/>
-                        </a:rPr>
-                        <a:t>-</a:t>
-                      </a:r>
-                    </a:p>
-                  </a:txBody>
-                  <a:tcPr marL="8637" marR="8637" marT="8637" marB="0" anchor="ctr">
-                    <a:lnL>
-                      <a:noFill/>
-                    </a:lnL>
-                    <a:lnR>
-                      <a:noFill/>
-                    </a:lnR>
-                    <a:lnT>
-                      <a:noFill/>
-                    </a:lnT>
-                    <a:lnB>
-                      <a:noFill/>
-                    </a:lnB>
-                  </a:tcPr>
-                </a:tc>
-                <a:tc>
-                  <a:txBody>
-                    <a:bodyPr/>
-                    <a:lstStyle/>
-                    <a:p>
-                      <a:pPr algn="l" fontAlgn="ctr"/>
-                      <a:r>
-                        <a:rPr lang="en-US" sz="700" b="0" i="0" u="none" strike="noStrike" dirty="0">
-                          <a:solidFill>
-                            <a:srgbClr val="000000"/>
-                          </a:solidFill>
-                          <a:effectLst/>
-                          <a:latin typeface="游ゴシック" panose="020B0400000000000000" pitchFamily="50" charset="-128"/>
-                          <a:ea typeface="游ゴシック" panose="020B0400000000000000" pitchFamily="50" charset="-128"/>
-                        </a:rPr>
-                        <a:t>-</a:t>
-                      </a:r>
-                    </a:p>
-                  </a:txBody>
-                  <a:tcPr marL="8637" marR="8637" marT="8637" marB="0" anchor="ctr">
-                    <a:lnL>
-                      <a:noFill/>
-                    </a:lnL>
-                    <a:lnR>
-                      <a:noFill/>
-                    </a:lnR>
-                    <a:lnT>
-                      <a:noFill/>
-                    </a:lnT>
-                    <a:lnB>
-                      <a:noFill/>
-                    </a:lnB>
-                  </a:tcPr>
-                </a:tc>
-                <a:tc>
-                  <a:txBody>
-                    <a:bodyPr/>
-                    <a:lstStyle/>
-                    <a:p>
-                      <a:pPr algn="l" fontAlgn="ctr"/>
-                      <a:r>
-                        <a:rPr lang="en-US" sz="700" b="0" i="0" u="none" strike="noStrike" dirty="0">
-                          <a:solidFill>
-                            <a:srgbClr val="000000"/>
-                          </a:solidFill>
-                          <a:effectLst/>
-                          <a:latin typeface="游ゴシック" panose="020B0400000000000000" pitchFamily="50" charset="-128"/>
-                          <a:ea typeface="游ゴシック" panose="020B0400000000000000" pitchFamily="50" charset="-128"/>
-                        </a:rPr>
-                        <a:t>-</a:t>
-                      </a:r>
-                    </a:p>
-                  </a:txBody>
-                  <a:tcPr marL="8637" marR="8637" marT="8637" marB="0" anchor="ctr">
-                    <a:lnL>
-                      <a:noFill/>
-                    </a:lnL>
-                    <a:lnR>
-                      <a:noFill/>
-                    </a:lnR>
-                    <a:lnT>
-                      <a:noFill/>
-                    </a:lnT>
-                    <a:lnB>
-                      <a:noFill/>
-                    </a:lnB>
-                  </a:tcPr>
-                </a:tc>
-                <a:tc>
-                  <a:txBody>
-                    <a:bodyPr/>
-                    <a:lstStyle/>
-                    <a:p>
-                      <a:pPr algn="l" fontAlgn="ctr"/>
-                      <a:r>
-                        <a:rPr lang="en-US" sz="700" b="0" i="0" u="none" strike="noStrike" dirty="0">
-                          <a:solidFill>
-                            <a:srgbClr val="000000"/>
-                          </a:solidFill>
-                          <a:effectLst/>
-                          <a:latin typeface="游ゴシック" panose="020B0400000000000000" pitchFamily="50" charset="-128"/>
-                          <a:ea typeface="游ゴシック" panose="020B0400000000000000" pitchFamily="50" charset="-128"/>
-                        </a:rPr>
-                        <a:t>-</a:t>
-                      </a:r>
-                    </a:p>
-                  </a:txBody>
-                  <a:tcPr marL="8637" marR="8637" marT="8637" marB="0" anchor="ctr">
-                    <a:lnL>
-                      <a:noFill/>
-                    </a:lnL>
-                    <a:lnR>
-                      <a:noFill/>
-                    </a:lnR>
-                    <a:lnT>
-                      <a:noFill/>
-                    </a:lnT>
-                    <a:lnB>
-                      <a:noFill/>
-                    </a:lnB>
-                  </a:tcPr>
-                </a:tc>
-                <a:tc>
-                  <a:txBody>
-                    <a:bodyPr/>
-                    <a:lstStyle/>
-                    <a:p>
-                      <a:pPr algn="l" fontAlgn="ctr"/>
-                      <a:r>
-                        <a:rPr lang="en-US" sz="700" b="0" i="0" u="none" strike="noStrike" dirty="0">
-                          <a:solidFill>
-                            <a:srgbClr val="000000"/>
-                          </a:solidFill>
-                          <a:effectLst/>
-                          <a:latin typeface="游ゴシック" panose="020B0400000000000000" pitchFamily="50" charset="-128"/>
-                          <a:ea typeface="游ゴシック" panose="020B0400000000000000" pitchFamily="50" charset="-128"/>
-                        </a:rPr>
-                        <a:t>-</a:t>
-                      </a:r>
-                    </a:p>
-                  </a:txBody>
-                  <a:tcPr marL="8637" marR="8637" marT="8637" marB="0" anchor="ctr">
-                    <a:lnL>
-                      <a:noFill/>
-                    </a:lnL>
-                    <a:lnR>
-                      <a:noFill/>
-                    </a:lnR>
-                    <a:lnT>
-                      <a:noFill/>
-                    </a:lnT>
-                    <a:lnB>
-                      <a:noFill/>
-                    </a:lnB>
-                  </a:tcPr>
-                </a:tc>
-                <a:tc>
-                  <a:txBody>
-                    <a:bodyPr/>
-                    <a:lstStyle/>
-                    <a:p>
-                      <a:pPr algn="l" fontAlgn="ctr"/>
-                      <a:r>
-                        <a:rPr lang="en-US" sz="700" b="0" i="0" u="none" strike="noStrike" dirty="0">
-                          <a:solidFill>
-                            <a:srgbClr val="000000"/>
-                          </a:solidFill>
-                          <a:effectLst/>
-                          <a:latin typeface="游ゴシック" panose="020B0400000000000000" pitchFamily="50" charset="-128"/>
-                          <a:ea typeface="游ゴシック" panose="020B0400000000000000" pitchFamily="50" charset="-128"/>
-                        </a:rPr>
-                        <a:t>-</a:t>
-                      </a:r>
-                    </a:p>
-                  </a:txBody>
-                  <a:tcPr marL="8637" marR="8637" marT="8637" marB="0" anchor="ctr">
-                    <a:lnL>
-                      <a:noFill/>
-                    </a:lnL>
-                    <a:lnR>
-                      <a:noFill/>
-                    </a:lnR>
-                    <a:lnT>
-                      <a:noFill/>
-                    </a:lnT>
-                    <a:lnB>
-                      <a:noFill/>
-                    </a:lnB>
-                  </a:tcPr>
-                </a:tc>
-                <a:extLst>
-                  <a:ext uri="{0D108BD9-81ED-4DB2-BD59-A6C34878D82A}">
-                    <a16:rowId xmlns:a16="http://schemas.microsoft.com/office/drawing/2014/main" val="4048586645"/>
-                  </a:ext>
-                </a:extLst>
-              </a:tr>
-              <a:tr h="136587">
-                <a:tc>
-                  <a:txBody>
-                    <a:bodyPr/>
-                    <a:lstStyle/>
-                    <a:p>
-                      <a:pPr algn="l" fontAlgn="ctr"/>
-                      <a:r>
-                        <a:rPr lang="en-US" sz="700" b="0" i="0" u="none" strike="noStrike" dirty="0">
-                          <a:solidFill>
-                            <a:srgbClr val="000000"/>
-                          </a:solidFill>
-                          <a:effectLst/>
-                          <a:latin typeface="游ゴシック" panose="020B0400000000000000" pitchFamily="50" charset="-128"/>
-                          <a:ea typeface="游ゴシック" panose="020B0400000000000000" pitchFamily="50" charset="-128"/>
-                        </a:rPr>
-                        <a:t>-</a:t>
-                      </a:r>
-                    </a:p>
-                  </a:txBody>
-                  <a:tcPr marL="8637" marR="8637" marT="8637" marB="0" anchor="ctr">
-                    <a:lnL>
-                      <a:noFill/>
-                    </a:lnL>
-                    <a:lnR>
-                      <a:noFill/>
-                    </a:lnR>
-                    <a:lnT>
-                      <a:noFill/>
-                    </a:lnT>
-                    <a:lnB>
-                      <a:noFill/>
-                    </a:lnB>
-                  </a:tcPr>
-                </a:tc>
-                <a:tc>
-                  <a:txBody>
-                    <a:bodyPr/>
-                    <a:lstStyle/>
-                    <a:p>
-                      <a:pPr algn="l" fontAlgn="ctr"/>
-                      <a:r>
-                        <a:rPr lang="en-US" sz="700" b="0" i="0" u="none" strike="noStrike" dirty="0">
-                          <a:solidFill>
-                            <a:srgbClr val="000000"/>
-                          </a:solidFill>
-                          <a:effectLst/>
-                          <a:latin typeface="游ゴシック" panose="020B0400000000000000" pitchFamily="50" charset="-128"/>
-                          <a:ea typeface="游ゴシック" panose="020B0400000000000000" pitchFamily="50" charset="-128"/>
-                        </a:rPr>
-                        <a:t>-</a:t>
-                      </a:r>
-                    </a:p>
-                  </a:txBody>
-                  <a:tcPr marL="8637" marR="8637" marT="8637" marB="0" anchor="ctr">
-                    <a:lnL>
-                      <a:noFill/>
-                    </a:lnL>
-                    <a:lnR>
-                      <a:noFill/>
-                    </a:lnR>
-                    <a:lnT>
-                      <a:noFill/>
-                    </a:lnT>
-                    <a:lnB>
-                      <a:noFill/>
-                    </a:lnB>
-                  </a:tcPr>
-                </a:tc>
-                <a:tc>
-                  <a:txBody>
-                    <a:bodyPr/>
-                    <a:lstStyle/>
-                    <a:p>
-                      <a:pPr algn="l" fontAlgn="ctr"/>
-                      <a:r>
-                        <a:rPr lang="en-US" sz="700" b="0" i="0" u="none" strike="noStrike" dirty="0">
-                          <a:solidFill>
-                            <a:srgbClr val="000000"/>
-                          </a:solidFill>
-                          <a:effectLst/>
-                          <a:latin typeface="游ゴシック" panose="020B0400000000000000" pitchFamily="50" charset="-128"/>
-                          <a:ea typeface="游ゴシック" panose="020B0400000000000000" pitchFamily="50" charset="-128"/>
-                        </a:rPr>
-                        <a:t>-</a:t>
-                      </a:r>
-                    </a:p>
-                  </a:txBody>
-                  <a:tcPr marL="8637" marR="8637" marT="8637" marB="0" anchor="ctr">
-                    <a:lnL>
-                      <a:noFill/>
-                    </a:lnL>
-                    <a:lnR>
-                      <a:noFill/>
-                    </a:lnR>
-                    <a:lnT>
-                      <a:noFill/>
-                    </a:lnT>
-                    <a:lnB>
-                      <a:noFill/>
-                    </a:lnB>
-                  </a:tcPr>
-                </a:tc>
-                <a:tc>
-                  <a:txBody>
-                    <a:bodyPr/>
-                    <a:lstStyle/>
-                    <a:p>
-                      <a:pPr algn="l" fontAlgn="ctr"/>
-                      <a:r>
-                        <a:rPr lang="en-US" sz="700" b="0" i="0" u="none" strike="noStrike" dirty="0">
-                          <a:solidFill>
-                            <a:srgbClr val="000000"/>
-                          </a:solidFill>
-                          <a:effectLst/>
-                          <a:latin typeface="游ゴシック" panose="020B0400000000000000" pitchFamily="50" charset="-128"/>
-                          <a:ea typeface="游ゴシック" panose="020B0400000000000000" pitchFamily="50" charset="-128"/>
-                        </a:rPr>
-                        <a:t>-</a:t>
-                      </a:r>
-                    </a:p>
-                  </a:txBody>
-                  <a:tcPr marL="8637" marR="8637" marT="8637" marB="0" anchor="ctr">
-                    <a:lnL>
-                      <a:noFill/>
-                    </a:lnL>
-                    <a:lnR>
-                      <a:noFill/>
-                    </a:lnR>
-                    <a:lnT>
-                      <a:noFill/>
-                    </a:lnT>
-                    <a:lnB>
-                      <a:noFill/>
-                    </a:lnB>
-                  </a:tcPr>
-                </a:tc>
-                <a:tc>
-                  <a:txBody>
-                    <a:bodyPr/>
-                    <a:lstStyle/>
-                    <a:p>
-                      <a:pPr algn="l" fontAlgn="ctr"/>
-                      <a:r>
-                        <a:rPr lang="en-US" sz="700" b="0" i="0" u="none" strike="noStrike" dirty="0">
-                          <a:solidFill>
-                            <a:srgbClr val="000000"/>
-                          </a:solidFill>
-                          <a:effectLst/>
-                          <a:latin typeface="游ゴシック" panose="020B0400000000000000" pitchFamily="50" charset="-128"/>
-                          <a:ea typeface="游ゴシック" panose="020B0400000000000000" pitchFamily="50" charset="-128"/>
-                        </a:rPr>
-                        <a:t>-</a:t>
-                      </a:r>
-                    </a:p>
-                  </a:txBody>
-                  <a:tcPr marL="8637" marR="8637" marT="8637" marB="0" anchor="ctr">
-                    <a:lnL>
-                      <a:noFill/>
-                    </a:lnL>
-                    <a:lnR>
-                      <a:noFill/>
-                    </a:lnR>
-                    <a:lnT>
-                      <a:noFill/>
-                    </a:lnT>
-                    <a:lnB>
-                      <a:noFill/>
-                    </a:lnB>
-                  </a:tcPr>
-                </a:tc>
-                <a:tc>
-                  <a:txBody>
-                    <a:bodyPr/>
-                    <a:lstStyle/>
-                    <a:p>
-                      <a:pPr algn="l" fontAlgn="ctr"/>
-                      <a:r>
-                        <a:rPr lang="en-US" sz="700" b="0" i="0" u="none" strike="noStrike" dirty="0">
-                          <a:solidFill>
-                            <a:srgbClr val="000000"/>
-                          </a:solidFill>
-                          <a:effectLst/>
-                          <a:latin typeface="游ゴシック" panose="020B0400000000000000" pitchFamily="50" charset="-128"/>
-                          <a:ea typeface="游ゴシック" panose="020B0400000000000000" pitchFamily="50" charset="-128"/>
-                        </a:rPr>
-                        <a:t>-</a:t>
-                      </a:r>
-                    </a:p>
-                  </a:txBody>
-                  <a:tcPr marL="8637" marR="8637" marT="8637" marB="0" anchor="ctr">
-                    <a:lnL>
-                      <a:noFill/>
-                    </a:lnL>
-                    <a:lnR>
-                      <a:noFill/>
-                    </a:lnR>
-                    <a:lnT>
-                      <a:noFill/>
-                    </a:lnT>
-                    <a:lnB>
-                      <a:noFill/>
-                    </a:lnB>
-                  </a:tcPr>
-                </a:tc>
-                <a:tc>
-                  <a:txBody>
-                    <a:bodyPr/>
-                    <a:lstStyle/>
-                    <a:p>
-                      <a:pPr algn="l" fontAlgn="ctr"/>
-                      <a:r>
-                        <a:rPr lang="en-US" sz="700" b="0" i="0" u="none" strike="noStrike" dirty="0">
-                          <a:solidFill>
-                            <a:srgbClr val="000000"/>
-                          </a:solidFill>
-                          <a:effectLst/>
-                          <a:latin typeface="游ゴシック" panose="020B0400000000000000" pitchFamily="50" charset="-128"/>
-                          <a:ea typeface="游ゴシック" panose="020B0400000000000000" pitchFamily="50" charset="-128"/>
-                        </a:rPr>
-                        <a:t>-</a:t>
-                      </a:r>
-                    </a:p>
-                  </a:txBody>
-                  <a:tcPr marL="8637" marR="8637" marT="8637" marB="0" anchor="ctr">
-                    <a:lnL>
-                      <a:noFill/>
-                    </a:lnL>
-                    <a:lnR>
-                      <a:noFill/>
-                    </a:lnR>
-                    <a:lnT>
-                      <a:noFill/>
-                    </a:lnT>
-                    <a:lnB>
-                      <a:noFill/>
-                    </a:lnB>
-                  </a:tcPr>
-                </a:tc>
-                <a:extLst>
-                  <a:ext uri="{0D108BD9-81ED-4DB2-BD59-A6C34878D82A}">
-                    <a16:rowId xmlns:a16="http://schemas.microsoft.com/office/drawing/2014/main" val="3375347066"/>
-                  </a:ext>
-                </a:extLst>
-              </a:tr>
-              <a:tr h="136587">
-                <a:tc>
-                  <a:txBody>
-                    <a:bodyPr/>
-                    <a:lstStyle/>
-                    <a:p>
-                      <a:pPr algn="l" fontAlgn="ctr"/>
-                      <a:r>
-                        <a:rPr lang="en-US" sz="700" b="0" i="0" u="none" strike="noStrike" dirty="0">
-                          <a:solidFill>
-                            <a:srgbClr val="000000"/>
-                          </a:solidFill>
-                          <a:effectLst/>
-                          <a:latin typeface="游ゴシック" panose="020B0400000000000000" pitchFamily="50" charset="-128"/>
-                          <a:ea typeface="游ゴシック" panose="020B0400000000000000" pitchFamily="50" charset="-128"/>
-                        </a:rPr>
-                        <a:t>-</a:t>
-                      </a:r>
-                    </a:p>
-                  </a:txBody>
-                  <a:tcPr marL="8637" marR="8637" marT="8637" marB="0" anchor="ctr">
-                    <a:lnL>
-                      <a:noFill/>
-                    </a:lnL>
-                    <a:lnR>
-                      <a:noFill/>
-                    </a:lnR>
-                    <a:lnT>
-                      <a:noFill/>
-                    </a:lnT>
-                    <a:lnB>
-                      <a:noFill/>
-                    </a:lnB>
-                  </a:tcPr>
-                </a:tc>
-                <a:tc>
-                  <a:txBody>
-                    <a:bodyPr/>
-                    <a:lstStyle/>
-                    <a:p>
-                      <a:pPr algn="l" fontAlgn="ctr"/>
-                      <a:r>
-                        <a:rPr lang="en-US" sz="700" b="0" i="0" u="none" strike="noStrike" dirty="0">
-                          <a:solidFill>
-                            <a:srgbClr val="000000"/>
-                          </a:solidFill>
-                          <a:effectLst/>
-                          <a:latin typeface="游ゴシック" panose="020B0400000000000000" pitchFamily="50" charset="-128"/>
-                          <a:ea typeface="游ゴシック" panose="020B0400000000000000" pitchFamily="50" charset="-128"/>
-                        </a:rPr>
-                        <a:t>-</a:t>
-                      </a:r>
-                    </a:p>
-                  </a:txBody>
-                  <a:tcPr marL="8637" marR="8637" marT="8637" marB="0" anchor="ctr">
-                    <a:lnL>
-                      <a:noFill/>
-                    </a:lnL>
-                    <a:lnR>
-                      <a:noFill/>
-                    </a:lnR>
-                    <a:lnT>
-                      <a:noFill/>
-                    </a:lnT>
-                    <a:lnB>
-                      <a:noFill/>
-                    </a:lnB>
-                  </a:tcPr>
-                </a:tc>
-                <a:tc>
-                  <a:txBody>
-                    <a:bodyPr/>
-                    <a:lstStyle/>
-                    <a:p>
-                      <a:pPr algn="l" fontAlgn="ctr"/>
-                      <a:r>
-                        <a:rPr lang="en-US" sz="700" b="0" i="0" u="none" strike="noStrike" dirty="0">
-                          <a:solidFill>
-                            <a:srgbClr val="000000"/>
-                          </a:solidFill>
-                          <a:effectLst/>
-                          <a:latin typeface="游ゴシック" panose="020B0400000000000000" pitchFamily="50" charset="-128"/>
-                          <a:ea typeface="游ゴシック" panose="020B0400000000000000" pitchFamily="50" charset="-128"/>
-                        </a:rPr>
-                        <a:t>-</a:t>
-                      </a:r>
-                    </a:p>
-                  </a:txBody>
-                  <a:tcPr marL="8637" marR="8637" marT="8637" marB="0" anchor="ctr">
-                    <a:lnL>
-                      <a:noFill/>
-                    </a:lnL>
-                    <a:lnR>
-                      <a:noFill/>
-                    </a:lnR>
-                    <a:lnT>
-                      <a:noFill/>
-                    </a:lnT>
-                    <a:lnB>
-                      <a:noFill/>
-                    </a:lnB>
-                  </a:tcPr>
-                </a:tc>
-                <a:tc>
-                  <a:txBody>
-                    <a:bodyPr/>
-                    <a:lstStyle/>
-                    <a:p>
-                      <a:pPr algn="l" fontAlgn="ctr"/>
-                      <a:r>
-                        <a:rPr lang="en-US" sz="700" b="0" i="0" u="none" strike="noStrike" dirty="0">
-                          <a:solidFill>
-                            <a:srgbClr val="000000"/>
-                          </a:solidFill>
-                          <a:effectLst/>
-                          <a:latin typeface="游ゴシック" panose="020B0400000000000000" pitchFamily="50" charset="-128"/>
-                          <a:ea typeface="游ゴシック" panose="020B0400000000000000" pitchFamily="50" charset="-128"/>
-                        </a:rPr>
-                        <a:t>-</a:t>
-                      </a:r>
-                    </a:p>
-                  </a:txBody>
-                  <a:tcPr marL="8637" marR="8637" marT="8637" marB="0" anchor="ctr">
-                    <a:lnL>
-                      <a:noFill/>
-                    </a:lnL>
-                    <a:lnR>
-                      <a:noFill/>
-                    </a:lnR>
-                    <a:lnT>
-                      <a:noFill/>
-                    </a:lnT>
-                    <a:lnB>
-                      <a:noFill/>
-                    </a:lnB>
-                  </a:tcPr>
-                </a:tc>
-                <a:tc>
-                  <a:txBody>
-                    <a:bodyPr/>
-                    <a:lstStyle/>
-                    <a:p>
-                      <a:pPr algn="l" fontAlgn="ctr"/>
-                      <a:r>
-                        <a:rPr lang="en-US" sz="700" b="0" i="0" u="none" strike="noStrike" dirty="0">
-                          <a:solidFill>
-                            <a:srgbClr val="000000"/>
-                          </a:solidFill>
-                          <a:effectLst/>
-                          <a:latin typeface="游ゴシック" panose="020B0400000000000000" pitchFamily="50" charset="-128"/>
-                          <a:ea typeface="游ゴシック" panose="020B0400000000000000" pitchFamily="50" charset="-128"/>
-                        </a:rPr>
-                        <a:t>-</a:t>
-                      </a:r>
-                    </a:p>
-                  </a:txBody>
-                  <a:tcPr marL="8637" marR="8637" marT="8637" marB="0" anchor="ctr">
-                    <a:lnL>
-                      <a:noFill/>
-                    </a:lnL>
-                    <a:lnR>
-                      <a:noFill/>
-                    </a:lnR>
-                    <a:lnT>
-                      <a:noFill/>
-                    </a:lnT>
-                    <a:lnB>
-                      <a:noFill/>
-                    </a:lnB>
-                  </a:tcPr>
-                </a:tc>
-                <a:tc>
-                  <a:txBody>
-                    <a:bodyPr/>
-                    <a:lstStyle/>
-                    <a:p>
-                      <a:pPr algn="l" fontAlgn="ctr"/>
-                      <a:r>
-                        <a:rPr lang="en-US" sz="700" b="0" i="0" u="none" strike="noStrike" dirty="0">
-                          <a:solidFill>
-                            <a:srgbClr val="000000"/>
-                          </a:solidFill>
-                          <a:effectLst/>
-                          <a:latin typeface="游ゴシック" panose="020B0400000000000000" pitchFamily="50" charset="-128"/>
-                          <a:ea typeface="游ゴシック" panose="020B0400000000000000" pitchFamily="50" charset="-128"/>
-                        </a:rPr>
-                        <a:t>-</a:t>
-                      </a:r>
-                    </a:p>
-                  </a:txBody>
-                  <a:tcPr marL="8637" marR="8637" marT="8637" marB="0" anchor="ctr">
-                    <a:lnL>
-                      <a:noFill/>
-                    </a:lnL>
-                    <a:lnR>
-                      <a:noFill/>
-                    </a:lnR>
-                    <a:lnT>
-                      <a:noFill/>
-                    </a:lnT>
-                    <a:lnB>
-                      <a:noFill/>
-                    </a:lnB>
-                  </a:tcPr>
-                </a:tc>
-                <a:tc>
-                  <a:txBody>
-                    <a:bodyPr/>
-                    <a:lstStyle/>
-                    <a:p>
-                      <a:pPr algn="l" fontAlgn="ctr"/>
-                      <a:r>
-                        <a:rPr lang="en-US" sz="700" b="0" i="0" u="none" strike="noStrike" dirty="0">
-                          <a:solidFill>
-                            <a:srgbClr val="000000"/>
-                          </a:solidFill>
-                          <a:effectLst/>
-                          <a:latin typeface="游ゴシック" panose="020B0400000000000000" pitchFamily="50" charset="-128"/>
-                          <a:ea typeface="游ゴシック" panose="020B0400000000000000" pitchFamily="50" charset="-128"/>
-                        </a:rPr>
-                        <a:t>-</a:t>
-                      </a:r>
-                    </a:p>
-                  </a:txBody>
-                  <a:tcPr marL="8637" marR="8637" marT="8637" marB="0" anchor="ctr">
-                    <a:lnL>
-                      <a:noFill/>
-                    </a:lnL>
-                    <a:lnR>
-                      <a:noFill/>
-                    </a:lnR>
-                    <a:lnT>
-                      <a:noFill/>
-                    </a:lnT>
-                    <a:lnB>
-                      <a:noFill/>
-                    </a:lnB>
-                  </a:tcPr>
-                </a:tc>
-                <a:extLst>
-                  <a:ext uri="{0D108BD9-81ED-4DB2-BD59-A6C34878D82A}">
-                    <a16:rowId xmlns:a16="http://schemas.microsoft.com/office/drawing/2014/main" val="2854575766"/>
-                  </a:ext>
-                </a:extLst>
-              </a:tr>
-              <a:tr h="136587">
-                <a:tc>
-                  <a:txBody>
-                    <a:bodyPr/>
-                    <a:lstStyle/>
-                    <a:p>
-                      <a:pPr algn="l" fontAlgn="ctr"/>
-                      <a:r>
-                        <a:rPr lang="en-US" sz="700" b="0" i="0" u="none" strike="noStrike" dirty="0">
-                          <a:solidFill>
-                            <a:srgbClr val="000000"/>
-                          </a:solidFill>
-                          <a:effectLst/>
-                          <a:latin typeface="游ゴシック" panose="020B0400000000000000" pitchFamily="50" charset="-128"/>
-                          <a:ea typeface="游ゴシック" panose="020B0400000000000000" pitchFamily="50" charset="-128"/>
-                        </a:rPr>
-                        <a:t>-</a:t>
-                      </a:r>
-                    </a:p>
-                  </a:txBody>
-                  <a:tcPr marL="8637" marR="8637" marT="8637" marB="0" anchor="ctr">
-                    <a:lnL>
-                      <a:noFill/>
-                    </a:lnL>
-                    <a:lnR>
-                      <a:noFill/>
-                    </a:lnR>
-                    <a:lnT>
-                      <a:noFill/>
-                    </a:lnT>
-                    <a:lnB>
-                      <a:noFill/>
-                    </a:lnB>
-                  </a:tcPr>
-                </a:tc>
-                <a:tc>
-                  <a:txBody>
-                    <a:bodyPr/>
-                    <a:lstStyle/>
-                    <a:p>
-                      <a:pPr algn="l" fontAlgn="ctr"/>
-                      <a:r>
-                        <a:rPr lang="en-US" sz="700" b="0" i="0" u="none" strike="noStrike" dirty="0">
-                          <a:solidFill>
-                            <a:srgbClr val="000000"/>
-                          </a:solidFill>
-                          <a:effectLst/>
-                          <a:latin typeface="游ゴシック" panose="020B0400000000000000" pitchFamily="50" charset="-128"/>
-                          <a:ea typeface="游ゴシック" panose="020B0400000000000000" pitchFamily="50" charset="-128"/>
-                        </a:rPr>
-                        <a:t>-</a:t>
-                      </a:r>
-                    </a:p>
-                  </a:txBody>
-                  <a:tcPr marL="8637" marR="8637" marT="8637" marB="0" anchor="ctr">
-                    <a:lnL>
-                      <a:noFill/>
-                    </a:lnL>
-                    <a:lnR>
-                      <a:noFill/>
-                    </a:lnR>
-                    <a:lnT>
-                      <a:noFill/>
-                    </a:lnT>
-                    <a:lnB>
-                      <a:noFill/>
-                    </a:lnB>
-                  </a:tcPr>
-                </a:tc>
-                <a:tc>
-                  <a:txBody>
-                    <a:bodyPr/>
-                    <a:lstStyle/>
-                    <a:p>
-                      <a:pPr algn="l" fontAlgn="ctr"/>
-                      <a:r>
-                        <a:rPr lang="en-US" sz="700" b="0" i="0" u="none" strike="noStrike" dirty="0">
-                          <a:solidFill>
-                            <a:srgbClr val="000000"/>
-                          </a:solidFill>
-                          <a:effectLst/>
-                          <a:latin typeface="游ゴシック" panose="020B0400000000000000" pitchFamily="50" charset="-128"/>
-                          <a:ea typeface="游ゴシック" panose="020B0400000000000000" pitchFamily="50" charset="-128"/>
-                        </a:rPr>
-                        <a:t>-</a:t>
-                      </a:r>
-                    </a:p>
-                  </a:txBody>
-                  <a:tcPr marL="8637" marR="8637" marT="8637" marB="0" anchor="ctr">
-                    <a:lnL>
-                      <a:noFill/>
-                    </a:lnL>
-                    <a:lnR>
-                      <a:noFill/>
-                    </a:lnR>
-                    <a:lnT>
-                      <a:noFill/>
-                    </a:lnT>
-                    <a:lnB>
-                      <a:noFill/>
-                    </a:lnB>
-                  </a:tcPr>
-                </a:tc>
-                <a:tc>
-                  <a:txBody>
-                    <a:bodyPr/>
-                    <a:lstStyle/>
-                    <a:p>
-                      <a:pPr algn="l" fontAlgn="ctr"/>
-                      <a:r>
-                        <a:rPr lang="en-US" sz="700" b="0" i="0" u="none" strike="noStrike" dirty="0">
-                          <a:solidFill>
-                            <a:srgbClr val="000000"/>
-                          </a:solidFill>
-                          <a:effectLst/>
-                          <a:latin typeface="游ゴシック" panose="020B0400000000000000" pitchFamily="50" charset="-128"/>
-                          <a:ea typeface="游ゴシック" panose="020B0400000000000000" pitchFamily="50" charset="-128"/>
-                        </a:rPr>
-                        <a:t>-</a:t>
-                      </a:r>
-                    </a:p>
-                  </a:txBody>
-                  <a:tcPr marL="8637" marR="8637" marT="8637" marB="0" anchor="ctr">
-                    <a:lnL>
-                      <a:noFill/>
-                    </a:lnL>
-                    <a:lnR>
-                      <a:noFill/>
-                    </a:lnR>
-                    <a:lnT>
-                      <a:noFill/>
-                    </a:lnT>
-                    <a:lnB>
-                      <a:noFill/>
-                    </a:lnB>
-                  </a:tcPr>
-                </a:tc>
-                <a:tc>
-                  <a:txBody>
-                    <a:bodyPr/>
-                    <a:lstStyle/>
-                    <a:p>
-                      <a:pPr algn="l" fontAlgn="ctr"/>
-                      <a:r>
-                        <a:rPr lang="en-US" sz="700" b="0" i="0" u="none" strike="noStrike" dirty="0">
-                          <a:solidFill>
-                            <a:srgbClr val="000000"/>
-                          </a:solidFill>
-                          <a:effectLst/>
-                          <a:latin typeface="游ゴシック" panose="020B0400000000000000" pitchFamily="50" charset="-128"/>
-                          <a:ea typeface="游ゴシック" panose="020B0400000000000000" pitchFamily="50" charset="-128"/>
-                        </a:rPr>
-                        <a:t>-</a:t>
-                      </a:r>
-                    </a:p>
-                  </a:txBody>
-                  <a:tcPr marL="8637" marR="8637" marT="8637" marB="0" anchor="ctr">
-                    <a:lnL>
-                      <a:noFill/>
-                    </a:lnL>
-                    <a:lnR>
-                      <a:noFill/>
-                    </a:lnR>
-                    <a:lnT>
-                      <a:noFill/>
-                    </a:lnT>
-                    <a:lnB>
-                      <a:noFill/>
-                    </a:lnB>
-                  </a:tcPr>
-                </a:tc>
-                <a:tc>
-                  <a:txBody>
-                    <a:bodyPr/>
-                    <a:lstStyle/>
-                    <a:p>
-                      <a:pPr algn="l" fontAlgn="ctr"/>
-                      <a:r>
-                        <a:rPr lang="en-US" sz="700" b="0" i="0" u="none" strike="noStrike" dirty="0">
-                          <a:solidFill>
-                            <a:srgbClr val="000000"/>
-                          </a:solidFill>
-                          <a:effectLst/>
-                          <a:latin typeface="游ゴシック" panose="020B0400000000000000" pitchFamily="50" charset="-128"/>
-                          <a:ea typeface="游ゴシック" panose="020B0400000000000000" pitchFamily="50" charset="-128"/>
-                        </a:rPr>
-                        <a:t>-</a:t>
-                      </a:r>
-                    </a:p>
-                  </a:txBody>
-                  <a:tcPr marL="8637" marR="8637" marT="8637" marB="0" anchor="ctr">
-                    <a:lnL>
-                      <a:noFill/>
-                    </a:lnL>
-                    <a:lnR>
-                      <a:noFill/>
-                    </a:lnR>
-                    <a:lnT>
-                      <a:noFill/>
-                    </a:lnT>
-                    <a:lnB>
-                      <a:noFill/>
-                    </a:lnB>
-                  </a:tcPr>
-                </a:tc>
-                <a:tc>
-                  <a:txBody>
-                    <a:bodyPr/>
-                    <a:lstStyle/>
-                    <a:p>
-                      <a:pPr algn="l" fontAlgn="ctr"/>
-                      <a:r>
-                        <a:rPr lang="en-US" sz="700" b="0" i="0" u="none" strike="noStrike" dirty="0">
-                          <a:solidFill>
-                            <a:srgbClr val="000000"/>
-                          </a:solidFill>
-                          <a:effectLst/>
-                          <a:latin typeface="游ゴシック" panose="020B0400000000000000" pitchFamily="50" charset="-128"/>
-                          <a:ea typeface="游ゴシック" panose="020B0400000000000000" pitchFamily="50" charset="-128"/>
-                        </a:rPr>
-                        <a:t>-</a:t>
-                      </a:r>
-                    </a:p>
-                  </a:txBody>
-                  <a:tcPr marL="8637" marR="8637" marT="8637" marB="0" anchor="ctr">
-                    <a:lnL>
-                      <a:noFill/>
-                    </a:lnL>
-                    <a:lnR>
-                      <a:noFill/>
-                    </a:lnR>
-                    <a:lnT>
-                      <a:noFill/>
-                    </a:lnT>
-                    <a:lnB>
-                      <a:noFill/>
-                    </a:lnB>
-                  </a:tcPr>
-                </a:tc>
-                <a:extLst>
-                  <a:ext uri="{0D108BD9-81ED-4DB2-BD59-A6C34878D82A}">
-                    <a16:rowId xmlns:a16="http://schemas.microsoft.com/office/drawing/2014/main" val="1565876760"/>
-                  </a:ext>
-                </a:extLst>
-              </a:tr>
-              <a:tr h="136587">
-                <a:tc>
-                  <a:txBody>
-                    <a:bodyPr/>
-                    <a:lstStyle/>
-                    <a:p>
-                      <a:pPr algn="l" fontAlgn="ctr"/>
-                      <a:r>
-                        <a:rPr lang="en-US" sz="700" b="0" i="0" u="none" strike="noStrike" dirty="0">
-                          <a:solidFill>
-                            <a:srgbClr val="000000"/>
-                          </a:solidFill>
-                          <a:effectLst/>
-                          <a:latin typeface="游ゴシック" panose="020B0400000000000000" pitchFamily="50" charset="-128"/>
-                          <a:ea typeface="游ゴシック" panose="020B0400000000000000" pitchFamily="50" charset="-128"/>
-                        </a:rPr>
-                        <a:t>-</a:t>
-                      </a:r>
-                    </a:p>
-                  </a:txBody>
-                  <a:tcPr marL="8637" marR="8637" marT="8637" marB="0" anchor="ctr">
-                    <a:lnL>
-                      <a:noFill/>
-                    </a:lnL>
-                    <a:lnR>
-                      <a:noFill/>
-                    </a:lnR>
-                    <a:lnT>
-                      <a:noFill/>
-                    </a:lnT>
-                    <a:lnB>
-                      <a:noFill/>
-                    </a:lnB>
-                  </a:tcPr>
-                </a:tc>
-                <a:tc>
-                  <a:txBody>
-                    <a:bodyPr/>
-                    <a:lstStyle/>
-                    <a:p>
-                      <a:pPr algn="l" fontAlgn="ctr"/>
-                      <a:r>
-                        <a:rPr lang="en-US" sz="700" b="0" i="0" u="none" strike="noStrike" dirty="0">
-                          <a:solidFill>
-                            <a:srgbClr val="000000"/>
-                          </a:solidFill>
-                          <a:effectLst/>
-                          <a:latin typeface="游ゴシック" panose="020B0400000000000000" pitchFamily="50" charset="-128"/>
-                          <a:ea typeface="游ゴシック" panose="020B0400000000000000" pitchFamily="50" charset="-128"/>
-                        </a:rPr>
-                        <a:t>-</a:t>
-                      </a:r>
-                    </a:p>
-                  </a:txBody>
-                  <a:tcPr marL="8637" marR="8637" marT="8637" marB="0" anchor="ctr">
-                    <a:lnL>
-                      <a:noFill/>
-                    </a:lnL>
-                    <a:lnR>
-                      <a:noFill/>
-                    </a:lnR>
-                    <a:lnT>
-                      <a:noFill/>
-                    </a:lnT>
-                    <a:lnB>
-                      <a:noFill/>
-                    </a:lnB>
-                  </a:tcPr>
-                </a:tc>
-                <a:tc>
-                  <a:txBody>
-                    <a:bodyPr/>
-                    <a:lstStyle/>
-                    <a:p>
-                      <a:pPr algn="l" fontAlgn="ctr"/>
-                      <a:r>
-                        <a:rPr lang="en-US" sz="700" b="0" i="0" u="none" strike="noStrike" dirty="0">
-                          <a:solidFill>
-                            <a:srgbClr val="000000"/>
-                          </a:solidFill>
-                          <a:effectLst/>
-                          <a:latin typeface="游ゴシック" panose="020B0400000000000000" pitchFamily="50" charset="-128"/>
-                          <a:ea typeface="游ゴシック" panose="020B0400000000000000" pitchFamily="50" charset="-128"/>
-                        </a:rPr>
-                        <a:t>-</a:t>
-                      </a:r>
-                    </a:p>
-                  </a:txBody>
-                  <a:tcPr marL="8637" marR="8637" marT="8637" marB="0" anchor="ctr">
-                    <a:lnL>
-                      <a:noFill/>
-                    </a:lnL>
-                    <a:lnR>
-                      <a:noFill/>
-                    </a:lnR>
-                    <a:lnT>
-                      <a:noFill/>
-                    </a:lnT>
-                    <a:lnB>
-                      <a:noFill/>
-                    </a:lnB>
-                  </a:tcPr>
-                </a:tc>
-                <a:tc>
-                  <a:txBody>
-                    <a:bodyPr/>
-                    <a:lstStyle/>
-                    <a:p>
-                      <a:pPr algn="l" fontAlgn="ctr"/>
-                      <a:r>
-                        <a:rPr lang="en-US" sz="700" b="0" i="0" u="none" strike="noStrike" dirty="0">
-                          <a:solidFill>
-                            <a:srgbClr val="000000"/>
-                          </a:solidFill>
-                          <a:effectLst/>
-                          <a:latin typeface="游ゴシック" panose="020B0400000000000000" pitchFamily="50" charset="-128"/>
-                          <a:ea typeface="游ゴシック" panose="020B0400000000000000" pitchFamily="50" charset="-128"/>
-                        </a:rPr>
-                        <a:t>-</a:t>
-                      </a:r>
-                    </a:p>
-                  </a:txBody>
-                  <a:tcPr marL="8637" marR="8637" marT="8637" marB="0" anchor="ctr">
-                    <a:lnL>
-                      <a:noFill/>
-                    </a:lnL>
-                    <a:lnR>
-                      <a:noFill/>
-                    </a:lnR>
-                    <a:lnT>
-                      <a:noFill/>
-                    </a:lnT>
-                    <a:lnB>
-                      <a:noFill/>
-                    </a:lnB>
-                  </a:tcPr>
-                </a:tc>
-                <a:tc>
-                  <a:txBody>
-                    <a:bodyPr/>
-                    <a:lstStyle/>
-                    <a:p>
-                      <a:pPr algn="l" fontAlgn="ctr"/>
-                      <a:r>
-                        <a:rPr lang="en-US" sz="700" b="0" i="0" u="none" strike="noStrike" dirty="0">
-                          <a:solidFill>
-                            <a:srgbClr val="000000"/>
-                          </a:solidFill>
-                          <a:effectLst/>
-                          <a:latin typeface="游ゴシック" panose="020B0400000000000000" pitchFamily="50" charset="-128"/>
-                          <a:ea typeface="游ゴシック" panose="020B0400000000000000" pitchFamily="50" charset="-128"/>
-                        </a:rPr>
-                        <a:t>-</a:t>
-                      </a:r>
-                    </a:p>
-                  </a:txBody>
-                  <a:tcPr marL="8637" marR="8637" marT="8637" marB="0" anchor="ctr">
-                    <a:lnL>
-                      <a:noFill/>
-                    </a:lnL>
-                    <a:lnR>
-                      <a:noFill/>
-                    </a:lnR>
-                    <a:lnT>
-                      <a:noFill/>
-                    </a:lnT>
-                    <a:lnB>
-                      <a:noFill/>
-                    </a:lnB>
-                  </a:tcPr>
-                </a:tc>
-                <a:tc>
-                  <a:txBody>
-                    <a:bodyPr/>
-                    <a:lstStyle/>
-                    <a:p>
-                      <a:pPr algn="l" fontAlgn="ctr"/>
-                      <a:r>
-                        <a:rPr lang="en-US" sz="700" b="0" i="0" u="none" strike="noStrike" dirty="0">
-                          <a:solidFill>
-                            <a:srgbClr val="000000"/>
-                          </a:solidFill>
-                          <a:effectLst/>
-                          <a:latin typeface="游ゴシック" panose="020B0400000000000000" pitchFamily="50" charset="-128"/>
-                          <a:ea typeface="游ゴシック" panose="020B0400000000000000" pitchFamily="50" charset="-128"/>
-                        </a:rPr>
-                        <a:t>-</a:t>
-                      </a:r>
-                    </a:p>
-                  </a:txBody>
-                  <a:tcPr marL="8637" marR="8637" marT="8637" marB="0" anchor="ctr">
-                    <a:lnL>
-                      <a:noFill/>
-                    </a:lnL>
-                    <a:lnR>
-                      <a:noFill/>
-                    </a:lnR>
-                    <a:lnT>
-                      <a:noFill/>
-                    </a:lnT>
-                    <a:lnB>
-                      <a:noFill/>
-                    </a:lnB>
-                  </a:tcPr>
-                </a:tc>
-                <a:tc>
-                  <a:txBody>
-                    <a:bodyPr/>
-                    <a:lstStyle/>
-                    <a:p>
-                      <a:pPr algn="l" fontAlgn="ctr"/>
-                      <a:r>
-                        <a:rPr lang="en-US" sz="700" b="0" i="0" u="none" strike="noStrike" dirty="0">
-                          <a:solidFill>
-                            <a:srgbClr val="000000"/>
-                          </a:solidFill>
-                          <a:effectLst/>
-                          <a:latin typeface="游ゴシック" panose="020B0400000000000000" pitchFamily="50" charset="-128"/>
-                          <a:ea typeface="游ゴシック" panose="020B0400000000000000" pitchFamily="50" charset="-128"/>
-                        </a:rPr>
-                        <a:t>-</a:t>
-                      </a:r>
-                    </a:p>
-                  </a:txBody>
-                  <a:tcPr marL="8637" marR="8637" marT="8637" marB="0" anchor="ctr">
-                    <a:lnL>
-                      <a:noFill/>
-                    </a:lnL>
-                    <a:lnR>
-                      <a:noFill/>
-                    </a:lnR>
-                    <a:lnT>
-                      <a:noFill/>
-                    </a:lnT>
-                    <a:lnB>
-                      <a:noFill/>
-                    </a:lnB>
-                  </a:tcPr>
-                </a:tc>
-                <a:extLst>
-                  <a:ext uri="{0D108BD9-81ED-4DB2-BD59-A6C34878D82A}">
-                    <a16:rowId xmlns:a16="http://schemas.microsoft.com/office/drawing/2014/main" val="3945670391"/>
-                  </a:ext>
-                </a:extLst>
-              </a:tr>
-              <a:tr h="136587">
-                <a:tc>
-                  <a:txBody>
-                    <a:bodyPr/>
-                    <a:lstStyle/>
-                    <a:p>
-                      <a:pPr algn="l" fontAlgn="ctr"/>
-                      <a:r>
-                        <a:rPr lang="en-US" sz="700" b="0" i="0" u="none" strike="noStrike" dirty="0">
-                          <a:solidFill>
-                            <a:srgbClr val="000000"/>
-                          </a:solidFill>
-                          <a:effectLst/>
-                          <a:latin typeface="游ゴシック" panose="020B0400000000000000" pitchFamily="50" charset="-128"/>
-                          <a:ea typeface="游ゴシック" panose="020B0400000000000000" pitchFamily="50" charset="-128"/>
-                        </a:rPr>
-                        <a:t>-</a:t>
-                      </a:r>
-                    </a:p>
-                  </a:txBody>
-                  <a:tcPr marL="8637" marR="8637" marT="8637" marB="0" anchor="ctr">
-                    <a:lnL>
-                      <a:noFill/>
-                    </a:lnL>
-                    <a:lnR>
-                      <a:noFill/>
-                    </a:lnR>
-                    <a:lnT>
-                      <a:noFill/>
-                    </a:lnT>
-                    <a:lnB>
-                      <a:noFill/>
-                    </a:lnB>
-                  </a:tcPr>
-                </a:tc>
-                <a:tc>
-                  <a:txBody>
-                    <a:bodyPr/>
-                    <a:lstStyle/>
-                    <a:p>
-                      <a:pPr algn="l" fontAlgn="ctr"/>
-                      <a:r>
-                        <a:rPr lang="en-US" sz="700" b="0" i="0" u="none" strike="noStrike" dirty="0">
-                          <a:solidFill>
-                            <a:srgbClr val="000000"/>
-                          </a:solidFill>
-                          <a:effectLst/>
-                          <a:latin typeface="游ゴシック" panose="020B0400000000000000" pitchFamily="50" charset="-128"/>
-                          <a:ea typeface="游ゴシック" panose="020B0400000000000000" pitchFamily="50" charset="-128"/>
-                        </a:rPr>
-                        <a:t>-</a:t>
-                      </a:r>
-                    </a:p>
-                  </a:txBody>
-                  <a:tcPr marL="8637" marR="8637" marT="8637" marB="0" anchor="ctr">
-                    <a:lnL>
-                      <a:noFill/>
-                    </a:lnL>
-                    <a:lnR>
-                      <a:noFill/>
-                    </a:lnR>
-                    <a:lnT>
-                      <a:noFill/>
-                    </a:lnT>
-                    <a:lnB>
-                      <a:noFill/>
-                    </a:lnB>
-                  </a:tcPr>
-                </a:tc>
-                <a:tc>
-                  <a:txBody>
-                    <a:bodyPr/>
-                    <a:lstStyle/>
-                    <a:p>
-                      <a:pPr algn="l" fontAlgn="ctr"/>
-                      <a:r>
-                        <a:rPr lang="en-US" sz="700" b="0" i="0" u="none" strike="noStrike" dirty="0">
-                          <a:solidFill>
-                            <a:srgbClr val="000000"/>
-                          </a:solidFill>
-                          <a:effectLst/>
-                          <a:latin typeface="游ゴシック" panose="020B0400000000000000" pitchFamily="50" charset="-128"/>
-                          <a:ea typeface="游ゴシック" panose="020B0400000000000000" pitchFamily="50" charset="-128"/>
-                        </a:rPr>
-                        <a:t>-</a:t>
-                      </a:r>
-                    </a:p>
-                  </a:txBody>
-                  <a:tcPr marL="8637" marR="8637" marT="8637" marB="0" anchor="ctr">
-                    <a:lnL>
-                      <a:noFill/>
-                    </a:lnL>
-                    <a:lnR>
-                      <a:noFill/>
-                    </a:lnR>
-                    <a:lnT>
-                      <a:noFill/>
-                    </a:lnT>
-                    <a:lnB>
-                      <a:noFill/>
-                    </a:lnB>
-                  </a:tcPr>
-                </a:tc>
-                <a:tc>
-                  <a:txBody>
-                    <a:bodyPr/>
-                    <a:lstStyle/>
-                    <a:p>
-                      <a:pPr algn="l" fontAlgn="ctr"/>
-                      <a:r>
-                        <a:rPr lang="en-US" sz="700" b="0" i="0" u="none" strike="noStrike" dirty="0">
-                          <a:solidFill>
-                            <a:srgbClr val="000000"/>
-                          </a:solidFill>
-                          <a:effectLst/>
-                          <a:latin typeface="游ゴシック" panose="020B0400000000000000" pitchFamily="50" charset="-128"/>
-                          <a:ea typeface="游ゴシック" panose="020B0400000000000000" pitchFamily="50" charset="-128"/>
-                        </a:rPr>
-                        <a:t>-</a:t>
-                      </a:r>
-                    </a:p>
-                  </a:txBody>
-                  <a:tcPr marL="8637" marR="8637" marT="8637" marB="0" anchor="ctr">
-                    <a:lnL>
-                      <a:noFill/>
-                    </a:lnL>
-                    <a:lnR>
-                      <a:noFill/>
-                    </a:lnR>
-                    <a:lnT>
-                      <a:noFill/>
-                    </a:lnT>
-                    <a:lnB>
-                      <a:noFill/>
-                    </a:lnB>
-                  </a:tcPr>
-                </a:tc>
-                <a:tc>
-                  <a:txBody>
-                    <a:bodyPr/>
-                    <a:lstStyle/>
-                    <a:p>
-                      <a:pPr algn="l" fontAlgn="ctr"/>
-                      <a:r>
-                        <a:rPr lang="en-US" sz="700" b="0" i="0" u="none" strike="noStrike" dirty="0">
-                          <a:solidFill>
-                            <a:srgbClr val="000000"/>
-                          </a:solidFill>
-                          <a:effectLst/>
-                          <a:latin typeface="游ゴシック" panose="020B0400000000000000" pitchFamily="50" charset="-128"/>
-                          <a:ea typeface="游ゴシック" panose="020B0400000000000000" pitchFamily="50" charset="-128"/>
-                        </a:rPr>
-                        <a:t>-</a:t>
-                      </a:r>
-                    </a:p>
-                  </a:txBody>
-                  <a:tcPr marL="8637" marR="8637" marT="8637" marB="0" anchor="ctr">
-                    <a:lnL>
-                      <a:noFill/>
-                    </a:lnL>
-                    <a:lnR>
-                      <a:noFill/>
-                    </a:lnR>
-                    <a:lnT>
-                      <a:noFill/>
-                    </a:lnT>
-                    <a:lnB>
-                      <a:noFill/>
-                    </a:lnB>
-                  </a:tcPr>
-                </a:tc>
-                <a:tc>
-                  <a:txBody>
-                    <a:bodyPr/>
-                    <a:lstStyle/>
-                    <a:p>
-                      <a:pPr algn="l" fontAlgn="ctr"/>
-                      <a:r>
-                        <a:rPr lang="en-US" sz="700" b="0" i="0" u="none" strike="noStrike" dirty="0">
-                          <a:solidFill>
-                            <a:srgbClr val="000000"/>
-                          </a:solidFill>
-                          <a:effectLst/>
-                          <a:latin typeface="游ゴシック" panose="020B0400000000000000" pitchFamily="50" charset="-128"/>
-                          <a:ea typeface="游ゴシック" panose="020B0400000000000000" pitchFamily="50" charset="-128"/>
-                        </a:rPr>
-                        <a:t>-</a:t>
-                      </a:r>
-                    </a:p>
-                  </a:txBody>
-                  <a:tcPr marL="8637" marR="8637" marT="8637" marB="0" anchor="ctr">
-                    <a:lnL>
-                      <a:noFill/>
-                    </a:lnL>
-                    <a:lnR>
-                      <a:noFill/>
-                    </a:lnR>
-                    <a:lnT>
-                      <a:noFill/>
-                    </a:lnT>
-                    <a:lnB>
-                      <a:noFill/>
-                    </a:lnB>
-                  </a:tcPr>
-                </a:tc>
-                <a:tc>
-                  <a:txBody>
-                    <a:bodyPr/>
-                    <a:lstStyle/>
-                    <a:p>
-                      <a:pPr algn="l" fontAlgn="ctr"/>
-                      <a:r>
-                        <a:rPr lang="en-US" sz="700" b="0" i="0" u="none" strike="noStrike" dirty="0">
-                          <a:solidFill>
-                            <a:srgbClr val="000000"/>
-                          </a:solidFill>
-                          <a:effectLst/>
-                          <a:latin typeface="游ゴシック" panose="020B0400000000000000" pitchFamily="50" charset="-128"/>
-                          <a:ea typeface="游ゴシック" panose="020B0400000000000000" pitchFamily="50" charset="-128"/>
-                        </a:rPr>
-                        <a:t>-</a:t>
-                      </a:r>
-                    </a:p>
-                  </a:txBody>
-                  <a:tcPr marL="8637" marR="8637" marT="8637" marB="0" anchor="ctr">
-                    <a:lnL>
-                      <a:noFill/>
-                    </a:lnL>
-                    <a:lnR>
-                      <a:noFill/>
-                    </a:lnR>
-                    <a:lnT>
-                      <a:noFill/>
-                    </a:lnT>
-                    <a:lnB>
-                      <a:noFill/>
-                    </a:lnB>
-                  </a:tcPr>
-                </a:tc>
-                <a:extLst>
-                  <a:ext uri="{0D108BD9-81ED-4DB2-BD59-A6C34878D82A}">
-                    <a16:rowId xmlns:a16="http://schemas.microsoft.com/office/drawing/2014/main" val="4078405107"/>
-                  </a:ext>
-                </a:extLst>
-              </a:tr>
-              <a:tr h="136587">
-                <a:tc>
-                  <a:txBody>
-                    <a:bodyPr/>
-                    <a:lstStyle/>
-                    <a:p>
-                      <a:pPr algn="l" fontAlgn="ctr"/>
-                      <a:r>
-                        <a:rPr lang="en-US" sz="700" b="0" i="0" u="none" strike="noStrike" dirty="0">
-                          <a:solidFill>
-                            <a:srgbClr val="000000"/>
-                          </a:solidFill>
-                          <a:effectLst/>
-                          <a:latin typeface="游ゴシック" panose="020B0400000000000000" pitchFamily="50" charset="-128"/>
-                          <a:ea typeface="游ゴシック" panose="020B0400000000000000" pitchFamily="50" charset="-128"/>
-                        </a:rPr>
-                        <a:t>-</a:t>
-                      </a:r>
-                    </a:p>
-                  </a:txBody>
-                  <a:tcPr marL="8637" marR="8637" marT="8637" marB="0" anchor="ctr">
-                    <a:lnL>
-                      <a:noFill/>
-                    </a:lnL>
-                    <a:lnR>
-                      <a:noFill/>
-                    </a:lnR>
-                    <a:lnT>
-                      <a:noFill/>
-                    </a:lnT>
-                    <a:lnB>
-                      <a:noFill/>
-                    </a:lnB>
-                  </a:tcPr>
-                </a:tc>
-                <a:tc>
-                  <a:txBody>
-                    <a:bodyPr/>
-                    <a:lstStyle/>
-                    <a:p>
-                      <a:pPr algn="l" fontAlgn="ctr"/>
-                      <a:r>
-                        <a:rPr lang="en-US" sz="700" b="0" i="0" u="none" strike="noStrike" dirty="0">
-                          <a:solidFill>
-                            <a:srgbClr val="000000"/>
-                          </a:solidFill>
-                          <a:effectLst/>
-                          <a:latin typeface="游ゴシック" panose="020B0400000000000000" pitchFamily="50" charset="-128"/>
-                          <a:ea typeface="游ゴシック" panose="020B0400000000000000" pitchFamily="50" charset="-128"/>
-                        </a:rPr>
-                        <a:t>-</a:t>
-                      </a:r>
-                    </a:p>
-                  </a:txBody>
-                  <a:tcPr marL="8637" marR="8637" marT="8637" marB="0" anchor="ctr">
-                    <a:lnL>
-                      <a:noFill/>
-                    </a:lnL>
-                    <a:lnR>
-                      <a:noFill/>
-                    </a:lnR>
-                    <a:lnT>
-                      <a:noFill/>
-                    </a:lnT>
-                    <a:lnB>
-                      <a:noFill/>
-                    </a:lnB>
-                  </a:tcPr>
-                </a:tc>
-                <a:tc>
-                  <a:txBody>
-                    <a:bodyPr/>
-                    <a:lstStyle/>
-                    <a:p>
-                      <a:pPr algn="l" fontAlgn="ctr"/>
-                      <a:r>
-                        <a:rPr lang="en-US" sz="700" b="0" i="0" u="none" strike="noStrike" dirty="0">
-                          <a:solidFill>
-                            <a:srgbClr val="000000"/>
-                          </a:solidFill>
-                          <a:effectLst/>
-                          <a:latin typeface="游ゴシック" panose="020B0400000000000000" pitchFamily="50" charset="-128"/>
-                          <a:ea typeface="游ゴシック" panose="020B0400000000000000" pitchFamily="50" charset="-128"/>
-                        </a:rPr>
-                        <a:t>-</a:t>
-                      </a:r>
-                    </a:p>
-                  </a:txBody>
-                  <a:tcPr marL="8637" marR="8637" marT="8637" marB="0" anchor="ctr">
-                    <a:lnL>
-                      <a:noFill/>
-                    </a:lnL>
-                    <a:lnR>
-                      <a:noFill/>
-                    </a:lnR>
-                    <a:lnT>
-                      <a:noFill/>
-                    </a:lnT>
-                    <a:lnB>
-                      <a:noFill/>
-                    </a:lnB>
-                  </a:tcPr>
-                </a:tc>
-                <a:tc>
-                  <a:txBody>
-                    <a:bodyPr/>
-                    <a:lstStyle/>
-                    <a:p>
-                      <a:pPr algn="l" fontAlgn="ctr"/>
-                      <a:r>
-                        <a:rPr lang="en-US" sz="700" b="0" i="0" u="none" strike="noStrike" dirty="0">
-                          <a:solidFill>
-                            <a:srgbClr val="000000"/>
-                          </a:solidFill>
-                          <a:effectLst/>
-                          <a:latin typeface="游ゴシック" panose="020B0400000000000000" pitchFamily="50" charset="-128"/>
-                          <a:ea typeface="游ゴシック" panose="020B0400000000000000" pitchFamily="50" charset="-128"/>
-                        </a:rPr>
-                        <a:t>-</a:t>
-                      </a:r>
-                    </a:p>
-                  </a:txBody>
-                  <a:tcPr marL="8637" marR="8637" marT="8637" marB="0" anchor="ctr">
-                    <a:lnL>
-                      <a:noFill/>
-                    </a:lnL>
-                    <a:lnR>
-                      <a:noFill/>
-                    </a:lnR>
-                    <a:lnT>
-                      <a:noFill/>
-                    </a:lnT>
-                    <a:lnB>
-                      <a:noFill/>
-                    </a:lnB>
-                  </a:tcPr>
-                </a:tc>
-                <a:tc>
-                  <a:txBody>
-                    <a:bodyPr/>
-                    <a:lstStyle/>
-                    <a:p>
-                      <a:pPr algn="l" fontAlgn="ctr"/>
-                      <a:r>
-                        <a:rPr lang="en-US" sz="700" b="0" i="0" u="none" strike="noStrike" dirty="0">
-                          <a:solidFill>
-                            <a:srgbClr val="000000"/>
-                          </a:solidFill>
-                          <a:effectLst/>
-                          <a:latin typeface="游ゴシック" panose="020B0400000000000000" pitchFamily="50" charset="-128"/>
-                          <a:ea typeface="游ゴシック" panose="020B0400000000000000" pitchFamily="50" charset="-128"/>
-                        </a:rPr>
-                        <a:t>-</a:t>
-                      </a:r>
-                    </a:p>
-                  </a:txBody>
-                  <a:tcPr marL="8637" marR="8637" marT="8637" marB="0" anchor="ctr">
-                    <a:lnL>
-                      <a:noFill/>
-                    </a:lnL>
-                    <a:lnR>
-                      <a:noFill/>
-                    </a:lnR>
-                    <a:lnT>
-                      <a:noFill/>
-                    </a:lnT>
-                    <a:lnB>
-                      <a:noFill/>
-                    </a:lnB>
-                  </a:tcPr>
-                </a:tc>
-                <a:tc>
-                  <a:txBody>
-                    <a:bodyPr/>
-                    <a:lstStyle/>
-                    <a:p>
-                      <a:pPr algn="l" fontAlgn="ctr"/>
-                      <a:r>
-                        <a:rPr lang="en-US" sz="700" b="0" i="0" u="none" strike="noStrike" dirty="0">
-                          <a:solidFill>
-                            <a:srgbClr val="000000"/>
-                          </a:solidFill>
-                          <a:effectLst/>
-                          <a:latin typeface="游ゴシック" panose="020B0400000000000000" pitchFamily="50" charset="-128"/>
-                          <a:ea typeface="游ゴシック" panose="020B0400000000000000" pitchFamily="50" charset="-128"/>
-                        </a:rPr>
-                        <a:t>-</a:t>
-                      </a:r>
-                    </a:p>
-                  </a:txBody>
-                  <a:tcPr marL="8637" marR="8637" marT="8637" marB="0" anchor="ctr">
-                    <a:lnL>
-                      <a:noFill/>
-                    </a:lnL>
-                    <a:lnR>
-                      <a:noFill/>
-                    </a:lnR>
-                    <a:lnT>
-                      <a:noFill/>
-                    </a:lnT>
-                    <a:lnB>
-                      <a:noFill/>
-                    </a:lnB>
-                  </a:tcPr>
-                </a:tc>
-                <a:tc>
-                  <a:txBody>
-                    <a:bodyPr/>
-                    <a:lstStyle/>
-                    <a:p>
-                      <a:pPr algn="l" fontAlgn="ctr"/>
-                      <a:r>
-                        <a:rPr lang="en-US" sz="700" b="0" i="0" u="none" strike="noStrike" dirty="0">
-                          <a:solidFill>
-                            <a:srgbClr val="000000"/>
-                          </a:solidFill>
-                          <a:effectLst/>
-                          <a:latin typeface="游ゴシック" panose="020B0400000000000000" pitchFamily="50" charset="-128"/>
-                          <a:ea typeface="游ゴシック" panose="020B0400000000000000" pitchFamily="50" charset="-128"/>
-                        </a:rPr>
-                        <a:t>-</a:t>
-                      </a:r>
-                    </a:p>
-                  </a:txBody>
-                  <a:tcPr marL="8637" marR="8637" marT="8637" marB="0" anchor="ctr">
-                    <a:lnL>
-                      <a:noFill/>
-                    </a:lnL>
-                    <a:lnR>
-                      <a:noFill/>
-                    </a:lnR>
-                    <a:lnT>
-                      <a:noFill/>
-                    </a:lnT>
-                    <a:lnB>
-                      <a:noFill/>
-                    </a:lnB>
-                  </a:tcPr>
-                </a:tc>
-                <a:extLst>
-                  <a:ext uri="{0D108BD9-81ED-4DB2-BD59-A6C34878D82A}">
-                    <a16:rowId xmlns:a16="http://schemas.microsoft.com/office/drawing/2014/main" val="2939119388"/>
-                  </a:ext>
-                </a:extLst>
-              </a:tr>
-              <a:tr h="136587">
-                <a:tc>
-                  <a:txBody>
-                    <a:bodyPr/>
-                    <a:lstStyle/>
-                    <a:p>
-                      <a:pPr algn="l" fontAlgn="ctr"/>
-                      <a:r>
-                        <a:rPr lang="en-US" sz="700" b="0" i="0" u="none" strike="noStrike" dirty="0">
-                          <a:solidFill>
-                            <a:srgbClr val="000000"/>
-                          </a:solidFill>
-                          <a:effectLst/>
-                          <a:latin typeface="游ゴシック" panose="020B0400000000000000" pitchFamily="50" charset="-128"/>
-                          <a:ea typeface="游ゴシック" panose="020B0400000000000000" pitchFamily="50" charset="-128"/>
-                        </a:rPr>
-                        <a:t>-</a:t>
-                      </a:r>
-                    </a:p>
-                  </a:txBody>
-                  <a:tcPr marL="8637" marR="8637" marT="8637" marB="0" anchor="ctr">
-                    <a:lnL>
-                      <a:noFill/>
-                    </a:lnL>
-                    <a:lnR>
-                      <a:noFill/>
-                    </a:lnR>
-                    <a:lnT>
-                      <a:noFill/>
-                    </a:lnT>
-                    <a:lnB>
-                      <a:noFill/>
-                    </a:lnB>
-                  </a:tcPr>
-                </a:tc>
-                <a:tc>
-                  <a:txBody>
-                    <a:bodyPr/>
-                    <a:lstStyle/>
-                    <a:p>
-                      <a:pPr algn="l" fontAlgn="ctr"/>
-                      <a:r>
-                        <a:rPr lang="en-US" sz="700" b="0" i="0" u="none" strike="noStrike" dirty="0">
-                          <a:solidFill>
-                            <a:srgbClr val="000000"/>
-                          </a:solidFill>
-                          <a:effectLst/>
-                          <a:latin typeface="游ゴシック" panose="020B0400000000000000" pitchFamily="50" charset="-128"/>
-                          <a:ea typeface="游ゴシック" panose="020B0400000000000000" pitchFamily="50" charset="-128"/>
-                        </a:rPr>
-                        <a:t>-</a:t>
-                      </a:r>
-                    </a:p>
-                  </a:txBody>
-                  <a:tcPr marL="8637" marR="8637" marT="8637" marB="0" anchor="ctr">
-                    <a:lnL>
-                      <a:noFill/>
-                    </a:lnL>
-                    <a:lnR>
-                      <a:noFill/>
-                    </a:lnR>
-                    <a:lnT>
-                      <a:noFill/>
-                    </a:lnT>
-                    <a:lnB>
-                      <a:noFill/>
-                    </a:lnB>
-                  </a:tcPr>
-                </a:tc>
-                <a:tc>
-                  <a:txBody>
-                    <a:bodyPr/>
-                    <a:lstStyle/>
-                    <a:p>
-                      <a:pPr algn="l" fontAlgn="ctr"/>
-                      <a:r>
-                        <a:rPr lang="en-US" sz="700" b="0" i="0" u="none" strike="noStrike" dirty="0">
-                          <a:solidFill>
-                            <a:srgbClr val="000000"/>
-                          </a:solidFill>
-                          <a:effectLst/>
-                          <a:latin typeface="游ゴシック" panose="020B0400000000000000" pitchFamily="50" charset="-128"/>
-                          <a:ea typeface="游ゴシック" panose="020B0400000000000000" pitchFamily="50" charset="-128"/>
-                        </a:rPr>
-                        <a:t>-</a:t>
-                      </a:r>
-                    </a:p>
-                  </a:txBody>
-                  <a:tcPr marL="8637" marR="8637" marT="8637" marB="0" anchor="ctr">
-                    <a:lnL>
-                      <a:noFill/>
-                    </a:lnL>
-                    <a:lnR>
-                      <a:noFill/>
-                    </a:lnR>
-                    <a:lnT>
-                      <a:noFill/>
-                    </a:lnT>
-                    <a:lnB>
-                      <a:noFill/>
-                    </a:lnB>
-                  </a:tcPr>
-                </a:tc>
-                <a:tc>
-                  <a:txBody>
-                    <a:bodyPr/>
-                    <a:lstStyle/>
-                    <a:p>
-                      <a:pPr algn="l" fontAlgn="ctr"/>
-                      <a:r>
-                        <a:rPr lang="en-US" sz="700" b="0" i="0" u="none" strike="noStrike" dirty="0">
-                          <a:solidFill>
-                            <a:srgbClr val="000000"/>
-                          </a:solidFill>
-                          <a:effectLst/>
-                          <a:latin typeface="游ゴシック" panose="020B0400000000000000" pitchFamily="50" charset="-128"/>
-                          <a:ea typeface="游ゴシック" panose="020B0400000000000000" pitchFamily="50" charset="-128"/>
-                        </a:rPr>
-                        <a:t>-</a:t>
-                      </a:r>
-                    </a:p>
-                  </a:txBody>
-                  <a:tcPr marL="8637" marR="8637" marT="8637" marB="0" anchor="ctr">
-                    <a:lnL>
-                      <a:noFill/>
-                    </a:lnL>
-                    <a:lnR>
-                      <a:noFill/>
-                    </a:lnR>
-                    <a:lnT>
-                      <a:noFill/>
-                    </a:lnT>
-                    <a:lnB>
-                      <a:noFill/>
-                    </a:lnB>
-                  </a:tcPr>
-                </a:tc>
-                <a:tc>
-                  <a:txBody>
-                    <a:bodyPr/>
-                    <a:lstStyle/>
-                    <a:p>
-                      <a:pPr algn="l" fontAlgn="ctr"/>
-                      <a:r>
-                        <a:rPr lang="en-US" sz="700" b="0" i="0" u="none" strike="noStrike" dirty="0">
-                          <a:solidFill>
-                            <a:srgbClr val="000000"/>
-                          </a:solidFill>
-                          <a:effectLst/>
-                          <a:latin typeface="游ゴシック" panose="020B0400000000000000" pitchFamily="50" charset="-128"/>
-                          <a:ea typeface="游ゴシック" panose="020B0400000000000000" pitchFamily="50" charset="-128"/>
-                        </a:rPr>
-                        <a:t>-</a:t>
-                      </a:r>
-                    </a:p>
-                  </a:txBody>
-                  <a:tcPr marL="8637" marR="8637" marT="8637" marB="0" anchor="ctr">
-                    <a:lnL>
-                      <a:noFill/>
-                    </a:lnL>
-                    <a:lnR>
-                      <a:noFill/>
-                    </a:lnR>
-                    <a:lnT>
-                      <a:noFill/>
-                    </a:lnT>
-                    <a:lnB>
-                      <a:noFill/>
-                    </a:lnB>
-                  </a:tcPr>
-                </a:tc>
-                <a:tc>
-                  <a:txBody>
-                    <a:bodyPr/>
-                    <a:lstStyle/>
-                    <a:p>
-                      <a:pPr algn="l" fontAlgn="ctr"/>
-                      <a:r>
-                        <a:rPr lang="en-US" sz="700" b="0" i="0" u="none" strike="noStrike" dirty="0">
-                          <a:solidFill>
-                            <a:srgbClr val="000000"/>
-                          </a:solidFill>
-                          <a:effectLst/>
-                          <a:latin typeface="游ゴシック" panose="020B0400000000000000" pitchFamily="50" charset="-128"/>
-                          <a:ea typeface="游ゴシック" panose="020B0400000000000000" pitchFamily="50" charset="-128"/>
-                        </a:rPr>
-                        <a:t>-</a:t>
-                      </a:r>
-                    </a:p>
-                  </a:txBody>
-                  <a:tcPr marL="8637" marR="8637" marT="8637" marB="0" anchor="ctr">
-                    <a:lnL>
-                      <a:noFill/>
-                    </a:lnL>
-                    <a:lnR>
-                      <a:noFill/>
-                    </a:lnR>
-                    <a:lnT>
-                      <a:noFill/>
-                    </a:lnT>
-                    <a:lnB>
-                      <a:noFill/>
-                    </a:lnB>
-                  </a:tcPr>
-                </a:tc>
-                <a:tc>
-                  <a:txBody>
-                    <a:bodyPr/>
-                    <a:lstStyle/>
-                    <a:p>
-                      <a:pPr algn="l" fontAlgn="ctr"/>
-                      <a:r>
-                        <a:rPr lang="en-US" sz="700" b="0" i="0" u="none" strike="noStrike" dirty="0">
-                          <a:solidFill>
-                            <a:srgbClr val="000000"/>
-                          </a:solidFill>
-                          <a:effectLst/>
-                          <a:latin typeface="游ゴシック" panose="020B0400000000000000" pitchFamily="50" charset="-128"/>
-                          <a:ea typeface="游ゴシック" panose="020B0400000000000000" pitchFamily="50" charset="-128"/>
-                        </a:rPr>
-                        <a:t>-</a:t>
-                      </a:r>
-                    </a:p>
-                  </a:txBody>
-                  <a:tcPr marL="8637" marR="8637" marT="8637" marB="0" anchor="ctr">
-                    <a:lnL>
-                      <a:noFill/>
-                    </a:lnL>
-                    <a:lnR>
-                      <a:noFill/>
-                    </a:lnR>
-                    <a:lnT>
-                      <a:noFill/>
-                    </a:lnT>
-                    <a:lnB>
-                      <a:noFill/>
-                    </a:lnB>
-                  </a:tcPr>
-                </a:tc>
-                <a:extLst>
-                  <a:ext uri="{0D108BD9-81ED-4DB2-BD59-A6C34878D82A}">
-                    <a16:rowId xmlns:a16="http://schemas.microsoft.com/office/drawing/2014/main" val="600414055"/>
-                  </a:ext>
-                </a:extLst>
-              </a:tr>
-              <a:tr h="136587">
-                <a:tc>
-                  <a:txBody>
-                    <a:bodyPr/>
-                    <a:lstStyle/>
-                    <a:p>
-                      <a:pPr algn="l" fontAlgn="ctr"/>
-                      <a:r>
-                        <a:rPr lang="en-US" sz="700" b="0" i="0" u="none" strike="noStrike" dirty="0">
-                          <a:solidFill>
-                            <a:srgbClr val="000000"/>
-                          </a:solidFill>
-                          <a:effectLst/>
-                          <a:latin typeface="游ゴシック" panose="020B0400000000000000" pitchFamily="50" charset="-128"/>
-                          <a:ea typeface="游ゴシック" panose="020B0400000000000000" pitchFamily="50" charset="-128"/>
-                        </a:rPr>
-                        <a:t>-</a:t>
-                      </a:r>
-                    </a:p>
-                  </a:txBody>
-                  <a:tcPr marL="8637" marR="8637" marT="8637" marB="0" anchor="ctr">
-                    <a:lnL>
-                      <a:noFill/>
-                    </a:lnL>
-                    <a:lnR>
-                      <a:noFill/>
-                    </a:lnR>
-                    <a:lnT>
-                      <a:noFill/>
-                    </a:lnT>
-                    <a:lnB>
-                      <a:noFill/>
-                    </a:lnB>
-                  </a:tcPr>
-                </a:tc>
-                <a:tc>
-                  <a:txBody>
-                    <a:bodyPr/>
-                    <a:lstStyle/>
-                    <a:p>
-                      <a:pPr algn="l" fontAlgn="ctr"/>
-                      <a:r>
-                        <a:rPr lang="en-US" sz="700" b="0" i="0" u="none" strike="noStrike" dirty="0">
-                          <a:solidFill>
-                            <a:srgbClr val="000000"/>
-                          </a:solidFill>
-                          <a:effectLst/>
-                          <a:latin typeface="游ゴシック" panose="020B0400000000000000" pitchFamily="50" charset="-128"/>
-                          <a:ea typeface="游ゴシック" panose="020B0400000000000000" pitchFamily="50" charset="-128"/>
-                        </a:rPr>
-                        <a:t>-</a:t>
-                      </a:r>
-                    </a:p>
-                  </a:txBody>
-                  <a:tcPr marL="8637" marR="8637" marT="8637" marB="0" anchor="ctr">
-                    <a:lnL>
-                      <a:noFill/>
-                    </a:lnL>
-                    <a:lnR>
-                      <a:noFill/>
-                    </a:lnR>
-                    <a:lnT>
-                      <a:noFill/>
-                    </a:lnT>
-                    <a:lnB>
-                      <a:noFill/>
-                    </a:lnB>
-                  </a:tcPr>
-                </a:tc>
-                <a:tc>
-                  <a:txBody>
-                    <a:bodyPr/>
-                    <a:lstStyle/>
-                    <a:p>
-                      <a:pPr algn="l" fontAlgn="ctr"/>
-                      <a:r>
-                        <a:rPr lang="en-US" sz="700" b="0" i="0" u="none" strike="noStrike" dirty="0">
-                          <a:solidFill>
-                            <a:srgbClr val="000000"/>
-                          </a:solidFill>
-                          <a:effectLst/>
-                          <a:latin typeface="游ゴシック" panose="020B0400000000000000" pitchFamily="50" charset="-128"/>
-                          <a:ea typeface="游ゴシック" panose="020B0400000000000000" pitchFamily="50" charset="-128"/>
-                        </a:rPr>
-                        <a:t>-</a:t>
-                      </a:r>
-                    </a:p>
-                  </a:txBody>
-                  <a:tcPr marL="8637" marR="8637" marT="8637" marB="0" anchor="ctr">
-                    <a:lnL>
-                      <a:noFill/>
-                    </a:lnL>
-                    <a:lnR>
-                      <a:noFill/>
-                    </a:lnR>
-                    <a:lnT>
-                      <a:noFill/>
-                    </a:lnT>
-                    <a:lnB>
-                      <a:noFill/>
-                    </a:lnB>
-                  </a:tcPr>
-                </a:tc>
-                <a:tc>
-                  <a:txBody>
-                    <a:bodyPr/>
-                    <a:lstStyle/>
-                    <a:p>
-                      <a:pPr algn="l" fontAlgn="ctr"/>
-                      <a:r>
-                        <a:rPr lang="en-US" sz="700" b="0" i="0" u="none" strike="noStrike" dirty="0">
-                          <a:solidFill>
-                            <a:srgbClr val="000000"/>
-                          </a:solidFill>
-                          <a:effectLst/>
-                          <a:latin typeface="游ゴシック" panose="020B0400000000000000" pitchFamily="50" charset="-128"/>
-                          <a:ea typeface="游ゴシック" panose="020B0400000000000000" pitchFamily="50" charset="-128"/>
-                        </a:rPr>
-                        <a:t>-</a:t>
-                      </a:r>
-                    </a:p>
-                  </a:txBody>
-                  <a:tcPr marL="8637" marR="8637" marT="8637" marB="0" anchor="ctr">
-                    <a:lnL>
-                      <a:noFill/>
-                    </a:lnL>
-                    <a:lnR>
-                      <a:noFill/>
-                    </a:lnR>
-                    <a:lnT>
-                      <a:noFill/>
-                    </a:lnT>
-                    <a:lnB>
-                      <a:noFill/>
-                    </a:lnB>
-                  </a:tcPr>
-                </a:tc>
-                <a:tc>
-                  <a:txBody>
-                    <a:bodyPr/>
-                    <a:lstStyle/>
-                    <a:p>
-                      <a:pPr algn="l" fontAlgn="ctr"/>
-                      <a:r>
-                        <a:rPr lang="en-US" sz="700" b="0" i="0" u="none" strike="noStrike" dirty="0">
-                          <a:solidFill>
-                            <a:srgbClr val="000000"/>
-                          </a:solidFill>
-                          <a:effectLst/>
-                          <a:latin typeface="游ゴシック" panose="020B0400000000000000" pitchFamily="50" charset="-128"/>
-                          <a:ea typeface="游ゴシック" panose="020B0400000000000000" pitchFamily="50" charset="-128"/>
-                        </a:rPr>
-                        <a:t>-</a:t>
-                      </a:r>
-                    </a:p>
-                  </a:txBody>
-                  <a:tcPr marL="8637" marR="8637" marT="8637" marB="0" anchor="ctr">
-                    <a:lnL>
-                      <a:noFill/>
-                    </a:lnL>
-                    <a:lnR>
-                      <a:noFill/>
-                    </a:lnR>
-                    <a:lnT>
-                      <a:noFill/>
-                    </a:lnT>
-                    <a:lnB>
-                      <a:noFill/>
-                    </a:lnB>
-                  </a:tcPr>
-                </a:tc>
-                <a:tc>
-                  <a:txBody>
-                    <a:bodyPr/>
-                    <a:lstStyle/>
-                    <a:p>
-                      <a:pPr algn="l" fontAlgn="ctr"/>
-                      <a:r>
-                        <a:rPr lang="en-US" sz="700" b="0" i="0" u="none" strike="noStrike" dirty="0">
-                          <a:solidFill>
-                            <a:srgbClr val="000000"/>
-                          </a:solidFill>
-                          <a:effectLst/>
-                          <a:latin typeface="游ゴシック" panose="020B0400000000000000" pitchFamily="50" charset="-128"/>
-                          <a:ea typeface="游ゴシック" panose="020B0400000000000000" pitchFamily="50" charset="-128"/>
-                        </a:rPr>
-                        <a:t>-</a:t>
-                      </a:r>
-                    </a:p>
-                  </a:txBody>
-                  <a:tcPr marL="8637" marR="8637" marT="8637" marB="0" anchor="ctr">
-                    <a:lnL>
-                      <a:noFill/>
-                    </a:lnL>
-                    <a:lnR>
-                      <a:noFill/>
-                    </a:lnR>
-                    <a:lnT>
-                      <a:noFill/>
-                    </a:lnT>
-                    <a:lnB>
-                      <a:noFill/>
-                    </a:lnB>
-                  </a:tcPr>
-                </a:tc>
-                <a:tc>
-                  <a:txBody>
-                    <a:bodyPr/>
-                    <a:lstStyle/>
-                    <a:p>
-                      <a:pPr algn="l" fontAlgn="ctr"/>
-                      <a:r>
-                        <a:rPr lang="en-US" sz="700" b="0" i="0" u="none" strike="noStrike" dirty="0">
-                          <a:solidFill>
-                            <a:srgbClr val="000000"/>
-                          </a:solidFill>
-                          <a:effectLst/>
-                          <a:latin typeface="游ゴシック" panose="020B0400000000000000" pitchFamily="50" charset="-128"/>
-                          <a:ea typeface="游ゴシック" panose="020B0400000000000000" pitchFamily="50" charset="-128"/>
-                        </a:rPr>
-                        <a:t>-</a:t>
-                      </a:r>
-                    </a:p>
-                  </a:txBody>
-                  <a:tcPr marL="8637" marR="8637" marT="8637" marB="0" anchor="ctr">
-                    <a:lnL>
-                      <a:noFill/>
-                    </a:lnL>
-                    <a:lnR>
-                      <a:noFill/>
-                    </a:lnR>
-                    <a:lnT>
-                      <a:noFill/>
-                    </a:lnT>
-                    <a:lnB>
-                      <a:noFill/>
-                    </a:lnB>
-                  </a:tcPr>
-                </a:tc>
-                <a:extLst>
-                  <a:ext uri="{0D108BD9-81ED-4DB2-BD59-A6C34878D82A}">
-                    <a16:rowId xmlns:a16="http://schemas.microsoft.com/office/drawing/2014/main" val="1193400577"/>
-                  </a:ext>
-                </a:extLst>
-              </a:tr>
-            </a:tbl>
-          </a:graphicData>
-        </a:graphic>
-      </p:graphicFrame>
-      <p:graphicFrame>
-        <p:nvGraphicFramePr>
           <p:cNvPr id="12" name="表 11">
             <a:extLst>
               <a:ext uri="{FF2B5EF4-FFF2-40B4-BE49-F238E27FC236}">
@@ -11794,6 +7056,4744 @@
           </a:p>
         </p:txBody>
       </p:sp>
+      <p:graphicFrame>
+        <p:nvGraphicFramePr>
+          <p:cNvPr id="7" name="表 6">
+            <a:extLst>
+              <a:ext uri="{FF2B5EF4-FFF2-40B4-BE49-F238E27FC236}">
+                <a16:creationId xmlns:a16="http://schemas.microsoft.com/office/drawing/2014/main" id="{D753510B-99C6-4F8D-9B7E-F3AF9264BD88}"/>
+              </a:ext>
+            </a:extLst>
+          </p:cNvPr>
+          <p:cNvGraphicFramePr>
+            <a:graphicFrameLocks noGrp="1"/>
+          </p:cNvGraphicFramePr>
+          <p:nvPr>
+            <p:extLst>
+              <p:ext uri="{D42A27DB-BD31-4B8C-83A1-F6EECF244321}">
+                <p14:modId xmlns:p14="http://schemas.microsoft.com/office/powerpoint/2010/main" val="526066647"/>
+              </p:ext>
+            </p:extLst>
+          </p:nvPr>
+        </p:nvGraphicFramePr>
+        <p:xfrm>
+          <a:off x="9592235" y="3940511"/>
+          <a:ext cx="2599764" cy="2719951"/>
+        </p:xfrm>
+        <a:graphic>
+          <a:graphicData uri="http://schemas.openxmlformats.org/drawingml/2006/table">
+            <a:tbl>
+              <a:tblPr/>
+              <a:tblGrid>
+                <a:gridCol w="732328">
+                  <a:extLst>
+                    <a:ext uri="{9D8B030D-6E8A-4147-A177-3AD203B41FA5}">
+                      <a16:colId xmlns:a16="http://schemas.microsoft.com/office/drawing/2014/main" val="1392627465"/>
+                    </a:ext>
+                  </a:extLst>
+                </a:gridCol>
+                <a:gridCol w="270287">
+                  <a:extLst>
+                    <a:ext uri="{9D8B030D-6E8A-4147-A177-3AD203B41FA5}">
+                      <a16:colId xmlns:a16="http://schemas.microsoft.com/office/drawing/2014/main" val="3327564658"/>
+                    </a:ext>
+                  </a:extLst>
+                </a:gridCol>
+                <a:gridCol w="99310">
+                  <a:extLst>
+                    <a:ext uri="{9D8B030D-6E8A-4147-A177-3AD203B41FA5}">
+                      <a16:colId xmlns:a16="http://schemas.microsoft.com/office/drawing/2014/main" val="1423139776"/>
+                    </a:ext>
+                  </a:extLst>
+                </a:gridCol>
+                <a:gridCol w="397294">
+                  <a:extLst>
+                    <a:ext uri="{9D8B030D-6E8A-4147-A177-3AD203B41FA5}">
+                      <a16:colId xmlns:a16="http://schemas.microsoft.com/office/drawing/2014/main" val="447136922"/>
+                    </a:ext>
+                  </a:extLst>
+                </a:gridCol>
+                <a:gridCol w="392908">
+                  <a:extLst>
+                    <a:ext uri="{9D8B030D-6E8A-4147-A177-3AD203B41FA5}">
+                      <a16:colId xmlns:a16="http://schemas.microsoft.com/office/drawing/2014/main" val="2041675413"/>
+                    </a:ext>
+                  </a:extLst>
+                </a:gridCol>
+                <a:gridCol w="424984">
+                  <a:extLst>
+                    <a:ext uri="{9D8B030D-6E8A-4147-A177-3AD203B41FA5}">
+                      <a16:colId xmlns:a16="http://schemas.microsoft.com/office/drawing/2014/main" val="3512451945"/>
+                    </a:ext>
+                  </a:extLst>
+                </a:gridCol>
+                <a:gridCol w="282653">
+                  <a:extLst>
+                    <a:ext uri="{9D8B030D-6E8A-4147-A177-3AD203B41FA5}">
+                      <a16:colId xmlns:a16="http://schemas.microsoft.com/office/drawing/2014/main" val="3656572944"/>
+                    </a:ext>
+                  </a:extLst>
+                </a:gridCol>
+              </a:tblGrid>
+              <a:tr h="261385">
+                <a:tc>
+                  <a:txBody>
+                    <a:bodyPr/>
+                    <a:lstStyle/>
+                    <a:p>
+                      <a:pPr algn="l" fontAlgn="ctr"/>
+                      <a:r>
+                        <a:rPr lang="en-US" sz="700" b="1" i="0" u="none" strike="noStrike" dirty="0">
+                          <a:solidFill>
+                            <a:srgbClr val="000000"/>
+                          </a:solidFill>
+                          <a:effectLst/>
+                          <a:latin typeface="游ゴシック" panose="020B0400000000000000" pitchFamily="50" charset="-128"/>
+                          <a:ea typeface="游ゴシック" panose="020B0400000000000000" pitchFamily="50" charset="-128"/>
+                        </a:rPr>
+                        <a:t>Mouse group</a:t>
+                      </a:r>
+                    </a:p>
+                  </a:txBody>
+                  <a:tcPr marL="8637" marR="8637" marT="8637" marB="0" anchor="ctr">
+                    <a:lnL>
+                      <a:noFill/>
+                    </a:lnL>
+                    <a:lnR>
+                      <a:noFill/>
+                    </a:lnR>
+                    <a:lnT>
+                      <a:noFill/>
+                    </a:lnT>
+                    <a:lnB>
+                      <a:noFill/>
+                    </a:lnB>
+                  </a:tcPr>
+                </a:tc>
+                <a:tc>
+                  <a:txBody>
+                    <a:bodyPr/>
+                    <a:lstStyle/>
+                    <a:p>
+                      <a:pPr algn="l" fontAlgn="ctr"/>
+                      <a:r>
+                        <a:rPr lang="en-US" sz="700" b="1" i="0" u="none" strike="noStrike" dirty="0">
+                          <a:solidFill>
+                            <a:srgbClr val="000000"/>
+                          </a:solidFill>
+                          <a:effectLst/>
+                          <a:latin typeface="游ゴシック" panose="020B0400000000000000" pitchFamily="50" charset="-128"/>
+                          <a:ea typeface="游ゴシック" panose="020B0400000000000000" pitchFamily="50" charset="-128"/>
+                        </a:rPr>
+                        <a:t>trans </a:t>
+                      </a:r>
+                    </a:p>
+                  </a:txBody>
+                  <a:tcPr marL="8637" marR="8637" marT="8637" marB="0" anchor="ctr">
+                    <a:lnL>
+                      <a:noFill/>
+                    </a:lnL>
+                    <a:lnR>
+                      <a:noFill/>
+                    </a:lnR>
+                    <a:lnT>
+                      <a:noFill/>
+                    </a:lnT>
+                    <a:lnB>
+                      <a:noFill/>
+                    </a:lnB>
+                  </a:tcPr>
+                </a:tc>
+                <a:tc>
+                  <a:txBody>
+                    <a:bodyPr/>
+                    <a:lstStyle/>
+                    <a:p>
+                      <a:pPr algn="l" fontAlgn="ctr"/>
+                      <a:r>
+                        <a:rPr lang="en-US" sz="700" b="1" i="0" u="none" strike="noStrike" dirty="0">
+                          <a:solidFill>
+                            <a:srgbClr val="000000"/>
+                          </a:solidFill>
+                          <a:effectLst/>
+                          <a:latin typeface="游ゴシック" panose="020B0400000000000000" pitchFamily="50" charset="-128"/>
+                          <a:ea typeface="游ゴシック" panose="020B0400000000000000" pitchFamily="50" charset="-128"/>
+                        </a:rPr>
+                        <a:t>N</a:t>
+                      </a:r>
+                    </a:p>
+                  </a:txBody>
+                  <a:tcPr marL="8637" marR="8637" marT="8637" marB="0" anchor="ctr">
+                    <a:lnL>
+                      <a:noFill/>
+                    </a:lnL>
+                    <a:lnR>
+                      <a:noFill/>
+                    </a:lnR>
+                    <a:lnT>
+                      <a:noFill/>
+                    </a:lnT>
+                    <a:lnB>
+                      <a:noFill/>
+                    </a:lnB>
+                  </a:tcPr>
+                </a:tc>
+                <a:tc>
+                  <a:txBody>
+                    <a:bodyPr/>
+                    <a:lstStyle/>
+                    <a:p>
+                      <a:pPr algn="l" fontAlgn="ctr"/>
+                      <a:r>
+                        <a:rPr lang="en-US" sz="700" b="1" i="0" u="none" strike="noStrike" dirty="0">
+                          <a:solidFill>
+                            <a:srgbClr val="000000"/>
+                          </a:solidFill>
+                          <a:effectLst/>
+                          <a:latin typeface="游ゴシック" panose="020B0400000000000000" pitchFamily="50" charset="-128"/>
+                          <a:ea typeface="游ゴシック" panose="020B0400000000000000" pitchFamily="50" charset="-128"/>
+                        </a:rPr>
+                        <a:t>Mean</a:t>
+                      </a:r>
+                    </a:p>
+                  </a:txBody>
+                  <a:tcPr marL="8637" marR="8637" marT="8637" marB="0" anchor="ctr">
+                    <a:lnL>
+                      <a:noFill/>
+                    </a:lnL>
+                    <a:lnR>
+                      <a:noFill/>
+                    </a:lnR>
+                    <a:lnT>
+                      <a:noFill/>
+                    </a:lnT>
+                    <a:lnB>
+                      <a:noFill/>
+                    </a:lnB>
+                  </a:tcPr>
+                </a:tc>
+                <a:tc>
+                  <a:txBody>
+                    <a:bodyPr/>
+                    <a:lstStyle/>
+                    <a:p>
+                      <a:pPr algn="l" fontAlgn="ctr"/>
+                      <a:r>
+                        <a:rPr lang="en-US" sz="700" b="1" i="0" u="none" strike="noStrike" dirty="0">
+                          <a:solidFill>
+                            <a:srgbClr val="000000"/>
+                          </a:solidFill>
+                          <a:effectLst/>
+                          <a:latin typeface="游ゴシック" panose="020B0400000000000000" pitchFamily="50" charset="-128"/>
+                          <a:ea typeface="游ゴシック" panose="020B0400000000000000" pitchFamily="50" charset="-128"/>
+                        </a:rPr>
+                        <a:t>SD</a:t>
+                      </a:r>
+                    </a:p>
+                  </a:txBody>
+                  <a:tcPr marL="8637" marR="8637" marT="8637" marB="0" anchor="ctr">
+                    <a:lnL>
+                      <a:noFill/>
+                    </a:lnL>
+                    <a:lnR>
+                      <a:noFill/>
+                    </a:lnR>
+                    <a:lnT>
+                      <a:noFill/>
+                    </a:lnT>
+                    <a:lnB>
+                      <a:noFill/>
+                    </a:lnB>
+                  </a:tcPr>
+                </a:tc>
+                <a:tc>
+                  <a:txBody>
+                    <a:bodyPr/>
+                    <a:lstStyle/>
+                    <a:p>
+                      <a:pPr algn="l" fontAlgn="ctr"/>
+                      <a:r>
+                        <a:rPr lang="en-US" sz="700" b="1" i="0" u="none" strike="noStrike">
+                          <a:solidFill>
+                            <a:srgbClr val="000000"/>
+                          </a:solidFill>
+                          <a:effectLst/>
+                          <a:latin typeface="游ゴシック" panose="020B0400000000000000" pitchFamily="50" charset="-128"/>
+                          <a:ea typeface="游ゴシック" panose="020B0400000000000000" pitchFamily="50" charset="-128"/>
+                        </a:rPr>
+                        <a:t>Pvalue</a:t>
+                      </a:r>
+                    </a:p>
+                  </a:txBody>
+                  <a:tcPr marL="8637" marR="8637" marT="8637" marB="0" anchor="ctr">
+                    <a:lnL>
+                      <a:noFill/>
+                    </a:lnL>
+                    <a:lnR>
+                      <a:noFill/>
+                    </a:lnR>
+                    <a:lnT>
+                      <a:noFill/>
+                    </a:lnT>
+                    <a:lnB>
+                      <a:noFill/>
+                    </a:lnB>
+                  </a:tcPr>
+                </a:tc>
+                <a:tc>
+                  <a:txBody>
+                    <a:bodyPr/>
+                    <a:lstStyle/>
+                    <a:p>
+                      <a:pPr algn="l" fontAlgn="ctr"/>
+                      <a:r>
+                        <a:rPr lang="en-US" sz="700" b="1" i="0" u="none" strike="noStrike">
+                          <a:solidFill>
+                            <a:srgbClr val="000000"/>
+                          </a:solidFill>
+                          <a:effectLst/>
+                          <a:latin typeface="游ゴシック" panose="020B0400000000000000" pitchFamily="50" charset="-128"/>
+                          <a:ea typeface="游ゴシック" panose="020B0400000000000000" pitchFamily="50" charset="-128"/>
+                        </a:rPr>
+                        <a:t>Stars</a:t>
+                      </a:r>
+                    </a:p>
+                  </a:txBody>
+                  <a:tcPr marL="8637" marR="8637" marT="8637" marB="0" anchor="ctr">
+                    <a:lnL>
+                      <a:noFill/>
+                    </a:lnL>
+                    <a:lnR>
+                      <a:noFill/>
+                    </a:lnR>
+                    <a:lnT>
+                      <a:noFill/>
+                    </a:lnT>
+                    <a:lnB>
+                      <a:noFill/>
+                    </a:lnB>
+                  </a:tcPr>
+                </a:tc>
+                <a:extLst>
+                  <a:ext uri="{0D108BD9-81ED-4DB2-BD59-A6C34878D82A}">
+                    <a16:rowId xmlns:a16="http://schemas.microsoft.com/office/drawing/2014/main" val="548167022"/>
+                  </a:ext>
+                </a:extLst>
+              </a:tr>
+              <a:tr h="136587">
+                <a:tc>
+                  <a:txBody>
+                    <a:bodyPr/>
+                    <a:lstStyle/>
+                    <a:p>
+                      <a:pPr algn="l" fontAlgn="ctr"/>
+                      <a:r>
+                        <a:rPr lang="en-US" sz="700" b="0" i="0" u="none" strike="noStrike" dirty="0">
+                          <a:solidFill>
+                            <a:srgbClr val="000000"/>
+                          </a:solidFill>
+                          <a:effectLst/>
+                          <a:latin typeface="游ゴシック" panose="020B0400000000000000" pitchFamily="50" charset="-128"/>
+                          <a:ea typeface="游ゴシック" panose="020B0400000000000000" pitchFamily="50" charset="-128"/>
+                        </a:rPr>
+                        <a:t>Stage-trans</a:t>
+                      </a:r>
+                    </a:p>
+                  </a:txBody>
+                  <a:tcPr marL="8637" marR="8637" marT="8637" marB="0" anchor="ctr">
+                    <a:lnL>
+                      <a:noFill/>
+                    </a:lnL>
+                    <a:lnR>
+                      <a:noFill/>
+                    </a:lnR>
+                    <a:lnT>
+                      <a:noFill/>
+                    </a:lnT>
+                    <a:lnB>
+                      <a:noFill/>
+                    </a:lnB>
+                  </a:tcPr>
+                </a:tc>
+                <a:tc>
+                  <a:txBody>
+                    <a:bodyPr/>
+                    <a:lstStyle/>
+                    <a:p>
+                      <a:pPr algn="l" fontAlgn="ctr"/>
+                      <a:r>
+                        <a:rPr lang="en-US" sz="700" b="0" i="0" u="none" strike="noStrike" dirty="0">
+                          <a:solidFill>
+                            <a:srgbClr val="000000"/>
+                          </a:solidFill>
+                          <a:effectLst/>
+                          <a:latin typeface="游ゴシック" panose="020B0400000000000000" pitchFamily="50" charset="-128"/>
+                          <a:ea typeface="游ゴシック" panose="020B0400000000000000" pitchFamily="50" charset="-128"/>
+                        </a:rPr>
+                        <a:t>-</a:t>
+                      </a:r>
+                    </a:p>
+                  </a:txBody>
+                  <a:tcPr marL="8637" marR="8637" marT="8637" marB="0" anchor="ctr">
+                    <a:lnL>
+                      <a:noFill/>
+                    </a:lnL>
+                    <a:lnR>
+                      <a:noFill/>
+                    </a:lnR>
+                    <a:lnT>
+                      <a:noFill/>
+                    </a:lnT>
+                    <a:lnB>
+                      <a:noFill/>
+                    </a:lnB>
+                  </a:tcPr>
+                </a:tc>
+                <a:tc>
+                  <a:txBody>
+                    <a:bodyPr/>
+                    <a:lstStyle/>
+                    <a:p>
+                      <a:pPr algn="l" fontAlgn="ctr"/>
+                      <a:r>
+                        <a:rPr lang="en-US" sz="700" b="0" i="0" u="none" strike="noStrike" dirty="0">
+                          <a:solidFill>
+                            <a:srgbClr val="000000"/>
+                          </a:solidFill>
+                          <a:effectLst/>
+                          <a:latin typeface="游ゴシック" panose="020B0400000000000000" pitchFamily="50" charset="-128"/>
+                          <a:ea typeface="游ゴシック" panose="020B0400000000000000" pitchFamily="50" charset="-128"/>
+                        </a:rPr>
+                        <a:t>-</a:t>
+                      </a:r>
+                    </a:p>
+                  </a:txBody>
+                  <a:tcPr marL="8637" marR="8637" marT="8637" marB="0" anchor="ctr">
+                    <a:lnL>
+                      <a:noFill/>
+                    </a:lnL>
+                    <a:lnR>
+                      <a:noFill/>
+                    </a:lnR>
+                    <a:lnT>
+                      <a:noFill/>
+                    </a:lnT>
+                    <a:lnB>
+                      <a:noFill/>
+                    </a:lnB>
+                  </a:tcPr>
+                </a:tc>
+                <a:tc>
+                  <a:txBody>
+                    <a:bodyPr/>
+                    <a:lstStyle/>
+                    <a:p>
+                      <a:pPr algn="l" fontAlgn="ctr"/>
+                      <a:r>
+                        <a:rPr lang="en-US" sz="700" b="0" i="0" u="none" strike="noStrike" dirty="0">
+                          <a:solidFill>
+                            <a:srgbClr val="000000"/>
+                          </a:solidFill>
+                          <a:effectLst/>
+                          <a:latin typeface="游ゴシック" panose="020B0400000000000000" pitchFamily="50" charset="-128"/>
+                          <a:ea typeface="游ゴシック" panose="020B0400000000000000" pitchFamily="50" charset="-128"/>
+                        </a:rPr>
+                        <a:t>-</a:t>
+                      </a:r>
+                    </a:p>
+                  </a:txBody>
+                  <a:tcPr marL="8637" marR="8637" marT="8637" marB="0" anchor="ctr">
+                    <a:lnL>
+                      <a:noFill/>
+                    </a:lnL>
+                    <a:lnR>
+                      <a:noFill/>
+                    </a:lnR>
+                    <a:lnT>
+                      <a:noFill/>
+                    </a:lnT>
+                    <a:lnB>
+                      <a:noFill/>
+                    </a:lnB>
+                  </a:tcPr>
+                </a:tc>
+                <a:tc>
+                  <a:txBody>
+                    <a:bodyPr/>
+                    <a:lstStyle/>
+                    <a:p>
+                      <a:pPr algn="l" fontAlgn="ctr"/>
+                      <a:r>
+                        <a:rPr lang="en-US" sz="700" b="0" i="0" u="none" strike="noStrike" dirty="0">
+                          <a:solidFill>
+                            <a:srgbClr val="000000"/>
+                          </a:solidFill>
+                          <a:effectLst/>
+                          <a:latin typeface="游ゴシック" panose="020B0400000000000000" pitchFamily="50" charset="-128"/>
+                          <a:ea typeface="游ゴシック" panose="020B0400000000000000" pitchFamily="50" charset="-128"/>
+                        </a:rPr>
+                        <a:t>-</a:t>
+                      </a:r>
+                    </a:p>
+                  </a:txBody>
+                  <a:tcPr marL="8637" marR="8637" marT="8637" marB="0" anchor="ctr">
+                    <a:lnL>
+                      <a:noFill/>
+                    </a:lnL>
+                    <a:lnR>
+                      <a:noFill/>
+                    </a:lnR>
+                    <a:lnT>
+                      <a:noFill/>
+                    </a:lnT>
+                    <a:lnB>
+                      <a:noFill/>
+                    </a:lnB>
+                  </a:tcPr>
+                </a:tc>
+                <a:tc>
+                  <a:txBody>
+                    <a:bodyPr/>
+                    <a:lstStyle/>
+                    <a:p>
+                      <a:pPr algn="l" fontAlgn="ctr"/>
+                      <a:r>
+                        <a:rPr lang="en-US" sz="700" b="0" i="0" u="none" strike="noStrike" dirty="0">
+                          <a:solidFill>
+                            <a:srgbClr val="000000"/>
+                          </a:solidFill>
+                          <a:effectLst/>
+                          <a:latin typeface="游ゴシック" panose="020B0400000000000000" pitchFamily="50" charset="-128"/>
+                          <a:ea typeface="游ゴシック" panose="020B0400000000000000" pitchFamily="50" charset="-128"/>
+                        </a:rPr>
+                        <a:t>-</a:t>
+                      </a:r>
+                    </a:p>
+                  </a:txBody>
+                  <a:tcPr marL="8637" marR="8637" marT="8637" marB="0" anchor="ctr">
+                    <a:lnL>
+                      <a:noFill/>
+                    </a:lnL>
+                    <a:lnR>
+                      <a:noFill/>
+                    </a:lnR>
+                    <a:lnT>
+                      <a:noFill/>
+                    </a:lnT>
+                    <a:lnB>
+                      <a:noFill/>
+                    </a:lnB>
+                  </a:tcPr>
+                </a:tc>
+                <a:tc>
+                  <a:txBody>
+                    <a:bodyPr/>
+                    <a:lstStyle/>
+                    <a:p>
+                      <a:pPr algn="l" fontAlgn="ctr"/>
+                      <a:r>
+                        <a:rPr lang="en-US" sz="700" b="0" i="0" u="none" strike="noStrike" dirty="0">
+                          <a:solidFill>
+                            <a:srgbClr val="000000"/>
+                          </a:solidFill>
+                          <a:effectLst/>
+                          <a:latin typeface="游ゴシック" panose="020B0400000000000000" pitchFamily="50" charset="-128"/>
+                          <a:ea typeface="游ゴシック" panose="020B0400000000000000" pitchFamily="50" charset="-128"/>
+                        </a:rPr>
+                        <a:t>-</a:t>
+                      </a:r>
+                    </a:p>
+                  </a:txBody>
+                  <a:tcPr marL="8637" marR="8637" marT="8637" marB="0" anchor="ctr">
+                    <a:lnL>
+                      <a:noFill/>
+                    </a:lnL>
+                    <a:lnR>
+                      <a:noFill/>
+                    </a:lnR>
+                    <a:lnT>
+                      <a:noFill/>
+                    </a:lnT>
+                    <a:lnB>
+                      <a:noFill/>
+                    </a:lnB>
+                  </a:tcPr>
+                </a:tc>
+                <a:extLst>
+                  <a:ext uri="{0D108BD9-81ED-4DB2-BD59-A6C34878D82A}">
+                    <a16:rowId xmlns:a16="http://schemas.microsoft.com/office/drawing/2014/main" val="2019498337"/>
+                  </a:ext>
+                </a:extLst>
+              </a:tr>
+              <a:tr h="136587">
+                <a:tc>
+                  <a:txBody>
+                    <a:bodyPr/>
+                    <a:lstStyle/>
+                    <a:p>
+                      <a:pPr algn="l" fontAlgn="ctr"/>
+                      <a:r>
+                        <a:rPr lang="en-US" sz="700" b="0" i="0" u="none" strike="noStrike" dirty="0">
+                          <a:solidFill>
+                            <a:srgbClr val="000000"/>
+                          </a:solidFill>
+                          <a:effectLst/>
+                          <a:latin typeface="游ゴシック" panose="020B0400000000000000" pitchFamily="50" charset="-128"/>
+                          <a:ea typeface="游ゴシック" panose="020B0400000000000000" pitchFamily="50" charset="-128"/>
+                        </a:rPr>
+                        <a:t>-</a:t>
+                      </a:r>
+                    </a:p>
+                  </a:txBody>
+                  <a:tcPr marL="8637" marR="8637" marT="8637" marB="0" anchor="ctr">
+                    <a:lnL>
+                      <a:noFill/>
+                    </a:lnL>
+                    <a:lnR>
+                      <a:noFill/>
+                    </a:lnR>
+                    <a:lnT>
+                      <a:noFill/>
+                    </a:lnT>
+                    <a:lnB>
+                      <a:noFill/>
+                    </a:lnB>
+                  </a:tcPr>
+                </a:tc>
+                <a:tc>
+                  <a:txBody>
+                    <a:bodyPr/>
+                    <a:lstStyle/>
+                    <a:p>
+                      <a:pPr algn="l" fontAlgn="ctr"/>
+                      <a:r>
+                        <a:rPr lang="en-US" sz="700" b="0" i="0" u="none" strike="noStrike" dirty="0">
+                          <a:solidFill>
+                            <a:srgbClr val="000000"/>
+                          </a:solidFill>
+                          <a:effectLst/>
+                          <a:latin typeface="游ゴシック" panose="020B0400000000000000" pitchFamily="50" charset="-128"/>
+                          <a:ea typeface="游ゴシック" panose="020B0400000000000000" pitchFamily="50" charset="-128"/>
+                        </a:rPr>
+                        <a:t>-</a:t>
+                      </a:r>
+                    </a:p>
+                  </a:txBody>
+                  <a:tcPr marL="8637" marR="8637" marT="8637" marB="0" anchor="ctr">
+                    <a:lnL>
+                      <a:noFill/>
+                    </a:lnL>
+                    <a:lnR>
+                      <a:noFill/>
+                    </a:lnR>
+                    <a:lnT>
+                      <a:noFill/>
+                    </a:lnT>
+                    <a:lnB>
+                      <a:noFill/>
+                    </a:lnB>
+                  </a:tcPr>
+                </a:tc>
+                <a:tc>
+                  <a:txBody>
+                    <a:bodyPr/>
+                    <a:lstStyle/>
+                    <a:p>
+                      <a:pPr algn="l" fontAlgn="ctr"/>
+                      <a:r>
+                        <a:rPr lang="en-US" sz="700" b="0" i="0" u="none" strike="noStrike" dirty="0">
+                          <a:solidFill>
+                            <a:srgbClr val="000000"/>
+                          </a:solidFill>
+                          <a:effectLst/>
+                          <a:latin typeface="游ゴシック" panose="020B0400000000000000" pitchFamily="50" charset="-128"/>
+                          <a:ea typeface="游ゴシック" panose="020B0400000000000000" pitchFamily="50" charset="-128"/>
+                        </a:rPr>
+                        <a:t>-</a:t>
+                      </a:r>
+                    </a:p>
+                  </a:txBody>
+                  <a:tcPr marL="8637" marR="8637" marT="8637" marB="0" anchor="ctr">
+                    <a:lnL>
+                      <a:noFill/>
+                    </a:lnL>
+                    <a:lnR>
+                      <a:noFill/>
+                    </a:lnR>
+                    <a:lnT>
+                      <a:noFill/>
+                    </a:lnT>
+                    <a:lnB>
+                      <a:noFill/>
+                    </a:lnB>
+                  </a:tcPr>
+                </a:tc>
+                <a:tc>
+                  <a:txBody>
+                    <a:bodyPr/>
+                    <a:lstStyle/>
+                    <a:p>
+                      <a:pPr algn="l" fontAlgn="ctr"/>
+                      <a:r>
+                        <a:rPr lang="en-US" sz="700" b="0" i="0" u="none" strike="noStrike" dirty="0">
+                          <a:solidFill>
+                            <a:srgbClr val="000000"/>
+                          </a:solidFill>
+                          <a:effectLst/>
+                          <a:latin typeface="游ゴシック" panose="020B0400000000000000" pitchFamily="50" charset="-128"/>
+                          <a:ea typeface="游ゴシック" panose="020B0400000000000000" pitchFamily="50" charset="-128"/>
+                        </a:rPr>
+                        <a:t>-</a:t>
+                      </a:r>
+                    </a:p>
+                  </a:txBody>
+                  <a:tcPr marL="8637" marR="8637" marT="8637" marB="0" anchor="ctr">
+                    <a:lnL>
+                      <a:noFill/>
+                    </a:lnL>
+                    <a:lnR>
+                      <a:noFill/>
+                    </a:lnR>
+                    <a:lnT>
+                      <a:noFill/>
+                    </a:lnT>
+                    <a:lnB>
+                      <a:noFill/>
+                    </a:lnB>
+                  </a:tcPr>
+                </a:tc>
+                <a:tc>
+                  <a:txBody>
+                    <a:bodyPr/>
+                    <a:lstStyle/>
+                    <a:p>
+                      <a:pPr algn="l" fontAlgn="ctr"/>
+                      <a:r>
+                        <a:rPr lang="en-US" sz="700" b="0" i="0" u="none" strike="noStrike" dirty="0">
+                          <a:solidFill>
+                            <a:srgbClr val="000000"/>
+                          </a:solidFill>
+                          <a:effectLst/>
+                          <a:latin typeface="游ゴシック" panose="020B0400000000000000" pitchFamily="50" charset="-128"/>
+                          <a:ea typeface="游ゴシック" panose="020B0400000000000000" pitchFamily="50" charset="-128"/>
+                        </a:rPr>
+                        <a:t>-</a:t>
+                      </a:r>
+                    </a:p>
+                  </a:txBody>
+                  <a:tcPr marL="8637" marR="8637" marT="8637" marB="0" anchor="ctr">
+                    <a:lnL>
+                      <a:noFill/>
+                    </a:lnL>
+                    <a:lnR>
+                      <a:noFill/>
+                    </a:lnR>
+                    <a:lnT>
+                      <a:noFill/>
+                    </a:lnT>
+                    <a:lnB>
+                      <a:noFill/>
+                    </a:lnB>
+                  </a:tcPr>
+                </a:tc>
+                <a:tc>
+                  <a:txBody>
+                    <a:bodyPr/>
+                    <a:lstStyle/>
+                    <a:p>
+                      <a:pPr algn="l" fontAlgn="ctr"/>
+                      <a:r>
+                        <a:rPr lang="en-US" sz="700" b="0" i="0" u="none" strike="noStrike" dirty="0">
+                          <a:solidFill>
+                            <a:srgbClr val="000000"/>
+                          </a:solidFill>
+                          <a:effectLst/>
+                          <a:latin typeface="游ゴシック" panose="020B0400000000000000" pitchFamily="50" charset="-128"/>
+                          <a:ea typeface="游ゴシック" panose="020B0400000000000000" pitchFamily="50" charset="-128"/>
+                        </a:rPr>
+                        <a:t>-</a:t>
+                      </a:r>
+                    </a:p>
+                  </a:txBody>
+                  <a:tcPr marL="8637" marR="8637" marT="8637" marB="0" anchor="ctr">
+                    <a:lnL>
+                      <a:noFill/>
+                    </a:lnL>
+                    <a:lnR>
+                      <a:noFill/>
+                    </a:lnR>
+                    <a:lnT>
+                      <a:noFill/>
+                    </a:lnT>
+                    <a:lnB>
+                      <a:noFill/>
+                    </a:lnB>
+                  </a:tcPr>
+                </a:tc>
+                <a:tc>
+                  <a:txBody>
+                    <a:bodyPr/>
+                    <a:lstStyle/>
+                    <a:p>
+                      <a:pPr algn="l" fontAlgn="ctr"/>
+                      <a:r>
+                        <a:rPr lang="en-US" sz="700" b="0" i="0" u="none" strike="noStrike" dirty="0">
+                          <a:solidFill>
+                            <a:srgbClr val="000000"/>
+                          </a:solidFill>
+                          <a:effectLst/>
+                          <a:latin typeface="游ゴシック" panose="020B0400000000000000" pitchFamily="50" charset="-128"/>
+                          <a:ea typeface="游ゴシック" panose="020B0400000000000000" pitchFamily="50" charset="-128"/>
+                        </a:rPr>
+                        <a:t>-</a:t>
+                      </a:r>
+                    </a:p>
+                  </a:txBody>
+                  <a:tcPr marL="8637" marR="8637" marT="8637" marB="0" anchor="ctr">
+                    <a:lnL>
+                      <a:noFill/>
+                    </a:lnL>
+                    <a:lnR>
+                      <a:noFill/>
+                    </a:lnR>
+                    <a:lnT>
+                      <a:noFill/>
+                    </a:lnT>
+                    <a:lnB>
+                      <a:noFill/>
+                    </a:lnB>
+                  </a:tcPr>
+                </a:tc>
+                <a:extLst>
+                  <a:ext uri="{0D108BD9-81ED-4DB2-BD59-A6C34878D82A}">
+                    <a16:rowId xmlns:a16="http://schemas.microsoft.com/office/drawing/2014/main" val="1116589441"/>
+                  </a:ext>
+                </a:extLst>
+              </a:tr>
+              <a:tr h="136587">
+                <a:tc>
+                  <a:txBody>
+                    <a:bodyPr/>
+                    <a:lstStyle/>
+                    <a:p>
+                      <a:pPr algn="l" fontAlgn="ctr"/>
+                      <a:r>
+                        <a:rPr lang="en-US" sz="700" b="0" i="0" u="none" strike="noStrike" dirty="0">
+                          <a:solidFill>
+                            <a:srgbClr val="000000"/>
+                          </a:solidFill>
+                          <a:effectLst/>
+                          <a:latin typeface="游ゴシック" panose="020B0400000000000000" pitchFamily="50" charset="-128"/>
+                          <a:ea typeface="游ゴシック" panose="020B0400000000000000" pitchFamily="50" charset="-128"/>
+                        </a:rPr>
+                        <a:t>-</a:t>
+                      </a:r>
+                    </a:p>
+                  </a:txBody>
+                  <a:tcPr marL="8637" marR="8637" marT="8637" marB="0" anchor="ctr">
+                    <a:lnL>
+                      <a:noFill/>
+                    </a:lnL>
+                    <a:lnR>
+                      <a:noFill/>
+                    </a:lnR>
+                    <a:lnT>
+                      <a:noFill/>
+                    </a:lnT>
+                    <a:lnB>
+                      <a:noFill/>
+                    </a:lnB>
+                  </a:tcPr>
+                </a:tc>
+                <a:tc>
+                  <a:txBody>
+                    <a:bodyPr/>
+                    <a:lstStyle/>
+                    <a:p>
+                      <a:pPr algn="l" fontAlgn="ctr"/>
+                      <a:r>
+                        <a:rPr lang="en-US" sz="700" b="0" i="0" u="none" strike="noStrike" dirty="0">
+                          <a:solidFill>
+                            <a:srgbClr val="000000"/>
+                          </a:solidFill>
+                          <a:effectLst/>
+                          <a:latin typeface="游ゴシック" panose="020B0400000000000000" pitchFamily="50" charset="-128"/>
+                          <a:ea typeface="游ゴシック" panose="020B0400000000000000" pitchFamily="50" charset="-128"/>
+                        </a:rPr>
+                        <a:t>-</a:t>
+                      </a:r>
+                    </a:p>
+                  </a:txBody>
+                  <a:tcPr marL="8637" marR="8637" marT="8637" marB="0" anchor="ctr">
+                    <a:lnL>
+                      <a:noFill/>
+                    </a:lnL>
+                    <a:lnR>
+                      <a:noFill/>
+                    </a:lnR>
+                    <a:lnT>
+                      <a:noFill/>
+                    </a:lnT>
+                    <a:lnB>
+                      <a:noFill/>
+                    </a:lnB>
+                  </a:tcPr>
+                </a:tc>
+                <a:tc>
+                  <a:txBody>
+                    <a:bodyPr/>
+                    <a:lstStyle/>
+                    <a:p>
+                      <a:pPr algn="l" fontAlgn="ctr"/>
+                      <a:r>
+                        <a:rPr lang="en-US" sz="700" b="0" i="0" u="none" strike="noStrike" dirty="0">
+                          <a:solidFill>
+                            <a:srgbClr val="000000"/>
+                          </a:solidFill>
+                          <a:effectLst/>
+                          <a:latin typeface="游ゴシック" panose="020B0400000000000000" pitchFamily="50" charset="-128"/>
+                          <a:ea typeface="游ゴシック" panose="020B0400000000000000" pitchFamily="50" charset="-128"/>
+                        </a:rPr>
+                        <a:t>-</a:t>
+                      </a:r>
+                    </a:p>
+                  </a:txBody>
+                  <a:tcPr marL="8637" marR="8637" marT="8637" marB="0" anchor="ctr">
+                    <a:lnL>
+                      <a:noFill/>
+                    </a:lnL>
+                    <a:lnR>
+                      <a:noFill/>
+                    </a:lnR>
+                    <a:lnT>
+                      <a:noFill/>
+                    </a:lnT>
+                    <a:lnB>
+                      <a:noFill/>
+                    </a:lnB>
+                  </a:tcPr>
+                </a:tc>
+                <a:tc>
+                  <a:txBody>
+                    <a:bodyPr/>
+                    <a:lstStyle/>
+                    <a:p>
+                      <a:pPr algn="l" fontAlgn="ctr"/>
+                      <a:r>
+                        <a:rPr lang="en-US" sz="700" b="0" i="0" u="none" strike="noStrike" dirty="0">
+                          <a:solidFill>
+                            <a:srgbClr val="000000"/>
+                          </a:solidFill>
+                          <a:effectLst/>
+                          <a:latin typeface="游ゴシック" panose="020B0400000000000000" pitchFamily="50" charset="-128"/>
+                          <a:ea typeface="游ゴシック" panose="020B0400000000000000" pitchFamily="50" charset="-128"/>
+                        </a:rPr>
+                        <a:t>-</a:t>
+                      </a:r>
+                    </a:p>
+                  </a:txBody>
+                  <a:tcPr marL="8637" marR="8637" marT="8637" marB="0" anchor="ctr">
+                    <a:lnL>
+                      <a:noFill/>
+                    </a:lnL>
+                    <a:lnR>
+                      <a:noFill/>
+                    </a:lnR>
+                    <a:lnT>
+                      <a:noFill/>
+                    </a:lnT>
+                    <a:lnB>
+                      <a:noFill/>
+                    </a:lnB>
+                  </a:tcPr>
+                </a:tc>
+                <a:tc>
+                  <a:txBody>
+                    <a:bodyPr/>
+                    <a:lstStyle/>
+                    <a:p>
+                      <a:pPr algn="l" fontAlgn="ctr"/>
+                      <a:r>
+                        <a:rPr lang="en-US" sz="700" b="0" i="0" u="none" strike="noStrike" dirty="0">
+                          <a:solidFill>
+                            <a:srgbClr val="000000"/>
+                          </a:solidFill>
+                          <a:effectLst/>
+                          <a:latin typeface="游ゴシック" panose="020B0400000000000000" pitchFamily="50" charset="-128"/>
+                          <a:ea typeface="游ゴシック" panose="020B0400000000000000" pitchFamily="50" charset="-128"/>
+                        </a:rPr>
+                        <a:t>-</a:t>
+                      </a:r>
+                    </a:p>
+                  </a:txBody>
+                  <a:tcPr marL="8637" marR="8637" marT="8637" marB="0" anchor="ctr">
+                    <a:lnL>
+                      <a:noFill/>
+                    </a:lnL>
+                    <a:lnR>
+                      <a:noFill/>
+                    </a:lnR>
+                    <a:lnT>
+                      <a:noFill/>
+                    </a:lnT>
+                    <a:lnB>
+                      <a:noFill/>
+                    </a:lnB>
+                  </a:tcPr>
+                </a:tc>
+                <a:tc>
+                  <a:txBody>
+                    <a:bodyPr/>
+                    <a:lstStyle/>
+                    <a:p>
+                      <a:pPr algn="l" fontAlgn="ctr"/>
+                      <a:r>
+                        <a:rPr lang="en-US" sz="700" b="0" i="0" u="none" strike="noStrike" dirty="0">
+                          <a:solidFill>
+                            <a:srgbClr val="000000"/>
+                          </a:solidFill>
+                          <a:effectLst/>
+                          <a:latin typeface="游ゴシック" panose="020B0400000000000000" pitchFamily="50" charset="-128"/>
+                          <a:ea typeface="游ゴシック" panose="020B0400000000000000" pitchFamily="50" charset="-128"/>
+                        </a:rPr>
+                        <a:t>-</a:t>
+                      </a:r>
+                    </a:p>
+                  </a:txBody>
+                  <a:tcPr marL="8637" marR="8637" marT="8637" marB="0" anchor="ctr">
+                    <a:lnL>
+                      <a:noFill/>
+                    </a:lnL>
+                    <a:lnR>
+                      <a:noFill/>
+                    </a:lnR>
+                    <a:lnT>
+                      <a:noFill/>
+                    </a:lnT>
+                    <a:lnB>
+                      <a:noFill/>
+                    </a:lnB>
+                  </a:tcPr>
+                </a:tc>
+                <a:tc>
+                  <a:txBody>
+                    <a:bodyPr/>
+                    <a:lstStyle/>
+                    <a:p>
+                      <a:pPr algn="l" fontAlgn="ctr"/>
+                      <a:r>
+                        <a:rPr lang="en-US" sz="700" b="0" i="0" u="none" strike="noStrike" dirty="0">
+                          <a:solidFill>
+                            <a:srgbClr val="000000"/>
+                          </a:solidFill>
+                          <a:effectLst/>
+                          <a:latin typeface="游ゴシック" panose="020B0400000000000000" pitchFamily="50" charset="-128"/>
+                          <a:ea typeface="游ゴシック" panose="020B0400000000000000" pitchFamily="50" charset="-128"/>
+                        </a:rPr>
+                        <a:t>-</a:t>
+                      </a:r>
+                    </a:p>
+                  </a:txBody>
+                  <a:tcPr marL="8637" marR="8637" marT="8637" marB="0" anchor="ctr">
+                    <a:lnL>
+                      <a:noFill/>
+                    </a:lnL>
+                    <a:lnR>
+                      <a:noFill/>
+                    </a:lnR>
+                    <a:lnT>
+                      <a:noFill/>
+                    </a:lnT>
+                    <a:lnB>
+                      <a:noFill/>
+                    </a:lnB>
+                  </a:tcPr>
+                </a:tc>
+                <a:extLst>
+                  <a:ext uri="{0D108BD9-81ED-4DB2-BD59-A6C34878D82A}">
+                    <a16:rowId xmlns:a16="http://schemas.microsoft.com/office/drawing/2014/main" val="491825746"/>
+                  </a:ext>
+                </a:extLst>
+              </a:tr>
+              <a:tr h="136587">
+                <a:tc>
+                  <a:txBody>
+                    <a:bodyPr/>
+                    <a:lstStyle/>
+                    <a:p>
+                      <a:pPr algn="l" fontAlgn="ctr"/>
+                      <a:r>
+                        <a:rPr lang="en-US" sz="700" b="0" i="0" u="none" strike="noStrike" dirty="0">
+                          <a:solidFill>
+                            <a:srgbClr val="000000"/>
+                          </a:solidFill>
+                          <a:effectLst/>
+                          <a:latin typeface="游ゴシック" panose="020B0400000000000000" pitchFamily="50" charset="-128"/>
+                          <a:ea typeface="游ゴシック" panose="020B0400000000000000" pitchFamily="50" charset="-128"/>
+                        </a:rPr>
+                        <a:t>-</a:t>
+                      </a:r>
+                    </a:p>
+                  </a:txBody>
+                  <a:tcPr marL="8637" marR="8637" marT="8637" marB="0" anchor="ctr">
+                    <a:lnL>
+                      <a:noFill/>
+                    </a:lnL>
+                    <a:lnR>
+                      <a:noFill/>
+                    </a:lnR>
+                    <a:lnT>
+                      <a:noFill/>
+                    </a:lnT>
+                    <a:lnB>
+                      <a:noFill/>
+                    </a:lnB>
+                  </a:tcPr>
+                </a:tc>
+                <a:tc>
+                  <a:txBody>
+                    <a:bodyPr/>
+                    <a:lstStyle/>
+                    <a:p>
+                      <a:pPr algn="l" fontAlgn="ctr"/>
+                      <a:r>
+                        <a:rPr lang="en-US" sz="700" b="0" i="0" u="none" strike="noStrike" dirty="0">
+                          <a:solidFill>
+                            <a:srgbClr val="000000"/>
+                          </a:solidFill>
+                          <a:effectLst/>
+                          <a:latin typeface="游ゴシック" panose="020B0400000000000000" pitchFamily="50" charset="-128"/>
+                          <a:ea typeface="游ゴシック" panose="020B0400000000000000" pitchFamily="50" charset="-128"/>
+                        </a:rPr>
+                        <a:t>-</a:t>
+                      </a:r>
+                    </a:p>
+                  </a:txBody>
+                  <a:tcPr marL="8637" marR="8637" marT="8637" marB="0" anchor="ctr">
+                    <a:lnL>
+                      <a:noFill/>
+                    </a:lnL>
+                    <a:lnR>
+                      <a:noFill/>
+                    </a:lnR>
+                    <a:lnT>
+                      <a:noFill/>
+                    </a:lnT>
+                    <a:lnB>
+                      <a:noFill/>
+                    </a:lnB>
+                  </a:tcPr>
+                </a:tc>
+                <a:tc>
+                  <a:txBody>
+                    <a:bodyPr/>
+                    <a:lstStyle/>
+                    <a:p>
+                      <a:pPr algn="l" fontAlgn="ctr"/>
+                      <a:r>
+                        <a:rPr lang="en-US" sz="700" b="0" i="0" u="none" strike="noStrike" dirty="0">
+                          <a:solidFill>
+                            <a:srgbClr val="000000"/>
+                          </a:solidFill>
+                          <a:effectLst/>
+                          <a:latin typeface="游ゴシック" panose="020B0400000000000000" pitchFamily="50" charset="-128"/>
+                          <a:ea typeface="游ゴシック" panose="020B0400000000000000" pitchFamily="50" charset="-128"/>
+                        </a:rPr>
+                        <a:t>-</a:t>
+                      </a:r>
+                    </a:p>
+                  </a:txBody>
+                  <a:tcPr marL="8637" marR="8637" marT="8637" marB="0" anchor="ctr">
+                    <a:lnL>
+                      <a:noFill/>
+                    </a:lnL>
+                    <a:lnR>
+                      <a:noFill/>
+                    </a:lnR>
+                    <a:lnT>
+                      <a:noFill/>
+                    </a:lnT>
+                    <a:lnB>
+                      <a:noFill/>
+                    </a:lnB>
+                  </a:tcPr>
+                </a:tc>
+                <a:tc>
+                  <a:txBody>
+                    <a:bodyPr/>
+                    <a:lstStyle/>
+                    <a:p>
+                      <a:pPr algn="l" fontAlgn="ctr"/>
+                      <a:r>
+                        <a:rPr lang="en-US" sz="700" b="0" i="0" u="none" strike="noStrike" dirty="0">
+                          <a:solidFill>
+                            <a:srgbClr val="000000"/>
+                          </a:solidFill>
+                          <a:effectLst/>
+                          <a:latin typeface="游ゴシック" panose="020B0400000000000000" pitchFamily="50" charset="-128"/>
+                          <a:ea typeface="游ゴシック" panose="020B0400000000000000" pitchFamily="50" charset="-128"/>
+                        </a:rPr>
+                        <a:t>-</a:t>
+                      </a:r>
+                    </a:p>
+                  </a:txBody>
+                  <a:tcPr marL="8637" marR="8637" marT="8637" marB="0" anchor="ctr">
+                    <a:lnL>
+                      <a:noFill/>
+                    </a:lnL>
+                    <a:lnR>
+                      <a:noFill/>
+                    </a:lnR>
+                    <a:lnT>
+                      <a:noFill/>
+                    </a:lnT>
+                    <a:lnB>
+                      <a:noFill/>
+                    </a:lnB>
+                  </a:tcPr>
+                </a:tc>
+                <a:tc>
+                  <a:txBody>
+                    <a:bodyPr/>
+                    <a:lstStyle/>
+                    <a:p>
+                      <a:pPr algn="l" fontAlgn="ctr"/>
+                      <a:r>
+                        <a:rPr lang="en-US" sz="700" b="0" i="0" u="none" strike="noStrike" dirty="0">
+                          <a:solidFill>
+                            <a:srgbClr val="000000"/>
+                          </a:solidFill>
+                          <a:effectLst/>
+                          <a:latin typeface="游ゴシック" panose="020B0400000000000000" pitchFamily="50" charset="-128"/>
+                          <a:ea typeface="游ゴシック" panose="020B0400000000000000" pitchFamily="50" charset="-128"/>
+                        </a:rPr>
+                        <a:t>-</a:t>
+                      </a:r>
+                    </a:p>
+                  </a:txBody>
+                  <a:tcPr marL="8637" marR="8637" marT="8637" marB="0" anchor="ctr">
+                    <a:lnL>
+                      <a:noFill/>
+                    </a:lnL>
+                    <a:lnR>
+                      <a:noFill/>
+                    </a:lnR>
+                    <a:lnT>
+                      <a:noFill/>
+                    </a:lnT>
+                    <a:lnB>
+                      <a:noFill/>
+                    </a:lnB>
+                  </a:tcPr>
+                </a:tc>
+                <a:tc>
+                  <a:txBody>
+                    <a:bodyPr/>
+                    <a:lstStyle/>
+                    <a:p>
+                      <a:pPr algn="l" fontAlgn="ctr"/>
+                      <a:r>
+                        <a:rPr lang="en-US" sz="700" b="0" i="0" u="none" strike="noStrike" dirty="0">
+                          <a:solidFill>
+                            <a:srgbClr val="000000"/>
+                          </a:solidFill>
+                          <a:effectLst/>
+                          <a:latin typeface="游ゴシック" panose="020B0400000000000000" pitchFamily="50" charset="-128"/>
+                          <a:ea typeface="游ゴシック" panose="020B0400000000000000" pitchFamily="50" charset="-128"/>
+                        </a:rPr>
+                        <a:t>-</a:t>
+                      </a:r>
+                    </a:p>
+                  </a:txBody>
+                  <a:tcPr marL="8637" marR="8637" marT="8637" marB="0" anchor="ctr">
+                    <a:lnL>
+                      <a:noFill/>
+                    </a:lnL>
+                    <a:lnR>
+                      <a:noFill/>
+                    </a:lnR>
+                    <a:lnT>
+                      <a:noFill/>
+                    </a:lnT>
+                    <a:lnB>
+                      <a:noFill/>
+                    </a:lnB>
+                  </a:tcPr>
+                </a:tc>
+                <a:tc>
+                  <a:txBody>
+                    <a:bodyPr/>
+                    <a:lstStyle/>
+                    <a:p>
+                      <a:pPr algn="l" fontAlgn="ctr"/>
+                      <a:r>
+                        <a:rPr lang="en-US" sz="700" b="0" i="0" u="none" strike="noStrike" dirty="0">
+                          <a:solidFill>
+                            <a:srgbClr val="000000"/>
+                          </a:solidFill>
+                          <a:effectLst/>
+                          <a:latin typeface="游ゴシック" panose="020B0400000000000000" pitchFamily="50" charset="-128"/>
+                          <a:ea typeface="游ゴシック" panose="020B0400000000000000" pitchFamily="50" charset="-128"/>
+                        </a:rPr>
+                        <a:t>-</a:t>
+                      </a:r>
+                    </a:p>
+                  </a:txBody>
+                  <a:tcPr marL="8637" marR="8637" marT="8637" marB="0" anchor="ctr">
+                    <a:lnL>
+                      <a:noFill/>
+                    </a:lnL>
+                    <a:lnR>
+                      <a:noFill/>
+                    </a:lnR>
+                    <a:lnT>
+                      <a:noFill/>
+                    </a:lnT>
+                    <a:lnB>
+                      <a:noFill/>
+                    </a:lnB>
+                  </a:tcPr>
+                </a:tc>
+                <a:extLst>
+                  <a:ext uri="{0D108BD9-81ED-4DB2-BD59-A6C34878D82A}">
+                    <a16:rowId xmlns:a16="http://schemas.microsoft.com/office/drawing/2014/main" val="1590320746"/>
+                  </a:ext>
+                </a:extLst>
+              </a:tr>
+              <a:tr h="136587">
+                <a:tc>
+                  <a:txBody>
+                    <a:bodyPr/>
+                    <a:lstStyle/>
+                    <a:p>
+                      <a:pPr algn="l" fontAlgn="ctr"/>
+                      <a:r>
+                        <a:rPr lang="en-US" sz="700" b="0" i="0" u="none" strike="noStrike" dirty="0">
+                          <a:solidFill>
+                            <a:srgbClr val="000000"/>
+                          </a:solidFill>
+                          <a:effectLst/>
+                          <a:latin typeface="游ゴシック" panose="020B0400000000000000" pitchFamily="50" charset="-128"/>
+                          <a:ea typeface="游ゴシック" panose="020B0400000000000000" pitchFamily="50" charset="-128"/>
+                        </a:rPr>
+                        <a:t>-</a:t>
+                      </a:r>
+                    </a:p>
+                  </a:txBody>
+                  <a:tcPr marL="8637" marR="8637" marT="8637" marB="0" anchor="ctr">
+                    <a:lnL>
+                      <a:noFill/>
+                    </a:lnL>
+                    <a:lnR>
+                      <a:noFill/>
+                    </a:lnR>
+                    <a:lnT>
+                      <a:noFill/>
+                    </a:lnT>
+                    <a:lnB>
+                      <a:noFill/>
+                    </a:lnB>
+                  </a:tcPr>
+                </a:tc>
+                <a:tc>
+                  <a:txBody>
+                    <a:bodyPr/>
+                    <a:lstStyle/>
+                    <a:p>
+                      <a:pPr algn="l" fontAlgn="ctr"/>
+                      <a:r>
+                        <a:rPr lang="en-US" sz="700" b="0" i="0" u="none" strike="noStrike" dirty="0">
+                          <a:solidFill>
+                            <a:srgbClr val="000000"/>
+                          </a:solidFill>
+                          <a:effectLst/>
+                          <a:latin typeface="游ゴシック" panose="020B0400000000000000" pitchFamily="50" charset="-128"/>
+                          <a:ea typeface="游ゴシック" panose="020B0400000000000000" pitchFamily="50" charset="-128"/>
+                        </a:rPr>
+                        <a:t>-</a:t>
+                      </a:r>
+                    </a:p>
+                  </a:txBody>
+                  <a:tcPr marL="8637" marR="8637" marT="8637" marB="0" anchor="ctr">
+                    <a:lnL>
+                      <a:noFill/>
+                    </a:lnL>
+                    <a:lnR>
+                      <a:noFill/>
+                    </a:lnR>
+                    <a:lnT>
+                      <a:noFill/>
+                    </a:lnT>
+                    <a:lnB>
+                      <a:noFill/>
+                    </a:lnB>
+                  </a:tcPr>
+                </a:tc>
+                <a:tc>
+                  <a:txBody>
+                    <a:bodyPr/>
+                    <a:lstStyle/>
+                    <a:p>
+                      <a:pPr algn="l" fontAlgn="ctr"/>
+                      <a:r>
+                        <a:rPr lang="en-US" sz="700" b="0" i="0" u="none" strike="noStrike" dirty="0">
+                          <a:solidFill>
+                            <a:srgbClr val="000000"/>
+                          </a:solidFill>
+                          <a:effectLst/>
+                          <a:latin typeface="游ゴシック" panose="020B0400000000000000" pitchFamily="50" charset="-128"/>
+                          <a:ea typeface="游ゴシック" panose="020B0400000000000000" pitchFamily="50" charset="-128"/>
+                        </a:rPr>
+                        <a:t>-</a:t>
+                      </a:r>
+                    </a:p>
+                  </a:txBody>
+                  <a:tcPr marL="8637" marR="8637" marT="8637" marB="0" anchor="ctr">
+                    <a:lnL>
+                      <a:noFill/>
+                    </a:lnL>
+                    <a:lnR>
+                      <a:noFill/>
+                    </a:lnR>
+                    <a:lnT>
+                      <a:noFill/>
+                    </a:lnT>
+                    <a:lnB>
+                      <a:noFill/>
+                    </a:lnB>
+                  </a:tcPr>
+                </a:tc>
+                <a:tc>
+                  <a:txBody>
+                    <a:bodyPr/>
+                    <a:lstStyle/>
+                    <a:p>
+                      <a:pPr algn="l" fontAlgn="ctr"/>
+                      <a:r>
+                        <a:rPr lang="en-US" sz="700" b="0" i="0" u="none" strike="noStrike" dirty="0">
+                          <a:solidFill>
+                            <a:srgbClr val="000000"/>
+                          </a:solidFill>
+                          <a:effectLst/>
+                          <a:latin typeface="游ゴシック" panose="020B0400000000000000" pitchFamily="50" charset="-128"/>
+                          <a:ea typeface="游ゴシック" panose="020B0400000000000000" pitchFamily="50" charset="-128"/>
+                        </a:rPr>
+                        <a:t>-</a:t>
+                      </a:r>
+                    </a:p>
+                  </a:txBody>
+                  <a:tcPr marL="8637" marR="8637" marT="8637" marB="0" anchor="ctr">
+                    <a:lnL>
+                      <a:noFill/>
+                    </a:lnL>
+                    <a:lnR>
+                      <a:noFill/>
+                    </a:lnR>
+                    <a:lnT>
+                      <a:noFill/>
+                    </a:lnT>
+                    <a:lnB>
+                      <a:noFill/>
+                    </a:lnB>
+                  </a:tcPr>
+                </a:tc>
+                <a:tc>
+                  <a:txBody>
+                    <a:bodyPr/>
+                    <a:lstStyle/>
+                    <a:p>
+                      <a:pPr algn="l" fontAlgn="ctr"/>
+                      <a:r>
+                        <a:rPr lang="en-US" sz="700" b="0" i="0" u="none" strike="noStrike" dirty="0">
+                          <a:solidFill>
+                            <a:srgbClr val="000000"/>
+                          </a:solidFill>
+                          <a:effectLst/>
+                          <a:latin typeface="游ゴシック" panose="020B0400000000000000" pitchFamily="50" charset="-128"/>
+                          <a:ea typeface="游ゴシック" panose="020B0400000000000000" pitchFamily="50" charset="-128"/>
+                        </a:rPr>
+                        <a:t>-</a:t>
+                      </a:r>
+                    </a:p>
+                  </a:txBody>
+                  <a:tcPr marL="8637" marR="8637" marT="8637" marB="0" anchor="ctr">
+                    <a:lnL>
+                      <a:noFill/>
+                    </a:lnL>
+                    <a:lnR>
+                      <a:noFill/>
+                    </a:lnR>
+                    <a:lnT>
+                      <a:noFill/>
+                    </a:lnT>
+                    <a:lnB>
+                      <a:noFill/>
+                    </a:lnB>
+                  </a:tcPr>
+                </a:tc>
+                <a:tc>
+                  <a:txBody>
+                    <a:bodyPr/>
+                    <a:lstStyle/>
+                    <a:p>
+                      <a:pPr algn="l" fontAlgn="ctr"/>
+                      <a:r>
+                        <a:rPr lang="en-US" sz="700" b="0" i="0" u="none" strike="noStrike" dirty="0">
+                          <a:solidFill>
+                            <a:srgbClr val="000000"/>
+                          </a:solidFill>
+                          <a:effectLst/>
+                          <a:latin typeface="游ゴシック" panose="020B0400000000000000" pitchFamily="50" charset="-128"/>
+                          <a:ea typeface="游ゴシック" panose="020B0400000000000000" pitchFamily="50" charset="-128"/>
+                        </a:rPr>
+                        <a:t>-</a:t>
+                      </a:r>
+                    </a:p>
+                  </a:txBody>
+                  <a:tcPr marL="8637" marR="8637" marT="8637" marB="0" anchor="ctr">
+                    <a:lnL>
+                      <a:noFill/>
+                    </a:lnL>
+                    <a:lnR>
+                      <a:noFill/>
+                    </a:lnR>
+                    <a:lnT>
+                      <a:noFill/>
+                    </a:lnT>
+                    <a:lnB>
+                      <a:noFill/>
+                    </a:lnB>
+                  </a:tcPr>
+                </a:tc>
+                <a:tc>
+                  <a:txBody>
+                    <a:bodyPr/>
+                    <a:lstStyle/>
+                    <a:p>
+                      <a:pPr algn="l" fontAlgn="ctr"/>
+                      <a:r>
+                        <a:rPr lang="en-US" sz="700" b="0" i="0" u="none" strike="noStrike" dirty="0">
+                          <a:solidFill>
+                            <a:srgbClr val="000000"/>
+                          </a:solidFill>
+                          <a:effectLst/>
+                          <a:latin typeface="游ゴシック" panose="020B0400000000000000" pitchFamily="50" charset="-128"/>
+                          <a:ea typeface="游ゴシック" panose="020B0400000000000000" pitchFamily="50" charset="-128"/>
+                        </a:rPr>
+                        <a:t>-</a:t>
+                      </a:r>
+                    </a:p>
+                  </a:txBody>
+                  <a:tcPr marL="8637" marR="8637" marT="8637" marB="0" anchor="ctr">
+                    <a:lnL>
+                      <a:noFill/>
+                    </a:lnL>
+                    <a:lnR>
+                      <a:noFill/>
+                    </a:lnR>
+                    <a:lnT>
+                      <a:noFill/>
+                    </a:lnT>
+                    <a:lnB>
+                      <a:noFill/>
+                    </a:lnB>
+                  </a:tcPr>
+                </a:tc>
+                <a:extLst>
+                  <a:ext uri="{0D108BD9-81ED-4DB2-BD59-A6C34878D82A}">
+                    <a16:rowId xmlns:a16="http://schemas.microsoft.com/office/drawing/2014/main" val="962580346"/>
+                  </a:ext>
+                </a:extLst>
+              </a:tr>
+              <a:tr h="136587">
+                <a:tc>
+                  <a:txBody>
+                    <a:bodyPr/>
+                    <a:lstStyle/>
+                    <a:p>
+                      <a:pPr algn="l" fontAlgn="ctr"/>
+                      <a:r>
+                        <a:rPr lang="en-US" sz="700" b="0" i="0" u="none" strike="noStrike" dirty="0">
+                          <a:solidFill>
+                            <a:srgbClr val="000000"/>
+                          </a:solidFill>
+                          <a:effectLst/>
+                          <a:latin typeface="游ゴシック" panose="020B0400000000000000" pitchFamily="50" charset="-128"/>
+                          <a:ea typeface="游ゴシック" panose="020B0400000000000000" pitchFamily="50" charset="-128"/>
+                        </a:rPr>
+                        <a:t>-</a:t>
+                      </a:r>
+                    </a:p>
+                  </a:txBody>
+                  <a:tcPr marL="8637" marR="8637" marT="8637" marB="0" anchor="ctr">
+                    <a:lnL>
+                      <a:noFill/>
+                    </a:lnL>
+                    <a:lnR>
+                      <a:noFill/>
+                    </a:lnR>
+                    <a:lnT>
+                      <a:noFill/>
+                    </a:lnT>
+                    <a:lnB>
+                      <a:noFill/>
+                    </a:lnB>
+                  </a:tcPr>
+                </a:tc>
+                <a:tc>
+                  <a:txBody>
+                    <a:bodyPr/>
+                    <a:lstStyle/>
+                    <a:p>
+                      <a:pPr algn="l" fontAlgn="ctr"/>
+                      <a:r>
+                        <a:rPr lang="en-US" sz="700" b="0" i="0" u="none" strike="noStrike" dirty="0">
+                          <a:solidFill>
+                            <a:srgbClr val="000000"/>
+                          </a:solidFill>
+                          <a:effectLst/>
+                          <a:latin typeface="游ゴシック" panose="020B0400000000000000" pitchFamily="50" charset="-128"/>
+                          <a:ea typeface="游ゴシック" panose="020B0400000000000000" pitchFamily="50" charset="-128"/>
+                        </a:rPr>
+                        <a:t>-</a:t>
+                      </a:r>
+                    </a:p>
+                  </a:txBody>
+                  <a:tcPr marL="8637" marR="8637" marT="8637" marB="0" anchor="ctr">
+                    <a:lnL>
+                      <a:noFill/>
+                    </a:lnL>
+                    <a:lnR>
+                      <a:noFill/>
+                    </a:lnR>
+                    <a:lnT>
+                      <a:noFill/>
+                    </a:lnT>
+                    <a:lnB>
+                      <a:noFill/>
+                    </a:lnB>
+                  </a:tcPr>
+                </a:tc>
+                <a:tc>
+                  <a:txBody>
+                    <a:bodyPr/>
+                    <a:lstStyle/>
+                    <a:p>
+                      <a:pPr algn="l" fontAlgn="ctr"/>
+                      <a:r>
+                        <a:rPr lang="en-US" sz="700" b="0" i="0" u="none" strike="noStrike" dirty="0">
+                          <a:solidFill>
+                            <a:srgbClr val="000000"/>
+                          </a:solidFill>
+                          <a:effectLst/>
+                          <a:latin typeface="游ゴシック" panose="020B0400000000000000" pitchFamily="50" charset="-128"/>
+                          <a:ea typeface="游ゴシック" panose="020B0400000000000000" pitchFamily="50" charset="-128"/>
+                        </a:rPr>
+                        <a:t>-</a:t>
+                      </a:r>
+                    </a:p>
+                  </a:txBody>
+                  <a:tcPr marL="8637" marR="8637" marT="8637" marB="0" anchor="ctr">
+                    <a:lnL>
+                      <a:noFill/>
+                    </a:lnL>
+                    <a:lnR>
+                      <a:noFill/>
+                    </a:lnR>
+                    <a:lnT>
+                      <a:noFill/>
+                    </a:lnT>
+                    <a:lnB>
+                      <a:noFill/>
+                    </a:lnB>
+                  </a:tcPr>
+                </a:tc>
+                <a:tc>
+                  <a:txBody>
+                    <a:bodyPr/>
+                    <a:lstStyle/>
+                    <a:p>
+                      <a:pPr algn="l" fontAlgn="ctr"/>
+                      <a:r>
+                        <a:rPr lang="en-US" sz="700" b="0" i="0" u="none" strike="noStrike" dirty="0">
+                          <a:solidFill>
+                            <a:srgbClr val="000000"/>
+                          </a:solidFill>
+                          <a:effectLst/>
+                          <a:latin typeface="游ゴシック" panose="020B0400000000000000" pitchFamily="50" charset="-128"/>
+                          <a:ea typeface="游ゴシック" panose="020B0400000000000000" pitchFamily="50" charset="-128"/>
+                        </a:rPr>
+                        <a:t>-</a:t>
+                      </a:r>
+                    </a:p>
+                  </a:txBody>
+                  <a:tcPr marL="8637" marR="8637" marT="8637" marB="0" anchor="ctr">
+                    <a:lnL>
+                      <a:noFill/>
+                    </a:lnL>
+                    <a:lnR>
+                      <a:noFill/>
+                    </a:lnR>
+                    <a:lnT>
+                      <a:noFill/>
+                    </a:lnT>
+                    <a:lnB>
+                      <a:noFill/>
+                    </a:lnB>
+                  </a:tcPr>
+                </a:tc>
+                <a:tc>
+                  <a:txBody>
+                    <a:bodyPr/>
+                    <a:lstStyle/>
+                    <a:p>
+                      <a:pPr algn="l" fontAlgn="ctr"/>
+                      <a:r>
+                        <a:rPr lang="en-US" sz="700" b="0" i="0" u="none" strike="noStrike" dirty="0">
+                          <a:solidFill>
+                            <a:srgbClr val="000000"/>
+                          </a:solidFill>
+                          <a:effectLst/>
+                          <a:latin typeface="游ゴシック" panose="020B0400000000000000" pitchFamily="50" charset="-128"/>
+                          <a:ea typeface="游ゴシック" panose="020B0400000000000000" pitchFamily="50" charset="-128"/>
+                        </a:rPr>
+                        <a:t>-</a:t>
+                      </a:r>
+                    </a:p>
+                  </a:txBody>
+                  <a:tcPr marL="8637" marR="8637" marT="8637" marB="0" anchor="ctr">
+                    <a:lnL>
+                      <a:noFill/>
+                    </a:lnL>
+                    <a:lnR>
+                      <a:noFill/>
+                    </a:lnR>
+                    <a:lnT>
+                      <a:noFill/>
+                    </a:lnT>
+                    <a:lnB>
+                      <a:noFill/>
+                    </a:lnB>
+                  </a:tcPr>
+                </a:tc>
+                <a:tc>
+                  <a:txBody>
+                    <a:bodyPr/>
+                    <a:lstStyle/>
+                    <a:p>
+                      <a:pPr algn="l" fontAlgn="ctr"/>
+                      <a:r>
+                        <a:rPr lang="en-US" sz="700" b="0" i="0" u="none" strike="noStrike" dirty="0">
+                          <a:solidFill>
+                            <a:srgbClr val="000000"/>
+                          </a:solidFill>
+                          <a:effectLst/>
+                          <a:latin typeface="游ゴシック" panose="020B0400000000000000" pitchFamily="50" charset="-128"/>
+                          <a:ea typeface="游ゴシック" panose="020B0400000000000000" pitchFamily="50" charset="-128"/>
+                        </a:rPr>
+                        <a:t>-</a:t>
+                      </a:r>
+                    </a:p>
+                  </a:txBody>
+                  <a:tcPr marL="8637" marR="8637" marT="8637" marB="0" anchor="ctr">
+                    <a:lnL>
+                      <a:noFill/>
+                    </a:lnL>
+                    <a:lnR>
+                      <a:noFill/>
+                    </a:lnR>
+                    <a:lnT>
+                      <a:noFill/>
+                    </a:lnT>
+                    <a:lnB>
+                      <a:noFill/>
+                    </a:lnB>
+                  </a:tcPr>
+                </a:tc>
+                <a:tc>
+                  <a:txBody>
+                    <a:bodyPr/>
+                    <a:lstStyle/>
+                    <a:p>
+                      <a:pPr algn="l" fontAlgn="ctr"/>
+                      <a:r>
+                        <a:rPr lang="en-US" sz="700" b="0" i="0" u="none" strike="noStrike" dirty="0">
+                          <a:solidFill>
+                            <a:srgbClr val="000000"/>
+                          </a:solidFill>
+                          <a:effectLst/>
+                          <a:latin typeface="游ゴシック" panose="020B0400000000000000" pitchFamily="50" charset="-128"/>
+                          <a:ea typeface="游ゴシック" panose="020B0400000000000000" pitchFamily="50" charset="-128"/>
+                        </a:rPr>
+                        <a:t>-</a:t>
+                      </a:r>
+                    </a:p>
+                  </a:txBody>
+                  <a:tcPr marL="8637" marR="8637" marT="8637" marB="0" anchor="ctr">
+                    <a:lnL>
+                      <a:noFill/>
+                    </a:lnL>
+                    <a:lnR>
+                      <a:noFill/>
+                    </a:lnR>
+                    <a:lnT>
+                      <a:noFill/>
+                    </a:lnT>
+                    <a:lnB>
+                      <a:noFill/>
+                    </a:lnB>
+                  </a:tcPr>
+                </a:tc>
+                <a:extLst>
+                  <a:ext uri="{0D108BD9-81ED-4DB2-BD59-A6C34878D82A}">
+                    <a16:rowId xmlns:a16="http://schemas.microsoft.com/office/drawing/2014/main" val="512392770"/>
+                  </a:ext>
+                </a:extLst>
+              </a:tr>
+              <a:tr h="136587">
+                <a:tc>
+                  <a:txBody>
+                    <a:bodyPr/>
+                    <a:lstStyle/>
+                    <a:p>
+                      <a:pPr algn="l" fontAlgn="ctr"/>
+                      <a:r>
+                        <a:rPr lang="en-US" sz="700" b="0" i="0" u="none" strike="noStrike" dirty="0">
+                          <a:solidFill>
+                            <a:srgbClr val="000000"/>
+                          </a:solidFill>
+                          <a:effectLst/>
+                          <a:latin typeface="游ゴシック" panose="020B0400000000000000" pitchFamily="50" charset="-128"/>
+                          <a:ea typeface="游ゴシック" panose="020B0400000000000000" pitchFamily="50" charset="-128"/>
+                        </a:rPr>
+                        <a:t>-</a:t>
+                      </a:r>
+                    </a:p>
+                  </a:txBody>
+                  <a:tcPr marL="8637" marR="8637" marT="8637" marB="0" anchor="ctr">
+                    <a:lnL>
+                      <a:noFill/>
+                    </a:lnL>
+                    <a:lnR>
+                      <a:noFill/>
+                    </a:lnR>
+                    <a:lnT>
+                      <a:noFill/>
+                    </a:lnT>
+                    <a:lnB>
+                      <a:noFill/>
+                    </a:lnB>
+                  </a:tcPr>
+                </a:tc>
+                <a:tc>
+                  <a:txBody>
+                    <a:bodyPr/>
+                    <a:lstStyle/>
+                    <a:p>
+                      <a:pPr algn="l" fontAlgn="ctr"/>
+                      <a:r>
+                        <a:rPr lang="en-US" sz="700" b="0" i="0" u="none" strike="noStrike" dirty="0">
+                          <a:solidFill>
+                            <a:srgbClr val="000000"/>
+                          </a:solidFill>
+                          <a:effectLst/>
+                          <a:latin typeface="游ゴシック" panose="020B0400000000000000" pitchFamily="50" charset="-128"/>
+                          <a:ea typeface="游ゴシック" panose="020B0400000000000000" pitchFamily="50" charset="-128"/>
+                        </a:rPr>
+                        <a:t>-</a:t>
+                      </a:r>
+                    </a:p>
+                  </a:txBody>
+                  <a:tcPr marL="8637" marR="8637" marT="8637" marB="0" anchor="ctr">
+                    <a:lnL>
+                      <a:noFill/>
+                    </a:lnL>
+                    <a:lnR>
+                      <a:noFill/>
+                    </a:lnR>
+                    <a:lnT>
+                      <a:noFill/>
+                    </a:lnT>
+                    <a:lnB>
+                      <a:noFill/>
+                    </a:lnB>
+                  </a:tcPr>
+                </a:tc>
+                <a:tc>
+                  <a:txBody>
+                    <a:bodyPr/>
+                    <a:lstStyle/>
+                    <a:p>
+                      <a:pPr algn="l" fontAlgn="ctr"/>
+                      <a:r>
+                        <a:rPr lang="en-US" sz="700" b="0" i="0" u="none" strike="noStrike" dirty="0">
+                          <a:solidFill>
+                            <a:srgbClr val="000000"/>
+                          </a:solidFill>
+                          <a:effectLst/>
+                          <a:latin typeface="游ゴシック" panose="020B0400000000000000" pitchFamily="50" charset="-128"/>
+                          <a:ea typeface="游ゴシック" panose="020B0400000000000000" pitchFamily="50" charset="-128"/>
+                        </a:rPr>
+                        <a:t>-</a:t>
+                      </a:r>
+                    </a:p>
+                  </a:txBody>
+                  <a:tcPr marL="8637" marR="8637" marT="8637" marB="0" anchor="ctr">
+                    <a:lnL>
+                      <a:noFill/>
+                    </a:lnL>
+                    <a:lnR>
+                      <a:noFill/>
+                    </a:lnR>
+                    <a:lnT>
+                      <a:noFill/>
+                    </a:lnT>
+                    <a:lnB>
+                      <a:noFill/>
+                    </a:lnB>
+                  </a:tcPr>
+                </a:tc>
+                <a:tc>
+                  <a:txBody>
+                    <a:bodyPr/>
+                    <a:lstStyle/>
+                    <a:p>
+                      <a:pPr algn="l" fontAlgn="ctr"/>
+                      <a:r>
+                        <a:rPr lang="en-US" sz="700" b="0" i="0" u="none" strike="noStrike" dirty="0">
+                          <a:solidFill>
+                            <a:srgbClr val="000000"/>
+                          </a:solidFill>
+                          <a:effectLst/>
+                          <a:latin typeface="游ゴシック" panose="020B0400000000000000" pitchFamily="50" charset="-128"/>
+                          <a:ea typeface="游ゴシック" panose="020B0400000000000000" pitchFamily="50" charset="-128"/>
+                        </a:rPr>
+                        <a:t>-</a:t>
+                      </a:r>
+                    </a:p>
+                  </a:txBody>
+                  <a:tcPr marL="8637" marR="8637" marT="8637" marB="0" anchor="ctr">
+                    <a:lnL>
+                      <a:noFill/>
+                    </a:lnL>
+                    <a:lnR>
+                      <a:noFill/>
+                    </a:lnR>
+                    <a:lnT>
+                      <a:noFill/>
+                    </a:lnT>
+                    <a:lnB>
+                      <a:noFill/>
+                    </a:lnB>
+                  </a:tcPr>
+                </a:tc>
+                <a:tc>
+                  <a:txBody>
+                    <a:bodyPr/>
+                    <a:lstStyle/>
+                    <a:p>
+                      <a:pPr algn="l" fontAlgn="ctr"/>
+                      <a:r>
+                        <a:rPr lang="en-US" sz="700" b="0" i="0" u="none" strike="noStrike" dirty="0">
+                          <a:solidFill>
+                            <a:srgbClr val="000000"/>
+                          </a:solidFill>
+                          <a:effectLst/>
+                          <a:latin typeface="游ゴシック" panose="020B0400000000000000" pitchFamily="50" charset="-128"/>
+                          <a:ea typeface="游ゴシック" panose="020B0400000000000000" pitchFamily="50" charset="-128"/>
+                        </a:rPr>
+                        <a:t>-</a:t>
+                      </a:r>
+                    </a:p>
+                  </a:txBody>
+                  <a:tcPr marL="8637" marR="8637" marT="8637" marB="0" anchor="ctr">
+                    <a:lnL>
+                      <a:noFill/>
+                    </a:lnL>
+                    <a:lnR>
+                      <a:noFill/>
+                    </a:lnR>
+                    <a:lnT>
+                      <a:noFill/>
+                    </a:lnT>
+                    <a:lnB>
+                      <a:noFill/>
+                    </a:lnB>
+                  </a:tcPr>
+                </a:tc>
+                <a:tc>
+                  <a:txBody>
+                    <a:bodyPr/>
+                    <a:lstStyle/>
+                    <a:p>
+                      <a:pPr algn="l" fontAlgn="ctr"/>
+                      <a:r>
+                        <a:rPr lang="en-US" sz="700" b="0" i="0" u="none" strike="noStrike" dirty="0">
+                          <a:solidFill>
+                            <a:srgbClr val="000000"/>
+                          </a:solidFill>
+                          <a:effectLst/>
+                          <a:latin typeface="游ゴシック" panose="020B0400000000000000" pitchFamily="50" charset="-128"/>
+                          <a:ea typeface="游ゴシック" panose="020B0400000000000000" pitchFamily="50" charset="-128"/>
+                        </a:rPr>
+                        <a:t>-</a:t>
+                      </a:r>
+                    </a:p>
+                  </a:txBody>
+                  <a:tcPr marL="8637" marR="8637" marT="8637" marB="0" anchor="ctr">
+                    <a:lnL>
+                      <a:noFill/>
+                    </a:lnL>
+                    <a:lnR>
+                      <a:noFill/>
+                    </a:lnR>
+                    <a:lnT>
+                      <a:noFill/>
+                    </a:lnT>
+                    <a:lnB>
+                      <a:noFill/>
+                    </a:lnB>
+                  </a:tcPr>
+                </a:tc>
+                <a:tc>
+                  <a:txBody>
+                    <a:bodyPr/>
+                    <a:lstStyle/>
+                    <a:p>
+                      <a:pPr algn="l" fontAlgn="ctr"/>
+                      <a:r>
+                        <a:rPr lang="en-US" sz="700" b="0" i="0" u="none" strike="noStrike" dirty="0">
+                          <a:solidFill>
+                            <a:srgbClr val="000000"/>
+                          </a:solidFill>
+                          <a:effectLst/>
+                          <a:latin typeface="游ゴシック" panose="020B0400000000000000" pitchFamily="50" charset="-128"/>
+                          <a:ea typeface="游ゴシック" panose="020B0400000000000000" pitchFamily="50" charset="-128"/>
+                        </a:rPr>
+                        <a:t>-</a:t>
+                      </a:r>
+                    </a:p>
+                  </a:txBody>
+                  <a:tcPr marL="8637" marR="8637" marT="8637" marB="0" anchor="ctr">
+                    <a:lnL>
+                      <a:noFill/>
+                    </a:lnL>
+                    <a:lnR>
+                      <a:noFill/>
+                    </a:lnR>
+                    <a:lnT>
+                      <a:noFill/>
+                    </a:lnT>
+                    <a:lnB>
+                      <a:noFill/>
+                    </a:lnB>
+                  </a:tcPr>
+                </a:tc>
+                <a:extLst>
+                  <a:ext uri="{0D108BD9-81ED-4DB2-BD59-A6C34878D82A}">
+                    <a16:rowId xmlns:a16="http://schemas.microsoft.com/office/drawing/2014/main" val="2459930112"/>
+                  </a:ext>
+                </a:extLst>
+              </a:tr>
+              <a:tr h="136587">
+                <a:tc>
+                  <a:txBody>
+                    <a:bodyPr/>
+                    <a:lstStyle/>
+                    <a:p>
+                      <a:pPr algn="l" fontAlgn="ctr"/>
+                      <a:r>
+                        <a:rPr lang="en-US" sz="700" b="0" i="0" u="none" strike="noStrike" dirty="0">
+                          <a:solidFill>
+                            <a:srgbClr val="000000"/>
+                          </a:solidFill>
+                          <a:effectLst/>
+                          <a:latin typeface="游ゴシック" panose="020B0400000000000000" pitchFamily="50" charset="-128"/>
+                          <a:ea typeface="游ゴシック" panose="020B0400000000000000" pitchFamily="50" charset="-128"/>
+                        </a:rPr>
+                        <a:t>-</a:t>
+                      </a:r>
+                    </a:p>
+                  </a:txBody>
+                  <a:tcPr marL="8637" marR="8637" marT="8637" marB="0" anchor="ctr">
+                    <a:lnL>
+                      <a:noFill/>
+                    </a:lnL>
+                    <a:lnR>
+                      <a:noFill/>
+                    </a:lnR>
+                    <a:lnT>
+                      <a:noFill/>
+                    </a:lnT>
+                    <a:lnB>
+                      <a:noFill/>
+                    </a:lnB>
+                  </a:tcPr>
+                </a:tc>
+                <a:tc>
+                  <a:txBody>
+                    <a:bodyPr/>
+                    <a:lstStyle/>
+                    <a:p>
+                      <a:pPr algn="l" fontAlgn="ctr"/>
+                      <a:r>
+                        <a:rPr lang="en-US" sz="700" b="0" i="0" u="none" strike="noStrike" dirty="0">
+                          <a:solidFill>
+                            <a:srgbClr val="000000"/>
+                          </a:solidFill>
+                          <a:effectLst/>
+                          <a:latin typeface="游ゴシック" panose="020B0400000000000000" pitchFamily="50" charset="-128"/>
+                          <a:ea typeface="游ゴシック" panose="020B0400000000000000" pitchFamily="50" charset="-128"/>
+                        </a:rPr>
+                        <a:t>-</a:t>
+                      </a:r>
+                    </a:p>
+                  </a:txBody>
+                  <a:tcPr marL="8637" marR="8637" marT="8637" marB="0" anchor="ctr">
+                    <a:lnL>
+                      <a:noFill/>
+                    </a:lnL>
+                    <a:lnR>
+                      <a:noFill/>
+                    </a:lnR>
+                    <a:lnT>
+                      <a:noFill/>
+                    </a:lnT>
+                    <a:lnB>
+                      <a:noFill/>
+                    </a:lnB>
+                  </a:tcPr>
+                </a:tc>
+                <a:tc>
+                  <a:txBody>
+                    <a:bodyPr/>
+                    <a:lstStyle/>
+                    <a:p>
+                      <a:pPr algn="l" fontAlgn="ctr"/>
+                      <a:r>
+                        <a:rPr lang="en-US" sz="700" b="0" i="0" u="none" strike="noStrike" dirty="0">
+                          <a:solidFill>
+                            <a:srgbClr val="000000"/>
+                          </a:solidFill>
+                          <a:effectLst/>
+                          <a:latin typeface="游ゴシック" panose="020B0400000000000000" pitchFamily="50" charset="-128"/>
+                          <a:ea typeface="游ゴシック" panose="020B0400000000000000" pitchFamily="50" charset="-128"/>
+                        </a:rPr>
+                        <a:t>-</a:t>
+                      </a:r>
+                    </a:p>
+                  </a:txBody>
+                  <a:tcPr marL="8637" marR="8637" marT="8637" marB="0" anchor="ctr">
+                    <a:lnL>
+                      <a:noFill/>
+                    </a:lnL>
+                    <a:lnR>
+                      <a:noFill/>
+                    </a:lnR>
+                    <a:lnT>
+                      <a:noFill/>
+                    </a:lnT>
+                    <a:lnB>
+                      <a:noFill/>
+                    </a:lnB>
+                  </a:tcPr>
+                </a:tc>
+                <a:tc>
+                  <a:txBody>
+                    <a:bodyPr/>
+                    <a:lstStyle/>
+                    <a:p>
+                      <a:pPr algn="l" fontAlgn="ctr"/>
+                      <a:r>
+                        <a:rPr lang="en-US" sz="700" b="0" i="0" u="none" strike="noStrike" dirty="0">
+                          <a:solidFill>
+                            <a:srgbClr val="000000"/>
+                          </a:solidFill>
+                          <a:effectLst/>
+                          <a:latin typeface="游ゴシック" panose="020B0400000000000000" pitchFamily="50" charset="-128"/>
+                          <a:ea typeface="游ゴシック" panose="020B0400000000000000" pitchFamily="50" charset="-128"/>
+                        </a:rPr>
+                        <a:t>-</a:t>
+                      </a:r>
+                    </a:p>
+                  </a:txBody>
+                  <a:tcPr marL="8637" marR="8637" marT="8637" marB="0" anchor="ctr">
+                    <a:lnL>
+                      <a:noFill/>
+                    </a:lnL>
+                    <a:lnR>
+                      <a:noFill/>
+                    </a:lnR>
+                    <a:lnT>
+                      <a:noFill/>
+                    </a:lnT>
+                    <a:lnB>
+                      <a:noFill/>
+                    </a:lnB>
+                  </a:tcPr>
+                </a:tc>
+                <a:tc>
+                  <a:txBody>
+                    <a:bodyPr/>
+                    <a:lstStyle/>
+                    <a:p>
+                      <a:pPr algn="l" fontAlgn="ctr"/>
+                      <a:r>
+                        <a:rPr lang="en-US" sz="700" b="0" i="0" u="none" strike="noStrike" dirty="0">
+                          <a:solidFill>
+                            <a:srgbClr val="000000"/>
+                          </a:solidFill>
+                          <a:effectLst/>
+                          <a:latin typeface="游ゴシック" panose="020B0400000000000000" pitchFamily="50" charset="-128"/>
+                          <a:ea typeface="游ゴシック" panose="020B0400000000000000" pitchFamily="50" charset="-128"/>
+                        </a:rPr>
+                        <a:t>-</a:t>
+                      </a:r>
+                    </a:p>
+                  </a:txBody>
+                  <a:tcPr marL="8637" marR="8637" marT="8637" marB="0" anchor="ctr">
+                    <a:lnL>
+                      <a:noFill/>
+                    </a:lnL>
+                    <a:lnR>
+                      <a:noFill/>
+                    </a:lnR>
+                    <a:lnT>
+                      <a:noFill/>
+                    </a:lnT>
+                    <a:lnB>
+                      <a:noFill/>
+                    </a:lnB>
+                  </a:tcPr>
+                </a:tc>
+                <a:tc>
+                  <a:txBody>
+                    <a:bodyPr/>
+                    <a:lstStyle/>
+                    <a:p>
+                      <a:pPr algn="l" fontAlgn="ctr"/>
+                      <a:r>
+                        <a:rPr lang="en-US" sz="700" b="0" i="0" u="none" strike="noStrike" dirty="0">
+                          <a:solidFill>
+                            <a:srgbClr val="000000"/>
+                          </a:solidFill>
+                          <a:effectLst/>
+                          <a:latin typeface="游ゴシック" panose="020B0400000000000000" pitchFamily="50" charset="-128"/>
+                          <a:ea typeface="游ゴシック" panose="020B0400000000000000" pitchFamily="50" charset="-128"/>
+                        </a:rPr>
+                        <a:t>-</a:t>
+                      </a:r>
+                    </a:p>
+                  </a:txBody>
+                  <a:tcPr marL="8637" marR="8637" marT="8637" marB="0" anchor="ctr">
+                    <a:lnL>
+                      <a:noFill/>
+                    </a:lnL>
+                    <a:lnR>
+                      <a:noFill/>
+                    </a:lnR>
+                    <a:lnT>
+                      <a:noFill/>
+                    </a:lnT>
+                    <a:lnB>
+                      <a:noFill/>
+                    </a:lnB>
+                  </a:tcPr>
+                </a:tc>
+                <a:tc>
+                  <a:txBody>
+                    <a:bodyPr/>
+                    <a:lstStyle/>
+                    <a:p>
+                      <a:pPr algn="l" fontAlgn="ctr"/>
+                      <a:r>
+                        <a:rPr lang="en-US" sz="700" b="0" i="0" u="none" strike="noStrike" dirty="0">
+                          <a:solidFill>
+                            <a:srgbClr val="000000"/>
+                          </a:solidFill>
+                          <a:effectLst/>
+                          <a:latin typeface="游ゴシック" panose="020B0400000000000000" pitchFamily="50" charset="-128"/>
+                          <a:ea typeface="游ゴシック" panose="020B0400000000000000" pitchFamily="50" charset="-128"/>
+                        </a:rPr>
+                        <a:t>-</a:t>
+                      </a:r>
+                    </a:p>
+                  </a:txBody>
+                  <a:tcPr marL="8637" marR="8637" marT="8637" marB="0" anchor="ctr">
+                    <a:lnL>
+                      <a:noFill/>
+                    </a:lnL>
+                    <a:lnR>
+                      <a:noFill/>
+                    </a:lnR>
+                    <a:lnT>
+                      <a:noFill/>
+                    </a:lnT>
+                    <a:lnB>
+                      <a:noFill/>
+                    </a:lnB>
+                  </a:tcPr>
+                </a:tc>
+                <a:extLst>
+                  <a:ext uri="{0D108BD9-81ED-4DB2-BD59-A6C34878D82A}">
+                    <a16:rowId xmlns:a16="http://schemas.microsoft.com/office/drawing/2014/main" val="1375464116"/>
+                  </a:ext>
+                </a:extLst>
+              </a:tr>
+              <a:tr h="136587">
+                <a:tc>
+                  <a:txBody>
+                    <a:bodyPr/>
+                    <a:lstStyle/>
+                    <a:p>
+                      <a:pPr algn="l" fontAlgn="ctr"/>
+                      <a:r>
+                        <a:rPr lang="en-US" sz="700" b="0" i="0" u="none" strike="noStrike" dirty="0">
+                          <a:solidFill>
+                            <a:srgbClr val="000000"/>
+                          </a:solidFill>
+                          <a:effectLst/>
+                          <a:latin typeface="游ゴシック" panose="020B0400000000000000" pitchFamily="50" charset="-128"/>
+                          <a:ea typeface="游ゴシック" panose="020B0400000000000000" pitchFamily="50" charset="-128"/>
+                        </a:rPr>
+                        <a:t>-</a:t>
+                      </a:r>
+                    </a:p>
+                  </a:txBody>
+                  <a:tcPr marL="8637" marR="8637" marT="8637" marB="0" anchor="ctr">
+                    <a:lnL>
+                      <a:noFill/>
+                    </a:lnL>
+                    <a:lnR>
+                      <a:noFill/>
+                    </a:lnR>
+                    <a:lnT>
+                      <a:noFill/>
+                    </a:lnT>
+                    <a:lnB>
+                      <a:noFill/>
+                    </a:lnB>
+                  </a:tcPr>
+                </a:tc>
+                <a:tc>
+                  <a:txBody>
+                    <a:bodyPr/>
+                    <a:lstStyle/>
+                    <a:p>
+                      <a:pPr algn="l" fontAlgn="ctr"/>
+                      <a:r>
+                        <a:rPr lang="en-US" sz="700" b="0" i="0" u="none" strike="noStrike" dirty="0">
+                          <a:solidFill>
+                            <a:srgbClr val="000000"/>
+                          </a:solidFill>
+                          <a:effectLst/>
+                          <a:latin typeface="游ゴシック" panose="020B0400000000000000" pitchFamily="50" charset="-128"/>
+                          <a:ea typeface="游ゴシック" panose="020B0400000000000000" pitchFamily="50" charset="-128"/>
+                        </a:rPr>
+                        <a:t>-</a:t>
+                      </a:r>
+                    </a:p>
+                  </a:txBody>
+                  <a:tcPr marL="8637" marR="8637" marT="8637" marB="0" anchor="ctr">
+                    <a:lnL>
+                      <a:noFill/>
+                    </a:lnL>
+                    <a:lnR>
+                      <a:noFill/>
+                    </a:lnR>
+                    <a:lnT>
+                      <a:noFill/>
+                    </a:lnT>
+                    <a:lnB>
+                      <a:noFill/>
+                    </a:lnB>
+                  </a:tcPr>
+                </a:tc>
+                <a:tc>
+                  <a:txBody>
+                    <a:bodyPr/>
+                    <a:lstStyle/>
+                    <a:p>
+                      <a:pPr algn="l" fontAlgn="ctr"/>
+                      <a:r>
+                        <a:rPr lang="en-US" sz="700" b="0" i="0" u="none" strike="noStrike" dirty="0">
+                          <a:solidFill>
+                            <a:srgbClr val="000000"/>
+                          </a:solidFill>
+                          <a:effectLst/>
+                          <a:latin typeface="游ゴシック" panose="020B0400000000000000" pitchFamily="50" charset="-128"/>
+                          <a:ea typeface="游ゴシック" panose="020B0400000000000000" pitchFamily="50" charset="-128"/>
+                        </a:rPr>
+                        <a:t>-</a:t>
+                      </a:r>
+                    </a:p>
+                  </a:txBody>
+                  <a:tcPr marL="8637" marR="8637" marT="8637" marB="0" anchor="ctr">
+                    <a:lnL>
+                      <a:noFill/>
+                    </a:lnL>
+                    <a:lnR>
+                      <a:noFill/>
+                    </a:lnR>
+                    <a:lnT>
+                      <a:noFill/>
+                    </a:lnT>
+                    <a:lnB>
+                      <a:noFill/>
+                    </a:lnB>
+                  </a:tcPr>
+                </a:tc>
+                <a:tc>
+                  <a:txBody>
+                    <a:bodyPr/>
+                    <a:lstStyle/>
+                    <a:p>
+                      <a:pPr algn="l" fontAlgn="ctr"/>
+                      <a:r>
+                        <a:rPr lang="en-US" sz="700" b="0" i="0" u="none" strike="noStrike" dirty="0">
+                          <a:solidFill>
+                            <a:srgbClr val="000000"/>
+                          </a:solidFill>
+                          <a:effectLst/>
+                          <a:latin typeface="游ゴシック" panose="020B0400000000000000" pitchFamily="50" charset="-128"/>
+                          <a:ea typeface="游ゴシック" panose="020B0400000000000000" pitchFamily="50" charset="-128"/>
+                        </a:rPr>
+                        <a:t>-</a:t>
+                      </a:r>
+                    </a:p>
+                  </a:txBody>
+                  <a:tcPr marL="8637" marR="8637" marT="8637" marB="0" anchor="ctr">
+                    <a:lnL>
+                      <a:noFill/>
+                    </a:lnL>
+                    <a:lnR>
+                      <a:noFill/>
+                    </a:lnR>
+                    <a:lnT>
+                      <a:noFill/>
+                    </a:lnT>
+                    <a:lnB>
+                      <a:noFill/>
+                    </a:lnB>
+                  </a:tcPr>
+                </a:tc>
+                <a:tc>
+                  <a:txBody>
+                    <a:bodyPr/>
+                    <a:lstStyle/>
+                    <a:p>
+                      <a:pPr algn="l" fontAlgn="ctr"/>
+                      <a:r>
+                        <a:rPr lang="en-US" sz="700" b="0" i="0" u="none" strike="noStrike" dirty="0">
+                          <a:solidFill>
+                            <a:srgbClr val="000000"/>
+                          </a:solidFill>
+                          <a:effectLst/>
+                          <a:latin typeface="游ゴシック" panose="020B0400000000000000" pitchFamily="50" charset="-128"/>
+                          <a:ea typeface="游ゴシック" panose="020B0400000000000000" pitchFamily="50" charset="-128"/>
+                        </a:rPr>
+                        <a:t>-</a:t>
+                      </a:r>
+                    </a:p>
+                  </a:txBody>
+                  <a:tcPr marL="8637" marR="8637" marT="8637" marB="0" anchor="ctr">
+                    <a:lnL>
+                      <a:noFill/>
+                    </a:lnL>
+                    <a:lnR>
+                      <a:noFill/>
+                    </a:lnR>
+                    <a:lnT>
+                      <a:noFill/>
+                    </a:lnT>
+                    <a:lnB>
+                      <a:noFill/>
+                    </a:lnB>
+                  </a:tcPr>
+                </a:tc>
+                <a:tc>
+                  <a:txBody>
+                    <a:bodyPr/>
+                    <a:lstStyle/>
+                    <a:p>
+                      <a:pPr algn="l" fontAlgn="ctr"/>
+                      <a:r>
+                        <a:rPr lang="en-US" sz="700" b="0" i="0" u="none" strike="noStrike" dirty="0">
+                          <a:solidFill>
+                            <a:srgbClr val="000000"/>
+                          </a:solidFill>
+                          <a:effectLst/>
+                          <a:latin typeface="游ゴシック" panose="020B0400000000000000" pitchFamily="50" charset="-128"/>
+                          <a:ea typeface="游ゴシック" panose="020B0400000000000000" pitchFamily="50" charset="-128"/>
+                        </a:rPr>
+                        <a:t>-</a:t>
+                      </a:r>
+                    </a:p>
+                  </a:txBody>
+                  <a:tcPr marL="8637" marR="8637" marT="8637" marB="0" anchor="ctr">
+                    <a:lnL>
+                      <a:noFill/>
+                    </a:lnL>
+                    <a:lnR>
+                      <a:noFill/>
+                    </a:lnR>
+                    <a:lnT>
+                      <a:noFill/>
+                    </a:lnT>
+                    <a:lnB>
+                      <a:noFill/>
+                    </a:lnB>
+                  </a:tcPr>
+                </a:tc>
+                <a:tc>
+                  <a:txBody>
+                    <a:bodyPr/>
+                    <a:lstStyle/>
+                    <a:p>
+                      <a:pPr algn="l" fontAlgn="ctr"/>
+                      <a:r>
+                        <a:rPr lang="en-US" sz="700" b="0" i="0" u="none" strike="noStrike" dirty="0">
+                          <a:solidFill>
+                            <a:srgbClr val="000000"/>
+                          </a:solidFill>
+                          <a:effectLst/>
+                          <a:latin typeface="游ゴシック" panose="020B0400000000000000" pitchFamily="50" charset="-128"/>
+                          <a:ea typeface="游ゴシック" panose="020B0400000000000000" pitchFamily="50" charset="-128"/>
+                        </a:rPr>
+                        <a:t>-</a:t>
+                      </a:r>
+                    </a:p>
+                  </a:txBody>
+                  <a:tcPr marL="8637" marR="8637" marT="8637" marB="0" anchor="ctr">
+                    <a:lnL>
+                      <a:noFill/>
+                    </a:lnL>
+                    <a:lnR>
+                      <a:noFill/>
+                    </a:lnR>
+                    <a:lnT>
+                      <a:noFill/>
+                    </a:lnT>
+                    <a:lnB>
+                      <a:noFill/>
+                    </a:lnB>
+                  </a:tcPr>
+                </a:tc>
+                <a:extLst>
+                  <a:ext uri="{0D108BD9-81ED-4DB2-BD59-A6C34878D82A}">
+                    <a16:rowId xmlns:a16="http://schemas.microsoft.com/office/drawing/2014/main" val="1503823986"/>
+                  </a:ext>
+                </a:extLst>
+              </a:tr>
+              <a:tr h="136587">
+                <a:tc>
+                  <a:txBody>
+                    <a:bodyPr/>
+                    <a:lstStyle/>
+                    <a:p>
+                      <a:pPr algn="l" fontAlgn="ctr"/>
+                      <a:r>
+                        <a:rPr lang="en-US" sz="700" b="0" i="0" u="none" strike="noStrike" dirty="0">
+                          <a:solidFill>
+                            <a:srgbClr val="000000"/>
+                          </a:solidFill>
+                          <a:effectLst/>
+                          <a:latin typeface="游ゴシック" panose="020B0400000000000000" pitchFamily="50" charset="-128"/>
+                          <a:ea typeface="游ゴシック" panose="020B0400000000000000" pitchFamily="50" charset="-128"/>
+                        </a:rPr>
+                        <a:t>-</a:t>
+                      </a:r>
+                    </a:p>
+                  </a:txBody>
+                  <a:tcPr marL="8637" marR="8637" marT="8637" marB="0" anchor="ctr">
+                    <a:lnL>
+                      <a:noFill/>
+                    </a:lnL>
+                    <a:lnR>
+                      <a:noFill/>
+                    </a:lnR>
+                    <a:lnT>
+                      <a:noFill/>
+                    </a:lnT>
+                    <a:lnB>
+                      <a:noFill/>
+                    </a:lnB>
+                  </a:tcPr>
+                </a:tc>
+                <a:tc>
+                  <a:txBody>
+                    <a:bodyPr/>
+                    <a:lstStyle/>
+                    <a:p>
+                      <a:pPr algn="l" fontAlgn="ctr"/>
+                      <a:r>
+                        <a:rPr lang="en-US" sz="700" b="0" i="0" u="none" strike="noStrike" dirty="0">
+                          <a:solidFill>
+                            <a:srgbClr val="000000"/>
+                          </a:solidFill>
+                          <a:effectLst/>
+                          <a:latin typeface="游ゴシック" panose="020B0400000000000000" pitchFamily="50" charset="-128"/>
+                          <a:ea typeface="游ゴシック" panose="020B0400000000000000" pitchFamily="50" charset="-128"/>
+                        </a:rPr>
+                        <a:t>-</a:t>
+                      </a:r>
+                    </a:p>
+                  </a:txBody>
+                  <a:tcPr marL="8637" marR="8637" marT="8637" marB="0" anchor="ctr">
+                    <a:lnL>
+                      <a:noFill/>
+                    </a:lnL>
+                    <a:lnR>
+                      <a:noFill/>
+                    </a:lnR>
+                    <a:lnT>
+                      <a:noFill/>
+                    </a:lnT>
+                    <a:lnB>
+                      <a:noFill/>
+                    </a:lnB>
+                  </a:tcPr>
+                </a:tc>
+                <a:tc>
+                  <a:txBody>
+                    <a:bodyPr/>
+                    <a:lstStyle/>
+                    <a:p>
+                      <a:pPr algn="l" fontAlgn="ctr"/>
+                      <a:r>
+                        <a:rPr lang="en-US" sz="700" b="0" i="0" u="none" strike="noStrike" dirty="0">
+                          <a:solidFill>
+                            <a:srgbClr val="000000"/>
+                          </a:solidFill>
+                          <a:effectLst/>
+                          <a:latin typeface="游ゴシック" panose="020B0400000000000000" pitchFamily="50" charset="-128"/>
+                          <a:ea typeface="游ゴシック" panose="020B0400000000000000" pitchFamily="50" charset="-128"/>
+                        </a:rPr>
+                        <a:t>-</a:t>
+                      </a:r>
+                    </a:p>
+                  </a:txBody>
+                  <a:tcPr marL="8637" marR="8637" marT="8637" marB="0" anchor="ctr">
+                    <a:lnL>
+                      <a:noFill/>
+                    </a:lnL>
+                    <a:lnR>
+                      <a:noFill/>
+                    </a:lnR>
+                    <a:lnT>
+                      <a:noFill/>
+                    </a:lnT>
+                    <a:lnB>
+                      <a:noFill/>
+                    </a:lnB>
+                  </a:tcPr>
+                </a:tc>
+                <a:tc>
+                  <a:txBody>
+                    <a:bodyPr/>
+                    <a:lstStyle/>
+                    <a:p>
+                      <a:pPr algn="l" fontAlgn="ctr"/>
+                      <a:r>
+                        <a:rPr lang="en-US" sz="700" b="0" i="0" u="none" strike="noStrike" dirty="0">
+                          <a:solidFill>
+                            <a:srgbClr val="000000"/>
+                          </a:solidFill>
+                          <a:effectLst/>
+                          <a:latin typeface="游ゴシック" panose="020B0400000000000000" pitchFamily="50" charset="-128"/>
+                          <a:ea typeface="游ゴシック" panose="020B0400000000000000" pitchFamily="50" charset="-128"/>
+                        </a:rPr>
+                        <a:t>-</a:t>
+                      </a:r>
+                    </a:p>
+                  </a:txBody>
+                  <a:tcPr marL="8637" marR="8637" marT="8637" marB="0" anchor="ctr">
+                    <a:lnL>
+                      <a:noFill/>
+                    </a:lnL>
+                    <a:lnR>
+                      <a:noFill/>
+                    </a:lnR>
+                    <a:lnT>
+                      <a:noFill/>
+                    </a:lnT>
+                    <a:lnB>
+                      <a:noFill/>
+                    </a:lnB>
+                  </a:tcPr>
+                </a:tc>
+                <a:tc>
+                  <a:txBody>
+                    <a:bodyPr/>
+                    <a:lstStyle/>
+                    <a:p>
+                      <a:pPr algn="l" fontAlgn="ctr"/>
+                      <a:r>
+                        <a:rPr lang="en-US" sz="700" b="0" i="0" u="none" strike="noStrike" dirty="0">
+                          <a:solidFill>
+                            <a:srgbClr val="000000"/>
+                          </a:solidFill>
+                          <a:effectLst/>
+                          <a:latin typeface="游ゴシック" panose="020B0400000000000000" pitchFamily="50" charset="-128"/>
+                          <a:ea typeface="游ゴシック" panose="020B0400000000000000" pitchFamily="50" charset="-128"/>
+                        </a:rPr>
+                        <a:t>-</a:t>
+                      </a:r>
+                    </a:p>
+                  </a:txBody>
+                  <a:tcPr marL="8637" marR="8637" marT="8637" marB="0" anchor="ctr">
+                    <a:lnL>
+                      <a:noFill/>
+                    </a:lnL>
+                    <a:lnR>
+                      <a:noFill/>
+                    </a:lnR>
+                    <a:lnT>
+                      <a:noFill/>
+                    </a:lnT>
+                    <a:lnB>
+                      <a:noFill/>
+                    </a:lnB>
+                  </a:tcPr>
+                </a:tc>
+                <a:tc>
+                  <a:txBody>
+                    <a:bodyPr/>
+                    <a:lstStyle/>
+                    <a:p>
+                      <a:pPr algn="l" fontAlgn="ctr"/>
+                      <a:r>
+                        <a:rPr lang="en-US" sz="700" b="0" i="0" u="none" strike="noStrike" dirty="0">
+                          <a:solidFill>
+                            <a:srgbClr val="000000"/>
+                          </a:solidFill>
+                          <a:effectLst/>
+                          <a:latin typeface="游ゴシック" panose="020B0400000000000000" pitchFamily="50" charset="-128"/>
+                          <a:ea typeface="游ゴシック" panose="020B0400000000000000" pitchFamily="50" charset="-128"/>
+                        </a:rPr>
+                        <a:t>-</a:t>
+                      </a:r>
+                    </a:p>
+                  </a:txBody>
+                  <a:tcPr marL="8637" marR="8637" marT="8637" marB="0" anchor="ctr">
+                    <a:lnL>
+                      <a:noFill/>
+                    </a:lnL>
+                    <a:lnR>
+                      <a:noFill/>
+                    </a:lnR>
+                    <a:lnT>
+                      <a:noFill/>
+                    </a:lnT>
+                    <a:lnB>
+                      <a:noFill/>
+                    </a:lnB>
+                  </a:tcPr>
+                </a:tc>
+                <a:tc>
+                  <a:txBody>
+                    <a:bodyPr/>
+                    <a:lstStyle/>
+                    <a:p>
+                      <a:pPr algn="l" fontAlgn="ctr"/>
+                      <a:r>
+                        <a:rPr lang="en-US" sz="700" b="0" i="0" u="none" strike="noStrike" dirty="0">
+                          <a:solidFill>
+                            <a:srgbClr val="000000"/>
+                          </a:solidFill>
+                          <a:effectLst/>
+                          <a:latin typeface="游ゴシック" panose="020B0400000000000000" pitchFamily="50" charset="-128"/>
+                          <a:ea typeface="游ゴシック" panose="020B0400000000000000" pitchFamily="50" charset="-128"/>
+                        </a:rPr>
+                        <a:t>-</a:t>
+                      </a:r>
+                    </a:p>
+                  </a:txBody>
+                  <a:tcPr marL="8637" marR="8637" marT="8637" marB="0" anchor="ctr">
+                    <a:lnL>
+                      <a:noFill/>
+                    </a:lnL>
+                    <a:lnR>
+                      <a:noFill/>
+                    </a:lnR>
+                    <a:lnT>
+                      <a:noFill/>
+                    </a:lnT>
+                    <a:lnB>
+                      <a:noFill/>
+                    </a:lnB>
+                  </a:tcPr>
+                </a:tc>
+                <a:extLst>
+                  <a:ext uri="{0D108BD9-81ED-4DB2-BD59-A6C34878D82A}">
+                    <a16:rowId xmlns:a16="http://schemas.microsoft.com/office/drawing/2014/main" val="4048586645"/>
+                  </a:ext>
+                </a:extLst>
+              </a:tr>
+              <a:tr h="136587">
+                <a:tc>
+                  <a:txBody>
+                    <a:bodyPr/>
+                    <a:lstStyle/>
+                    <a:p>
+                      <a:pPr algn="l" fontAlgn="ctr"/>
+                      <a:r>
+                        <a:rPr lang="en-US" sz="700" b="0" i="0" u="none" strike="noStrike" dirty="0">
+                          <a:solidFill>
+                            <a:srgbClr val="000000"/>
+                          </a:solidFill>
+                          <a:effectLst/>
+                          <a:latin typeface="游ゴシック" panose="020B0400000000000000" pitchFamily="50" charset="-128"/>
+                          <a:ea typeface="游ゴシック" panose="020B0400000000000000" pitchFamily="50" charset="-128"/>
+                        </a:rPr>
+                        <a:t>-</a:t>
+                      </a:r>
+                    </a:p>
+                  </a:txBody>
+                  <a:tcPr marL="8637" marR="8637" marT="8637" marB="0" anchor="ctr">
+                    <a:lnL>
+                      <a:noFill/>
+                    </a:lnL>
+                    <a:lnR>
+                      <a:noFill/>
+                    </a:lnR>
+                    <a:lnT>
+                      <a:noFill/>
+                    </a:lnT>
+                    <a:lnB>
+                      <a:noFill/>
+                    </a:lnB>
+                  </a:tcPr>
+                </a:tc>
+                <a:tc>
+                  <a:txBody>
+                    <a:bodyPr/>
+                    <a:lstStyle/>
+                    <a:p>
+                      <a:pPr algn="l" fontAlgn="ctr"/>
+                      <a:r>
+                        <a:rPr lang="en-US" sz="700" b="0" i="0" u="none" strike="noStrike" dirty="0">
+                          <a:solidFill>
+                            <a:srgbClr val="000000"/>
+                          </a:solidFill>
+                          <a:effectLst/>
+                          <a:latin typeface="游ゴシック" panose="020B0400000000000000" pitchFamily="50" charset="-128"/>
+                          <a:ea typeface="游ゴシック" panose="020B0400000000000000" pitchFamily="50" charset="-128"/>
+                        </a:rPr>
+                        <a:t>-</a:t>
+                      </a:r>
+                    </a:p>
+                  </a:txBody>
+                  <a:tcPr marL="8637" marR="8637" marT="8637" marB="0" anchor="ctr">
+                    <a:lnL>
+                      <a:noFill/>
+                    </a:lnL>
+                    <a:lnR>
+                      <a:noFill/>
+                    </a:lnR>
+                    <a:lnT>
+                      <a:noFill/>
+                    </a:lnT>
+                    <a:lnB>
+                      <a:noFill/>
+                    </a:lnB>
+                  </a:tcPr>
+                </a:tc>
+                <a:tc>
+                  <a:txBody>
+                    <a:bodyPr/>
+                    <a:lstStyle/>
+                    <a:p>
+                      <a:pPr algn="l" fontAlgn="ctr"/>
+                      <a:r>
+                        <a:rPr lang="en-US" sz="700" b="0" i="0" u="none" strike="noStrike" dirty="0">
+                          <a:solidFill>
+                            <a:srgbClr val="000000"/>
+                          </a:solidFill>
+                          <a:effectLst/>
+                          <a:latin typeface="游ゴシック" panose="020B0400000000000000" pitchFamily="50" charset="-128"/>
+                          <a:ea typeface="游ゴシック" panose="020B0400000000000000" pitchFamily="50" charset="-128"/>
+                        </a:rPr>
+                        <a:t>-</a:t>
+                      </a:r>
+                    </a:p>
+                  </a:txBody>
+                  <a:tcPr marL="8637" marR="8637" marT="8637" marB="0" anchor="ctr">
+                    <a:lnL>
+                      <a:noFill/>
+                    </a:lnL>
+                    <a:lnR>
+                      <a:noFill/>
+                    </a:lnR>
+                    <a:lnT>
+                      <a:noFill/>
+                    </a:lnT>
+                    <a:lnB>
+                      <a:noFill/>
+                    </a:lnB>
+                  </a:tcPr>
+                </a:tc>
+                <a:tc>
+                  <a:txBody>
+                    <a:bodyPr/>
+                    <a:lstStyle/>
+                    <a:p>
+                      <a:pPr algn="l" fontAlgn="ctr"/>
+                      <a:r>
+                        <a:rPr lang="en-US" sz="700" b="0" i="0" u="none" strike="noStrike" dirty="0">
+                          <a:solidFill>
+                            <a:srgbClr val="000000"/>
+                          </a:solidFill>
+                          <a:effectLst/>
+                          <a:latin typeface="游ゴシック" panose="020B0400000000000000" pitchFamily="50" charset="-128"/>
+                          <a:ea typeface="游ゴシック" panose="020B0400000000000000" pitchFamily="50" charset="-128"/>
+                        </a:rPr>
+                        <a:t>-</a:t>
+                      </a:r>
+                    </a:p>
+                  </a:txBody>
+                  <a:tcPr marL="8637" marR="8637" marT="8637" marB="0" anchor="ctr">
+                    <a:lnL>
+                      <a:noFill/>
+                    </a:lnL>
+                    <a:lnR>
+                      <a:noFill/>
+                    </a:lnR>
+                    <a:lnT>
+                      <a:noFill/>
+                    </a:lnT>
+                    <a:lnB>
+                      <a:noFill/>
+                    </a:lnB>
+                  </a:tcPr>
+                </a:tc>
+                <a:tc>
+                  <a:txBody>
+                    <a:bodyPr/>
+                    <a:lstStyle/>
+                    <a:p>
+                      <a:pPr algn="l" fontAlgn="ctr"/>
+                      <a:r>
+                        <a:rPr lang="en-US" sz="700" b="0" i="0" u="none" strike="noStrike" dirty="0">
+                          <a:solidFill>
+                            <a:srgbClr val="000000"/>
+                          </a:solidFill>
+                          <a:effectLst/>
+                          <a:latin typeface="游ゴシック" panose="020B0400000000000000" pitchFamily="50" charset="-128"/>
+                          <a:ea typeface="游ゴシック" panose="020B0400000000000000" pitchFamily="50" charset="-128"/>
+                        </a:rPr>
+                        <a:t>-</a:t>
+                      </a:r>
+                    </a:p>
+                  </a:txBody>
+                  <a:tcPr marL="8637" marR="8637" marT="8637" marB="0" anchor="ctr">
+                    <a:lnL>
+                      <a:noFill/>
+                    </a:lnL>
+                    <a:lnR>
+                      <a:noFill/>
+                    </a:lnR>
+                    <a:lnT>
+                      <a:noFill/>
+                    </a:lnT>
+                    <a:lnB>
+                      <a:noFill/>
+                    </a:lnB>
+                  </a:tcPr>
+                </a:tc>
+                <a:tc>
+                  <a:txBody>
+                    <a:bodyPr/>
+                    <a:lstStyle/>
+                    <a:p>
+                      <a:pPr algn="l" fontAlgn="ctr"/>
+                      <a:r>
+                        <a:rPr lang="en-US" sz="700" b="0" i="0" u="none" strike="noStrike" dirty="0">
+                          <a:solidFill>
+                            <a:srgbClr val="000000"/>
+                          </a:solidFill>
+                          <a:effectLst/>
+                          <a:latin typeface="游ゴシック" panose="020B0400000000000000" pitchFamily="50" charset="-128"/>
+                          <a:ea typeface="游ゴシック" panose="020B0400000000000000" pitchFamily="50" charset="-128"/>
+                        </a:rPr>
+                        <a:t>-</a:t>
+                      </a:r>
+                    </a:p>
+                  </a:txBody>
+                  <a:tcPr marL="8637" marR="8637" marT="8637" marB="0" anchor="ctr">
+                    <a:lnL>
+                      <a:noFill/>
+                    </a:lnL>
+                    <a:lnR>
+                      <a:noFill/>
+                    </a:lnR>
+                    <a:lnT>
+                      <a:noFill/>
+                    </a:lnT>
+                    <a:lnB>
+                      <a:noFill/>
+                    </a:lnB>
+                  </a:tcPr>
+                </a:tc>
+                <a:tc>
+                  <a:txBody>
+                    <a:bodyPr/>
+                    <a:lstStyle/>
+                    <a:p>
+                      <a:pPr algn="l" fontAlgn="ctr"/>
+                      <a:r>
+                        <a:rPr lang="en-US" sz="700" b="0" i="0" u="none" strike="noStrike" dirty="0">
+                          <a:solidFill>
+                            <a:srgbClr val="000000"/>
+                          </a:solidFill>
+                          <a:effectLst/>
+                          <a:latin typeface="游ゴシック" panose="020B0400000000000000" pitchFamily="50" charset="-128"/>
+                          <a:ea typeface="游ゴシック" panose="020B0400000000000000" pitchFamily="50" charset="-128"/>
+                        </a:rPr>
+                        <a:t>-</a:t>
+                      </a:r>
+                    </a:p>
+                  </a:txBody>
+                  <a:tcPr marL="8637" marR="8637" marT="8637" marB="0" anchor="ctr">
+                    <a:lnL>
+                      <a:noFill/>
+                    </a:lnL>
+                    <a:lnR>
+                      <a:noFill/>
+                    </a:lnR>
+                    <a:lnT>
+                      <a:noFill/>
+                    </a:lnT>
+                    <a:lnB>
+                      <a:noFill/>
+                    </a:lnB>
+                  </a:tcPr>
+                </a:tc>
+                <a:extLst>
+                  <a:ext uri="{0D108BD9-81ED-4DB2-BD59-A6C34878D82A}">
+                    <a16:rowId xmlns:a16="http://schemas.microsoft.com/office/drawing/2014/main" val="3375347066"/>
+                  </a:ext>
+                </a:extLst>
+              </a:tr>
+              <a:tr h="136587">
+                <a:tc>
+                  <a:txBody>
+                    <a:bodyPr/>
+                    <a:lstStyle/>
+                    <a:p>
+                      <a:pPr algn="l" fontAlgn="ctr"/>
+                      <a:r>
+                        <a:rPr lang="en-US" sz="700" b="0" i="0" u="none" strike="noStrike" dirty="0">
+                          <a:solidFill>
+                            <a:srgbClr val="000000"/>
+                          </a:solidFill>
+                          <a:effectLst/>
+                          <a:latin typeface="游ゴシック" panose="020B0400000000000000" pitchFamily="50" charset="-128"/>
+                          <a:ea typeface="游ゴシック" panose="020B0400000000000000" pitchFamily="50" charset="-128"/>
+                        </a:rPr>
+                        <a:t>-</a:t>
+                      </a:r>
+                    </a:p>
+                  </a:txBody>
+                  <a:tcPr marL="8637" marR="8637" marT="8637" marB="0" anchor="ctr">
+                    <a:lnL>
+                      <a:noFill/>
+                    </a:lnL>
+                    <a:lnR>
+                      <a:noFill/>
+                    </a:lnR>
+                    <a:lnT>
+                      <a:noFill/>
+                    </a:lnT>
+                    <a:lnB>
+                      <a:noFill/>
+                    </a:lnB>
+                  </a:tcPr>
+                </a:tc>
+                <a:tc>
+                  <a:txBody>
+                    <a:bodyPr/>
+                    <a:lstStyle/>
+                    <a:p>
+                      <a:pPr algn="l" fontAlgn="ctr"/>
+                      <a:r>
+                        <a:rPr lang="en-US" sz="700" b="0" i="0" u="none" strike="noStrike" dirty="0">
+                          <a:solidFill>
+                            <a:srgbClr val="000000"/>
+                          </a:solidFill>
+                          <a:effectLst/>
+                          <a:latin typeface="游ゴシック" panose="020B0400000000000000" pitchFamily="50" charset="-128"/>
+                          <a:ea typeface="游ゴシック" panose="020B0400000000000000" pitchFamily="50" charset="-128"/>
+                        </a:rPr>
+                        <a:t>-</a:t>
+                      </a:r>
+                    </a:p>
+                  </a:txBody>
+                  <a:tcPr marL="8637" marR="8637" marT="8637" marB="0" anchor="ctr">
+                    <a:lnL>
+                      <a:noFill/>
+                    </a:lnL>
+                    <a:lnR>
+                      <a:noFill/>
+                    </a:lnR>
+                    <a:lnT>
+                      <a:noFill/>
+                    </a:lnT>
+                    <a:lnB>
+                      <a:noFill/>
+                    </a:lnB>
+                  </a:tcPr>
+                </a:tc>
+                <a:tc>
+                  <a:txBody>
+                    <a:bodyPr/>
+                    <a:lstStyle/>
+                    <a:p>
+                      <a:pPr algn="l" fontAlgn="ctr"/>
+                      <a:r>
+                        <a:rPr lang="en-US" sz="700" b="0" i="0" u="none" strike="noStrike" dirty="0">
+                          <a:solidFill>
+                            <a:srgbClr val="000000"/>
+                          </a:solidFill>
+                          <a:effectLst/>
+                          <a:latin typeface="游ゴシック" panose="020B0400000000000000" pitchFamily="50" charset="-128"/>
+                          <a:ea typeface="游ゴシック" panose="020B0400000000000000" pitchFamily="50" charset="-128"/>
+                        </a:rPr>
+                        <a:t>-</a:t>
+                      </a:r>
+                    </a:p>
+                  </a:txBody>
+                  <a:tcPr marL="8637" marR="8637" marT="8637" marB="0" anchor="ctr">
+                    <a:lnL>
+                      <a:noFill/>
+                    </a:lnL>
+                    <a:lnR>
+                      <a:noFill/>
+                    </a:lnR>
+                    <a:lnT>
+                      <a:noFill/>
+                    </a:lnT>
+                    <a:lnB>
+                      <a:noFill/>
+                    </a:lnB>
+                  </a:tcPr>
+                </a:tc>
+                <a:tc>
+                  <a:txBody>
+                    <a:bodyPr/>
+                    <a:lstStyle/>
+                    <a:p>
+                      <a:pPr algn="l" fontAlgn="ctr"/>
+                      <a:r>
+                        <a:rPr lang="en-US" sz="700" b="0" i="0" u="none" strike="noStrike" dirty="0">
+                          <a:solidFill>
+                            <a:srgbClr val="000000"/>
+                          </a:solidFill>
+                          <a:effectLst/>
+                          <a:latin typeface="游ゴシック" panose="020B0400000000000000" pitchFamily="50" charset="-128"/>
+                          <a:ea typeface="游ゴシック" panose="020B0400000000000000" pitchFamily="50" charset="-128"/>
+                        </a:rPr>
+                        <a:t>-</a:t>
+                      </a:r>
+                    </a:p>
+                  </a:txBody>
+                  <a:tcPr marL="8637" marR="8637" marT="8637" marB="0" anchor="ctr">
+                    <a:lnL>
+                      <a:noFill/>
+                    </a:lnL>
+                    <a:lnR>
+                      <a:noFill/>
+                    </a:lnR>
+                    <a:lnT>
+                      <a:noFill/>
+                    </a:lnT>
+                    <a:lnB>
+                      <a:noFill/>
+                    </a:lnB>
+                  </a:tcPr>
+                </a:tc>
+                <a:tc>
+                  <a:txBody>
+                    <a:bodyPr/>
+                    <a:lstStyle/>
+                    <a:p>
+                      <a:pPr algn="l" fontAlgn="ctr"/>
+                      <a:r>
+                        <a:rPr lang="en-US" sz="700" b="0" i="0" u="none" strike="noStrike" dirty="0">
+                          <a:solidFill>
+                            <a:srgbClr val="000000"/>
+                          </a:solidFill>
+                          <a:effectLst/>
+                          <a:latin typeface="游ゴシック" panose="020B0400000000000000" pitchFamily="50" charset="-128"/>
+                          <a:ea typeface="游ゴシック" panose="020B0400000000000000" pitchFamily="50" charset="-128"/>
+                        </a:rPr>
+                        <a:t>-</a:t>
+                      </a:r>
+                    </a:p>
+                  </a:txBody>
+                  <a:tcPr marL="8637" marR="8637" marT="8637" marB="0" anchor="ctr">
+                    <a:lnL>
+                      <a:noFill/>
+                    </a:lnL>
+                    <a:lnR>
+                      <a:noFill/>
+                    </a:lnR>
+                    <a:lnT>
+                      <a:noFill/>
+                    </a:lnT>
+                    <a:lnB>
+                      <a:noFill/>
+                    </a:lnB>
+                  </a:tcPr>
+                </a:tc>
+                <a:tc>
+                  <a:txBody>
+                    <a:bodyPr/>
+                    <a:lstStyle/>
+                    <a:p>
+                      <a:pPr algn="l" fontAlgn="ctr"/>
+                      <a:r>
+                        <a:rPr lang="en-US" sz="700" b="0" i="0" u="none" strike="noStrike" dirty="0">
+                          <a:solidFill>
+                            <a:srgbClr val="000000"/>
+                          </a:solidFill>
+                          <a:effectLst/>
+                          <a:latin typeface="游ゴシック" panose="020B0400000000000000" pitchFamily="50" charset="-128"/>
+                          <a:ea typeface="游ゴシック" panose="020B0400000000000000" pitchFamily="50" charset="-128"/>
+                        </a:rPr>
+                        <a:t>-</a:t>
+                      </a:r>
+                    </a:p>
+                  </a:txBody>
+                  <a:tcPr marL="8637" marR="8637" marT="8637" marB="0" anchor="ctr">
+                    <a:lnL>
+                      <a:noFill/>
+                    </a:lnL>
+                    <a:lnR>
+                      <a:noFill/>
+                    </a:lnR>
+                    <a:lnT>
+                      <a:noFill/>
+                    </a:lnT>
+                    <a:lnB>
+                      <a:noFill/>
+                    </a:lnB>
+                  </a:tcPr>
+                </a:tc>
+                <a:tc>
+                  <a:txBody>
+                    <a:bodyPr/>
+                    <a:lstStyle/>
+                    <a:p>
+                      <a:pPr algn="l" fontAlgn="ctr"/>
+                      <a:r>
+                        <a:rPr lang="en-US" sz="700" b="0" i="0" u="none" strike="noStrike" dirty="0">
+                          <a:solidFill>
+                            <a:srgbClr val="000000"/>
+                          </a:solidFill>
+                          <a:effectLst/>
+                          <a:latin typeface="游ゴシック" panose="020B0400000000000000" pitchFamily="50" charset="-128"/>
+                          <a:ea typeface="游ゴシック" panose="020B0400000000000000" pitchFamily="50" charset="-128"/>
+                        </a:rPr>
+                        <a:t>-</a:t>
+                      </a:r>
+                    </a:p>
+                  </a:txBody>
+                  <a:tcPr marL="8637" marR="8637" marT="8637" marB="0" anchor="ctr">
+                    <a:lnL>
+                      <a:noFill/>
+                    </a:lnL>
+                    <a:lnR>
+                      <a:noFill/>
+                    </a:lnR>
+                    <a:lnT>
+                      <a:noFill/>
+                    </a:lnT>
+                    <a:lnB>
+                      <a:noFill/>
+                    </a:lnB>
+                  </a:tcPr>
+                </a:tc>
+                <a:extLst>
+                  <a:ext uri="{0D108BD9-81ED-4DB2-BD59-A6C34878D82A}">
+                    <a16:rowId xmlns:a16="http://schemas.microsoft.com/office/drawing/2014/main" val="2854575766"/>
+                  </a:ext>
+                </a:extLst>
+              </a:tr>
+              <a:tr h="136587">
+                <a:tc>
+                  <a:txBody>
+                    <a:bodyPr/>
+                    <a:lstStyle/>
+                    <a:p>
+                      <a:pPr algn="l" fontAlgn="ctr"/>
+                      <a:r>
+                        <a:rPr lang="en-US" sz="700" b="0" i="0" u="none" strike="noStrike" dirty="0">
+                          <a:solidFill>
+                            <a:srgbClr val="000000"/>
+                          </a:solidFill>
+                          <a:effectLst/>
+                          <a:latin typeface="游ゴシック" panose="020B0400000000000000" pitchFamily="50" charset="-128"/>
+                          <a:ea typeface="游ゴシック" panose="020B0400000000000000" pitchFamily="50" charset="-128"/>
+                        </a:rPr>
+                        <a:t>-</a:t>
+                      </a:r>
+                    </a:p>
+                  </a:txBody>
+                  <a:tcPr marL="8637" marR="8637" marT="8637" marB="0" anchor="ctr">
+                    <a:lnL>
+                      <a:noFill/>
+                    </a:lnL>
+                    <a:lnR>
+                      <a:noFill/>
+                    </a:lnR>
+                    <a:lnT>
+                      <a:noFill/>
+                    </a:lnT>
+                    <a:lnB>
+                      <a:noFill/>
+                    </a:lnB>
+                  </a:tcPr>
+                </a:tc>
+                <a:tc>
+                  <a:txBody>
+                    <a:bodyPr/>
+                    <a:lstStyle/>
+                    <a:p>
+                      <a:pPr algn="l" fontAlgn="ctr"/>
+                      <a:r>
+                        <a:rPr lang="en-US" sz="700" b="0" i="0" u="none" strike="noStrike" dirty="0">
+                          <a:solidFill>
+                            <a:srgbClr val="000000"/>
+                          </a:solidFill>
+                          <a:effectLst/>
+                          <a:latin typeface="游ゴシック" panose="020B0400000000000000" pitchFamily="50" charset="-128"/>
+                          <a:ea typeface="游ゴシック" panose="020B0400000000000000" pitchFamily="50" charset="-128"/>
+                        </a:rPr>
+                        <a:t>-</a:t>
+                      </a:r>
+                    </a:p>
+                  </a:txBody>
+                  <a:tcPr marL="8637" marR="8637" marT="8637" marB="0" anchor="ctr">
+                    <a:lnL>
+                      <a:noFill/>
+                    </a:lnL>
+                    <a:lnR>
+                      <a:noFill/>
+                    </a:lnR>
+                    <a:lnT>
+                      <a:noFill/>
+                    </a:lnT>
+                    <a:lnB>
+                      <a:noFill/>
+                    </a:lnB>
+                  </a:tcPr>
+                </a:tc>
+                <a:tc>
+                  <a:txBody>
+                    <a:bodyPr/>
+                    <a:lstStyle/>
+                    <a:p>
+                      <a:pPr algn="l" fontAlgn="ctr"/>
+                      <a:r>
+                        <a:rPr lang="en-US" sz="700" b="0" i="0" u="none" strike="noStrike" dirty="0">
+                          <a:solidFill>
+                            <a:srgbClr val="000000"/>
+                          </a:solidFill>
+                          <a:effectLst/>
+                          <a:latin typeface="游ゴシック" panose="020B0400000000000000" pitchFamily="50" charset="-128"/>
+                          <a:ea typeface="游ゴシック" panose="020B0400000000000000" pitchFamily="50" charset="-128"/>
+                        </a:rPr>
+                        <a:t>-</a:t>
+                      </a:r>
+                    </a:p>
+                  </a:txBody>
+                  <a:tcPr marL="8637" marR="8637" marT="8637" marB="0" anchor="ctr">
+                    <a:lnL>
+                      <a:noFill/>
+                    </a:lnL>
+                    <a:lnR>
+                      <a:noFill/>
+                    </a:lnR>
+                    <a:lnT>
+                      <a:noFill/>
+                    </a:lnT>
+                    <a:lnB>
+                      <a:noFill/>
+                    </a:lnB>
+                  </a:tcPr>
+                </a:tc>
+                <a:tc>
+                  <a:txBody>
+                    <a:bodyPr/>
+                    <a:lstStyle/>
+                    <a:p>
+                      <a:pPr algn="l" fontAlgn="ctr"/>
+                      <a:r>
+                        <a:rPr lang="en-US" sz="700" b="0" i="0" u="none" strike="noStrike" dirty="0">
+                          <a:solidFill>
+                            <a:srgbClr val="000000"/>
+                          </a:solidFill>
+                          <a:effectLst/>
+                          <a:latin typeface="游ゴシック" panose="020B0400000000000000" pitchFamily="50" charset="-128"/>
+                          <a:ea typeface="游ゴシック" panose="020B0400000000000000" pitchFamily="50" charset="-128"/>
+                        </a:rPr>
+                        <a:t>-</a:t>
+                      </a:r>
+                    </a:p>
+                  </a:txBody>
+                  <a:tcPr marL="8637" marR="8637" marT="8637" marB="0" anchor="ctr">
+                    <a:lnL>
+                      <a:noFill/>
+                    </a:lnL>
+                    <a:lnR>
+                      <a:noFill/>
+                    </a:lnR>
+                    <a:lnT>
+                      <a:noFill/>
+                    </a:lnT>
+                    <a:lnB>
+                      <a:noFill/>
+                    </a:lnB>
+                  </a:tcPr>
+                </a:tc>
+                <a:tc>
+                  <a:txBody>
+                    <a:bodyPr/>
+                    <a:lstStyle/>
+                    <a:p>
+                      <a:pPr algn="l" fontAlgn="ctr"/>
+                      <a:r>
+                        <a:rPr lang="en-US" sz="700" b="0" i="0" u="none" strike="noStrike" dirty="0">
+                          <a:solidFill>
+                            <a:srgbClr val="000000"/>
+                          </a:solidFill>
+                          <a:effectLst/>
+                          <a:latin typeface="游ゴシック" panose="020B0400000000000000" pitchFamily="50" charset="-128"/>
+                          <a:ea typeface="游ゴシック" panose="020B0400000000000000" pitchFamily="50" charset="-128"/>
+                        </a:rPr>
+                        <a:t>-</a:t>
+                      </a:r>
+                    </a:p>
+                  </a:txBody>
+                  <a:tcPr marL="8637" marR="8637" marT="8637" marB="0" anchor="ctr">
+                    <a:lnL>
+                      <a:noFill/>
+                    </a:lnL>
+                    <a:lnR>
+                      <a:noFill/>
+                    </a:lnR>
+                    <a:lnT>
+                      <a:noFill/>
+                    </a:lnT>
+                    <a:lnB>
+                      <a:noFill/>
+                    </a:lnB>
+                  </a:tcPr>
+                </a:tc>
+                <a:tc>
+                  <a:txBody>
+                    <a:bodyPr/>
+                    <a:lstStyle/>
+                    <a:p>
+                      <a:pPr algn="l" fontAlgn="ctr"/>
+                      <a:r>
+                        <a:rPr lang="en-US" sz="700" b="0" i="0" u="none" strike="noStrike" dirty="0">
+                          <a:solidFill>
+                            <a:srgbClr val="000000"/>
+                          </a:solidFill>
+                          <a:effectLst/>
+                          <a:latin typeface="游ゴシック" panose="020B0400000000000000" pitchFamily="50" charset="-128"/>
+                          <a:ea typeface="游ゴシック" panose="020B0400000000000000" pitchFamily="50" charset="-128"/>
+                        </a:rPr>
+                        <a:t>-</a:t>
+                      </a:r>
+                    </a:p>
+                  </a:txBody>
+                  <a:tcPr marL="8637" marR="8637" marT="8637" marB="0" anchor="ctr">
+                    <a:lnL>
+                      <a:noFill/>
+                    </a:lnL>
+                    <a:lnR>
+                      <a:noFill/>
+                    </a:lnR>
+                    <a:lnT>
+                      <a:noFill/>
+                    </a:lnT>
+                    <a:lnB>
+                      <a:noFill/>
+                    </a:lnB>
+                  </a:tcPr>
+                </a:tc>
+                <a:tc>
+                  <a:txBody>
+                    <a:bodyPr/>
+                    <a:lstStyle/>
+                    <a:p>
+                      <a:pPr algn="l" fontAlgn="ctr"/>
+                      <a:r>
+                        <a:rPr lang="en-US" sz="700" b="0" i="0" u="none" strike="noStrike" dirty="0">
+                          <a:solidFill>
+                            <a:srgbClr val="000000"/>
+                          </a:solidFill>
+                          <a:effectLst/>
+                          <a:latin typeface="游ゴシック" panose="020B0400000000000000" pitchFamily="50" charset="-128"/>
+                          <a:ea typeface="游ゴシック" panose="020B0400000000000000" pitchFamily="50" charset="-128"/>
+                        </a:rPr>
+                        <a:t>-</a:t>
+                      </a:r>
+                    </a:p>
+                  </a:txBody>
+                  <a:tcPr marL="8637" marR="8637" marT="8637" marB="0" anchor="ctr">
+                    <a:lnL>
+                      <a:noFill/>
+                    </a:lnL>
+                    <a:lnR>
+                      <a:noFill/>
+                    </a:lnR>
+                    <a:lnT>
+                      <a:noFill/>
+                    </a:lnT>
+                    <a:lnB>
+                      <a:noFill/>
+                    </a:lnB>
+                  </a:tcPr>
+                </a:tc>
+                <a:extLst>
+                  <a:ext uri="{0D108BD9-81ED-4DB2-BD59-A6C34878D82A}">
+                    <a16:rowId xmlns:a16="http://schemas.microsoft.com/office/drawing/2014/main" val="1565876760"/>
+                  </a:ext>
+                </a:extLst>
+              </a:tr>
+              <a:tr h="136587">
+                <a:tc>
+                  <a:txBody>
+                    <a:bodyPr/>
+                    <a:lstStyle/>
+                    <a:p>
+                      <a:pPr algn="l" fontAlgn="ctr"/>
+                      <a:r>
+                        <a:rPr lang="en-US" sz="700" b="0" i="0" u="none" strike="noStrike" dirty="0">
+                          <a:solidFill>
+                            <a:srgbClr val="000000"/>
+                          </a:solidFill>
+                          <a:effectLst/>
+                          <a:latin typeface="游ゴシック" panose="020B0400000000000000" pitchFamily="50" charset="-128"/>
+                          <a:ea typeface="游ゴシック" panose="020B0400000000000000" pitchFamily="50" charset="-128"/>
+                        </a:rPr>
+                        <a:t>-</a:t>
+                      </a:r>
+                    </a:p>
+                  </a:txBody>
+                  <a:tcPr marL="8637" marR="8637" marT="8637" marB="0" anchor="ctr">
+                    <a:lnL>
+                      <a:noFill/>
+                    </a:lnL>
+                    <a:lnR>
+                      <a:noFill/>
+                    </a:lnR>
+                    <a:lnT>
+                      <a:noFill/>
+                    </a:lnT>
+                    <a:lnB>
+                      <a:noFill/>
+                    </a:lnB>
+                  </a:tcPr>
+                </a:tc>
+                <a:tc>
+                  <a:txBody>
+                    <a:bodyPr/>
+                    <a:lstStyle/>
+                    <a:p>
+                      <a:pPr algn="l" fontAlgn="ctr"/>
+                      <a:r>
+                        <a:rPr lang="en-US" sz="700" b="0" i="0" u="none" strike="noStrike" dirty="0">
+                          <a:solidFill>
+                            <a:srgbClr val="000000"/>
+                          </a:solidFill>
+                          <a:effectLst/>
+                          <a:latin typeface="游ゴシック" panose="020B0400000000000000" pitchFamily="50" charset="-128"/>
+                          <a:ea typeface="游ゴシック" panose="020B0400000000000000" pitchFamily="50" charset="-128"/>
+                        </a:rPr>
+                        <a:t>-</a:t>
+                      </a:r>
+                    </a:p>
+                  </a:txBody>
+                  <a:tcPr marL="8637" marR="8637" marT="8637" marB="0" anchor="ctr">
+                    <a:lnL>
+                      <a:noFill/>
+                    </a:lnL>
+                    <a:lnR>
+                      <a:noFill/>
+                    </a:lnR>
+                    <a:lnT>
+                      <a:noFill/>
+                    </a:lnT>
+                    <a:lnB>
+                      <a:noFill/>
+                    </a:lnB>
+                  </a:tcPr>
+                </a:tc>
+                <a:tc>
+                  <a:txBody>
+                    <a:bodyPr/>
+                    <a:lstStyle/>
+                    <a:p>
+                      <a:pPr algn="l" fontAlgn="ctr"/>
+                      <a:r>
+                        <a:rPr lang="en-US" sz="700" b="0" i="0" u="none" strike="noStrike" dirty="0">
+                          <a:solidFill>
+                            <a:srgbClr val="000000"/>
+                          </a:solidFill>
+                          <a:effectLst/>
+                          <a:latin typeface="游ゴシック" panose="020B0400000000000000" pitchFamily="50" charset="-128"/>
+                          <a:ea typeface="游ゴシック" panose="020B0400000000000000" pitchFamily="50" charset="-128"/>
+                        </a:rPr>
+                        <a:t>-</a:t>
+                      </a:r>
+                    </a:p>
+                  </a:txBody>
+                  <a:tcPr marL="8637" marR="8637" marT="8637" marB="0" anchor="ctr">
+                    <a:lnL>
+                      <a:noFill/>
+                    </a:lnL>
+                    <a:lnR>
+                      <a:noFill/>
+                    </a:lnR>
+                    <a:lnT>
+                      <a:noFill/>
+                    </a:lnT>
+                    <a:lnB>
+                      <a:noFill/>
+                    </a:lnB>
+                  </a:tcPr>
+                </a:tc>
+                <a:tc>
+                  <a:txBody>
+                    <a:bodyPr/>
+                    <a:lstStyle/>
+                    <a:p>
+                      <a:pPr algn="l" fontAlgn="ctr"/>
+                      <a:r>
+                        <a:rPr lang="en-US" sz="700" b="0" i="0" u="none" strike="noStrike" dirty="0">
+                          <a:solidFill>
+                            <a:srgbClr val="000000"/>
+                          </a:solidFill>
+                          <a:effectLst/>
+                          <a:latin typeface="游ゴシック" panose="020B0400000000000000" pitchFamily="50" charset="-128"/>
+                          <a:ea typeface="游ゴシック" panose="020B0400000000000000" pitchFamily="50" charset="-128"/>
+                        </a:rPr>
+                        <a:t>-</a:t>
+                      </a:r>
+                    </a:p>
+                  </a:txBody>
+                  <a:tcPr marL="8637" marR="8637" marT="8637" marB="0" anchor="ctr">
+                    <a:lnL>
+                      <a:noFill/>
+                    </a:lnL>
+                    <a:lnR>
+                      <a:noFill/>
+                    </a:lnR>
+                    <a:lnT>
+                      <a:noFill/>
+                    </a:lnT>
+                    <a:lnB>
+                      <a:noFill/>
+                    </a:lnB>
+                  </a:tcPr>
+                </a:tc>
+                <a:tc>
+                  <a:txBody>
+                    <a:bodyPr/>
+                    <a:lstStyle/>
+                    <a:p>
+                      <a:pPr algn="l" fontAlgn="ctr"/>
+                      <a:r>
+                        <a:rPr lang="en-US" sz="700" b="0" i="0" u="none" strike="noStrike" dirty="0">
+                          <a:solidFill>
+                            <a:srgbClr val="000000"/>
+                          </a:solidFill>
+                          <a:effectLst/>
+                          <a:latin typeface="游ゴシック" panose="020B0400000000000000" pitchFamily="50" charset="-128"/>
+                          <a:ea typeface="游ゴシック" panose="020B0400000000000000" pitchFamily="50" charset="-128"/>
+                        </a:rPr>
+                        <a:t>-</a:t>
+                      </a:r>
+                    </a:p>
+                  </a:txBody>
+                  <a:tcPr marL="8637" marR="8637" marT="8637" marB="0" anchor="ctr">
+                    <a:lnL>
+                      <a:noFill/>
+                    </a:lnL>
+                    <a:lnR>
+                      <a:noFill/>
+                    </a:lnR>
+                    <a:lnT>
+                      <a:noFill/>
+                    </a:lnT>
+                    <a:lnB>
+                      <a:noFill/>
+                    </a:lnB>
+                  </a:tcPr>
+                </a:tc>
+                <a:tc>
+                  <a:txBody>
+                    <a:bodyPr/>
+                    <a:lstStyle/>
+                    <a:p>
+                      <a:pPr algn="l" fontAlgn="ctr"/>
+                      <a:r>
+                        <a:rPr lang="en-US" sz="700" b="0" i="0" u="none" strike="noStrike" dirty="0">
+                          <a:solidFill>
+                            <a:srgbClr val="000000"/>
+                          </a:solidFill>
+                          <a:effectLst/>
+                          <a:latin typeface="游ゴシック" panose="020B0400000000000000" pitchFamily="50" charset="-128"/>
+                          <a:ea typeface="游ゴシック" panose="020B0400000000000000" pitchFamily="50" charset="-128"/>
+                        </a:rPr>
+                        <a:t>-</a:t>
+                      </a:r>
+                    </a:p>
+                  </a:txBody>
+                  <a:tcPr marL="8637" marR="8637" marT="8637" marB="0" anchor="ctr">
+                    <a:lnL>
+                      <a:noFill/>
+                    </a:lnL>
+                    <a:lnR>
+                      <a:noFill/>
+                    </a:lnR>
+                    <a:lnT>
+                      <a:noFill/>
+                    </a:lnT>
+                    <a:lnB>
+                      <a:noFill/>
+                    </a:lnB>
+                  </a:tcPr>
+                </a:tc>
+                <a:tc>
+                  <a:txBody>
+                    <a:bodyPr/>
+                    <a:lstStyle/>
+                    <a:p>
+                      <a:pPr algn="l" fontAlgn="ctr"/>
+                      <a:r>
+                        <a:rPr lang="en-US" sz="700" b="0" i="0" u="none" strike="noStrike" dirty="0">
+                          <a:solidFill>
+                            <a:srgbClr val="000000"/>
+                          </a:solidFill>
+                          <a:effectLst/>
+                          <a:latin typeface="游ゴシック" panose="020B0400000000000000" pitchFamily="50" charset="-128"/>
+                          <a:ea typeface="游ゴシック" panose="020B0400000000000000" pitchFamily="50" charset="-128"/>
+                        </a:rPr>
+                        <a:t>-</a:t>
+                      </a:r>
+                    </a:p>
+                  </a:txBody>
+                  <a:tcPr marL="8637" marR="8637" marT="8637" marB="0" anchor="ctr">
+                    <a:lnL>
+                      <a:noFill/>
+                    </a:lnL>
+                    <a:lnR>
+                      <a:noFill/>
+                    </a:lnR>
+                    <a:lnT>
+                      <a:noFill/>
+                    </a:lnT>
+                    <a:lnB>
+                      <a:noFill/>
+                    </a:lnB>
+                  </a:tcPr>
+                </a:tc>
+                <a:extLst>
+                  <a:ext uri="{0D108BD9-81ED-4DB2-BD59-A6C34878D82A}">
+                    <a16:rowId xmlns:a16="http://schemas.microsoft.com/office/drawing/2014/main" val="3945670391"/>
+                  </a:ext>
+                </a:extLst>
+              </a:tr>
+              <a:tr h="136587">
+                <a:tc>
+                  <a:txBody>
+                    <a:bodyPr/>
+                    <a:lstStyle/>
+                    <a:p>
+                      <a:pPr algn="l" fontAlgn="ctr"/>
+                      <a:r>
+                        <a:rPr lang="en-US" sz="700" b="0" i="0" u="none" strike="noStrike" dirty="0">
+                          <a:solidFill>
+                            <a:srgbClr val="000000"/>
+                          </a:solidFill>
+                          <a:effectLst/>
+                          <a:latin typeface="游ゴシック" panose="020B0400000000000000" pitchFamily="50" charset="-128"/>
+                          <a:ea typeface="游ゴシック" panose="020B0400000000000000" pitchFamily="50" charset="-128"/>
+                        </a:rPr>
+                        <a:t>-</a:t>
+                      </a:r>
+                    </a:p>
+                  </a:txBody>
+                  <a:tcPr marL="8637" marR="8637" marT="8637" marB="0" anchor="ctr">
+                    <a:lnL>
+                      <a:noFill/>
+                    </a:lnL>
+                    <a:lnR>
+                      <a:noFill/>
+                    </a:lnR>
+                    <a:lnT>
+                      <a:noFill/>
+                    </a:lnT>
+                    <a:lnB>
+                      <a:noFill/>
+                    </a:lnB>
+                  </a:tcPr>
+                </a:tc>
+                <a:tc>
+                  <a:txBody>
+                    <a:bodyPr/>
+                    <a:lstStyle/>
+                    <a:p>
+                      <a:pPr algn="l" fontAlgn="ctr"/>
+                      <a:r>
+                        <a:rPr lang="en-US" sz="700" b="0" i="0" u="none" strike="noStrike" dirty="0">
+                          <a:solidFill>
+                            <a:srgbClr val="000000"/>
+                          </a:solidFill>
+                          <a:effectLst/>
+                          <a:latin typeface="游ゴシック" panose="020B0400000000000000" pitchFamily="50" charset="-128"/>
+                          <a:ea typeface="游ゴシック" panose="020B0400000000000000" pitchFamily="50" charset="-128"/>
+                        </a:rPr>
+                        <a:t>-</a:t>
+                      </a:r>
+                    </a:p>
+                  </a:txBody>
+                  <a:tcPr marL="8637" marR="8637" marT="8637" marB="0" anchor="ctr">
+                    <a:lnL>
+                      <a:noFill/>
+                    </a:lnL>
+                    <a:lnR>
+                      <a:noFill/>
+                    </a:lnR>
+                    <a:lnT>
+                      <a:noFill/>
+                    </a:lnT>
+                    <a:lnB>
+                      <a:noFill/>
+                    </a:lnB>
+                  </a:tcPr>
+                </a:tc>
+                <a:tc>
+                  <a:txBody>
+                    <a:bodyPr/>
+                    <a:lstStyle/>
+                    <a:p>
+                      <a:pPr algn="l" fontAlgn="ctr"/>
+                      <a:r>
+                        <a:rPr lang="en-US" sz="700" b="0" i="0" u="none" strike="noStrike" dirty="0">
+                          <a:solidFill>
+                            <a:srgbClr val="000000"/>
+                          </a:solidFill>
+                          <a:effectLst/>
+                          <a:latin typeface="游ゴシック" panose="020B0400000000000000" pitchFamily="50" charset="-128"/>
+                          <a:ea typeface="游ゴシック" panose="020B0400000000000000" pitchFamily="50" charset="-128"/>
+                        </a:rPr>
+                        <a:t>-</a:t>
+                      </a:r>
+                    </a:p>
+                  </a:txBody>
+                  <a:tcPr marL="8637" marR="8637" marT="8637" marB="0" anchor="ctr">
+                    <a:lnL>
+                      <a:noFill/>
+                    </a:lnL>
+                    <a:lnR>
+                      <a:noFill/>
+                    </a:lnR>
+                    <a:lnT>
+                      <a:noFill/>
+                    </a:lnT>
+                    <a:lnB>
+                      <a:noFill/>
+                    </a:lnB>
+                  </a:tcPr>
+                </a:tc>
+                <a:tc>
+                  <a:txBody>
+                    <a:bodyPr/>
+                    <a:lstStyle/>
+                    <a:p>
+                      <a:pPr algn="l" fontAlgn="ctr"/>
+                      <a:r>
+                        <a:rPr lang="en-US" sz="700" b="0" i="0" u="none" strike="noStrike" dirty="0">
+                          <a:solidFill>
+                            <a:srgbClr val="000000"/>
+                          </a:solidFill>
+                          <a:effectLst/>
+                          <a:latin typeface="游ゴシック" panose="020B0400000000000000" pitchFamily="50" charset="-128"/>
+                          <a:ea typeface="游ゴシック" panose="020B0400000000000000" pitchFamily="50" charset="-128"/>
+                        </a:rPr>
+                        <a:t>-</a:t>
+                      </a:r>
+                    </a:p>
+                  </a:txBody>
+                  <a:tcPr marL="8637" marR="8637" marT="8637" marB="0" anchor="ctr">
+                    <a:lnL>
+                      <a:noFill/>
+                    </a:lnL>
+                    <a:lnR>
+                      <a:noFill/>
+                    </a:lnR>
+                    <a:lnT>
+                      <a:noFill/>
+                    </a:lnT>
+                    <a:lnB>
+                      <a:noFill/>
+                    </a:lnB>
+                  </a:tcPr>
+                </a:tc>
+                <a:tc>
+                  <a:txBody>
+                    <a:bodyPr/>
+                    <a:lstStyle/>
+                    <a:p>
+                      <a:pPr algn="l" fontAlgn="ctr"/>
+                      <a:r>
+                        <a:rPr lang="en-US" sz="700" b="0" i="0" u="none" strike="noStrike" dirty="0">
+                          <a:solidFill>
+                            <a:srgbClr val="000000"/>
+                          </a:solidFill>
+                          <a:effectLst/>
+                          <a:latin typeface="游ゴシック" panose="020B0400000000000000" pitchFamily="50" charset="-128"/>
+                          <a:ea typeface="游ゴシック" panose="020B0400000000000000" pitchFamily="50" charset="-128"/>
+                        </a:rPr>
+                        <a:t>-</a:t>
+                      </a:r>
+                    </a:p>
+                  </a:txBody>
+                  <a:tcPr marL="8637" marR="8637" marT="8637" marB="0" anchor="ctr">
+                    <a:lnL>
+                      <a:noFill/>
+                    </a:lnL>
+                    <a:lnR>
+                      <a:noFill/>
+                    </a:lnR>
+                    <a:lnT>
+                      <a:noFill/>
+                    </a:lnT>
+                    <a:lnB>
+                      <a:noFill/>
+                    </a:lnB>
+                  </a:tcPr>
+                </a:tc>
+                <a:tc>
+                  <a:txBody>
+                    <a:bodyPr/>
+                    <a:lstStyle/>
+                    <a:p>
+                      <a:pPr algn="l" fontAlgn="ctr"/>
+                      <a:r>
+                        <a:rPr lang="en-US" sz="700" b="0" i="0" u="none" strike="noStrike" dirty="0">
+                          <a:solidFill>
+                            <a:srgbClr val="000000"/>
+                          </a:solidFill>
+                          <a:effectLst/>
+                          <a:latin typeface="游ゴシック" panose="020B0400000000000000" pitchFamily="50" charset="-128"/>
+                          <a:ea typeface="游ゴシック" panose="020B0400000000000000" pitchFamily="50" charset="-128"/>
+                        </a:rPr>
+                        <a:t>-</a:t>
+                      </a:r>
+                    </a:p>
+                  </a:txBody>
+                  <a:tcPr marL="8637" marR="8637" marT="8637" marB="0" anchor="ctr">
+                    <a:lnL>
+                      <a:noFill/>
+                    </a:lnL>
+                    <a:lnR>
+                      <a:noFill/>
+                    </a:lnR>
+                    <a:lnT>
+                      <a:noFill/>
+                    </a:lnT>
+                    <a:lnB>
+                      <a:noFill/>
+                    </a:lnB>
+                  </a:tcPr>
+                </a:tc>
+                <a:tc>
+                  <a:txBody>
+                    <a:bodyPr/>
+                    <a:lstStyle/>
+                    <a:p>
+                      <a:pPr algn="l" fontAlgn="ctr"/>
+                      <a:r>
+                        <a:rPr lang="en-US" sz="700" b="0" i="0" u="none" strike="noStrike" dirty="0">
+                          <a:solidFill>
+                            <a:srgbClr val="000000"/>
+                          </a:solidFill>
+                          <a:effectLst/>
+                          <a:latin typeface="游ゴシック" panose="020B0400000000000000" pitchFamily="50" charset="-128"/>
+                          <a:ea typeface="游ゴシック" panose="020B0400000000000000" pitchFamily="50" charset="-128"/>
+                        </a:rPr>
+                        <a:t>-</a:t>
+                      </a:r>
+                    </a:p>
+                  </a:txBody>
+                  <a:tcPr marL="8637" marR="8637" marT="8637" marB="0" anchor="ctr">
+                    <a:lnL>
+                      <a:noFill/>
+                    </a:lnL>
+                    <a:lnR>
+                      <a:noFill/>
+                    </a:lnR>
+                    <a:lnT>
+                      <a:noFill/>
+                    </a:lnT>
+                    <a:lnB>
+                      <a:noFill/>
+                    </a:lnB>
+                  </a:tcPr>
+                </a:tc>
+                <a:extLst>
+                  <a:ext uri="{0D108BD9-81ED-4DB2-BD59-A6C34878D82A}">
+                    <a16:rowId xmlns:a16="http://schemas.microsoft.com/office/drawing/2014/main" val="4078405107"/>
+                  </a:ext>
+                </a:extLst>
+              </a:tr>
+              <a:tr h="136587">
+                <a:tc>
+                  <a:txBody>
+                    <a:bodyPr/>
+                    <a:lstStyle/>
+                    <a:p>
+                      <a:pPr algn="l" fontAlgn="ctr"/>
+                      <a:r>
+                        <a:rPr lang="en-US" sz="700" b="0" i="0" u="none" strike="noStrike" dirty="0">
+                          <a:solidFill>
+                            <a:srgbClr val="000000"/>
+                          </a:solidFill>
+                          <a:effectLst/>
+                          <a:latin typeface="游ゴシック" panose="020B0400000000000000" pitchFamily="50" charset="-128"/>
+                          <a:ea typeface="游ゴシック" panose="020B0400000000000000" pitchFamily="50" charset="-128"/>
+                        </a:rPr>
+                        <a:t>-</a:t>
+                      </a:r>
+                    </a:p>
+                  </a:txBody>
+                  <a:tcPr marL="8637" marR="8637" marT="8637" marB="0" anchor="ctr">
+                    <a:lnL>
+                      <a:noFill/>
+                    </a:lnL>
+                    <a:lnR>
+                      <a:noFill/>
+                    </a:lnR>
+                    <a:lnT>
+                      <a:noFill/>
+                    </a:lnT>
+                    <a:lnB>
+                      <a:noFill/>
+                    </a:lnB>
+                  </a:tcPr>
+                </a:tc>
+                <a:tc>
+                  <a:txBody>
+                    <a:bodyPr/>
+                    <a:lstStyle/>
+                    <a:p>
+                      <a:pPr algn="l" fontAlgn="ctr"/>
+                      <a:r>
+                        <a:rPr lang="en-US" sz="700" b="0" i="0" u="none" strike="noStrike" dirty="0">
+                          <a:solidFill>
+                            <a:srgbClr val="000000"/>
+                          </a:solidFill>
+                          <a:effectLst/>
+                          <a:latin typeface="游ゴシック" panose="020B0400000000000000" pitchFamily="50" charset="-128"/>
+                          <a:ea typeface="游ゴシック" panose="020B0400000000000000" pitchFamily="50" charset="-128"/>
+                        </a:rPr>
+                        <a:t>-</a:t>
+                      </a:r>
+                    </a:p>
+                  </a:txBody>
+                  <a:tcPr marL="8637" marR="8637" marT="8637" marB="0" anchor="ctr">
+                    <a:lnL>
+                      <a:noFill/>
+                    </a:lnL>
+                    <a:lnR>
+                      <a:noFill/>
+                    </a:lnR>
+                    <a:lnT>
+                      <a:noFill/>
+                    </a:lnT>
+                    <a:lnB>
+                      <a:noFill/>
+                    </a:lnB>
+                  </a:tcPr>
+                </a:tc>
+                <a:tc>
+                  <a:txBody>
+                    <a:bodyPr/>
+                    <a:lstStyle/>
+                    <a:p>
+                      <a:pPr algn="l" fontAlgn="ctr"/>
+                      <a:r>
+                        <a:rPr lang="en-US" sz="700" b="0" i="0" u="none" strike="noStrike" dirty="0">
+                          <a:solidFill>
+                            <a:srgbClr val="000000"/>
+                          </a:solidFill>
+                          <a:effectLst/>
+                          <a:latin typeface="游ゴシック" panose="020B0400000000000000" pitchFamily="50" charset="-128"/>
+                          <a:ea typeface="游ゴシック" panose="020B0400000000000000" pitchFamily="50" charset="-128"/>
+                        </a:rPr>
+                        <a:t>-</a:t>
+                      </a:r>
+                    </a:p>
+                  </a:txBody>
+                  <a:tcPr marL="8637" marR="8637" marT="8637" marB="0" anchor="ctr">
+                    <a:lnL>
+                      <a:noFill/>
+                    </a:lnL>
+                    <a:lnR>
+                      <a:noFill/>
+                    </a:lnR>
+                    <a:lnT>
+                      <a:noFill/>
+                    </a:lnT>
+                    <a:lnB>
+                      <a:noFill/>
+                    </a:lnB>
+                  </a:tcPr>
+                </a:tc>
+                <a:tc>
+                  <a:txBody>
+                    <a:bodyPr/>
+                    <a:lstStyle/>
+                    <a:p>
+                      <a:pPr algn="l" fontAlgn="ctr"/>
+                      <a:r>
+                        <a:rPr lang="en-US" sz="700" b="0" i="0" u="none" strike="noStrike" dirty="0">
+                          <a:solidFill>
+                            <a:srgbClr val="000000"/>
+                          </a:solidFill>
+                          <a:effectLst/>
+                          <a:latin typeface="游ゴシック" panose="020B0400000000000000" pitchFamily="50" charset="-128"/>
+                          <a:ea typeface="游ゴシック" panose="020B0400000000000000" pitchFamily="50" charset="-128"/>
+                        </a:rPr>
+                        <a:t>-</a:t>
+                      </a:r>
+                    </a:p>
+                  </a:txBody>
+                  <a:tcPr marL="8637" marR="8637" marT="8637" marB="0" anchor="ctr">
+                    <a:lnL>
+                      <a:noFill/>
+                    </a:lnL>
+                    <a:lnR>
+                      <a:noFill/>
+                    </a:lnR>
+                    <a:lnT>
+                      <a:noFill/>
+                    </a:lnT>
+                    <a:lnB>
+                      <a:noFill/>
+                    </a:lnB>
+                  </a:tcPr>
+                </a:tc>
+                <a:tc>
+                  <a:txBody>
+                    <a:bodyPr/>
+                    <a:lstStyle/>
+                    <a:p>
+                      <a:pPr algn="l" fontAlgn="ctr"/>
+                      <a:r>
+                        <a:rPr lang="en-US" sz="700" b="0" i="0" u="none" strike="noStrike" dirty="0">
+                          <a:solidFill>
+                            <a:srgbClr val="000000"/>
+                          </a:solidFill>
+                          <a:effectLst/>
+                          <a:latin typeface="游ゴシック" panose="020B0400000000000000" pitchFamily="50" charset="-128"/>
+                          <a:ea typeface="游ゴシック" panose="020B0400000000000000" pitchFamily="50" charset="-128"/>
+                        </a:rPr>
+                        <a:t>-</a:t>
+                      </a:r>
+                    </a:p>
+                  </a:txBody>
+                  <a:tcPr marL="8637" marR="8637" marT="8637" marB="0" anchor="ctr">
+                    <a:lnL>
+                      <a:noFill/>
+                    </a:lnL>
+                    <a:lnR>
+                      <a:noFill/>
+                    </a:lnR>
+                    <a:lnT>
+                      <a:noFill/>
+                    </a:lnT>
+                    <a:lnB>
+                      <a:noFill/>
+                    </a:lnB>
+                  </a:tcPr>
+                </a:tc>
+                <a:tc>
+                  <a:txBody>
+                    <a:bodyPr/>
+                    <a:lstStyle/>
+                    <a:p>
+                      <a:pPr algn="l" fontAlgn="ctr"/>
+                      <a:r>
+                        <a:rPr lang="en-US" sz="700" b="0" i="0" u="none" strike="noStrike" dirty="0">
+                          <a:solidFill>
+                            <a:srgbClr val="000000"/>
+                          </a:solidFill>
+                          <a:effectLst/>
+                          <a:latin typeface="游ゴシック" panose="020B0400000000000000" pitchFamily="50" charset="-128"/>
+                          <a:ea typeface="游ゴシック" panose="020B0400000000000000" pitchFamily="50" charset="-128"/>
+                        </a:rPr>
+                        <a:t>-</a:t>
+                      </a:r>
+                    </a:p>
+                  </a:txBody>
+                  <a:tcPr marL="8637" marR="8637" marT="8637" marB="0" anchor="ctr">
+                    <a:lnL>
+                      <a:noFill/>
+                    </a:lnL>
+                    <a:lnR>
+                      <a:noFill/>
+                    </a:lnR>
+                    <a:lnT>
+                      <a:noFill/>
+                    </a:lnT>
+                    <a:lnB>
+                      <a:noFill/>
+                    </a:lnB>
+                  </a:tcPr>
+                </a:tc>
+                <a:tc>
+                  <a:txBody>
+                    <a:bodyPr/>
+                    <a:lstStyle/>
+                    <a:p>
+                      <a:pPr algn="l" fontAlgn="ctr"/>
+                      <a:r>
+                        <a:rPr lang="en-US" sz="700" b="0" i="0" u="none" strike="noStrike" dirty="0">
+                          <a:solidFill>
+                            <a:srgbClr val="000000"/>
+                          </a:solidFill>
+                          <a:effectLst/>
+                          <a:latin typeface="游ゴシック" panose="020B0400000000000000" pitchFamily="50" charset="-128"/>
+                          <a:ea typeface="游ゴシック" panose="020B0400000000000000" pitchFamily="50" charset="-128"/>
+                        </a:rPr>
+                        <a:t>-</a:t>
+                      </a:r>
+                    </a:p>
+                  </a:txBody>
+                  <a:tcPr marL="8637" marR="8637" marT="8637" marB="0" anchor="ctr">
+                    <a:lnL>
+                      <a:noFill/>
+                    </a:lnL>
+                    <a:lnR>
+                      <a:noFill/>
+                    </a:lnR>
+                    <a:lnT>
+                      <a:noFill/>
+                    </a:lnT>
+                    <a:lnB>
+                      <a:noFill/>
+                    </a:lnB>
+                  </a:tcPr>
+                </a:tc>
+                <a:extLst>
+                  <a:ext uri="{0D108BD9-81ED-4DB2-BD59-A6C34878D82A}">
+                    <a16:rowId xmlns:a16="http://schemas.microsoft.com/office/drawing/2014/main" val="2939119388"/>
+                  </a:ext>
+                </a:extLst>
+              </a:tr>
+              <a:tr h="136587">
+                <a:tc>
+                  <a:txBody>
+                    <a:bodyPr/>
+                    <a:lstStyle/>
+                    <a:p>
+                      <a:pPr algn="l" fontAlgn="ctr"/>
+                      <a:r>
+                        <a:rPr lang="en-US" sz="700" b="0" i="0" u="none" strike="noStrike" dirty="0">
+                          <a:solidFill>
+                            <a:srgbClr val="000000"/>
+                          </a:solidFill>
+                          <a:effectLst/>
+                          <a:latin typeface="游ゴシック" panose="020B0400000000000000" pitchFamily="50" charset="-128"/>
+                          <a:ea typeface="游ゴシック" panose="020B0400000000000000" pitchFamily="50" charset="-128"/>
+                        </a:rPr>
+                        <a:t>-</a:t>
+                      </a:r>
+                    </a:p>
+                  </a:txBody>
+                  <a:tcPr marL="8637" marR="8637" marT="8637" marB="0" anchor="ctr">
+                    <a:lnL>
+                      <a:noFill/>
+                    </a:lnL>
+                    <a:lnR>
+                      <a:noFill/>
+                    </a:lnR>
+                    <a:lnT>
+                      <a:noFill/>
+                    </a:lnT>
+                    <a:lnB>
+                      <a:noFill/>
+                    </a:lnB>
+                  </a:tcPr>
+                </a:tc>
+                <a:tc>
+                  <a:txBody>
+                    <a:bodyPr/>
+                    <a:lstStyle/>
+                    <a:p>
+                      <a:pPr algn="l" fontAlgn="ctr"/>
+                      <a:r>
+                        <a:rPr lang="en-US" sz="700" b="0" i="0" u="none" strike="noStrike" dirty="0">
+                          <a:solidFill>
+                            <a:srgbClr val="000000"/>
+                          </a:solidFill>
+                          <a:effectLst/>
+                          <a:latin typeface="游ゴシック" panose="020B0400000000000000" pitchFamily="50" charset="-128"/>
+                          <a:ea typeface="游ゴシック" panose="020B0400000000000000" pitchFamily="50" charset="-128"/>
+                        </a:rPr>
+                        <a:t>-</a:t>
+                      </a:r>
+                    </a:p>
+                  </a:txBody>
+                  <a:tcPr marL="8637" marR="8637" marT="8637" marB="0" anchor="ctr">
+                    <a:lnL>
+                      <a:noFill/>
+                    </a:lnL>
+                    <a:lnR>
+                      <a:noFill/>
+                    </a:lnR>
+                    <a:lnT>
+                      <a:noFill/>
+                    </a:lnT>
+                    <a:lnB>
+                      <a:noFill/>
+                    </a:lnB>
+                  </a:tcPr>
+                </a:tc>
+                <a:tc>
+                  <a:txBody>
+                    <a:bodyPr/>
+                    <a:lstStyle/>
+                    <a:p>
+                      <a:pPr algn="l" fontAlgn="ctr"/>
+                      <a:r>
+                        <a:rPr lang="en-US" sz="700" b="0" i="0" u="none" strike="noStrike" dirty="0">
+                          <a:solidFill>
+                            <a:srgbClr val="000000"/>
+                          </a:solidFill>
+                          <a:effectLst/>
+                          <a:latin typeface="游ゴシック" panose="020B0400000000000000" pitchFamily="50" charset="-128"/>
+                          <a:ea typeface="游ゴシック" panose="020B0400000000000000" pitchFamily="50" charset="-128"/>
+                        </a:rPr>
+                        <a:t>-</a:t>
+                      </a:r>
+                    </a:p>
+                  </a:txBody>
+                  <a:tcPr marL="8637" marR="8637" marT="8637" marB="0" anchor="ctr">
+                    <a:lnL>
+                      <a:noFill/>
+                    </a:lnL>
+                    <a:lnR>
+                      <a:noFill/>
+                    </a:lnR>
+                    <a:lnT>
+                      <a:noFill/>
+                    </a:lnT>
+                    <a:lnB>
+                      <a:noFill/>
+                    </a:lnB>
+                  </a:tcPr>
+                </a:tc>
+                <a:tc>
+                  <a:txBody>
+                    <a:bodyPr/>
+                    <a:lstStyle/>
+                    <a:p>
+                      <a:pPr algn="l" fontAlgn="ctr"/>
+                      <a:r>
+                        <a:rPr lang="en-US" sz="700" b="0" i="0" u="none" strike="noStrike" dirty="0">
+                          <a:solidFill>
+                            <a:srgbClr val="000000"/>
+                          </a:solidFill>
+                          <a:effectLst/>
+                          <a:latin typeface="游ゴシック" panose="020B0400000000000000" pitchFamily="50" charset="-128"/>
+                          <a:ea typeface="游ゴシック" panose="020B0400000000000000" pitchFamily="50" charset="-128"/>
+                        </a:rPr>
+                        <a:t>-</a:t>
+                      </a:r>
+                    </a:p>
+                  </a:txBody>
+                  <a:tcPr marL="8637" marR="8637" marT="8637" marB="0" anchor="ctr">
+                    <a:lnL>
+                      <a:noFill/>
+                    </a:lnL>
+                    <a:lnR>
+                      <a:noFill/>
+                    </a:lnR>
+                    <a:lnT>
+                      <a:noFill/>
+                    </a:lnT>
+                    <a:lnB>
+                      <a:noFill/>
+                    </a:lnB>
+                  </a:tcPr>
+                </a:tc>
+                <a:tc>
+                  <a:txBody>
+                    <a:bodyPr/>
+                    <a:lstStyle/>
+                    <a:p>
+                      <a:pPr algn="l" fontAlgn="ctr"/>
+                      <a:r>
+                        <a:rPr lang="en-US" sz="700" b="0" i="0" u="none" strike="noStrike" dirty="0">
+                          <a:solidFill>
+                            <a:srgbClr val="000000"/>
+                          </a:solidFill>
+                          <a:effectLst/>
+                          <a:latin typeface="游ゴシック" panose="020B0400000000000000" pitchFamily="50" charset="-128"/>
+                          <a:ea typeface="游ゴシック" panose="020B0400000000000000" pitchFamily="50" charset="-128"/>
+                        </a:rPr>
+                        <a:t>-</a:t>
+                      </a:r>
+                    </a:p>
+                  </a:txBody>
+                  <a:tcPr marL="8637" marR="8637" marT="8637" marB="0" anchor="ctr">
+                    <a:lnL>
+                      <a:noFill/>
+                    </a:lnL>
+                    <a:lnR>
+                      <a:noFill/>
+                    </a:lnR>
+                    <a:lnT>
+                      <a:noFill/>
+                    </a:lnT>
+                    <a:lnB>
+                      <a:noFill/>
+                    </a:lnB>
+                  </a:tcPr>
+                </a:tc>
+                <a:tc>
+                  <a:txBody>
+                    <a:bodyPr/>
+                    <a:lstStyle/>
+                    <a:p>
+                      <a:pPr algn="l" fontAlgn="ctr"/>
+                      <a:r>
+                        <a:rPr lang="en-US" sz="700" b="0" i="0" u="none" strike="noStrike" dirty="0">
+                          <a:solidFill>
+                            <a:srgbClr val="000000"/>
+                          </a:solidFill>
+                          <a:effectLst/>
+                          <a:latin typeface="游ゴシック" panose="020B0400000000000000" pitchFamily="50" charset="-128"/>
+                          <a:ea typeface="游ゴシック" panose="020B0400000000000000" pitchFamily="50" charset="-128"/>
+                        </a:rPr>
+                        <a:t>-</a:t>
+                      </a:r>
+                    </a:p>
+                  </a:txBody>
+                  <a:tcPr marL="8637" marR="8637" marT="8637" marB="0" anchor="ctr">
+                    <a:lnL>
+                      <a:noFill/>
+                    </a:lnL>
+                    <a:lnR>
+                      <a:noFill/>
+                    </a:lnR>
+                    <a:lnT>
+                      <a:noFill/>
+                    </a:lnT>
+                    <a:lnB>
+                      <a:noFill/>
+                    </a:lnB>
+                  </a:tcPr>
+                </a:tc>
+                <a:tc>
+                  <a:txBody>
+                    <a:bodyPr/>
+                    <a:lstStyle/>
+                    <a:p>
+                      <a:pPr algn="l" fontAlgn="ctr"/>
+                      <a:r>
+                        <a:rPr lang="en-US" sz="700" b="0" i="0" u="none" strike="noStrike" dirty="0">
+                          <a:solidFill>
+                            <a:srgbClr val="000000"/>
+                          </a:solidFill>
+                          <a:effectLst/>
+                          <a:latin typeface="游ゴシック" panose="020B0400000000000000" pitchFamily="50" charset="-128"/>
+                          <a:ea typeface="游ゴシック" panose="020B0400000000000000" pitchFamily="50" charset="-128"/>
+                        </a:rPr>
+                        <a:t>-</a:t>
+                      </a:r>
+                    </a:p>
+                  </a:txBody>
+                  <a:tcPr marL="8637" marR="8637" marT="8637" marB="0" anchor="ctr">
+                    <a:lnL>
+                      <a:noFill/>
+                    </a:lnL>
+                    <a:lnR>
+                      <a:noFill/>
+                    </a:lnR>
+                    <a:lnT>
+                      <a:noFill/>
+                    </a:lnT>
+                    <a:lnB>
+                      <a:noFill/>
+                    </a:lnB>
+                  </a:tcPr>
+                </a:tc>
+                <a:extLst>
+                  <a:ext uri="{0D108BD9-81ED-4DB2-BD59-A6C34878D82A}">
+                    <a16:rowId xmlns:a16="http://schemas.microsoft.com/office/drawing/2014/main" val="600414055"/>
+                  </a:ext>
+                </a:extLst>
+              </a:tr>
+              <a:tr h="136587">
+                <a:tc>
+                  <a:txBody>
+                    <a:bodyPr/>
+                    <a:lstStyle/>
+                    <a:p>
+                      <a:pPr algn="l" fontAlgn="ctr"/>
+                      <a:r>
+                        <a:rPr lang="en-US" sz="700" b="0" i="0" u="none" strike="noStrike" dirty="0">
+                          <a:solidFill>
+                            <a:srgbClr val="000000"/>
+                          </a:solidFill>
+                          <a:effectLst/>
+                          <a:latin typeface="游ゴシック" panose="020B0400000000000000" pitchFamily="50" charset="-128"/>
+                          <a:ea typeface="游ゴシック" panose="020B0400000000000000" pitchFamily="50" charset="-128"/>
+                        </a:rPr>
+                        <a:t>-</a:t>
+                      </a:r>
+                    </a:p>
+                  </a:txBody>
+                  <a:tcPr marL="8637" marR="8637" marT="8637" marB="0" anchor="ctr">
+                    <a:lnL>
+                      <a:noFill/>
+                    </a:lnL>
+                    <a:lnR>
+                      <a:noFill/>
+                    </a:lnR>
+                    <a:lnT>
+                      <a:noFill/>
+                    </a:lnT>
+                    <a:lnB>
+                      <a:noFill/>
+                    </a:lnB>
+                  </a:tcPr>
+                </a:tc>
+                <a:tc>
+                  <a:txBody>
+                    <a:bodyPr/>
+                    <a:lstStyle/>
+                    <a:p>
+                      <a:pPr algn="l" fontAlgn="ctr"/>
+                      <a:r>
+                        <a:rPr lang="en-US" sz="700" b="0" i="0" u="none" strike="noStrike" dirty="0">
+                          <a:solidFill>
+                            <a:srgbClr val="000000"/>
+                          </a:solidFill>
+                          <a:effectLst/>
+                          <a:latin typeface="游ゴシック" panose="020B0400000000000000" pitchFamily="50" charset="-128"/>
+                          <a:ea typeface="游ゴシック" panose="020B0400000000000000" pitchFamily="50" charset="-128"/>
+                        </a:rPr>
+                        <a:t>-</a:t>
+                      </a:r>
+                    </a:p>
+                  </a:txBody>
+                  <a:tcPr marL="8637" marR="8637" marT="8637" marB="0" anchor="ctr">
+                    <a:lnL>
+                      <a:noFill/>
+                    </a:lnL>
+                    <a:lnR>
+                      <a:noFill/>
+                    </a:lnR>
+                    <a:lnT>
+                      <a:noFill/>
+                    </a:lnT>
+                    <a:lnB>
+                      <a:noFill/>
+                    </a:lnB>
+                  </a:tcPr>
+                </a:tc>
+                <a:tc>
+                  <a:txBody>
+                    <a:bodyPr/>
+                    <a:lstStyle/>
+                    <a:p>
+                      <a:pPr algn="l" fontAlgn="ctr"/>
+                      <a:r>
+                        <a:rPr lang="en-US" sz="700" b="0" i="0" u="none" strike="noStrike" dirty="0">
+                          <a:solidFill>
+                            <a:srgbClr val="000000"/>
+                          </a:solidFill>
+                          <a:effectLst/>
+                          <a:latin typeface="游ゴシック" panose="020B0400000000000000" pitchFamily="50" charset="-128"/>
+                          <a:ea typeface="游ゴシック" panose="020B0400000000000000" pitchFamily="50" charset="-128"/>
+                        </a:rPr>
+                        <a:t>-</a:t>
+                      </a:r>
+                    </a:p>
+                  </a:txBody>
+                  <a:tcPr marL="8637" marR="8637" marT="8637" marB="0" anchor="ctr">
+                    <a:lnL>
+                      <a:noFill/>
+                    </a:lnL>
+                    <a:lnR>
+                      <a:noFill/>
+                    </a:lnR>
+                    <a:lnT>
+                      <a:noFill/>
+                    </a:lnT>
+                    <a:lnB>
+                      <a:noFill/>
+                    </a:lnB>
+                  </a:tcPr>
+                </a:tc>
+                <a:tc>
+                  <a:txBody>
+                    <a:bodyPr/>
+                    <a:lstStyle/>
+                    <a:p>
+                      <a:pPr algn="l" fontAlgn="ctr"/>
+                      <a:r>
+                        <a:rPr lang="en-US" sz="700" b="0" i="0" u="none" strike="noStrike" dirty="0">
+                          <a:solidFill>
+                            <a:srgbClr val="000000"/>
+                          </a:solidFill>
+                          <a:effectLst/>
+                          <a:latin typeface="游ゴシック" panose="020B0400000000000000" pitchFamily="50" charset="-128"/>
+                          <a:ea typeface="游ゴシック" panose="020B0400000000000000" pitchFamily="50" charset="-128"/>
+                        </a:rPr>
+                        <a:t>-</a:t>
+                      </a:r>
+                    </a:p>
+                  </a:txBody>
+                  <a:tcPr marL="8637" marR="8637" marT="8637" marB="0" anchor="ctr">
+                    <a:lnL>
+                      <a:noFill/>
+                    </a:lnL>
+                    <a:lnR>
+                      <a:noFill/>
+                    </a:lnR>
+                    <a:lnT>
+                      <a:noFill/>
+                    </a:lnT>
+                    <a:lnB>
+                      <a:noFill/>
+                    </a:lnB>
+                  </a:tcPr>
+                </a:tc>
+                <a:tc>
+                  <a:txBody>
+                    <a:bodyPr/>
+                    <a:lstStyle/>
+                    <a:p>
+                      <a:pPr algn="l" fontAlgn="ctr"/>
+                      <a:r>
+                        <a:rPr lang="en-US" sz="700" b="0" i="0" u="none" strike="noStrike" dirty="0">
+                          <a:solidFill>
+                            <a:srgbClr val="000000"/>
+                          </a:solidFill>
+                          <a:effectLst/>
+                          <a:latin typeface="游ゴシック" panose="020B0400000000000000" pitchFamily="50" charset="-128"/>
+                          <a:ea typeface="游ゴシック" panose="020B0400000000000000" pitchFamily="50" charset="-128"/>
+                        </a:rPr>
+                        <a:t>-</a:t>
+                      </a:r>
+                    </a:p>
+                  </a:txBody>
+                  <a:tcPr marL="8637" marR="8637" marT="8637" marB="0" anchor="ctr">
+                    <a:lnL>
+                      <a:noFill/>
+                    </a:lnL>
+                    <a:lnR>
+                      <a:noFill/>
+                    </a:lnR>
+                    <a:lnT>
+                      <a:noFill/>
+                    </a:lnT>
+                    <a:lnB>
+                      <a:noFill/>
+                    </a:lnB>
+                  </a:tcPr>
+                </a:tc>
+                <a:tc>
+                  <a:txBody>
+                    <a:bodyPr/>
+                    <a:lstStyle/>
+                    <a:p>
+                      <a:pPr algn="l" fontAlgn="ctr"/>
+                      <a:r>
+                        <a:rPr lang="en-US" sz="700" b="0" i="0" u="none" strike="noStrike" dirty="0">
+                          <a:solidFill>
+                            <a:srgbClr val="000000"/>
+                          </a:solidFill>
+                          <a:effectLst/>
+                          <a:latin typeface="游ゴシック" panose="020B0400000000000000" pitchFamily="50" charset="-128"/>
+                          <a:ea typeface="游ゴシック" panose="020B0400000000000000" pitchFamily="50" charset="-128"/>
+                        </a:rPr>
+                        <a:t>-</a:t>
+                      </a:r>
+                    </a:p>
+                  </a:txBody>
+                  <a:tcPr marL="8637" marR="8637" marT="8637" marB="0" anchor="ctr">
+                    <a:lnL>
+                      <a:noFill/>
+                    </a:lnL>
+                    <a:lnR>
+                      <a:noFill/>
+                    </a:lnR>
+                    <a:lnT>
+                      <a:noFill/>
+                    </a:lnT>
+                    <a:lnB>
+                      <a:noFill/>
+                    </a:lnB>
+                  </a:tcPr>
+                </a:tc>
+                <a:tc>
+                  <a:txBody>
+                    <a:bodyPr/>
+                    <a:lstStyle/>
+                    <a:p>
+                      <a:pPr algn="l" fontAlgn="ctr"/>
+                      <a:r>
+                        <a:rPr lang="en-US" sz="700" b="0" i="0" u="none" strike="noStrike" dirty="0">
+                          <a:solidFill>
+                            <a:srgbClr val="000000"/>
+                          </a:solidFill>
+                          <a:effectLst/>
+                          <a:latin typeface="游ゴシック" panose="020B0400000000000000" pitchFamily="50" charset="-128"/>
+                          <a:ea typeface="游ゴシック" panose="020B0400000000000000" pitchFamily="50" charset="-128"/>
+                        </a:rPr>
+                        <a:t>-</a:t>
+                      </a:r>
+                    </a:p>
+                  </a:txBody>
+                  <a:tcPr marL="8637" marR="8637" marT="8637" marB="0" anchor="ctr">
+                    <a:lnL>
+                      <a:noFill/>
+                    </a:lnL>
+                    <a:lnR>
+                      <a:noFill/>
+                    </a:lnR>
+                    <a:lnT>
+                      <a:noFill/>
+                    </a:lnT>
+                    <a:lnB>
+                      <a:noFill/>
+                    </a:lnB>
+                  </a:tcPr>
+                </a:tc>
+                <a:extLst>
+                  <a:ext uri="{0D108BD9-81ED-4DB2-BD59-A6C34878D82A}">
+                    <a16:rowId xmlns:a16="http://schemas.microsoft.com/office/drawing/2014/main" val="1193400577"/>
+                  </a:ext>
+                </a:extLst>
+              </a:tr>
+            </a:tbl>
+          </a:graphicData>
+        </a:graphic>
+      </p:graphicFrame>
     </p:spTree>
     <p:extLst>
       <p:ext uri="{BB962C8B-B14F-4D97-AF65-F5344CB8AC3E}">

--- a/faster2lib/EEG_power_specrum_template.pptx
+++ b/faster2lib/EEG_power_specrum_template.pptx
@@ -247,7 +247,7 @@
           <a:p>
             <a:fld id="{B3DF8FAD-2AB0-4DA8-8497-F48AD089473F}" type="datetimeFigureOut">
               <a:rPr kumimoji="1" lang="ja-JP" altLang="en-US" smtClean="0"/>
-              <a:t>2022/3/31</a:t>
+              <a:t>2022/6/9</a:t>
             </a:fld>
             <a:endParaRPr kumimoji="1" lang="ja-JP" altLang="en-US"/>
           </a:p>
@@ -449,7 +449,7 @@
           <a:p>
             <a:fld id="{B3DF8FAD-2AB0-4DA8-8497-F48AD089473F}" type="datetimeFigureOut">
               <a:rPr kumimoji="1" lang="ja-JP" altLang="en-US" smtClean="0"/>
-              <a:t>2022/3/31</a:t>
+              <a:t>2022/6/9</a:t>
             </a:fld>
             <a:endParaRPr kumimoji="1" lang="ja-JP" altLang="en-US"/>
           </a:p>
@@ -661,7 +661,7 @@
           <a:p>
             <a:fld id="{B3DF8FAD-2AB0-4DA8-8497-F48AD089473F}" type="datetimeFigureOut">
               <a:rPr kumimoji="1" lang="ja-JP" altLang="en-US" smtClean="0"/>
-              <a:t>2022/3/31</a:t>
+              <a:t>2022/6/9</a:t>
             </a:fld>
             <a:endParaRPr kumimoji="1" lang="ja-JP" altLang="en-US"/>
           </a:p>
@@ -863,7 +863,7 @@
           <a:p>
             <a:fld id="{B3DF8FAD-2AB0-4DA8-8497-F48AD089473F}" type="datetimeFigureOut">
               <a:rPr kumimoji="1" lang="ja-JP" altLang="en-US" smtClean="0"/>
-              <a:t>2022/3/31</a:t>
+              <a:t>2022/6/9</a:t>
             </a:fld>
             <a:endParaRPr kumimoji="1" lang="ja-JP" altLang="en-US"/>
           </a:p>
@@ -1109,7 +1109,7 @@
           <a:p>
             <a:fld id="{B3DF8FAD-2AB0-4DA8-8497-F48AD089473F}" type="datetimeFigureOut">
               <a:rPr kumimoji="1" lang="ja-JP" altLang="en-US" smtClean="0"/>
-              <a:t>2022/3/31</a:t>
+              <a:t>2022/6/9</a:t>
             </a:fld>
             <a:endParaRPr kumimoji="1" lang="ja-JP" altLang="en-US"/>
           </a:p>
@@ -1405,7 +1405,7 @@
           <a:p>
             <a:fld id="{B3DF8FAD-2AB0-4DA8-8497-F48AD089473F}" type="datetimeFigureOut">
               <a:rPr kumimoji="1" lang="ja-JP" altLang="en-US" smtClean="0"/>
-              <a:t>2022/3/31</a:t>
+              <a:t>2022/6/9</a:t>
             </a:fld>
             <a:endParaRPr kumimoji="1" lang="ja-JP" altLang="en-US"/>
           </a:p>
@@ -1836,7 +1836,7 @@
           <a:p>
             <a:fld id="{B3DF8FAD-2AB0-4DA8-8497-F48AD089473F}" type="datetimeFigureOut">
               <a:rPr kumimoji="1" lang="ja-JP" altLang="en-US" smtClean="0"/>
-              <a:t>2022/3/31</a:t>
+              <a:t>2022/6/9</a:t>
             </a:fld>
             <a:endParaRPr kumimoji="1" lang="ja-JP" altLang="en-US"/>
           </a:p>
@@ -1954,7 +1954,7 @@
           <a:p>
             <a:fld id="{B3DF8FAD-2AB0-4DA8-8497-F48AD089473F}" type="datetimeFigureOut">
               <a:rPr kumimoji="1" lang="ja-JP" altLang="en-US" smtClean="0"/>
-              <a:t>2022/3/31</a:t>
+              <a:t>2022/6/9</a:t>
             </a:fld>
             <a:endParaRPr kumimoji="1" lang="ja-JP" altLang="en-US"/>
           </a:p>
@@ -2049,7 +2049,7 @@
           <a:p>
             <a:fld id="{B3DF8FAD-2AB0-4DA8-8497-F48AD089473F}" type="datetimeFigureOut">
               <a:rPr kumimoji="1" lang="ja-JP" altLang="en-US" smtClean="0"/>
-              <a:t>2022/3/31</a:t>
+              <a:t>2022/6/9</a:t>
             </a:fld>
             <a:endParaRPr kumimoji="1" lang="ja-JP" altLang="en-US"/>
           </a:p>
@@ -2358,7 +2358,7 @@
           <a:p>
             <a:fld id="{B3DF8FAD-2AB0-4DA8-8497-F48AD089473F}" type="datetimeFigureOut">
               <a:rPr kumimoji="1" lang="ja-JP" altLang="en-US" smtClean="0"/>
-              <a:t>2022/3/31</a:t>
+              <a:t>2022/6/9</a:t>
             </a:fld>
             <a:endParaRPr kumimoji="1" lang="ja-JP" altLang="en-US"/>
           </a:p>
@@ -2615,7 +2615,7 @@
           <a:p>
             <a:fld id="{B3DF8FAD-2AB0-4DA8-8497-F48AD089473F}" type="datetimeFigureOut">
               <a:rPr kumimoji="1" lang="ja-JP" altLang="en-US" smtClean="0"/>
-              <a:t>2022/3/31</a:t>
+              <a:t>2022/6/9</a:t>
             </a:fld>
             <a:endParaRPr kumimoji="1" lang="ja-JP" altLang="en-US"/>
           </a:p>
@@ -2860,7 +2860,7 @@
           <a:p>
             <a:fld id="{B3DF8FAD-2AB0-4DA8-8497-F48AD089473F}" type="datetimeFigureOut">
               <a:rPr kumimoji="1" lang="ja-JP" altLang="en-US" smtClean="0"/>
-              <a:t>2022/3/31</a:t>
+              <a:t>2022/6/9</a:t>
             </a:fld>
             <a:endParaRPr kumimoji="1" lang="ja-JP" altLang="en-US"/>
           </a:p>
@@ -5427,7 +5427,7 @@
           <p:nvPr>
             <p:extLst>
               <p:ext uri="{D42A27DB-BD31-4B8C-83A1-F6EECF244321}">
-                <p14:modId xmlns:p14="http://schemas.microsoft.com/office/powerpoint/2010/main" val="568888077"/>
+                <p14:modId xmlns:p14="http://schemas.microsoft.com/office/powerpoint/2010/main" val="4281866655"/>
               </p:ext>
             </p:extLst>
           </p:nvPr>
@@ -5744,7 +5744,7 @@
                     <a:p>
                       <a:pPr algn="l" fontAlgn="ctr"/>
                       <a:r>
-                        <a:rPr lang="en-US" sz="700" b="1" i="0" u="none" strike="noStrike">
+                        <a:rPr lang="en-US" sz="700" b="1" i="0" u="none" strike="noStrike" dirty="0">
                           <a:solidFill>
                             <a:srgbClr val="000000"/>
                           </a:solidFill>
@@ -5796,7 +5796,7 @@
                         <a:t>Sw</a:t>
                       </a:r>
                       <a:r>
-                        <a:rPr lang="en-US" sz="700" b="0" i="0" u="none" strike="noStrike" dirty="0">
+                        <a:rPr lang="en-US" sz="700" b="0" i="0" u="none" strike="noStrike">
                           <a:solidFill>
                             <a:srgbClr val="000000"/>
                           </a:solidFill>
@@ -5806,6 +5806,14 @@
                         </a:rPr>
                         <a:t>-trans</a:t>
                       </a:r>
+                      <a:endParaRPr lang="en-US" sz="700" b="0" i="0" u="none" strike="noStrike" dirty="0">
+                        <a:solidFill>
+                          <a:srgbClr val="000000"/>
+                        </a:solidFill>
+                        <a:effectLst/>
+                        <a:latin typeface="游ゴシック" panose="020B0400000000000000" pitchFamily="50" charset="-128"/>
+                        <a:ea typeface="游ゴシック" panose="020B0400000000000000" pitchFamily="50" charset="-128"/>
+                      </a:endParaRPr>
                     </a:p>
                   </a:txBody>
                   <a:tcPr marL="9525" marR="9525" marT="9525" marB="0" anchor="ctr">

--- a/faster2lib/EEG_power_specrum_template.pptx
+++ b/faster2lib/EEG_power_specrum_template.pptx
@@ -4,12 +4,16 @@
   <p:sldMasterIdLst>
     <p:sldMasterId id="2147483660" r:id="rId1"/>
   </p:sldMasterIdLst>
+  <p:notesMasterIdLst>
+    <p:notesMasterId r:id="rId8"/>
+  </p:notesMasterIdLst>
   <p:sldIdLst>
     <p:sldId id="265" r:id="rId2"/>
     <p:sldId id="267" r:id="rId3"/>
     <p:sldId id="263" r:id="rId4"/>
     <p:sldId id="268" r:id="rId5"/>
     <p:sldId id="269" r:id="rId6"/>
+    <p:sldId id="448" r:id="rId7"/>
   </p:sldIdLst>
   <p:sldSz cx="12192000" cy="6858000"/>
   <p:notesSz cx="6858000" cy="9144000"/>
@@ -114,6 +118,488 @@
     </p:ext>
   </p:extLst>
 </p:presentation>
+</file>
+
+<file path=ppt/notesMasters/notesMaster1.xml><?xml version="1.0" encoding="utf-8"?>
+<p:notesMaster xmlns:a="http://schemas.openxmlformats.org/drawingml/2006/main" xmlns:r="http://schemas.openxmlformats.org/officeDocument/2006/relationships" xmlns:p="http://schemas.openxmlformats.org/presentationml/2006/main">
+  <p:cSld>
+    <p:bg>
+      <p:bgRef idx="1001">
+        <a:schemeClr val="bg1"/>
+      </p:bgRef>
+    </p:bg>
+    <p:spTree>
+      <p:nvGrpSpPr>
+        <p:cNvPr id="1" name=""/>
+        <p:cNvGrpSpPr/>
+        <p:nvPr/>
+      </p:nvGrpSpPr>
+      <p:grpSpPr>
+        <a:xfrm>
+          <a:off x="0" y="0"/>
+          <a:ext cx="0" cy="0"/>
+          <a:chOff x="0" y="0"/>
+          <a:chExt cx="0" cy="0"/>
+        </a:xfrm>
+      </p:grpSpPr>
+      <p:sp>
+        <p:nvSpPr>
+          <p:cNvPr id="2" name="ヘッダー プレースホルダー 1"/>
+          <p:cNvSpPr>
+            <a:spLocks noGrp="1"/>
+          </p:cNvSpPr>
+          <p:nvPr>
+            <p:ph type="hdr" sz="quarter"/>
+          </p:nvPr>
+        </p:nvSpPr>
+        <p:spPr>
+          <a:xfrm>
+            <a:off x="0" y="0"/>
+            <a:ext cx="2971800" cy="458788"/>
+          </a:xfrm>
+          <a:prstGeom prst="rect">
+            <a:avLst/>
+          </a:prstGeom>
+        </p:spPr>
+        <p:txBody>
+          <a:bodyPr vert="horz" lIns="91440" tIns="45720" rIns="91440" bIns="45720" rtlCol="0"/>
+          <a:lstStyle>
+            <a:lvl1pPr algn="l">
+              <a:defRPr sz="1200"/>
+            </a:lvl1pPr>
+          </a:lstStyle>
+          <a:p>
+            <a:endParaRPr kumimoji="1" lang="ja-JP" altLang="en-US"/>
+          </a:p>
+        </p:txBody>
+      </p:sp>
+      <p:sp>
+        <p:nvSpPr>
+          <p:cNvPr id="3" name="日付プレースホルダー 2"/>
+          <p:cNvSpPr>
+            <a:spLocks noGrp="1"/>
+          </p:cNvSpPr>
+          <p:nvPr>
+            <p:ph type="dt" idx="1"/>
+          </p:nvPr>
+        </p:nvSpPr>
+        <p:spPr>
+          <a:xfrm>
+            <a:off x="3884613" y="0"/>
+            <a:ext cx="2971800" cy="458788"/>
+          </a:xfrm>
+          <a:prstGeom prst="rect">
+            <a:avLst/>
+          </a:prstGeom>
+        </p:spPr>
+        <p:txBody>
+          <a:bodyPr vert="horz" lIns="91440" tIns="45720" rIns="91440" bIns="45720" rtlCol="0"/>
+          <a:lstStyle>
+            <a:lvl1pPr algn="r">
+              <a:defRPr sz="1200"/>
+            </a:lvl1pPr>
+          </a:lstStyle>
+          <a:p>
+            <a:fld id="{659F289F-6C09-4E41-AB64-F4FBAF604A8F}" type="datetimeFigureOut">
+              <a:rPr kumimoji="1" lang="ja-JP" altLang="en-US" smtClean="0"/>
+              <a:t>2022/12/24</a:t>
+            </a:fld>
+            <a:endParaRPr kumimoji="1" lang="ja-JP" altLang="en-US"/>
+          </a:p>
+        </p:txBody>
+      </p:sp>
+      <p:sp>
+        <p:nvSpPr>
+          <p:cNvPr id="4" name="スライド イメージ プレースホルダー 3"/>
+          <p:cNvSpPr>
+            <a:spLocks noGrp="1" noRot="1" noChangeAspect="1"/>
+          </p:cNvSpPr>
+          <p:nvPr>
+            <p:ph type="sldImg" idx="2"/>
+          </p:nvPr>
+        </p:nvSpPr>
+        <p:spPr>
+          <a:xfrm>
+            <a:off x="685800" y="1143000"/>
+            <a:ext cx="5486400" cy="3086100"/>
+          </a:xfrm>
+          <a:prstGeom prst="rect">
+            <a:avLst/>
+          </a:prstGeom>
+          <a:noFill/>
+          <a:ln w="12700">
+            <a:solidFill>
+              <a:prstClr val="black"/>
+            </a:solidFill>
+          </a:ln>
+        </p:spPr>
+        <p:txBody>
+          <a:bodyPr vert="horz" lIns="91440" tIns="45720" rIns="91440" bIns="45720" rtlCol="0" anchor="ctr"/>
+          <a:lstStyle/>
+          <a:p>
+            <a:endParaRPr lang="ja-JP" altLang="en-US"/>
+          </a:p>
+        </p:txBody>
+      </p:sp>
+      <p:sp>
+        <p:nvSpPr>
+          <p:cNvPr id="5" name="ノート プレースホルダー 4"/>
+          <p:cNvSpPr>
+            <a:spLocks noGrp="1"/>
+          </p:cNvSpPr>
+          <p:nvPr>
+            <p:ph type="body" sz="quarter" idx="3"/>
+          </p:nvPr>
+        </p:nvSpPr>
+        <p:spPr>
+          <a:xfrm>
+            <a:off x="685800" y="4400550"/>
+            <a:ext cx="5486400" cy="3600450"/>
+          </a:xfrm>
+          <a:prstGeom prst="rect">
+            <a:avLst/>
+          </a:prstGeom>
+        </p:spPr>
+        <p:txBody>
+          <a:bodyPr vert="horz" lIns="91440" tIns="45720" rIns="91440" bIns="45720" rtlCol="0"/>
+          <a:lstStyle/>
+          <a:p>
+            <a:pPr lvl="0"/>
+            <a:r>
+              <a:rPr kumimoji="1" lang="ja-JP" altLang="en-US"/>
+              <a:t>マスター テキストの書式設定</a:t>
+            </a:r>
+          </a:p>
+          <a:p>
+            <a:pPr lvl="1"/>
+            <a:r>
+              <a:rPr kumimoji="1" lang="ja-JP" altLang="en-US"/>
+              <a:t>第 </a:t>
+            </a:r>
+            <a:r>
+              <a:rPr kumimoji="1" lang="en-US" altLang="ja-JP"/>
+              <a:t>2 </a:t>
+            </a:r>
+            <a:r>
+              <a:rPr kumimoji="1" lang="ja-JP" altLang="en-US"/>
+              <a:t>レベル</a:t>
+            </a:r>
+          </a:p>
+          <a:p>
+            <a:pPr lvl="2"/>
+            <a:r>
+              <a:rPr kumimoji="1" lang="ja-JP" altLang="en-US"/>
+              <a:t>第 </a:t>
+            </a:r>
+            <a:r>
+              <a:rPr kumimoji="1" lang="en-US" altLang="ja-JP"/>
+              <a:t>3 </a:t>
+            </a:r>
+            <a:r>
+              <a:rPr kumimoji="1" lang="ja-JP" altLang="en-US"/>
+              <a:t>レベル</a:t>
+            </a:r>
+          </a:p>
+          <a:p>
+            <a:pPr lvl="3"/>
+            <a:r>
+              <a:rPr kumimoji="1" lang="ja-JP" altLang="en-US"/>
+              <a:t>第 </a:t>
+            </a:r>
+            <a:r>
+              <a:rPr kumimoji="1" lang="en-US" altLang="ja-JP"/>
+              <a:t>4 </a:t>
+            </a:r>
+            <a:r>
+              <a:rPr kumimoji="1" lang="ja-JP" altLang="en-US"/>
+              <a:t>レベル</a:t>
+            </a:r>
+          </a:p>
+          <a:p>
+            <a:pPr lvl="4"/>
+            <a:r>
+              <a:rPr kumimoji="1" lang="ja-JP" altLang="en-US"/>
+              <a:t>第 </a:t>
+            </a:r>
+            <a:r>
+              <a:rPr kumimoji="1" lang="en-US" altLang="ja-JP"/>
+              <a:t>5 </a:t>
+            </a:r>
+            <a:r>
+              <a:rPr kumimoji="1" lang="ja-JP" altLang="en-US"/>
+              <a:t>レベル</a:t>
+            </a:r>
+          </a:p>
+        </p:txBody>
+      </p:sp>
+      <p:sp>
+        <p:nvSpPr>
+          <p:cNvPr id="6" name="フッター プレースホルダー 5"/>
+          <p:cNvSpPr>
+            <a:spLocks noGrp="1"/>
+          </p:cNvSpPr>
+          <p:nvPr>
+            <p:ph type="ftr" sz="quarter" idx="4"/>
+          </p:nvPr>
+        </p:nvSpPr>
+        <p:spPr>
+          <a:xfrm>
+            <a:off x="0" y="8685213"/>
+            <a:ext cx="2971800" cy="458787"/>
+          </a:xfrm>
+          <a:prstGeom prst="rect">
+            <a:avLst/>
+          </a:prstGeom>
+        </p:spPr>
+        <p:txBody>
+          <a:bodyPr vert="horz" lIns="91440" tIns="45720" rIns="91440" bIns="45720" rtlCol="0" anchor="b"/>
+          <a:lstStyle>
+            <a:lvl1pPr algn="l">
+              <a:defRPr sz="1200"/>
+            </a:lvl1pPr>
+          </a:lstStyle>
+          <a:p>
+            <a:endParaRPr kumimoji="1" lang="ja-JP" altLang="en-US"/>
+          </a:p>
+        </p:txBody>
+      </p:sp>
+      <p:sp>
+        <p:nvSpPr>
+          <p:cNvPr id="7" name="スライド番号プレースホルダー 6"/>
+          <p:cNvSpPr>
+            <a:spLocks noGrp="1"/>
+          </p:cNvSpPr>
+          <p:nvPr>
+            <p:ph type="sldNum" sz="quarter" idx="5"/>
+          </p:nvPr>
+        </p:nvSpPr>
+        <p:spPr>
+          <a:xfrm>
+            <a:off x="3884613" y="8685213"/>
+            <a:ext cx="2971800" cy="458787"/>
+          </a:xfrm>
+          <a:prstGeom prst="rect">
+            <a:avLst/>
+          </a:prstGeom>
+        </p:spPr>
+        <p:txBody>
+          <a:bodyPr vert="horz" lIns="91440" tIns="45720" rIns="91440" bIns="45720" rtlCol="0" anchor="b"/>
+          <a:lstStyle>
+            <a:lvl1pPr algn="r">
+              <a:defRPr sz="1200"/>
+            </a:lvl1pPr>
+          </a:lstStyle>
+          <a:p>
+            <a:fld id="{561C3275-2F92-43CE-8DB1-47649DBA5068}" type="slidenum">
+              <a:rPr kumimoji="1" lang="ja-JP" altLang="en-US" smtClean="0"/>
+              <a:t>‹#›</a:t>
+            </a:fld>
+            <a:endParaRPr kumimoji="1" lang="ja-JP" altLang="en-US"/>
+          </a:p>
+        </p:txBody>
+      </p:sp>
+    </p:spTree>
+    <p:extLst>
+      <p:ext uri="{BB962C8B-B14F-4D97-AF65-F5344CB8AC3E}">
+        <p14:creationId xmlns:p14="http://schemas.microsoft.com/office/powerpoint/2010/main" val="2073741495"/>
+      </p:ext>
+    </p:extLst>
+  </p:cSld>
+  <p:clrMap bg1="lt1" tx1="dk1" bg2="lt2" tx2="dk2" accent1="accent1" accent2="accent2" accent3="accent3" accent4="accent4" accent5="accent5" accent6="accent6" hlink="hlink" folHlink="folHlink"/>
+  <p:notesStyle>
+    <a:lvl1pPr marL="0" algn="l" defTabSz="914400" rtl="0" eaLnBrk="1" latinLnBrk="0" hangingPunct="1">
+      <a:defRPr kumimoji="1" sz="1200" kern="1200">
+        <a:solidFill>
+          <a:schemeClr val="tx1"/>
+        </a:solidFill>
+        <a:latin typeface="+mn-lt"/>
+        <a:ea typeface="+mn-ea"/>
+        <a:cs typeface="+mn-cs"/>
+      </a:defRPr>
+    </a:lvl1pPr>
+    <a:lvl2pPr marL="457200" algn="l" defTabSz="914400" rtl="0" eaLnBrk="1" latinLnBrk="0" hangingPunct="1">
+      <a:defRPr kumimoji="1" sz="1200" kern="1200">
+        <a:solidFill>
+          <a:schemeClr val="tx1"/>
+        </a:solidFill>
+        <a:latin typeface="+mn-lt"/>
+        <a:ea typeface="+mn-ea"/>
+        <a:cs typeface="+mn-cs"/>
+      </a:defRPr>
+    </a:lvl2pPr>
+    <a:lvl3pPr marL="914400" algn="l" defTabSz="914400" rtl="0" eaLnBrk="1" latinLnBrk="0" hangingPunct="1">
+      <a:defRPr kumimoji="1" sz="1200" kern="1200">
+        <a:solidFill>
+          <a:schemeClr val="tx1"/>
+        </a:solidFill>
+        <a:latin typeface="+mn-lt"/>
+        <a:ea typeface="+mn-ea"/>
+        <a:cs typeface="+mn-cs"/>
+      </a:defRPr>
+    </a:lvl3pPr>
+    <a:lvl4pPr marL="1371600" algn="l" defTabSz="914400" rtl="0" eaLnBrk="1" latinLnBrk="0" hangingPunct="1">
+      <a:defRPr kumimoji="1" sz="1200" kern="1200">
+        <a:solidFill>
+          <a:schemeClr val="tx1"/>
+        </a:solidFill>
+        <a:latin typeface="+mn-lt"/>
+        <a:ea typeface="+mn-ea"/>
+        <a:cs typeface="+mn-cs"/>
+      </a:defRPr>
+    </a:lvl4pPr>
+    <a:lvl5pPr marL="1828800" algn="l" defTabSz="914400" rtl="0" eaLnBrk="1" latinLnBrk="0" hangingPunct="1">
+      <a:defRPr kumimoji="1" sz="1200" kern="1200">
+        <a:solidFill>
+          <a:schemeClr val="tx1"/>
+        </a:solidFill>
+        <a:latin typeface="+mn-lt"/>
+        <a:ea typeface="+mn-ea"/>
+        <a:cs typeface="+mn-cs"/>
+      </a:defRPr>
+    </a:lvl5pPr>
+    <a:lvl6pPr marL="2286000" algn="l" defTabSz="914400" rtl="0" eaLnBrk="1" latinLnBrk="0" hangingPunct="1">
+      <a:defRPr kumimoji="1" sz="1200" kern="1200">
+        <a:solidFill>
+          <a:schemeClr val="tx1"/>
+        </a:solidFill>
+        <a:latin typeface="+mn-lt"/>
+        <a:ea typeface="+mn-ea"/>
+        <a:cs typeface="+mn-cs"/>
+      </a:defRPr>
+    </a:lvl6pPr>
+    <a:lvl7pPr marL="2743200" algn="l" defTabSz="914400" rtl="0" eaLnBrk="1" latinLnBrk="0" hangingPunct="1">
+      <a:defRPr kumimoji="1" sz="1200" kern="1200">
+        <a:solidFill>
+          <a:schemeClr val="tx1"/>
+        </a:solidFill>
+        <a:latin typeface="+mn-lt"/>
+        <a:ea typeface="+mn-ea"/>
+        <a:cs typeface="+mn-cs"/>
+      </a:defRPr>
+    </a:lvl7pPr>
+    <a:lvl8pPr marL="3200400" algn="l" defTabSz="914400" rtl="0" eaLnBrk="1" latinLnBrk="0" hangingPunct="1">
+      <a:defRPr kumimoji="1" sz="1200" kern="1200">
+        <a:solidFill>
+          <a:schemeClr val="tx1"/>
+        </a:solidFill>
+        <a:latin typeface="+mn-lt"/>
+        <a:ea typeface="+mn-ea"/>
+        <a:cs typeface="+mn-cs"/>
+      </a:defRPr>
+    </a:lvl8pPr>
+    <a:lvl9pPr marL="3657600" algn="l" defTabSz="914400" rtl="0" eaLnBrk="1" latinLnBrk="0" hangingPunct="1">
+      <a:defRPr kumimoji="1" sz="1200" kern="1200">
+        <a:solidFill>
+          <a:schemeClr val="tx1"/>
+        </a:solidFill>
+        <a:latin typeface="+mn-lt"/>
+        <a:ea typeface="+mn-ea"/>
+        <a:cs typeface="+mn-cs"/>
+      </a:defRPr>
+    </a:lvl9pPr>
+  </p:notesStyle>
+</p:notesMaster>
+</file>
+
+<file path=ppt/notesSlides/notesSlide1.xml><?xml version="1.0" encoding="utf-8"?>
+<p:notes xmlns:a="http://schemas.openxmlformats.org/drawingml/2006/main" xmlns:r="http://schemas.openxmlformats.org/officeDocument/2006/relationships" xmlns:p="http://schemas.openxmlformats.org/presentationml/2006/main">
+  <p:cSld>
+    <p:spTree>
+      <p:nvGrpSpPr>
+        <p:cNvPr id="1" name=""/>
+        <p:cNvGrpSpPr/>
+        <p:nvPr/>
+      </p:nvGrpSpPr>
+      <p:grpSpPr>
+        <a:xfrm>
+          <a:off x="0" y="0"/>
+          <a:ext cx="0" cy="0"/>
+          <a:chOff x="0" y="0"/>
+          <a:chExt cx="0" cy="0"/>
+        </a:xfrm>
+      </p:grpSpPr>
+      <p:sp>
+        <p:nvSpPr>
+          <p:cNvPr id="2" name="スライド イメージ プレースホルダー 1"/>
+          <p:cNvSpPr>
+            <a:spLocks noGrp="1" noRot="1" noChangeAspect="1"/>
+          </p:cNvSpPr>
+          <p:nvPr>
+            <p:ph type="sldImg"/>
+          </p:nvPr>
+        </p:nvSpPr>
+        <p:spPr/>
+      </p:sp>
+      <p:sp>
+        <p:nvSpPr>
+          <p:cNvPr id="3" name="ノート プレースホルダー 2"/>
+          <p:cNvSpPr>
+            <a:spLocks noGrp="1"/>
+          </p:cNvSpPr>
+          <p:nvPr>
+            <p:ph type="body" idx="1"/>
+          </p:nvPr>
+        </p:nvSpPr>
+        <p:spPr/>
+        <p:txBody>
+          <a:bodyPr/>
+          <a:lstStyle/>
+          <a:p>
+            <a:pPr marL="0" marR="0" lvl="0" indent="0" algn="l" defTabSz="914400" rtl="0" eaLnBrk="1" fontAlgn="auto" latinLnBrk="0" hangingPunct="1">
+              <a:lnSpc>
+                <a:spcPct val="100000"/>
+              </a:lnSpc>
+              <a:spcBef>
+                <a:spcPts val="0"/>
+              </a:spcBef>
+              <a:spcAft>
+                <a:spcPts val="0"/>
+              </a:spcAft>
+              <a:buClrTx/>
+              <a:buSzTx/>
+              <a:buFontTx/>
+              <a:buNone/>
+              <a:tabLst/>
+              <a:defRPr/>
+            </a:pPr>
+            <a:endParaRPr kumimoji="1" lang="en-US" altLang="ja-JP" dirty="0"/>
+          </a:p>
+        </p:txBody>
+      </p:sp>
+      <p:sp>
+        <p:nvSpPr>
+          <p:cNvPr id="4" name="スライド番号プレースホルダー 3"/>
+          <p:cNvSpPr>
+            <a:spLocks noGrp="1"/>
+          </p:cNvSpPr>
+          <p:nvPr>
+            <p:ph type="sldNum" sz="quarter" idx="5"/>
+          </p:nvPr>
+        </p:nvSpPr>
+        <p:spPr/>
+        <p:txBody>
+          <a:bodyPr/>
+          <a:lstStyle/>
+          <a:p>
+            <a:fld id="{63A79F27-1E42-4BBB-99C6-DF7CF67A2388}" type="slidenum">
+              <a:rPr kumimoji="1" lang="ja-JP" altLang="en-US" smtClean="0"/>
+              <a:t>6</a:t>
+            </a:fld>
+            <a:endParaRPr kumimoji="1" lang="ja-JP" altLang="en-US"/>
+          </a:p>
+        </p:txBody>
+      </p:sp>
+    </p:spTree>
+    <p:extLst>
+      <p:ext uri="{BB962C8B-B14F-4D97-AF65-F5344CB8AC3E}">
+        <p14:creationId xmlns:p14="http://schemas.microsoft.com/office/powerpoint/2010/main" val="3082509595"/>
+      </p:ext>
+    </p:extLst>
+  </p:cSld>
+  <p:clrMapOvr>
+    <a:masterClrMapping/>
+  </p:clrMapOvr>
+</p:notes>
 </file>
 
 <file path=ppt/slideLayouts/slideLayout1.xml><?xml version="1.0" encoding="utf-8"?>
@@ -247,7 +733,7 @@
           <a:p>
             <a:fld id="{B3DF8FAD-2AB0-4DA8-8497-F48AD089473F}" type="datetimeFigureOut">
               <a:rPr kumimoji="1" lang="ja-JP" altLang="en-US" smtClean="0"/>
-              <a:t>2022/6/9</a:t>
+              <a:t>2022/12/24</a:t>
             </a:fld>
             <a:endParaRPr kumimoji="1" lang="ja-JP" altLang="en-US"/>
           </a:p>
@@ -449,7 +935,7 @@
           <a:p>
             <a:fld id="{B3DF8FAD-2AB0-4DA8-8497-F48AD089473F}" type="datetimeFigureOut">
               <a:rPr kumimoji="1" lang="ja-JP" altLang="en-US" smtClean="0"/>
-              <a:t>2022/6/9</a:t>
+              <a:t>2022/12/24</a:t>
             </a:fld>
             <a:endParaRPr kumimoji="1" lang="ja-JP" altLang="en-US"/>
           </a:p>
@@ -661,7 +1147,7 @@
           <a:p>
             <a:fld id="{B3DF8FAD-2AB0-4DA8-8497-F48AD089473F}" type="datetimeFigureOut">
               <a:rPr kumimoji="1" lang="ja-JP" altLang="en-US" smtClean="0"/>
-              <a:t>2022/6/9</a:t>
+              <a:t>2022/12/24</a:t>
             </a:fld>
             <a:endParaRPr kumimoji="1" lang="ja-JP" altLang="en-US"/>
           </a:p>
@@ -863,7 +1349,7 @@
           <a:p>
             <a:fld id="{B3DF8FAD-2AB0-4DA8-8497-F48AD089473F}" type="datetimeFigureOut">
               <a:rPr kumimoji="1" lang="ja-JP" altLang="en-US" smtClean="0"/>
-              <a:t>2022/6/9</a:t>
+              <a:t>2022/12/24</a:t>
             </a:fld>
             <a:endParaRPr kumimoji="1" lang="ja-JP" altLang="en-US"/>
           </a:p>
@@ -1109,7 +1595,7 @@
           <a:p>
             <a:fld id="{B3DF8FAD-2AB0-4DA8-8497-F48AD089473F}" type="datetimeFigureOut">
               <a:rPr kumimoji="1" lang="ja-JP" altLang="en-US" smtClean="0"/>
-              <a:t>2022/6/9</a:t>
+              <a:t>2022/12/24</a:t>
             </a:fld>
             <a:endParaRPr kumimoji="1" lang="ja-JP" altLang="en-US"/>
           </a:p>
@@ -1405,7 +1891,7 @@
           <a:p>
             <a:fld id="{B3DF8FAD-2AB0-4DA8-8497-F48AD089473F}" type="datetimeFigureOut">
               <a:rPr kumimoji="1" lang="ja-JP" altLang="en-US" smtClean="0"/>
-              <a:t>2022/6/9</a:t>
+              <a:t>2022/12/24</a:t>
             </a:fld>
             <a:endParaRPr kumimoji="1" lang="ja-JP" altLang="en-US"/>
           </a:p>
@@ -1836,7 +2322,7 @@
           <a:p>
             <a:fld id="{B3DF8FAD-2AB0-4DA8-8497-F48AD089473F}" type="datetimeFigureOut">
               <a:rPr kumimoji="1" lang="ja-JP" altLang="en-US" smtClean="0"/>
-              <a:t>2022/6/9</a:t>
+              <a:t>2022/12/24</a:t>
             </a:fld>
             <a:endParaRPr kumimoji="1" lang="ja-JP" altLang="en-US"/>
           </a:p>
@@ -1954,7 +2440,7 @@
           <a:p>
             <a:fld id="{B3DF8FAD-2AB0-4DA8-8497-F48AD089473F}" type="datetimeFigureOut">
               <a:rPr kumimoji="1" lang="ja-JP" altLang="en-US" smtClean="0"/>
-              <a:t>2022/6/9</a:t>
+              <a:t>2022/12/24</a:t>
             </a:fld>
             <a:endParaRPr kumimoji="1" lang="ja-JP" altLang="en-US"/>
           </a:p>
@@ -2049,7 +2535,7 @@
           <a:p>
             <a:fld id="{B3DF8FAD-2AB0-4DA8-8497-F48AD089473F}" type="datetimeFigureOut">
               <a:rPr kumimoji="1" lang="ja-JP" altLang="en-US" smtClean="0"/>
-              <a:t>2022/6/9</a:t>
+              <a:t>2022/12/24</a:t>
             </a:fld>
             <a:endParaRPr kumimoji="1" lang="ja-JP" altLang="en-US"/>
           </a:p>
@@ -2358,7 +2844,7 @@
           <a:p>
             <a:fld id="{B3DF8FAD-2AB0-4DA8-8497-F48AD089473F}" type="datetimeFigureOut">
               <a:rPr kumimoji="1" lang="ja-JP" altLang="en-US" smtClean="0"/>
-              <a:t>2022/6/9</a:t>
+              <a:t>2022/12/24</a:t>
             </a:fld>
             <a:endParaRPr kumimoji="1" lang="ja-JP" altLang="en-US"/>
           </a:p>
@@ -2615,7 +3101,7 @@
           <a:p>
             <a:fld id="{B3DF8FAD-2AB0-4DA8-8497-F48AD089473F}" type="datetimeFigureOut">
               <a:rPr kumimoji="1" lang="ja-JP" altLang="en-US" smtClean="0"/>
-              <a:t>2022/6/9</a:t>
+              <a:t>2022/12/24</a:t>
             </a:fld>
             <a:endParaRPr kumimoji="1" lang="ja-JP" altLang="en-US"/>
           </a:p>
@@ -2860,7 +3346,7 @@
           <a:p>
             <a:fld id="{B3DF8FAD-2AB0-4DA8-8497-F48AD089473F}" type="datetimeFigureOut">
               <a:rPr kumimoji="1" lang="ja-JP" altLang="en-US" smtClean="0"/>
-              <a:t>2022/6/9</a:t>
+              <a:t>2022/12/24</a:t>
             </a:fld>
             <a:endParaRPr kumimoji="1" lang="ja-JP" altLang="en-US"/>
           </a:p>
@@ -7079,63 +7565,63 @@
           <p:nvPr>
             <p:extLst>
               <p:ext uri="{D42A27DB-BD31-4B8C-83A1-F6EECF244321}">
-                <p14:modId xmlns:p14="http://schemas.microsoft.com/office/powerpoint/2010/main" val="526066647"/>
+                <p14:modId xmlns:p14="http://schemas.microsoft.com/office/powerpoint/2010/main" val="2373992595"/>
               </p:ext>
             </p:extLst>
           </p:nvPr>
         </p:nvGraphicFramePr>
         <p:xfrm>
-          <a:off x="9592235" y="3940511"/>
-          <a:ext cx="2599764" cy="2719951"/>
+          <a:off x="9421091" y="3940511"/>
+          <a:ext cx="2770908" cy="2719951"/>
         </p:xfrm>
         <a:graphic>
           <a:graphicData uri="http://schemas.openxmlformats.org/drawingml/2006/table">
             <a:tbl>
               <a:tblPr/>
               <a:tblGrid>
-                <a:gridCol w="732328">
+                <a:gridCol w="780537">
                   <a:extLst>
                     <a:ext uri="{9D8B030D-6E8A-4147-A177-3AD203B41FA5}">
                       <a16:colId xmlns:a16="http://schemas.microsoft.com/office/drawing/2014/main" val="1392627465"/>
                     </a:ext>
                   </a:extLst>
                 </a:gridCol>
-                <a:gridCol w="270287">
+                <a:gridCol w="288081">
                   <a:extLst>
                     <a:ext uri="{9D8B030D-6E8A-4147-A177-3AD203B41FA5}">
                       <a16:colId xmlns:a16="http://schemas.microsoft.com/office/drawing/2014/main" val="3327564658"/>
                     </a:ext>
                   </a:extLst>
                 </a:gridCol>
-                <a:gridCol w="99310">
+                <a:gridCol w="163457">
                   <a:extLst>
                     <a:ext uri="{9D8B030D-6E8A-4147-A177-3AD203B41FA5}">
                       <a16:colId xmlns:a16="http://schemas.microsoft.com/office/drawing/2014/main" val="1423139776"/>
                     </a:ext>
                   </a:extLst>
                 </a:gridCol>
-                <a:gridCol w="397294">
+                <a:gridCol w="421234">
                   <a:extLst>
                     <a:ext uri="{9D8B030D-6E8A-4147-A177-3AD203B41FA5}">
                       <a16:colId xmlns:a16="http://schemas.microsoft.com/office/drawing/2014/main" val="447136922"/>
                     </a:ext>
                   </a:extLst>
                 </a:gridCol>
-                <a:gridCol w="392908">
+                <a:gridCol w="424873">
                   <a:extLst>
                     <a:ext uri="{9D8B030D-6E8A-4147-A177-3AD203B41FA5}">
                       <a16:colId xmlns:a16="http://schemas.microsoft.com/office/drawing/2014/main" val="2041675413"/>
                     </a:ext>
                   </a:extLst>
                 </a:gridCol>
-                <a:gridCol w="424984">
+                <a:gridCol w="393508">
                   <a:extLst>
                     <a:ext uri="{9D8B030D-6E8A-4147-A177-3AD203B41FA5}">
                       <a16:colId xmlns:a16="http://schemas.microsoft.com/office/drawing/2014/main" val="3512451945"/>
                     </a:ext>
                   </a:extLst>
                 </a:gridCol>
-                <a:gridCol w="282653">
+                <a:gridCol w="299218">
                   <a:extLst>
                     <a:ext uri="{9D8B030D-6E8A-4147-A177-3AD203B41FA5}">
                       <a16:colId xmlns:a16="http://schemas.microsoft.com/office/drawing/2014/main" val="3656572944"/>
@@ -34403,6 +34889,4037 @@
 </p:sld>
 </file>
 
+<file path=ppt/slides/slide6.xml><?xml version="1.0" encoding="utf-8"?>
+<p:sld xmlns:a="http://schemas.openxmlformats.org/drawingml/2006/main" xmlns:r="http://schemas.openxmlformats.org/officeDocument/2006/relationships" xmlns:p="http://schemas.openxmlformats.org/presentationml/2006/main">
+  <p:cSld>
+    <p:spTree>
+      <p:nvGrpSpPr>
+        <p:cNvPr id="1" name=""/>
+        <p:cNvGrpSpPr/>
+        <p:nvPr/>
+      </p:nvGrpSpPr>
+      <p:grpSpPr>
+        <a:xfrm>
+          <a:off x="0" y="0"/>
+          <a:ext cx="0" cy="0"/>
+          <a:chOff x="0" y="0"/>
+          <a:chExt cx="0" cy="0"/>
+        </a:xfrm>
+      </p:grpSpPr>
+      <p:sp>
+        <p:nvSpPr>
+          <p:cNvPr id="8" name="テキスト ボックス 7">
+            <a:extLst>
+              <a:ext uri="{FF2B5EF4-FFF2-40B4-BE49-F238E27FC236}">
+                <a16:creationId xmlns:a16="http://schemas.microsoft.com/office/drawing/2014/main" id="{660F79BC-033E-B1F3-DF81-6C79869EC121}"/>
+              </a:ext>
+            </a:extLst>
+          </p:cNvPr>
+          <p:cNvSpPr txBox="1"/>
+          <p:nvPr/>
+        </p:nvSpPr>
+        <p:spPr>
+          <a:xfrm>
+            <a:off x="254668" y="164251"/>
+            <a:ext cx="11640821" cy="461665"/>
+          </a:xfrm>
+          <a:prstGeom prst="rect">
+            <a:avLst/>
+          </a:prstGeom>
+          <a:noFill/>
+        </p:spPr>
+        <p:txBody>
+          <a:bodyPr wrap="square" rtlCol="0">
+            <a:spAutoFit/>
+          </a:bodyPr>
+          <a:lstStyle/>
+          <a:p>
+            <a:r>
+              <a:rPr lang="en-US" altLang="ja-JP" sz="2400" dirty="0">
+                <a:latin typeface="+mn-ea"/>
+                <a:cs typeface="Mplus 1p" panose="020B0502020203020207" pitchFamily="50" charset="-128"/>
+              </a:rPr>
+              <a:t>Summary label</a:t>
+            </a:r>
+            <a:endParaRPr lang="ja-JP" altLang="en-US" sz="2400" dirty="0">
+              <a:latin typeface="+mn-ea"/>
+              <a:cs typeface="Mplus 1p" panose="020B0502020203020207" pitchFamily="50" charset="-128"/>
+            </a:endParaRPr>
+          </a:p>
+        </p:txBody>
+      </p:sp>
+      <p:sp>
+        <p:nvSpPr>
+          <p:cNvPr id="10" name="テキスト ボックス 9">
+            <a:extLst>
+              <a:ext uri="{FF2B5EF4-FFF2-40B4-BE49-F238E27FC236}">
+                <a16:creationId xmlns:a16="http://schemas.microsoft.com/office/drawing/2014/main" id="{BB6FF907-C69E-9891-135E-289D2A1C913E}"/>
+              </a:ext>
+            </a:extLst>
+          </p:cNvPr>
+          <p:cNvSpPr txBox="1"/>
+          <p:nvPr/>
+        </p:nvSpPr>
+        <p:spPr>
+          <a:xfrm>
+            <a:off x="254669" y="557276"/>
+            <a:ext cx="7243010" cy="369332"/>
+          </a:xfrm>
+          <a:prstGeom prst="rect">
+            <a:avLst/>
+          </a:prstGeom>
+          <a:noFill/>
+        </p:spPr>
+        <p:txBody>
+          <a:bodyPr wrap="square" rtlCol="0">
+            <a:spAutoFit/>
+          </a:bodyPr>
+          <a:lstStyle/>
+          <a:p>
+            <a:r>
+              <a:rPr lang="en-US" altLang="ja-JP" dirty="0">
+                <a:latin typeface="+mn-ea"/>
+                <a:cs typeface="Mplus 1p" panose="020B0502020203020207" pitchFamily="50" charset="-128"/>
+              </a:rPr>
+              <a:t>Delta-power dynamics</a:t>
+            </a:r>
+            <a:endParaRPr lang="ja-JP" altLang="en-US" dirty="0">
+              <a:latin typeface="+mn-ea"/>
+              <a:cs typeface="Mplus 1p" panose="020B0502020203020207" pitchFamily="50" charset="-128"/>
+            </a:endParaRPr>
+          </a:p>
+        </p:txBody>
+      </p:sp>
+      <p:graphicFrame>
+        <p:nvGraphicFramePr>
+          <p:cNvPr id="2" name="表 1">
+            <a:extLst>
+              <a:ext uri="{FF2B5EF4-FFF2-40B4-BE49-F238E27FC236}">
+                <a16:creationId xmlns:a16="http://schemas.microsoft.com/office/drawing/2014/main" id="{81F7348D-8BD8-472F-EF77-D2DA5451D1CB}"/>
+              </a:ext>
+            </a:extLst>
+          </p:cNvPr>
+          <p:cNvGraphicFramePr>
+            <a:graphicFrameLocks noGrp="1"/>
+          </p:cNvGraphicFramePr>
+          <p:nvPr>
+            <p:extLst>
+              <p:ext uri="{D42A27DB-BD31-4B8C-83A1-F6EECF244321}">
+                <p14:modId xmlns:p14="http://schemas.microsoft.com/office/powerpoint/2010/main" val="1992943793"/>
+              </p:ext>
+            </p:extLst>
+          </p:nvPr>
+        </p:nvGraphicFramePr>
+        <p:xfrm>
+          <a:off x="6414837" y="4073733"/>
+          <a:ext cx="4643520" cy="2013986"/>
+        </p:xfrm>
+        <a:graphic>
+          <a:graphicData uri="http://schemas.openxmlformats.org/drawingml/2006/table">
+            <a:tbl>
+              <a:tblPr/>
+              <a:tblGrid>
+                <a:gridCol w="644188">
+                  <a:extLst>
+                    <a:ext uri="{9D8B030D-6E8A-4147-A177-3AD203B41FA5}">
+                      <a16:colId xmlns:a16="http://schemas.microsoft.com/office/drawing/2014/main" val="4115591681"/>
+                    </a:ext>
+                  </a:extLst>
+                </a:gridCol>
+                <a:gridCol w="1048870">
+                  <a:extLst>
+                    <a:ext uri="{9D8B030D-6E8A-4147-A177-3AD203B41FA5}">
+                      <a16:colId xmlns:a16="http://schemas.microsoft.com/office/drawing/2014/main" val="4157449397"/>
+                    </a:ext>
+                  </a:extLst>
+                </a:gridCol>
+                <a:gridCol w="198211">
+                  <a:extLst>
+                    <a:ext uri="{9D8B030D-6E8A-4147-A177-3AD203B41FA5}">
+                      <a16:colId xmlns:a16="http://schemas.microsoft.com/office/drawing/2014/main" val="1350915087"/>
+                    </a:ext>
+                  </a:extLst>
+                </a:gridCol>
+                <a:gridCol w="635929">
+                  <a:extLst>
+                    <a:ext uri="{9D8B030D-6E8A-4147-A177-3AD203B41FA5}">
+                      <a16:colId xmlns:a16="http://schemas.microsoft.com/office/drawing/2014/main" val="3835933794"/>
+                    </a:ext>
+                  </a:extLst>
+                </a:gridCol>
+                <a:gridCol w="635929">
+                  <a:extLst>
+                    <a:ext uri="{9D8B030D-6E8A-4147-A177-3AD203B41FA5}">
+                      <a16:colId xmlns:a16="http://schemas.microsoft.com/office/drawing/2014/main" val="4032106749"/>
+                    </a:ext>
+                  </a:extLst>
+                </a:gridCol>
+                <a:gridCol w="445976">
+                  <a:extLst>
+                    <a:ext uri="{9D8B030D-6E8A-4147-A177-3AD203B41FA5}">
+                      <a16:colId xmlns:a16="http://schemas.microsoft.com/office/drawing/2014/main" val="861299217"/>
+                    </a:ext>
+                  </a:extLst>
+                </a:gridCol>
+                <a:gridCol w="272541">
+                  <a:extLst>
+                    <a:ext uri="{9D8B030D-6E8A-4147-A177-3AD203B41FA5}">
+                      <a16:colId xmlns:a16="http://schemas.microsoft.com/office/drawing/2014/main" val="52345362"/>
+                    </a:ext>
+                  </a:extLst>
+                </a:gridCol>
+                <a:gridCol w="761876">
+                  <a:extLst>
+                    <a:ext uri="{9D8B030D-6E8A-4147-A177-3AD203B41FA5}">
+                      <a16:colId xmlns:a16="http://schemas.microsoft.com/office/drawing/2014/main" val="230224485"/>
+                    </a:ext>
+                  </a:extLst>
+                </a:gridCol>
+              </a:tblGrid>
+              <a:tr h="154922">
+                <a:tc>
+                  <a:txBody>
+                    <a:bodyPr/>
+                    <a:lstStyle/>
+                    <a:p>
+                      <a:pPr algn="r" fontAlgn="ctr"/>
+                      <a:r>
+                        <a:rPr lang="en-US" sz="700" b="1" i="0" u="none" strike="noStrike" dirty="0">
+                          <a:solidFill>
+                            <a:srgbClr val="000000"/>
+                          </a:solidFill>
+                          <a:effectLst/>
+                          <a:latin typeface="游ゴシック" panose="020B0400000000000000" pitchFamily="50" charset="-128"/>
+                          <a:ea typeface="游ゴシック" panose="020B0400000000000000" pitchFamily="50" charset="-128"/>
+                        </a:rPr>
+                        <a:t>Mouse group</a:t>
+                      </a:r>
+                    </a:p>
+                  </a:txBody>
+                  <a:tcPr marL="6197" marR="6197" marT="6197" marB="0" anchor="ctr">
+                    <a:lnL>
+                      <a:noFill/>
+                    </a:lnL>
+                    <a:lnR>
+                      <a:noFill/>
+                    </a:lnR>
+                    <a:lnT>
+                      <a:noFill/>
+                    </a:lnT>
+                    <a:lnB>
+                      <a:noFill/>
+                    </a:lnB>
+                  </a:tcPr>
+                </a:tc>
+                <a:tc>
+                  <a:txBody>
+                    <a:bodyPr/>
+                    <a:lstStyle/>
+                    <a:p>
+                      <a:pPr algn="r" fontAlgn="ctr"/>
+                      <a:r>
+                        <a:rPr lang="en-US" sz="700" b="1" i="0" u="none" strike="noStrike" dirty="0">
+                          <a:solidFill>
+                            <a:srgbClr val="000000"/>
+                          </a:solidFill>
+                          <a:effectLst/>
+                          <a:latin typeface="游ゴシック" panose="020B0400000000000000" pitchFamily="50" charset="-128"/>
+                          <a:ea typeface="游ゴシック" panose="020B0400000000000000" pitchFamily="50" charset="-128"/>
+                        </a:rPr>
+                        <a:t>Variable</a:t>
+                      </a:r>
+                    </a:p>
+                  </a:txBody>
+                  <a:tcPr marL="6197" marR="6197" marT="6197" marB="0" anchor="ctr">
+                    <a:lnL>
+                      <a:noFill/>
+                    </a:lnL>
+                    <a:lnR>
+                      <a:noFill/>
+                    </a:lnR>
+                    <a:lnT>
+                      <a:noFill/>
+                    </a:lnT>
+                    <a:lnB>
+                      <a:noFill/>
+                    </a:lnB>
+                  </a:tcPr>
+                </a:tc>
+                <a:tc>
+                  <a:txBody>
+                    <a:bodyPr/>
+                    <a:lstStyle/>
+                    <a:p>
+                      <a:pPr algn="r" fontAlgn="ctr"/>
+                      <a:r>
+                        <a:rPr lang="en-US" sz="700" b="1" i="0" u="none" strike="noStrike">
+                          <a:solidFill>
+                            <a:srgbClr val="000000"/>
+                          </a:solidFill>
+                          <a:effectLst/>
+                          <a:latin typeface="游ゴシック" panose="020B0400000000000000" pitchFamily="50" charset="-128"/>
+                          <a:ea typeface="游ゴシック" panose="020B0400000000000000" pitchFamily="50" charset="-128"/>
+                        </a:rPr>
+                        <a:t>N</a:t>
+                      </a:r>
+                    </a:p>
+                  </a:txBody>
+                  <a:tcPr marL="6197" marR="6197" marT="6197" marB="0" anchor="ctr">
+                    <a:lnL>
+                      <a:noFill/>
+                    </a:lnL>
+                    <a:lnR>
+                      <a:noFill/>
+                    </a:lnR>
+                    <a:lnT>
+                      <a:noFill/>
+                    </a:lnT>
+                    <a:lnB>
+                      <a:noFill/>
+                    </a:lnB>
+                  </a:tcPr>
+                </a:tc>
+                <a:tc>
+                  <a:txBody>
+                    <a:bodyPr/>
+                    <a:lstStyle/>
+                    <a:p>
+                      <a:pPr algn="r" fontAlgn="ctr"/>
+                      <a:r>
+                        <a:rPr lang="en-US" sz="700" b="1" i="0" u="none" strike="noStrike" dirty="0">
+                          <a:solidFill>
+                            <a:srgbClr val="000000"/>
+                          </a:solidFill>
+                          <a:effectLst/>
+                          <a:latin typeface="游ゴシック" panose="020B0400000000000000" pitchFamily="50" charset="-128"/>
+                          <a:ea typeface="游ゴシック" panose="020B0400000000000000" pitchFamily="50" charset="-128"/>
+                        </a:rPr>
+                        <a:t>Mean</a:t>
+                      </a:r>
+                    </a:p>
+                  </a:txBody>
+                  <a:tcPr marL="6197" marR="6197" marT="6197" marB="0" anchor="ctr">
+                    <a:lnL>
+                      <a:noFill/>
+                    </a:lnL>
+                    <a:lnR>
+                      <a:noFill/>
+                    </a:lnR>
+                    <a:lnT>
+                      <a:noFill/>
+                    </a:lnT>
+                    <a:lnB>
+                      <a:noFill/>
+                    </a:lnB>
+                  </a:tcPr>
+                </a:tc>
+                <a:tc>
+                  <a:txBody>
+                    <a:bodyPr/>
+                    <a:lstStyle/>
+                    <a:p>
+                      <a:pPr algn="r" fontAlgn="ctr"/>
+                      <a:r>
+                        <a:rPr lang="en-US" sz="700" b="1" i="0" u="none" strike="noStrike" dirty="0">
+                          <a:solidFill>
+                            <a:srgbClr val="000000"/>
+                          </a:solidFill>
+                          <a:effectLst/>
+                          <a:latin typeface="游ゴシック" panose="020B0400000000000000" pitchFamily="50" charset="-128"/>
+                          <a:ea typeface="游ゴシック" panose="020B0400000000000000" pitchFamily="50" charset="-128"/>
+                        </a:rPr>
+                        <a:t>SD</a:t>
+                      </a:r>
+                    </a:p>
+                  </a:txBody>
+                  <a:tcPr marL="6197" marR="6197" marT="6197" marB="0" anchor="ctr">
+                    <a:lnL>
+                      <a:noFill/>
+                    </a:lnL>
+                    <a:lnR>
+                      <a:noFill/>
+                    </a:lnR>
+                    <a:lnT>
+                      <a:noFill/>
+                    </a:lnT>
+                    <a:lnB>
+                      <a:noFill/>
+                    </a:lnB>
+                  </a:tcPr>
+                </a:tc>
+                <a:tc>
+                  <a:txBody>
+                    <a:bodyPr/>
+                    <a:lstStyle/>
+                    <a:p>
+                      <a:pPr algn="r" fontAlgn="ctr"/>
+                      <a:r>
+                        <a:rPr lang="en-US" sz="700" b="1" i="0" u="none" strike="noStrike" dirty="0" err="1">
+                          <a:solidFill>
+                            <a:srgbClr val="000000"/>
+                          </a:solidFill>
+                          <a:effectLst/>
+                          <a:latin typeface="游ゴシック" panose="020B0400000000000000" pitchFamily="50" charset="-128"/>
+                          <a:ea typeface="游ゴシック" panose="020B0400000000000000" pitchFamily="50" charset="-128"/>
+                        </a:rPr>
+                        <a:t>Pvalue</a:t>
+                      </a:r>
+                      <a:endParaRPr lang="en-US" sz="700" b="1" i="0" u="none" strike="noStrike" dirty="0">
+                        <a:solidFill>
+                          <a:srgbClr val="000000"/>
+                        </a:solidFill>
+                        <a:effectLst/>
+                        <a:latin typeface="游ゴシック" panose="020B0400000000000000" pitchFamily="50" charset="-128"/>
+                        <a:ea typeface="游ゴシック" panose="020B0400000000000000" pitchFamily="50" charset="-128"/>
+                      </a:endParaRPr>
+                    </a:p>
+                  </a:txBody>
+                  <a:tcPr marL="6197" marR="6197" marT="6197" marB="0" anchor="ctr">
+                    <a:lnL>
+                      <a:noFill/>
+                    </a:lnL>
+                    <a:lnR>
+                      <a:noFill/>
+                    </a:lnR>
+                    <a:lnT>
+                      <a:noFill/>
+                    </a:lnT>
+                    <a:lnB>
+                      <a:noFill/>
+                    </a:lnB>
+                  </a:tcPr>
+                </a:tc>
+                <a:tc>
+                  <a:txBody>
+                    <a:bodyPr/>
+                    <a:lstStyle/>
+                    <a:p>
+                      <a:pPr algn="r" fontAlgn="ctr"/>
+                      <a:r>
+                        <a:rPr lang="en-US" sz="700" b="1" i="0" u="none" strike="noStrike" dirty="0">
+                          <a:solidFill>
+                            <a:srgbClr val="000000"/>
+                          </a:solidFill>
+                          <a:effectLst/>
+                          <a:latin typeface="游ゴシック" panose="020B0400000000000000" pitchFamily="50" charset="-128"/>
+                          <a:ea typeface="游ゴシック" panose="020B0400000000000000" pitchFamily="50" charset="-128"/>
+                        </a:rPr>
+                        <a:t>Stars</a:t>
+                      </a:r>
+                    </a:p>
+                  </a:txBody>
+                  <a:tcPr marL="6197" marR="6197" marT="6197" marB="0" anchor="ctr">
+                    <a:lnL>
+                      <a:noFill/>
+                    </a:lnL>
+                    <a:lnR>
+                      <a:noFill/>
+                    </a:lnR>
+                    <a:lnT>
+                      <a:noFill/>
+                    </a:lnT>
+                    <a:lnB>
+                      <a:noFill/>
+                    </a:lnB>
+                  </a:tcPr>
+                </a:tc>
+                <a:tc>
+                  <a:txBody>
+                    <a:bodyPr/>
+                    <a:lstStyle/>
+                    <a:p>
+                      <a:pPr algn="r" fontAlgn="ctr"/>
+                      <a:r>
+                        <a:rPr lang="en-US" sz="700" b="1" i="0" u="none" strike="noStrike" dirty="0">
+                          <a:solidFill>
+                            <a:srgbClr val="000000"/>
+                          </a:solidFill>
+                          <a:effectLst/>
+                          <a:latin typeface="游ゴシック" panose="020B0400000000000000" pitchFamily="50" charset="-128"/>
+                          <a:ea typeface="游ゴシック" panose="020B0400000000000000" pitchFamily="50" charset="-128"/>
+                        </a:rPr>
+                        <a:t>Method</a:t>
+                      </a:r>
+                    </a:p>
+                  </a:txBody>
+                  <a:tcPr marL="6197" marR="6197" marT="6197" marB="0" anchor="ctr">
+                    <a:lnL>
+                      <a:noFill/>
+                    </a:lnL>
+                    <a:lnR>
+                      <a:noFill/>
+                    </a:lnR>
+                    <a:lnT>
+                      <a:noFill/>
+                    </a:lnT>
+                    <a:lnB>
+                      <a:noFill/>
+                    </a:lnB>
+                  </a:tcPr>
+                </a:tc>
+                <a:extLst>
+                  <a:ext uri="{0D108BD9-81ED-4DB2-BD59-A6C34878D82A}">
+                    <a16:rowId xmlns:a16="http://schemas.microsoft.com/office/drawing/2014/main" val="1848359727"/>
+                  </a:ext>
+                </a:extLst>
+              </a:tr>
+              <a:tr h="154922">
+                <a:tc>
+                  <a:txBody>
+                    <a:bodyPr/>
+                    <a:lstStyle/>
+                    <a:p>
+                      <a:pPr algn="r" fontAlgn="ctr"/>
+                      <a:r>
+                        <a:rPr lang="en-US" sz="700" b="0" i="0" u="none" strike="noStrike" dirty="0">
+                          <a:solidFill>
+                            <a:srgbClr val="000000"/>
+                          </a:solidFill>
+                          <a:effectLst/>
+                          <a:latin typeface="游ゴシック" panose="020B0400000000000000" pitchFamily="50" charset="-128"/>
+                          <a:ea typeface="游ゴシック" panose="020B0400000000000000" pitchFamily="50" charset="-128"/>
+                        </a:rPr>
+                        <a:t>DPD-stats</a:t>
+                      </a:r>
+                    </a:p>
+                  </a:txBody>
+                  <a:tcPr marL="6197" marR="6197" marT="6197" marB="0" anchor="ctr">
+                    <a:lnL>
+                      <a:noFill/>
+                    </a:lnL>
+                    <a:lnR>
+                      <a:noFill/>
+                    </a:lnR>
+                    <a:lnT>
+                      <a:noFill/>
+                    </a:lnT>
+                    <a:lnB>
+                      <a:noFill/>
+                    </a:lnB>
+                  </a:tcPr>
+                </a:tc>
+                <a:tc>
+                  <a:txBody>
+                    <a:bodyPr/>
+                    <a:lstStyle/>
+                    <a:p>
+                      <a:pPr algn="r" fontAlgn="ctr"/>
+                      <a:r>
+                        <a:rPr lang="en-US" sz="700" b="0" i="0" u="none" strike="noStrike" dirty="0">
+                          <a:solidFill>
+                            <a:srgbClr val="000000"/>
+                          </a:solidFill>
+                          <a:effectLst/>
+                          <a:latin typeface="游ゴシック" panose="020B0400000000000000" pitchFamily="50" charset="-128"/>
+                          <a:ea typeface="游ゴシック" panose="020B0400000000000000" pitchFamily="50" charset="-128"/>
+                        </a:rPr>
+                        <a:t>-</a:t>
+                      </a:r>
+                    </a:p>
+                  </a:txBody>
+                  <a:tcPr marL="6197" marR="6197" marT="6197" marB="0" anchor="ctr">
+                    <a:lnL>
+                      <a:noFill/>
+                    </a:lnL>
+                    <a:lnR>
+                      <a:noFill/>
+                    </a:lnR>
+                    <a:lnT>
+                      <a:noFill/>
+                    </a:lnT>
+                    <a:lnB>
+                      <a:noFill/>
+                    </a:lnB>
+                  </a:tcPr>
+                </a:tc>
+                <a:tc>
+                  <a:txBody>
+                    <a:bodyPr/>
+                    <a:lstStyle/>
+                    <a:p>
+                      <a:pPr algn="r" fontAlgn="ctr"/>
+                      <a:r>
+                        <a:rPr lang="en-US" altLang="ja-JP" sz="700" b="0" i="0" u="none" strike="noStrike" dirty="0">
+                          <a:solidFill>
+                            <a:srgbClr val="000000"/>
+                          </a:solidFill>
+                          <a:effectLst/>
+                          <a:latin typeface="游ゴシック" panose="020B0400000000000000" pitchFamily="50" charset="-128"/>
+                          <a:ea typeface="游ゴシック" panose="020B0400000000000000" pitchFamily="50" charset="-128"/>
+                        </a:rPr>
+                        <a:t>-</a:t>
+                      </a:r>
+                    </a:p>
+                  </a:txBody>
+                  <a:tcPr marL="6197" marR="6197" marT="6197" marB="0" anchor="ctr">
+                    <a:lnL>
+                      <a:noFill/>
+                    </a:lnL>
+                    <a:lnR>
+                      <a:noFill/>
+                    </a:lnR>
+                    <a:lnT>
+                      <a:noFill/>
+                    </a:lnT>
+                    <a:lnB>
+                      <a:noFill/>
+                    </a:lnB>
+                  </a:tcPr>
+                </a:tc>
+                <a:tc>
+                  <a:txBody>
+                    <a:bodyPr/>
+                    <a:lstStyle/>
+                    <a:p>
+                      <a:pPr algn="r" fontAlgn="ctr"/>
+                      <a:r>
+                        <a:rPr lang="en-US" altLang="ja-JP" sz="700" b="0" i="0" u="none" strike="noStrike" dirty="0">
+                          <a:solidFill>
+                            <a:srgbClr val="000000"/>
+                          </a:solidFill>
+                          <a:effectLst/>
+                          <a:latin typeface="游ゴシック" panose="020B0400000000000000" pitchFamily="50" charset="-128"/>
+                          <a:ea typeface="游ゴシック" panose="020B0400000000000000" pitchFamily="50" charset="-128"/>
+                        </a:rPr>
+                        <a:t>-</a:t>
+                      </a:r>
+                    </a:p>
+                  </a:txBody>
+                  <a:tcPr marL="6197" marR="6197" marT="6197" marB="0" anchor="ctr">
+                    <a:lnL>
+                      <a:noFill/>
+                    </a:lnL>
+                    <a:lnR>
+                      <a:noFill/>
+                    </a:lnR>
+                    <a:lnT>
+                      <a:noFill/>
+                    </a:lnT>
+                    <a:lnB>
+                      <a:noFill/>
+                    </a:lnB>
+                  </a:tcPr>
+                </a:tc>
+                <a:tc>
+                  <a:txBody>
+                    <a:bodyPr/>
+                    <a:lstStyle/>
+                    <a:p>
+                      <a:pPr algn="r" fontAlgn="ctr"/>
+                      <a:r>
+                        <a:rPr lang="en-US" altLang="ja-JP" sz="700" b="0" i="0" u="none" strike="noStrike" dirty="0">
+                          <a:solidFill>
+                            <a:srgbClr val="000000"/>
+                          </a:solidFill>
+                          <a:effectLst/>
+                          <a:latin typeface="游ゴシック" panose="020B0400000000000000" pitchFamily="50" charset="-128"/>
+                          <a:ea typeface="游ゴシック" panose="020B0400000000000000" pitchFamily="50" charset="-128"/>
+                        </a:rPr>
+                        <a:t>-</a:t>
+                      </a:r>
+                    </a:p>
+                  </a:txBody>
+                  <a:tcPr marL="6197" marR="6197" marT="6197" marB="0" anchor="ctr">
+                    <a:lnL>
+                      <a:noFill/>
+                    </a:lnL>
+                    <a:lnR>
+                      <a:noFill/>
+                    </a:lnR>
+                    <a:lnT>
+                      <a:noFill/>
+                    </a:lnT>
+                    <a:lnB>
+                      <a:noFill/>
+                    </a:lnB>
+                  </a:tcPr>
+                </a:tc>
+                <a:tc>
+                  <a:txBody>
+                    <a:bodyPr/>
+                    <a:lstStyle/>
+                    <a:p>
+                      <a:pPr algn="r" fontAlgn="ctr"/>
+                      <a:r>
+                        <a:rPr lang="en-US" altLang="ja-JP" sz="700" b="0" i="0" u="none" strike="noStrike" dirty="0">
+                          <a:solidFill>
+                            <a:srgbClr val="000000"/>
+                          </a:solidFill>
+                          <a:effectLst/>
+                          <a:latin typeface="游ゴシック" panose="020B0400000000000000" pitchFamily="50" charset="-128"/>
+                          <a:ea typeface="游ゴシック" panose="020B0400000000000000" pitchFamily="50" charset="-128"/>
+                        </a:rPr>
+                        <a:t>-</a:t>
+                      </a:r>
+                      <a:endParaRPr lang="ja-JP" altLang="en-US" sz="700" b="0" i="0" u="none" strike="noStrike" dirty="0">
+                        <a:solidFill>
+                          <a:srgbClr val="000000"/>
+                        </a:solidFill>
+                        <a:effectLst/>
+                        <a:latin typeface="游ゴシック" panose="020B0400000000000000" pitchFamily="50" charset="-128"/>
+                        <a:ea typeface="游ゴシック" panose="020B0400000000000000" pitchFamily="50" charset="-128"/>
+                      </a:endParaRPr>
+                    </a:p>
+                  </a:txBody>
+                  <a:tcPr marL="6197" marR="6197" marT="6197" marB="0" anchor="ctr">
+                    <a:lnL>
+                      <a:noFill/>
+                    </a:lnL>
+                    <a:lnR>
+                      <a:noFill/>
+                    </a:lnR>
+                    <a:lnT>
+                      <a:noFill/>
+                    </a:lnT>
+                    <a:lnB>
+                      <a:noFill/>
+                    </a:lnB>
+                  </a:tcPr>
+                </a:tc>
+                <a:tc>
+                  <a:txBody>
+                    <a:bodyPr/>
+                    <a:lstStyle/>
+                    <a:p>
+                      <a:pPr algn="r" fontAlgn="ctr"/>
+                      <a:r>
+                        <a:rPr lang="en-US" altLang="ja-JP" sz="700" b="0" i="0" u="none" strike="noStrike" dirty="0">
+                          <a:solidFill>
+                            <a:srgbClr val="000000"/>
+                          </a:solidFill>
+                          <a:effectLst/>
+                          <a:latin typeface="游ゴシック" panose="020B0400000000000000" pitchFamily="50" charset="-128"/>
+                          <a:ea typeface="游ゴシック" panose="020B0400000000000000" pitchFamily="50" charset="-128"/>
+                        </a:rPr>
+                        <a:t>-</a:t>
+                      </a:r>
+                      <a:endParaRPr lang="ja-JP" altLang="en-US" sz="700" b="0" i="0" u="none" strike="noStrike" dirty="0">
+                        <a:solidFill>
+                          <a:srgbClr val="000000"/>
+                        </a:solidFill>
+                        <a:effectLst/>
+                        <a:latin typeface="游ゴシック" panose="020B0400000000000000" pitchFamily="50" charset="-128"/>
+                        <a:ea typeface="游ゴシック" panose="020B0400000000000000" pitchFamily="50" charset="-128"/>
+                      </a:endParaRPr>
+                    </a:p>
+                  </a:txBody>
+                  <a:tcPr marL="6197" marR="6197" marT="6197" marB="0" anchor="ctr">
+                    <a:lnL>
+                      <a:noFill/>
+                    </a:lnL>
+                    <a:lnR>
+                      <a:noFill/>
+                    </a:lnR>
+                    <a:lnT>
+                      <a:noFill/>
+                    </a:lnT>
+                    <a:lnB>
+                      <a:noFill/>
+                    </a:lnB>
+                  </a:tcPr>
+                </a:tc>
+                <a:tc>
+                  <a:txBody>
+                    <a:bodyPr/>
+                    <a:lstStyle/>
+                    <a:p>
+                      <a:pPr algn="r" fontAlgn="ctr"/>
+                      <a:r>
+                        <a:rPr lang="en-US" altLang="ja-JP" sz="700" b="0" i="0" u="none" strike="noStrike" dirty="0">
+                          <a:solidFill>
+                            <a:srgbClr val="000000"/>
+                          </a:solidFill>
+                          <a:effectLst/>
+                          <a:latin typeface="游ゴシック" panose="020B0400000000000000" pitchFamily="50" charset="-128"/>
+                          <a:ea typeface="游ゴシック" panose="020B0400000000000000" pitchFamily="50" charset="-128"/>
+                        </a:rPr>
+                        <a:t>-</a:t>
+                      </a:r>
+                      <a:endParaRPr lang="ja-JP" altLang="en-US" sz="700" b="0" i="0" u="none" strike="noStrike" dirty="0">
+                        <a:solidFill>
+                          <a:srgbClr val="000000"/>
+                        </a:solidFill>
+                        <a:effectLst/>
+                        <a:latin typeface="游ゴシック" panose="020B0400000000000000" pitchFamily="50" charset="-128"/>
+                        <a:ea typeface="游ゴシック" panose="020B0400000000000000" pitchFamily="50" charset="-128"/>
+                      </a:endParaRPr>
+                    </a:p>
+                  </a:txBody>
+                  <a:tcPr marL="6197" marR="6197" marT="6197" marB="0" anchor="ctr">
+                    <a:lnL>
+                      <a:noFill/>
+                    </a:lnL>
+                    <a:lnR>
+                      <a:noFill/>
+                    </a:lnR>
+                    <a:lnT>
+                      <a:noFill/>
+                    </a:lnT>
+                    <a:lnB>
+                      <a:noFill/>
+                    </a:lnB>
+                  </a:tcPr>
+                </a:tc>
+                <a:extLst>
+                  <a:ext uri="{0D108BD9-81ED-4DB2-BD59-A6C34878D82A}">
+                    <a16:rowId xmlns:a16="http://schemas.microsoft.com/office/drawing/2014/main" val="851360164"/>
+                  </a:ext>
+                </a:extLst>
+              </a:tr>
+              <a:tr h="154922">
+                <a:tc>
+                  <a:txBody>
+                    <a:bodyPr/>
+                    <a:lstStyle/>
+                    <a:p>
+                      <a:pPr algn="r" fontAlgn="ctr"/>
+                      <a:r>
+                        <a:rPr lang="en-US" sz="700" b="0" i="0" u="none" strike="noStrike" dirty="0">
+                          <a:solidFill>
+                            <a:srgbClr val="000000"/>
+                          </a:solidFill>
+                          <a:effectLst/>
+                          <a:latin typeface="游ゴシック" panose="020B0400000000000000" pitchFamily="50" charset="-128"/>
+                          <a:ea typeface="游ゴシック" panose="020B0400000000000000" pitchFamily="50" charset="-128"/>
+                        </a:rPr>
+                        <a:t>-</a:t>
+                      </a:r>
+                    </a:p>
+                  </a:txBody>
+                  <a:tcPr marL="6197" marR="6197" marT="6197" marB="0" anchor="ctr">
+                    <a:lnL>
+                      <a:noFill/>
+                    </a:lnL>
+                    <a:lnR>
+                      <a:noFill/>
+                    </a:lnR>
+                    <a:lnT>
+                      <a:noFill/>
+                    </a:lnT>
+                    <a:lnB>
+                      <a:noFill/>
+                    </a:lnB>
+                  </a:tcPr>
+                </a:tc>
+                <a:tc>
+                  <a:txBody>
+                    <a:bodyPr/>
+                    <a:lstStyle/>
+                    <a:p>
+                      <a:pPr algn="r" fontAlgn="ctr"/>
+                      <a:r>
+                        <a:rPr lang="en-US" sz="700" b="0" i="0" u="none" strike="noStrike" dirty="0">
+                          <a:solidFill>
+                            <a:srgbClr val="000000"/>
+                          </a:solidFill>
+                          <a:effectLst/>
+                          <a:latin typeface="游ゴシック" panose="020B0400000000000000" pitchFamily="50" charset="-128"/>
+                          <a:ea typeface="游ゴシック" panose="020B0400000000000000" pitchFamily="50" charset="-128"/>
+                        </a:rPr>
+                        <a:t>-</a:t>
+                      </a:r>
+                    </a:p>
+                  </a:txBody>
+                  <a:tcPr marL="6197" marR="6197" marT="6197" marB="0" anchor="ctr">
+                    <a:lnL>
+                      <a:noFill/>
+                    </a:lnL>
+                    <a:lnR>
+                      <a:noFill/>
+                    </a:lnR>
+                    <a:lnT>
+                      <a:noFill/>
+                    </a:lnT>
+                    <a:lnB>
+                      <a:noFill/>
+                    </a:lnB>
+                  </a:tcPr>
+                </a:tc>
+                <a:tc>
+                  <a:txBody>
+                    <a:bodyPr/>
+                    <a:lstStyle/>
+                    <a:p>
+                      <a:pPr algn="r" fontAlgn="ctr"/>
+                      <a:r>
+                        <a:rPr lang="en-US" altLang="ja-JP" sz="700" b="0" i="0" u="none" strike="noStrike" dirty="0">
+                          <a:solidFill>
+                            <a:srgbClr val="000000"/>
+                          </a:solidFill>
+                          <a:effectLst/>
+                          <a:latin typeface="游ゴシック" panose="020B0400000000000000" pitchFamily="50" charset="-128"/>
+                          <a:ea typeface="游ゴシック" panose="020B0400000000000000" pitchFamily="50" charset="-128"/>
+                        </a:rPr>
+                        <a:t>-</a:t>
+                      </a:r>
+                    </a:p>
+                  </a:txBody>
+                  <a:tcPr marL="6197" marR="6197" marT="6197" marB="0" anchor="ctr">
+                    <a:lnL>
+                      <a:noFill/>
+                    </a:lnL>
+                    <a:lnR>
+                      <a:noFill/>
+                    </a:lnR>
+                    <a:lnT>
+                      <a:noFill/>
+                    </a:lnT>
+                    <a:lnB>
+                      <a:noFill/>
+                    </a:lnB>
+                  </a:tcPr>
+                </a:tc>
+                <a:tc>
+                  <a:txBody>
+                    <a:bodyPr/>
+                    <a:lstStyle/>
+                    <a:p>
+                      <a:pPr algn="r" fontAlgn="ctr"/>
+                      <a:r>
+                        <a:rPr lang="en-US" altLang="ja-JP" sz="700" b="0" i="0" u="none" strike="noStrike" dirty="0">
+                          <a:solidFill>
+                            <a:srgbClr val="000000"/>
+                          </a:solidFill>
+                          <a:effectLst/>
+                          <a:latin typeface="游ゴシック" panose="020B0400000000000000" pitchFamily="50" charset="-128"/>
+                          <a:ea typeface="游ゴシック" panose="020B0400000000000000" pitchFamily="50" charset="-128"/>
+                        </a:rPr>
+                        <a:t>-</a:t>
+                      </a:r>
+                    </a:p>
+                  </a:txBody>
+                  <a:tcPr marL="6197" marR="6197" marT="6197" marB="0" anchor="ctr">
+                    <a:lnL>
+                      <a:noFill/>
+                    </a:lnL>
+                    <a:lnR>
+                      <a:noFill/>
+                    </a:lnR>
+                    <a:lnT>
+                      <a:noFill/>
+                    </a:lnT>
+                    <a:lnB>
+                      <a:noFill/>
+                    </a:lnB>
+                  </a:tcPr>
+                </a:tc>
+                <a:tc>
+                  <a:txBody>
+                    <a:bodyPr/>
+                    <a:lstStyle/>
+                    <a:p>
+                      <a:pPr algn="r" fontAlgn="ctr"/>
+                      <a:r>
+                        <a:rPr lang="en-US" altLang="ja-JP" sz="700" b="0" i="0" u="none" strike="noStrike" dirty="0">
+                          <a:solidFill>
+                            <a:srgbClr val="000000"/>
+                          </a:solidFill>
+                          <a:effectLst/>
+                          <a:latin typeface="游ゴシック" panose="020B0400000000000000" pitchFamily="50" charset="-128"/>
+                          <a:ea typeface="游ゴシック" panose="020B0400000000000000" pitchFamily="50" charset="-128"/>
+                        </a:rPr>
+                        <a:t>-</a:t>
+                      </a:r>
+                    </a:p>
+                  </a:txBody>
+                  <a:tcPr marL="6197" marR="6197" marT="6197" marB="0" anchor="ctr">
+                    <a:lnL>
+                      <a:noFill/>
+                    </a:lnL>
+                    <a:lnR>
+                      <a:noFill/>
+                    </a:lnR>
+                    <a:lnT>
+                      <a:noFill/>
+                    </a:lnT>
+                    <a:lnB>
+                      <a:noFill/>
+                    </a:lnB>
+                  </a:tcPr>
+                </a:tc>
+                <a:tc>
+                  <a:txBody>
+                    <a:bodyPr/>
+                    <a:lstStyle/>
+                    <a:p>
+                      <a:pPr algn="r" fontAlgn="ctr"/>
+                      <a:r>
+                        <a:rPr lang="en-US" altLang="ja-JP" sz="700" b="0" i="0" u="none" strike="noStrike" dirty="0">
+                          <a:solidFill>
+                            <a:srgbClr val="000000"/>
+                          </a:solidFill>
+                          <a:effectLst/>
+                          <a:latin typeface="游ゴシック" panose="020B0400000000000000" pitchFamily="50" charset="-128"/>
+                          <a:ea typeface="游ゴシック" panose="020B0400000000000000" pitchFamily="50" charset="-128"/>
+                        </a:rPr>
+                        <a:t>-</a:t>
+                      </a:r>
+                      <a:endParaRPr lang="ja-JP" altLang="en-US" sz="700" b="0" i="0" u="none" strike="noStrike" dirty="0">
+                        <a:solidFill>
+                          <a:srgbClr val="000000"/>
+                        </a:solidFill>
+                        <a:effectLst/>
+                        <a:latin typeface="游ゴシック" panose="020B0400000000000000" pitchFamily="50" charset="-128"/>
+                        <a:ea typeface="游ゴシック" panose="020B0400000000000000" pitchFamily="50" charset="-128"/>
+                      </a:endParaRPr>
+                    </a:p>
+                  </a:txBody>
+                  <a:tcPr marL="6197" marR="6197" marT="6197" marB="0" anchor="ctr">
+                    <a:lnL>
+                      <a:noFill/>
+                    </a:lnL>
+                    <a:lnR>
+                      <a:noFill/>
+                    </a:lnR>
+                    <a:lnT>
+                      <a:noFill/>
+                    </a:lnT>
+                    <a:lnB>
+                      <a:noFill/>
+                    </a:lnB>
+                  </a:tcPr>
+                </a:tc>
+                <a:tc>
+                  <a:txBody>
+                    <a:bodyPr/>
+                    <a:lstStyle/>
+                    <a:p>
+                      <a:pPr algn="r" fontAlgn="ctr"/>
+                      <a:r>
+                        <a:rPr lang="en-US" altLang="ja-JP" sz="700" b="0" i="0" u="none" strike="noStrike" dirty="0">
+                          <a:solidFill>
+                            <a:srgbClr val="000000"/>
+                          </a:solidFill>
+                          <a:effectLst/>
+                          <a:latin typeface="游ゴシック" panose="020B0400000000000000" pitchFamily="50" charset="-128"/>
+                          <a:ea typeface="游ゴシック" panose="020B0400000000000000" pitchFamily="50" charset="-128"/>
+                        </a:rPr>
+                        <a:t>-</a:t>
+                      </a:r>
+                      <a:endParaRPr lang="ja-JP" altLang="en-US" sz="700" b="0" i="0" u="none" strike="noStrike" dirty="0">
+                        <a:solidFill>
+                          <a:srgbClr val="000000"/>
+                        </a:solidFill>
+                        <a:effectLst/>
+                        <a:latin typeface="游ゴシック" panose="020B0400000000000000" pitchFamily="50" charset="-128"/>
+                        <a:ea typeface="游ゴシック" panose="020B0400000000000000" pitchFamily="50" charset="-128"/>
+                      </a:endParaRPr>
+                    </a:p>
+                  </a:txBody>
+                  <a:tcPr marL="6197" marR="6197" marT="6197" marB="0" anchor="ctr">
+                    <a:lnL>
+                      <a:noFill/>
+                    </a:lnL>
+                    <a:lnR>
+                      <a:noFill/>
+                    </a:lnR>
+                    <a:lnT>
+                      <a:noFill/>
+                    </a:lnT>
+                    <a:lnB>
+                      <a:noFill/>
+                    </a:lnB>
+                  </a:tcPr>
+                </a:tc>
+                <a:tc>
+                  <a:txBody>
+                    <a:bodyPr/>
+                    <a:lstStyle/>
+                    <a:p>
+                      <a:pPr algn="r" fontAlgn="ctr"/>
+                      <a:r>
+                        <a:rPr lang="en-US" altLang="ja-JP" sz="700" b="0" i="0" u="none" strike="noStrike" dirty="0">
+                          <a:solidFill>
+                            <a:srgbClr val="000000"/>
+                          </a:solidFill>
+                          <a:effectLst/>
+                          <a:latin typeface="游ゴシック" panose="020B0400000000000000" pitchFamily="50" charset="-128"/>
+                          <a:ea typeface="游ゴシック" panose="020B0400000000000000" pitchFamily="50" charset="-128"/>
+                        </a:rPr>
+                        <a:t>-</a:t>
+                      </a:r>
+                      <a:endParaRPr lang="ja-JP" altLang="en-US" sz="700" b="0" i="0" u="none" strike="noStrike" dirty="0">
+                        <a:solidFill>
+                          <a:srgbClr val="000000"/>
+                        </a:solidFill>
+                        <a:effectLst/>
+                        <a:latin typeface="游ゴシック" panose="020B0400000000000000" pitchFamily="50" charset="-128"/>
+                        <a:ea typeface="游ゴシック" panose="020B0400000000000000" pitchFamily="50" charset="-128"/>
+                      </a:endParaRPr>
+                    </a:p>
+                  </a:txBody>
+                  <a:tcPr marL="6197" marR="6197" marT="6197" marB="0" anchor="ctr">
+                    <a:lnL>
+                      <a:noFill/>
+                    </a:lnL>
+                    <a:lnR>
+                      <a:noFill/>
+                    </a:lnR>
+                    <a:lnT>
+                      <a:noFill/>
+                    </a:lnT>
+                    <a:lnB>
+                      <a:noFill/>
+                    </a:lnB>
+                  </a:tcPr>
+                </a:tc>
+                <a:extLst>
+                  <a:ext uri="{0D108BD9-81ED-4DB2-BD59-A6C34878D82A}">
+                    <a16:rowId xmlns:a16="http://schemas.microsoft.com/office/drawing/2014/main" val="354775869"/>
+                  </a:ext>
+                </a:extLst>
+              </a:tr>
+              <a:tr h="154922">
+                <a:tc>
+                  <a:txBody>
+                    <a:bodyPr/>
+                    <a:lstStyle/>
+                    <a:p>
+                      <a:pPr algn="r" fontAlgn="ctr"/>
+                      <a:r>
+                        <a:rPr lang="en-US" sz="700" b="0" i="0" u="none" strike="noStrike" dirty="0">
+                          <a:solidFill>
+                            <a:srgbClr val="000000"/>
+                          </a:solidFill>
+                          <a:effectLst/>
+                          <a:latin typeface="游ゴシック" panose="020B0400000000000000" pitchFamily="50" charset="-128"/>
+                          <a:ea typeface="游ゴシック" panose="020B0400000000000000" pitchFamily="50" charset="-128"/>
+                        </a:rPr>
+                        <a:t>-</a:t>
+                      </a:r>
+                    </a:p>
+                  </a:txBody>
+                  <a:tcPr marL="6197" marR="6197" marT="6197" marB="0" anchor="ctr">
+                    <a:lnL>
+                      <a:noFill/>
+                    </a:lnL>
+                    <a:lnR>
+                      <a:noFill/>
+                    </a:lnR>
+                    <a:lnT>
+                      <a:noFill/>
+                    </a:lnT>
+                    <a:lnB>
+                      <a:noFill/>
+                    </a:lnB>
+                  </a:tcPr>
+                </a:tc>
+                <a:tc>
+                  <a:txBody>
+                    <a:bodyPr/>
+                    <a:lstStyle/>
+                    <a:p>
+                      <a:pPr algn="r" fontAlgn="ctr"/>
+                      <a:r>
+                        <a:rPr lang="en-US" sz="700" b="0" i="0" u="none" strike="noStrike" dirty="0">
+                          <a:solidFill>
+                            <a:srgbClr val="000000"/>
+                          </a:solidFill>
+                          <a:effectLst/>
+                          <a:latin typeface="游ゴシック" panose="020B0400000000000000" pitchFamily="50" charset="-128"/>
+                          <a:ea typeface="游ゴシック" panose="020B0400000000000000" pitchFamily="50" charset="-128"/>
+                        </a:rPr>
+                        <a:t>-</a:t>
+                      </a:r>
+                    </a:p>
+                  </a:txBody>
+                  <a:tcPr marL="6197" marR="6197" marT="6197" marB="0" anchor="ctr">
+                    <a:lnL>
+                      <a:noFill/>
+                    </a:lnL>
+                    <a:lnR>
+                      <a:noFill/>
+                    </a:lnR>
+                    <a:lnT>
+                      <a:noFill/>
+                    </a:lnT>
+                    <a:lnB>
+                      <a:noFill/>
+                    </a:lnB>
+                  </a:tcPr>
+                </a:tc>
+                <a:tc>
+                  <a:txBody>
+                    <a:bodyPr/>
+                    <a:lstStyle/>
+                    <a:p>
+                      <a:pPr algn="r" fontAlgn="ctr"/>
+                      <a:r>
+                        <a:rPr lang="en-US" altLang="ja-JP" sz="700" b="0" i="0" u="none" strike="noStrike" dirty="0">
+                          <a:solidFill>
+                            <a:srgbClr val="000000"/>
+                          </a:solidFill>
+                          <a:effectLst/>
+                          <a:latin typeface="游ゴシック" panose="020B0400000000000000" pitchFamily="50" charset="-128"/>
+                          <a:ea typeface="游ゴシック" panose="020B0400000000000000" pitchFamily="50" charset="-128"/>
+                        </a:rPr>
+                        <a:t>-</a:t>
+                      </a:r>
+                    </a:p>
+                  </a:txBody>
+                  <a:tcPr marL="6197" marR="6197" marT="6197" marB="0" anchor="ctr">
+                    <a:lnL>
+                      <a:noFill/>
+                    </a:lnL>
+                    <a:lnR>
+                      <a:noFill/>
+                    </a:lnR>
+                    <a:lnT>
+                      <a:noFill/>
+                    </a:lnT>
+                    <a:lnB>
+                      <a:noFill/>
+                    </a:lnB>
+                  </a:tcPr>
+                </a:tc>
+                <a:tc>
+                  <a:txBody>
+                    <a:bodyPr/>
+                    <a:lstStyle/>
+                    <a:p>
+                      <a:pPr algn="r" fontAlgn="ctr"/>
+                      <a:r>
+                        <a:rPr lang="en-US" altLang="ja-JP" sz="700" b="0" i="0" u="none" strike="noStrike" dirty="0">
+                          <a:solidFill>
+                            <a:srgbClr val="000000"/>
+                          </a:solidFill>
+                          <a:effectLst/>
+                          <a:latin typeface="游ゴシック" panose="020B0400000000000000" pitchFamily="50" charset="-128"/>
+                          <a:ea typeface="游ゴシック" panose="020B0400000000000000" pitchFamily="50" charset="-128"/>
+                        </a:rPr>
+                        <a:t>-</a:t>
+                      </a:r>
+                    </a:p>
+                  </a:txBody>
+                  <a:tcPr marL="6197" marR="6197" marT="6197" marB="0" anchor="ctr">
+                    <a:lnL>
+                      <a:noFill/>
+                    </a:lnL>
+                    <a:lnR>
+                      <a:noFill/>
+                    </a:lnR>
+                    <a:lnT>
+                      <a:noFill/>
+                    </a:lnT>
+                    <a:lnB>
+                      <a:noFill/>
+                    </a:lnB>
+                  </a:tcPr>
+                </a:tc>
+                <a:tc>
+                  <a:txBody>
+                    <a:bodyPr/>
+                    <a:lstStyle/>
+                    <a:p>
+                      <a:pPr algn="r" fontAlgn="ctr"/>
+                      <a:r>
+                        <a:rPr lang="en-US" altLang="ja-JP" sz="700" b="0" i="0" u="none" strike="noStrike" dirty="0">
+                          <a:solidFill>
+                            <a:srgbClr val="000000"/>
+                          </a:solidFill>
+                          <a:effectLst/>
+                          <a:latin typeface="游ゴシック" panose="020B0400000000000000" pitchFamily="50" charset="-128"/>
+                          <a:ea typeface="游ゴシック" panose="020B0400000000000000" pitchFamily="50" charset="-128"/>
+                        </a:rPr>
+                        <a:t>-</a:t>
+                      </a:r>
+                    </a:p>
+                  </a:txBody>
+                  <a:tcPr marL="6197" marR="6197" marT="6197" marB="0" anchor="ctr">
+                    <a:lnL>
+                      <a:noFill/>
+                    </a:lnL>
+                    <a:lnR>
+                      <a:noFill/>
+                    </a:lnR>
+                    <a:lnT>
+                      <a:noFill/>
+                    </a:lnT>
+                    <a:lnB>
+                      <a:noFill/>
+                    </a:lnB>
+                  </a:tcPr>
+                </a:tc>
+                <a:tc>
+                  <a:txBody>
+                    <a:bodyPr/>
+                    <a:lstStyle/>
+                    <a:p>
+                      <a:pPr algn="r" fontAlgn="ctr"/>
+                      <a:r>
+                        <a:rPr lang="en-US" altLang="ja-JP" sz="700" b="0" i="0" u="none" strike="noStrike" dirty="0">
+                          <a:solidFill>
+                            <a:srgbClr val="000000"/>
+                          </a:solidFill>
+                          <a:effectLst/>
+                          <a:latin typeface="游ゴシック" panose="020B0400000000000000" pitchFamily="50" charset="-128"/>
+                          <a:ea typeface="游ゴシック" panose="020B0400000000000000" pitchFamily="50" charset="-128"/>
+                        </a:rPr>
+                        <a:t>-</a:t>
+                      </a:r>
+                      <a:endParaRPr lang="ja-JP" altLang="en-US" sz="700" b="0" i="0" u="none" strike="noStrike" dirty="0">
+                        <a:solidFill>
+                          <a:srgbClr val="000000"/>
+                        </a:solidFill>
+                        <a:effectLst/>
+                        <a:latin typeface="游ゴシック" panose="020B0400000000000000" pitchFamily="50" charset="-128"/>
+                        <a:ea typeface="游ゴシック" panose="020B0400000000000000" pitchFamily="50" charset="-128"/>
+                      </a:endParaRPr>
+                    </a:p>
+                  </a:txBody>
+                  <a:tcPr marL="6197" marR="6197" marT="6197" marB="0" anchor="ctr">
+                    <a:lnL>
+                      <a:noFill/>
+                    </a:lnL>
+                    <a:lnR>
+                      <a:noFill/>
+                    </a:lnR>
+                    <a:lnT>
+                      <a:noFill/>
+                    </a:lnT>
+                    <a:lnB>
+                      <a:noFill/>
+                    </a:lnB>
+                  </a:tcPr>
+                </a:tc>
+                <a:tc>
+                  <a:txBody>
+                    <a:bodyPr/>
+                    <a:lstStyle/>
+                    <a:p>
+                      <a:pPr algn="r" fontAlgn="ctr"/>
+                      <a:r>
+                        <a:rPr lang="en-US" altLang="ja-JP" sz="700" b="0" i="0" u="none" strike="noStrike" dirty="0">
+                          <a:solidFill>
+                            <a:srgbClr val="000000"/>
+                          </a:solidFill>
+                          <a:effectLst/>
+                          <a:latin typeface="游ゴシック" panose="020B0400000000000000" pitchFamily="50" charset="-128"/>
+                          <a:ea typeface="游ゴシック" panose="020B0400000000000000" pitchFamily="50" charset="-128"/>
+                        </a:rPr>
+                        <a:t>-</a:t>
+                      </a:r>
+                      <a:endParaRPr lang="ja-JP" altLang="en-US" sz="700" b="0" i="0" u="none" strike="noStrike" dirty="0">
+                        <a:solidFill>
+                          <a:srgbClr val="000000"/>
+                        </a:solidFill>
+                        <a:effectLst/>
+                        <a:latin typeface="游ゴシック" panose="020B0400000000000000" pitchFamily="50" charset="-128"/>
+                        <a:ea typeface="游ゴシック" panose="020B0400000000000000" pitchFamily="50" charset="-128"/>
+                      </a:endParaRPr>
+                    </a:p>
+                  </a:txBody>
+                  <a:tcPr marL="6197" marR="6197" marT="6197" marB="0" anchor="ctr">
+                    <a:lnL>
+                      <a:noFill/>
+                    </a:lnL>
+                    <a:lnR>
+                      <a:noFill/>
+                    </a:lnR>
+                    <a:lnT>
+                      <a:noFill/>
+                    </a:lnT>
+                    <a:lnB>
+                      <a:noFill/>
+                    </a:lnB>
+                  </a:tcPr>
+                </a:tc>
+                <a:tc>
+                  <a:txBody>
+                    <a:bodyPr/>
+                    <a:lstStyle/>
+                    <a:p>
+                      <a:pPr algn="r" fontAlgn="ctr"/>
+                      <a:r>
+                        <a:rPr lang="en-US" altLang="ja-JP" sz="700" b="0" i="0" u="none" strike="noStrike" dirty="0">
+                          <a:solidFill>
+                            <a:srgbClr val="000000"/>
+                          </a:solidFill>
+                          <a:effectLst/>
+                          <a:latin typeface="游ゴシック" panose="020B0400000000000000" pitchFamily="50" charset="-128"/>
+                          <a:ea typeface="游ゴシック" panose="020B0400000000000000" pitchFamily="50" charset="-128"/>
+                        </a:rPr>
+                        <a:t>-</a:t>
+                      </a:r>
+                      <a:endParaRPr lang="ja-JP" altLang="en-US" sz="700" b="0" i="0" u="none" strike="noStrike" dirty="0">
+                        <a:solidFill>
+                          <a:srgbClr val="000000"/>
+                        </a:solidFill>
+                        <a:effectLst/>
+                        <a:latin typeface="游ゴシック" panose="020B0400000000000000" pitchFamily="50" charset="-128"/>
+                        <a:ea typeface="游ゴシック" panose="020B0400000000000000" pitchFamily="50" charset="-128"/>
+                      </a:endParaRPr>
+                    </a:p>
+                  </a:txBody>
+                  <a:tcPr marL="6197" marR="6197" marT="6197" marB="0" anchor="ctr">
+                    <a:lnL>
+                      <a:noFill/>
+                    </a:lnL>
+                    <a:lnR>
+                      <a:noFill/>
+                    </a:lnR>
+                    <a:lnT>
+                      <a:noFill/>
+                    </a:lnT>
+                    <a:lnB>
+                      <a:noFill/>
+                    </a:lnB>
+                  </a:tcPr>
+                </a:tc>
+                <a:extLst>
+                  <a:ext uri="{0D108BD9-81ED-4DB2-BD59-A6C34878D82A}">
+                    <a16:rowId xmlns:a16="http://schemas.microsoft.com/office/drawing/2014/main" val="783946725"/>
+                  </a:ext>
+                </a:extLst>
+              </a:tr>
+              <a:tr h="154922">
+                <a:tc>
+                  <a:txBody>
+                    <a:bodyPr/>
+                    <a:lstStyle/>
+                    <a:p>
+                      <a:pPr algn="r" fontAlgn="ctr"/>
+                      <a:r>
+                        <a:rPr lang="en-US" sz="700" b="0" i="0" u="none" strike="noStrike" dirty="0">
+                          <a:solidFill>
+                            <a:srgbClr val="000000"/>
+                          </a:solidFill>
+                          <a:effectLst/>
+                          <a:latin typeface="游ゴシック" panose="020B0400000000000000" pitchFamily="50" charset="-128"/>
+                          <a:ea typeface="游ゴシック" panose="020B0400000000000000" pitchFamily="50" charset="-128"/>
+                        </a:rPr>
+                        <a:t>-</a:t>
+                      </a:r>
+                    </a:p>
+                  </a:txBody>
+                  <a:tcPr marL="6197" marR="6197" marT="6197" marB="0" anchor="ctr">
+                    <a:lnL>
+                      <a:noFill/>
+                    </a:lnL>
+                    <a:lnR>
+                      <a:noFill/>
+                    </a:lnR>
+                    <a:lnT>
+                      <a:noFill/>
+                    </a:lnT>
+                    <a:lnB>
+                      <a:noFill/>
+                    </a:lnB>
+                  </a:tcPr>
+                </a:tc>
+                <a:tc>
+                  <a:txBody>
+                    <a:bodyPr/>
+                    <a:lstStyle/>
+                    <a:p>
+                      <a:pPr algn="r" fontAlgn="ctr"/>
+                      <a:r>
+                        <a:rPr lang="en-US" sz="700" b="0" i="0" u="none" strike="noStrike" dirty="0">
+                          <a:solidFill>
+                            <a:srgbClr val="000000"/>
+                          </a:solidFill>
+                          <a:effectLst/>
+                          <a:latin typeface="游ゴシック" panose="020B0400000000000000" pitchFamily="50" charset="-128"/>
+                          <a:ea typeface="游ゴシック" panose="020B0400000000000000" pitchFamily="50" charset="-128"/>
+                        </a:rPr>
+                        <a:t>-</a:t>
+                      </a:r>
+                    </a:p>
+                  </a:txBody>
+                  <a:tcPr marL="6197" marR="6197" marT="6197" marB="0" anchor="ctr">
+                    <a:lnL>
+                      <a:noFill/>
+                    </a:lnL>
+                    <a:lnR>
+                      <a:noFill/>
+                    </a:lnR>
+                    <a:lnT>
+                      <a:noFill/>
+                    </a:lnT>
+                    <a:lnB>
+                      <a:noFill/>
+                    </a:lnB>
+                  </a:tcPr>
+                </a:tc>
+                <a:tc>
+                  <a:txBody>
+                    <a:bodyPr/>
+                    <a:lstStyle/>
+                    <a:p>
+                      <a:pPr algn="r" fontAlgn="ctr"/>
+                      <a:r>
+                        <a:rPr lang="en-US" altLang="ja-JP" sz="700" b="0" i="0" u="none" strike="noStrike" dirty="0">
+                          <a:solidFill>
+                            <a:srgbClr val="000000"/>
+                          </a:solidFill>
+                          <a:effectLst/>
+                          <a:latin typeface="游ゴシック" panose="020B0400000000000000" pitchFamily="50" charset="-128"/>
+                          <a:ea typeface="游ゴシック" panose="020B0400000000000000" pitchFamily="50" charset="-128"/>
+                        </a:rPr>
+                        <a:t>-</a:t>
+                      </a:r>
+                    </a:p>
+                  </a:txBody>
+                  <a:tcPr marL="6197" marR="6197" marT="6197" marB="0" anchor="ctr">
+                    <a:lnL>
+                      <a:noFill/>
+                    </a:lnL>
+                    <a:lnR>
+                      <a:noFill/>
+                    </a:lnR>
+                    <a:lnT>
+                      <a:noFill/>
+                    </a:lnT>
+                    <a:lnB>
+                      <a:noFill/>
+                    </a:lnB>
+                  </a:tcPr>
+                </a:tc>
+                <a:tc>
+                  <a:txBody>
+                    <a:bodyPr/>
+                    <a:lstStyle/>
+                    <a:p>
+                      <a:pPr algn="r" fontAlgn="ctr"/>
+                      <a:r>
+                        <a:rPr lang="en-US" altLang="ja-JP" sz="700" b="0" i="0" u="none" strike="noStrike" dirty="0">
+                          <a:solidFill>
+                            <a:srgbClr val="000000"/>
+                          </a:solidFill>
+                          <a:effectLst/>
+                          <a:latin typeface="游ゴシック" panose="020B0400000000000000" pitchFamily="50" charset="-128"/>
+                          <a:ea typeface="游ゴシック" panose="020B0400000000000000" pitchFamily="50" charset="-128"/>
+                        </a:rPr>
+                        <a:t>-</a:t>
+                      </a:r>
+                    </a:p>
+                  </a:txBody>
+                  <a:tcPr marL="6197" marR="6197" marT="6197" marB="0" anchor="ctr">
+                    <a:lnL>
+                      <a:noFill/>
+                    </a:lnL>
+                    <a:lnR>
+                      <a:noFill/>
+                    </a:lnR>
+                    <a:lnT>
+                      <a:noFill/>
+                    </a:lnT>
+                    <a:lnB>
+                      <a:noFill/>
+                    </a:lnB>
+                  </a:tcPr>
+                </a:tc>
+                <a:tc>
+                  <a:txBody>
+                    <a:bodyPr/>
+                    <a:lstStyle/>
+                    <a:p>
+                      <a:pPr algn="r" fontAlgn="ctr"/>
+                      <a:r>
+                        <a:rPr lang="en-US" altLang="ja-JP" sz="700" b="0" i="0" u="none" strike="noStrike" dirty="0">
+                          <a:solidFill>
+                            <a:srgbClr val="000000"/>
+                          </a:solidFill>
+                          <a:effectLst/>
+                          <a:latin typeface="游ゴシック" panose="020B0400000000000000" pitchFamily="50" charset="-128"/>
+                          <a:ea typeface="游ゴシック" panose="020B0400000000000000" pitchFamily="50" charset="-128"/>
+                        </a:rPr>
+                        <a:t>-</a:t>
+                      </a:r>
+                    </a:p>
+                  </a:txBody>
+                  <a:tcPr marL="6197" marR="6197" marT="6197" marB="0" anchor="ctr">
+                    <a:lnL>
+                      <a:noFill/>
+                    </a:lnL>
+                    <a:lnR>
+                      <a:noFill/>
+                    </a:lnR>
+                    <a:lnT>
+                      <a:noFill/>
+                    </a:lnT>
+                    <a:lnB>
+                      <a:noFill/>
+                    </a:lnB>
+                  </a:tcPr>
+                </a:tc>
+                <a:tc>
+                  <a:txBody>
+                    <a:bodyPr/>
+                    <a:lstStyle/>
+                    <a:p>
+                      <a:pPr algn="r" fontAlgn="ctr"/>
+                      <a:r>
+                        <a:rPr lang="en-US" altLang="ja-JP" sz="700" b="0" i="0" u="none" strike="noStrike" dirty="0">
+                          <a:solidFill>
+                            <a:srgbClr val="000000"/>
+                          </a:solidFill>
+                          <a:effectLst/>
+                          <a:latin typeface="游ゴシック" panose="020B0400000000000000" pitchFamily="50" charset="-128"/>
+                          <a:ea typeface="游ゴシック" panose="020B0400000000000000" pitchFamily="50" charset="-128"/>
+                        </a:rPr>
+                        <a:t>-</a:t>
+                      </a:r>
+                      <a:endParaRPr lang="ja-JP" altLang="en-US" sz="700" b="0" i="0" u="none" strike="noStrike" dirty="0">
+                        <a:solidFill>
+                          <a:srgbClr val="000000"/>
+                        </a:solidFill>
+                        <a:effectLst/>
+                        <a:latin typeface="游ゴシック" panose="020B0400000000000000" pitchFamily="50" charset="-128"/>
+                        <a:ea typeface="游ゴシック" panose="020B0400000000000000" pitchFamily="50" charset="-128"/>
+                      </a:endParaRPr>
+                    </a:p>
+                  </a:txBody>
+                  <a:tcPr marL="6197" marR="6197" marT="6197" marB="0" anchor="ctr">
+                    <a:lnL>
+                      <a:noFill/>
+                    </a:lnL>
+                    <a:lnR>
+                      <a:noFill/>
+                    </a:lnR>
+                    <a:lnT>
+                      <a:noFill/>
+                    </a:lnT>
+                    <a:lnB>
+                      <a:noFill/>
+                    </a:lnB>
+                  </a:tcPr>
+                </a:tc>
+                <a:tc>
+                  <a:txBody>
+                    <a:bodyPr/>
+                    <a:lstStyle/>
+                    <a:p>
+                      <a:pPr algn="r" fontAlgn="ctr"/>
+                      <a:r>
+                        <a:rPr lang="en-US" altLang="ja-JP" sz="700" b="0" i="0" u="none" strike="noStrike" dirty="0">
+                          <a:solidFill>
+                            <a:srgbClr val="000000"/>
+                          </a:solidFill>
+                          <a:effectLst/>
+                          <a:latin typeface="游ゴシック" panose="020B0400000000000000" pitchFamily="50" charset="-128"/>
+                          <a:ea typeface="游ゴシック" panose="020B0400000000000000" pitchFamily="50" charset="-128"/>
+                        </a:rPr>
+                        <a:t>-</a:t>
+                      </a:r>
+                      <a:endParaRPr lang="ja-JP" altLang="en-US" sz="700" b="0" i="0" u="none" strike="noStrike" dirty="0">
+                        <a:solidFill>
+                          <a:srgbClr val="000000"/>
+                        </a:solidFill>
+                        <a:effectLst/>
+                        <a:latin typeface="游ゴシック" panose="020B0400000000000000" pitchFamily="50" charset="-128"/>
+                        <a:ea typeface="游ゴシック" panose="020B0400000000000000" pitchFamily="50" charset="-128"/>
+                      </a:endParaRPr>
+                    </a:p>
+                  </a:txBody>
+                  <a:tcPr marL="6197" marR="6197" marT="6197" marB="0" anchor="ctr">
+                    <a:lnL>
+                      <a:noFill/>
+                    </a:lnL>
+                    <a:lnR>
+                      <a:noFill/>
+                    </a:lnR>
+                    <a:lnT>
+                      <a:noFill/>
+                    </a:lnT>
+                    <a:lnB>
+                      <a:noFill/>
+                    </a:lnB>
+                  </a:tcPr>
+                </a:tc>
+                <a:tc>
+                  <a:txBody>
+                    <a:bodyPr/>
+                    <a:lstStyle/>
+                    <a:p>
+                      <a:pPr algn="r" fontAlgn="ctr"/>
+                      <a:r>
+                        <a:rPr lang="en-US" altLang="ja-JP" sz="700" b="0" i="0" u="none" strike="noStrike" dirty="0">
+                          <a:solidFill>
+                            <a:srgbClr val="000000"/>
+                          </a:solidFill>
+                          <a:effectLst/>
+                          <a:latin typeface="游ゴシック" panose="020B0400000000000000" pitchFamily="50" charset="-128"/>
+                          <a:ea typeface="游ゴシック" panose="020B0400000000000000" pitchFamily="50" charset="-128"/>
+                        </a:rPr>
+                        <a:t>-</a:t>
+                      </a:r>
+                      <a:endParaRPr lang="ja-JP" altLang="en-US" sz="700" b="0" i="0" u="none" strike="noStrike" dirty="0">
+                        <a:solidFill>
+                          <a:srgbClr val="000000"/>
+                        </a:solidFill>
+                        <a:effectLst/>
+                        <a:latin typeface="游ゴシック" panose="020B0400000000000000" pitchFamily="50" charset="-128"/>
+                        <a:ea typeface="游ゴシック" panose="020B0400000000000000" pitchFamily="50" charset="-128"/>
+                      </a:endParaRPr>
+                    </a:p>
+                  </a:txBody>
+                  <a:tcPr marL="6197" marR="6197" marT="6197" marB="0" anchor="ctr">
+                    <a:lnL>
+                      <a:noFill/>
+                    </a:lnL>
+                    <a:lnR>
+                      <a:noFill/>
+                    </a:lnR>
+                    <a:lnT>
+                      <a:noFill/>
+                    </a:lnT>
+                    <a:lnB>
+                      <a:noFill/>
+                    </a:lnB>
+                  </a:tcPr>
+                </a:tc>
+                <a:extLst>
+                  <a:ext uri="{0D108BD9-81ED-4DB2-BD59-A6C34878D82A}">
+                    <a16:rowId xmlns:a16="http://schemas.microsoft.com/office/drawing/2014/main" val="1198048035"/>
+                  </a:ext>
+                </a:extLst>
+              </a:tr>
+              <a:tr h="154922">
+                <a:tc>
+                  <a:txBody>
+                    <a:bodyPr/>
+                    <a:lstStyle/>
+                    <a:p>
+                      <a:pPr algn="r" fontAlgn="ctr"/>
+                      <a:r>
+                        <a:rPr lang="en-US" sz="700" b="0" i="0" u="none" strike="noStrike" dirty="0">
+                          <a:solidFill>
+                            <a:srgbClr val="000000"/>
+                          </a:solidFill>
+                          <a:effectLst/>
+                          <a:latin typeface="游ゴシック" panose="020B0400000000000000" pitchFamily="50" charset="-128"/>
+                          <a:ea typeface="游ゴシック" panose="020B0400000000000000" pitchFamily="50" charset="-128"/>
+                        </a:rPr>
+                        <a:t>-</a:t>
+                      </a:r>
+                    </a:p>
+                  </a:txBody>
+                  <a:tcPr marL="6197" marR="6197" marT="6197" marB="0" anchor="ctr">
+                    <a:lnL>
+                      <a:noFill/>
+                    </a:lnL>
+                    <a:lnR>
+                      <a:noFill/>
+                    </a:lnR>
+                    <a:lnT>
+                      <a:noFill/>
+                    </a:lnT>
+                    <a:lnB>
+                      <a:noFill/>
+                    </a:lnB>
+                  </a:tcPr>
+                </a:tc>
+                <a:tc>
+                  <a:txBody>
+                    <a:bodyPr/>
+                    <a:lstStyle/>
+                    <a:p>
+                      <a:pPr algn="r" fontAlgn="ctr"/>
+                      <a:r>
+                        <a:rPr lang="en-US" sz="700" b="0" i="0" u="none" strike="noStrike" dirty="0">
+                          <a:solidFill>
+                            <a:srgbClr val="000000"/>
+                          </a:solidFill>
+                          <a:effectLst/>
+                          <a:latin typeface="游ゴシック" panose="020B0400000000000000" pitchFamily="50" charset="-128"/>
+                          <a:ea typeface="游ゴシック" panose="020B0400000000000000" pitchFamily="50" charset="-128"/>
+                        </a:rPr>
+                        <a:t>-</a:t>
+                      </a:r>
+                    </a:p>
+                  </a:txBody>
+                  <a:tcPr marL="6197" marR="6197" marT="6197" marB="0" anchor="ctr">
+                    <a:lnL>
+                      <a:noFill/>
+                    </a:lnL>
+                    <a:lnR>
+                      <a:noFill/>
+                    </a:lnR>
+                    <a:lnT>
+                      <a:noFill/>
+                    </a:lnT>
+                    <a:lnB>
+                      <a:noFill/>
+                    </a:lnB>
+                  </a:tcPr>
+                </a:tc>
+                <a:tc>
+                  <a:txBody>
+                    <a:bodyPr/>
+                    <a:lstStyle/>
+                    <a:p>
+                      <a:pPr algn="r" fontAlgn="ctr"/>
+                      <a:r>
+                        <a:rPr lang="en-US" altLang="ja-JP" sz="700" b="0" i="0" u="none" strike="noStrike" dirty="0">
+                          <a:solidFill>
+                            <a:srgbClr val="000000"/>
+                          </a:solidFill>
+                          <a:effectLst/>
+                          <a:latin typeface="游ゴシック" panose="020B0400000000000000" pitchFamily="50" charset="-128"/>
+                          <a:ea typeface="游ゴシック" panose="020B0400000000000000" pitchFamily="50" charset="-128"/>
+                        </a:rPr>
+                        <a:t>-</a:t>
+                      </a:r>
+                    </a:p>
+                  </a:txBody>
+                  <a:tcPr marL="6197" marR="6197" marT="6197" marB="0" anchor="ctr">
+                    <a:lnL>
+                      <a:noFill/>
+                    </a:lnL>
+                    <a:lnR>
+                      <a:noFill/>
+                    </a:lnR>
+                    <a:lnT>
+                      <a:noFill/>
+                    </a:lnT>
+                    <a:lnB>
+                      <a:noFill/>
+                    </a:lnB>
+                  </a:tcPr>
+                </a:tc>
+                <a:tc>
+                  <a:txBody>
+                    <a:bodyPr/>
+                    <a:lstStyle/>
+                    <a:p>
+                      <a:pPr algn="r" fontAlgn="ctr"/>
+                      <a:r>
+                        <a:rPr lang="en-US" altLang="ja-JP" sz="700" b="0" i="0" u="none" strike="noStrike" dirty="0">
+                          <a:solidFill>
+                            <a:srgbClr val="000000"/>
+                          </a:solidFill>
+                          <a:effectLst/>
+                          <a:latin typeface="游ゴシック" panose="020B0400000000000000" pitchFamily="50" charset="-128"/>
+                          <a:ea typeface="游ゴシック" panose="020B0400000000000000" pitchFamily="50" charset="-128"/>
+                        </a:rPr>
+                        <a:t>-</a:t>
+                      </a:r>
+                    </a:p>
+                  </a:txBody>
+                  <a:tcPr marL="6197" marR="6197" marT="6197" marB="0" anchor="ctr">
+                    <a:lnL>
+                      <a:noFill/>
+                    </a:lnL>
+                    <a:lnR>
+                      <a:noFill/>
+                    </a:lnR>
+                    <a:lnT>
+                      <a:noFill/>
+                    </a:lnT>
+                    <a:lnB>
+                      <a:noFill/>
+                    </a:lnB>
+                  </a:tcPr>
+                </a:tc>
+                <a:tc>
+                  <a:txBody>
+                    <a:bodyPr/>
+                    <a:lstStyle/>
+                    <a:p>
+                      <a:pPr algn="r" fontAlgn="ctr"/>
+                      <a:r>
+                        <a:rPr lang="en-US" altLang="ja-JP" sz="700" b="0" i="0" u="none" strike="noStrike" dirty="0">
+                          <a:solidFill>
+                            <a:srgbClr val="000000"/>
+                          </a:solidFill>
+                          <a:effectLst/>
+                          <a:latin typeface="游ゴシック" panose="020B0400000000000000" pitchFamily="50" charset="-128"/>
+                          <a:ea typeface="游ゴシック" panose="020B0400000000000000" pitchFamily="50" charset="-128"/>
+                        </a:rPr>
+                        <a:t>-</a:t>
+                      </a:r>
+                    </a:p>
+                  </a:txBody>
+                  <a:tcPr marL="6197" marR="6197" marT="6197" marB="0" anchor="ctr">
+                    <a:lnL>
+                      <a:noFill/>
+                    </a:lnL>
+                    <a:lnR>
+                      <a:noFill/>
+                    </a:lnR>
+                    <a:lnT>
+                      <a:noFill/>
+                    </a:lnT>
+                    <a:lnB>
+                      <a:noFill/>
+                    </a:lnB>
+                  </a:tcPr>
+                </a:tc>
+                <a:tc>
+                  <a:txBody>
+                    <a:bodyPr/>
+                    <a:lstStyle/>
+                    <a:p>
+                      <a:pPr algn="r" fontAlgn="ctr"/>
+                      <a:r>
+                        <a:rPr lang="en-US" altLang="ja-JP" sz="700" b="0" i="0" u="none" strike="noStrike" dirty="0">
+                          <a:solidFill>
+                            <a:srgbClr val="000000"/>
+                          </a:solidFill>
+                          <a:effectLst/>
+                          <a:latin typeface="游ゴシック" panose="020B0400000000000000" pitchFamily="50" charset="-128"/>
+                          <a:ea typeface="游ゴシック" panose="020B0400000000000000" pitchFamily="50" charset="-128"/>
+                        </a:rPr>
+                        <a:t>-</a:t>
+                      </a:r>
+                      <a:endParaRPr lang="ja-JP" altLang="en-US" sz="700" b="0" i="0" u="none" strike="noStrike" dirty="0">
+                        <a:solidFill>
+                          <a:srgbClr val="000000"/>
+                        </a:solidFill>
+                        <a:effectLst/>
+                        <a:latin typeface="游ゴシック" panose="020B0400000000000000" pitchFamily="50" charset="-128"/>
+                        <a:ea typeface="游ゴシック" panose="020B0400000000000000" pitchFamily="50" charset="-128"/>
+                      </a:endParaRPr>
+                    </a:p>
+                  </a:txBody>
+                  <a:tcPr marL="6197" marR="6197" marT="6197" marB="0" anchor="ctr">
+                    <a:lnL>
+                      <a:noFill/>
+                    </a:lnL>
+                    <a:lnR>
+                      <a:noFill/>
+                    </a:lnR>
+                    <a:lnT>
+                      <a:noFill/>
+                    </a:lnT>
+                    <a:lnB>
+                      <a:noFill/>
+                    </a:lnB>
+                  </a:tcPr>
+                </a:tc>
+                <a:tc>
+                  <a:txBody>
+                    <a:bodyPr/>
+                    <a:lstStyle/>
+                    <a:p>
+                      <a:pPr algn="r" fontAlgn="ctr"/>
+                      <a:r>
+                        <a:rPr lang="en-US" altLang="ja-JP" sz="700" b="0" i="0" u="none" strike="noStrike" dirty="0">
+                          <a:solidFill>
+                            <a:srgbClr val="000000"/>
+                          </a:solidFill>
+                          <a:effectLst/>
+                          <a:latin typeface="游ゴシック" panose="020B0400000000000000" pitchFamily="50" charset="-128"/>
+                          <a:ea typeface="游ゴシック" panose="020B0400000000000000" pitchFamily="50" charset="-128"/>
+                        </a:rPr>
+                        <a:t>-</a:t>
+                      </a:r>
+                      <a:endParaRPr lang="ja-JP" altLang="en-US" sz="700" b="0" i="0" u="none" strike="noStrike" dirty="0">
+                        <a:solidFill>
+                          <a:srgbClr val="000000"/>
+                        </a:solidFill>
+                        <a:effectLst/>
+                        <a:latin typeface="游ゴシック" panose="020B0400000000000000" pitchFamily="50" charset="-128"/>
+                        <a:ea typeface="游ゴシック" panose="020B0400000000000000" pitchFamily="50" charset="-128"/>
+                      </a:endParaRPr>
+                    </a:p>
+                  </a:txBody>
+                  <a:tcPr marL="6197" marR="6197" marT="6197" marB="0" anchor="ctr">
+                    <a:lnL>
+                      <a:noFill/>
+                    </a:lnL>
+                    <a:lnR>
+                      <a:noFill/>
+                    </a:lnR>
+                    <a:lnT>
+                      <a:noFill/>
+                    </a:lnT>
+                    <a:lnB>
+                      <a:noFill/>
+                    </a:lnB>
+                  </a:tcPr>
+                </a:tc>
+                <a:tc>
+                  <a:txBody>
+                    <a:bodyPr/>
+                    <a:lstStyle/>
+                    <a:p>
+                      <a:pPr algn="r" fontAlgn="ctr"/>
+                      <a:r>
+                        <a:rPr lang="en-US" altLang="ja-JP" sz="700" b="0" i="0" u="none" strike="noStrike" dirty="0">
+                          <a:solidFill>
+                            <a:srgbClr val="000000"/>
+                          </a:solidFill>
+                          <a:effectLst/>
+                          <a:latin typeface="游ゴシック" panose="020B0400000000000000" pitchFamily="50" charset="-128"/>
+                          <a:ea typeface="游ゴシック" panose="020B0400000000000000" pitchFamily="50" charset="-128"/>
+                        </a:rPr>
+                        <a:t>-</a:t>
+                      </a:r>
+                      <a:endParaRPr lang="ja-JP" altLang="en-US" sz="700" b="0" i="0" u="none" strike="noStrike" dirty="0">
+                        <a:solidFill>
+                          <a:srgbClr val="000000"/>
+                        </a:solidFill>
+                        <a:effectLst/>
+                        <a:latin typeface="游ゴシック" panose="020B0400000000000000" pitchFamily="50" charset="-128"/>
+                        <a:ea typeface="游ゴシック" panose="020B0400000000000000" pitchFamily="50" charset="-128"/>
+                      </a:endParaRPr>
+                    </a:p>
+                  </a:txBody>
+                  <a:tcPr marL="6197" marR="6197" marT="6197" marB="0" anchor="ctr">
+                    <a:lnL>
+                      <a:noFill/>
+                    </a:lnL>
+                    <a:lnR>
+                      <a:noFill/>
+                    </a:lnR>
+                    <a:lnT>
+                      <a:noFill/>
+                    </a:lnT>
+                    <a:lnB>
+                      <a:noFill/>
+                    </a:lnB>
+                  </a:tcPr>
+                </a:tc>
+                <a:extLst>
+                  <a:ext uri="{0D108BD9-81ED-4DB2-BD59-A6C34878D82A}">
+                    <a16:rowId xmlns:a16="http://schemas.microsoft.com/office/drawing/2014/main" val="173406187"/>
+                  </a:ext>
+                </a:extLst>
+              </a:tr>
+              <a:tr h="154922">
+                <a:tc>
+                  <a:txBody>
+                    <a:bodyPr/>
+                    <a:lstStyle/>
+                    <a:p>
+                      <a:pPr algn="r" fontAlgn="ctr"/>
+                      <a:r>
+                        <a:rPr lang="en-US" sz="700" b="0" i="0" u="none" strike="noStrike" dirty="0">
+                          <a:solidFill>
+                            <a:srgbClr val="000000"/>
+                          </a:solidFill>
+                          <a:effectLst/>
+                          <a:latin typeface="游ゴシック" panose="020B0400000000000000" pitchFamily="50" charset="-128"/>
+                          <a:ea typeface="游ゴシック" panose="020B0400000000000000" pitchFamily="50" charset="-128"/>
+                        </a:rPr>
+                        <a:t>-</a:t>
+                      </a:r>
+                    </a:p>
+                  </a:txBody>
+                  <a:tcPr marL="6197" marR="6197" marT="6197" marB="0" anchor="ctr">
+                    <a:lnL>
+                      <a:noFill/>
+                    </a:lnL>
+                    <a:lnR>
+                      <a:noFill/>
+                    </a:lnR>
+                    <a:lnT>
+                      <a:noFill/>
+                    </a:lnT>
+                    <a:lnB>
+                      <a:noFill/>
+                    </a:lnB>
+                  </a:tcPr>
+                </a:tc>
+                <a:tc>
+                  <a:txBody>
+                    <a:bodyPr/>
+                    <a:lstStyle/>
+                    <a:p>
+                      <a:pPr algn="r" fontAlgn="ctr"/>
+                      <a:r>
+                        <a:rPr lang="en-US" sz="700" b="0" i="0" u="none" strike="noStrike" dirty="0">
+                          <a:solidFill>
+                            <a:srgbClr val="000000"/>
+                          </a:solidFill>
+                          <a:effectLst/>
+                          <a:latin typeface="游ゴシック" panose="020B0400000000000000" pitchFamily="50" charset="-128"/>
+                          <a:ea typeface="游ゴシック" panose="020B0400000000000000" pitchFamily="50" charset="-128"/>
+                        </a:rPr>
+                        <a:t>-</a:t>
+                      </a:r>
+                    </a:p>
+                  </a:txBody>
+                  <a:tcPr marL="6197" marR="6197" marT="6197" marB="0" anchor="ctr">
+                    <a:lnL>
+                      <a:noFill/>
+                    </a:lnL>
+                    <a:lnR>
+                      <a:noFill/>
+                    </a:lnR>
+                    <a:lnT>
+                      <a:noFill/>
+                    </a:lnT>
+                    <a:lnB>
+                      <a:noFill/>
+                    </a:lnB>
+                  </a:tcPr>
+                </a:tc>
+                <a:tc>
+                  <a:txBody>
+                    <a:bodyPr/>
+                    <a:lstStyle/>
+                    <a:p>
+                      <a:pPr algn="r" fontAlgn="ctr"/>
+                      <a:r>
+                        <a:rPr lang="en-US" altLang="ja-JP" sz="700" b="0" i="0" u="none" strike="noStrike" dirty="0">
+                          <a:solidFill>
+                            <a:srgbClr val="000000"/>
+                          </a:solidFill>
+                          <a:effectLst/>
+                          <a:latin typeface="游ゴシック" panose="020B0400000000000000" pitchFamily="50" charset="-128"/>
+                          <a:ea typeface="游ゴシック" panose="020B0400000000000000" pitchFamily="50" charset="-128"/>
+                        </a:rPr>
+                        <a:t>-</a:t>
+                      </a:r>
+                    </a:p>
+                  </a:txBody>
+                  <a:tcPr marL="6197" marR="6197" marT="6197" marB="0" anchor="ctr">
+                    <a:lnL>
+                      <a:noFill/>
+                    </a:lnL>
+                    <a:lnR>
+                      <a:noFill/>
+                    </a:lnR>
+                    <a:lnT>
+                      <a:noFill/>
+                    </a:lnT>
+                    <a:lnB>
+                      <a:noFill/>
+                    </a:lnB>
+                  </a:tcPr>
+                </a:tc>
+                <a:tc>
+                  <a:txBody>
+                    <a:bodyPr/>
+                    <a:lstStyle/>
+                    <a:p>
+                      <a:pPr algn="r" fontAlgn="ctr"/>
+                      <a:r>
+                        <a:rPr lang="en-US" altLang="ja-JP" sz="700" b="0" i="0" u="none" strike="noStrike" dirty="0">
+                          <a:solidFill>
+                            <a:srgbClr val="000000"/>
+                          </a:solidFill>
+                          <a:effectLst/>
+                          <a:latin typeface="游ゴシック" panose="020B0400000000000000" pitchFamily="50" charset="-128"/>
+                          <a:ea typeface="游ゴシック" panose="020B0400000000000000" pitchFamily="50" charset="-128"/>
+                        </a:rPr>
+                        <a:t>-</a:t>
+                      </a:r>
+                    </a:p>
+                  </a:txBody>
+                  <a:tcPr marL="6197" marR="6197" marT="6197" marB="0" anchor="ctr">
+                    <a:lnL>
+                      <a:noFill/>
+                    </a:lnL>
+                    <a:lnR>
+                      <a:noFill/>
+                    </a:lnR>
+                    <a:lnT>
+                      <a:noFill/>
+                    </a:lnT>
+                    <a:lnB>
+                      <a:noFill/>
+                    </a:lnB>
+                  </a:tcPr>
+                </a:tc>
+                <a:tc>
+                  <a:txBody>
+                    <a:bodyPr/>
+                    <a:lstStyle/>
+                    <a:p>
+                      <a:pPr algn="r" fontAlgn="ctr"/>
+                      <a:r>
+                        <a:rPr lang="en-US" altLang="ja-JP" sz="700" b="0" i="0" u="none" strike="noStrike" dirty="0">
+                          <a:solidFill>
+                            <a:srgbClr val="000000"/>
+                          </a:solidFill>
+                          <a:effectLst/>
+                          <a:latin typeface="游ゴシック" panose="020B0400000000000000" pitchFamily="50" charset="-128"/>
+                          <a:ea typeface="游ゴシック" panose="020B0400000000000000" pitchFamily="50" charset="-128"/>
+                        </a:rPr>
+                        <a:t>-</a:t>
+                      </a:r>
+                    </a:p>
+                  </a:txBody>
+                  <a:tcPr marL="6197" marR="6197" marT="6197" marB="0" anchor="ctr">
+                    <a:lnL>
+                      <a:noFill/>
+                    </a:lnL>
+                    <a:lnR>
+                      <a:noFill/>
+                    </a:lnR>
+                    <a:lnT>
+                      <a:noFill/>
+                    </a:lnT>
+                    <a:lnB>
+                      <a:noFill/>
+                    </a:lnB>
+                  </a:tcPr>
+                </a:tc>
+                <a:tc>
+                  <a:txBody>
+                    <a:bodyPr/>
+                    <a:lstStyle/>
+                    <a:p>
+                      <a:pPr algn="r" fontAlgn="ctr"/>
+                      <a:r>
+                        <a:rPr lang="en-US" altLang="ja-JP" sz="700" b="0" i="0" u="none" strike="noStrike" dirty="0">
+                          <a:solidFill>
+                            <a:srgbClr val="000000"/>
+                          </a:solidFill>
+                          <a:effectLst/>
+                          <a:latin typeface="游ゴシック" panose="020B0400000000000000" pitchFamily="50" charset="-128"/>
+                          <a:ea typeface="游ゴシック" panose="020B0400000000000000" pitchFamily="50" charset="-128"/>
+                        </a:rPr>
+                        <a:t>-</a:t>
+                      </a:r>
+                      <a:endParaRPr lang="ja-JP" altLang="en-US" sz="700" b="0" i="0" u="none" strike="noStrike" dirty="0">
+                        <a:solidFill>
+                          <a:srgbClr val="000000"/>
+                        </a:solidFill>
+                        <a:effectLst/>
+                        <a:latin typeface="游ゴシック" panose="020B0400000000000000" pitchFamily="50" charset="-128"/>
+                        <a:ea typeface="游ゴシック" panose="020B0400000000000000" pitchFamily="50" charset="-128"/>
+                      </a:endParaRPr>
+                    </a:p>
+                  </a:txBody>
+                  <a:tcPr marL="6197" marR="6197" marT="6197" marB="0" anchor="ctr">
+                    <a:lnL>
+                      <a:noFill/>
+                    </a:lnL>
+                    <a:lnR>
+                      <a:noFill/>
+                    </a:lnR>
+                    <a:lnT>
+                      <a:noFill/>
+                    </a:lnT>
+                    <a:lnB>
+                      <a:noFill/>
+                    </a:lnB>
+                  </a:tcPr>
+                </a:tc>
+                <a:tc>
+                  <a:txBody>
+                    <a:bodyPr/>
+                    <a:lstStyle/>
+                    <a:p>
+                      <a:pPr algn="r" fontAlgn="ctr"/>
+                      <a:r>
+                        <a:rPr lang="en-US" altLang="ja-JP" sz="700" b="0" i="0" u="none" strike="noStrike" dirty="0">
+                          <a:solidFill>
+                            <a:srgbClr val="000000"/>
+                          </a:solidFill>
+                          <a:effectLst/>
+                          <a:latin typeface="游ゴシック" panose="020B0400000000000000" pitchFamily="50" charset="-128"/>
+                          <a:ea typeface="游ゴシック" panose="020B0400000000000000" pitchFamily="50" charset="-128"/>
+                        </a:rPr>
+                        <a:t>-</a:t>
+                      </a:r>
+                      <a:endParaRPr lang="ja-JP" altLang="en-US" sz="700" b="0" i="0" u="none" strike="noStrike" dirty="0">
+                        <a:solidFill>
+                          <a:srgbClr val="000000"/>
+                        </a:solidFill>
+                        <a:effectLst/>
+                        <a:latin typeface="游ゴシック" panose="020B0400000000000000" pitchFamily="50" charset="-128"/>
+                        <a:ea typeface="游ゴシック" panose="020B0400000000000000" pitchFamily="50" charset="-128"/>
+                      </a:endParaRPr>
+                    </a:p>
+                  </a:txBody>
+                  <a:tcPr marL="6197" marR="6197" marT="6197" marB="0" anchor="ctr">
+                    <a:lnL>
+                      <a:noFill/>
+                    </a:lnL>
+                    <a:lnR>
+                      <a:noFill/>
+                    </a:lnR>
+                    <a:lnT>
+                      <a:noFill/>
+                    </a:lnT>
+                    <a:lnB>
+                      <a:noFill/>
+                    </a:lnB>
+                  </a:tcPr>
+                </a:tc>
+                <a:tc>
+                  <a:txBody>
+                    <a:bodyPr/>
+                    <a:lstStyle/>
+                    <a:p>
+                      <a:pPr algn="r" fontAlgn="ctr"/>
+                      <a:r>
+                        <a:rPr lang="en-US" altLang="ja-JP" sz="700" b="0" i="0" u="none" strike="noStrike" dirty="0">
+                          <a:solidFill>
+                            <a:srgbClr val="000000"/>
+                          </a:solidFill>
+                          <a:effectLst/>
+                          <a:latin typeface="游ゴシック" panose="020B0400000000000000" pitchFamily="50" charset="-128"/>
+                          <a:ea typeface="游ゴシック" panose="020B0400000000000000" pitchFamily="50" charset="-128"/>
+                        </a:rPr>
+                        <a:t>-</a:t>
+                      </a:r>
+                      <a:endParaRPr lang="ja-JP" altLang="en-US" sz="700" b="0" i="0" u="none" strike="noStrike" dirty="0">
+                        <a:solidFill>
+                          <a:srgbClr val="000000"/>
+                        </a:solidFill>
+                        <a:effectLst/>
+                        <a:latin typeface="游ゴシック" panose="020B0400000000000000" pitchFamily="50" charset="-128"/>
+                        <a:ea typeface="游ゴシック" panose="020B0400000000000000" pitchFamily="50" charset="-128"/>
+                      </a:endParaRPr>
+                    </a:p>
+                  </a:txBody>
+                  <a:tcPr marL="6197" marR="6197" marT="6197" marB="0" anchor="ctr">
+                    <a:lnL>
+                      <a:noFill/>
+                    </a:lnL>
+                    <a:lnR>
+                      <a:noFill/>
+                    </a:lnR>
+                    <a:lnT>
+                      <a:noFill/>
+                    </a:lnT>
+                    <a:lnB>
+                      <a:noFill/>
+                    </a:lnB>
+                  </a:tcPr>
+                </a:tc>
+                <a:extLst>
+                  <a:ext uri="{0D108BD9-81ED-4DB2-BD59-A6C34878D82A}">
+                    <a16:rowId xmlns:a16="http://schemas.microsoft.com/office/drawing/2014/main" val="1481227944"/>
+                  </a:ext>
+                </a:extLst>
+              </a:tr>
+              <a:tr h="154922">
+                <a:tc>
+                  <a:txBody>
+                    <a:bodyPr/>
+                    <a:lstStyle/>
+                    <a:p>
+                      <a:pPr algn="r" fontAlgn="ctr"/>
+                      <a:r>
+                        <a:rPr lang="en-US" sz="700" b="0" i="0" u="none" strike="noStrike" dirty="0">
+                          <a:solidFill>
+                            <a:srgbClr val="000000"/>
+                          </a:solidFill>
+                          <a:effectLst/>
+                          <a:latin typeface="游ゴシック" panose="020B0400000000000000" pitchFamily="50" charset="-128"/>
+                          <a:ea typeface="游ゴシック" panose="020B0400000000000000" pitchFamily="50" charset="-128"/>
+                        </a:rPr>
+                        <a:t>-</a:t>
+                      </a:r>
+                    </a:p>
+                  </a:txBody>
+                  <a:tcPr marL="6197" marR="6197" marT="6197" marB="0" anchor="ctr">
+                    <a:lnL>
+                      <a:noFill/>
+                    </a:lnL>
+                    <a:lnR>
+                      <a:noFill/>
+                    </a:lnR>
+                    <a:lnT>
+                      <a:noFill/>
+                    </a:lnT>
+                    <a:lnB>
+                      <a:noFill/>
+                    </a:lnB>
+                  </a:tcPr>
+                </a:tc>
+                <a:tc>
+                  <a:txBody>
+                    <a:bodyPr/>
+                    <a:lstStyle/>
+                    <a:p>
+                      <a:pPr algn="r" fontAlgn="ctr"/>
+                      <a:r>
+                        <a:rPr lang="en-US" sz="700" b="0" i="0" u="none" strike="noStrike" dirty="0">
+                          <a:solidFill>
+                            <a:srgbClr val="000000"/>
+                          </a:solidFill>
+                          <a:effectLst/>
+                          <a:latin typeface="游ゴシック" panose="020B0400000000000000" pitchFamily="50" charset="-128"/>
+                          <a:ea typeface="游ゴシック" panose="020B0400000000000000" pitchFamily="50" charset="-128"/>
+                        </a:rPr>
+                        <a:t>-</a:t>
+                      </a:r>
+                    </a:p>
+                  </a:txBody>
+                  <a:tcPr marL="6197" marR="6197" marT="6197" marB="0" anchor="ctr">
+                    <a:lnL>
+                      <a:noFill/>
+                    </a:lnL>
+                    <a:lnR>
+                      <a:noFill/>
+                    </a:lnR>
+                    <a:lnT>
+                      <a:noFill/>
+                    </a:lnT>
+                    <a:lnB>
+                      <a:noFill/>
+                    </a:lnB>
+                  </a:tcPr>
+                </a:tc>
+                <a:tc>
+                  <a:txBody>
+                    <a:bodyPr/>
+                    <a:lstStyle/>
+                    <a:p>
+                      <a:pPr algn="r" fontAlgn="ctr"/>
+                      <a:r>
+                        <a:rPr lang="en-US" altLang="ja-JP" sz="700" b="0" i="0" u="none" strike="noStrike" dirty="0">
+                          <a:solidFill>
+                            <a:srgbClr val="000000"/>
+                          </a:solidFill>
+                          <a:effectLst/>
+                          <a:latin typeface="游ゴシック" panose="020B0400000000000000" pitchFamily="50" charset="-128"/>
+                          <a:ea typeface="游ゴシック" panose="020B0400000000000000" pitchFamily="50" charset="-128"/>
+                        </a:rPr>
+                        <a:t>-</a:t>
+                      </a:r>
+                    </a:p>
+                  </a:txBody>
+                  <a:tcPr marL="6197" marR="6197" marT="6197" marB="0" anchor="ctr">
+                    <a:lnL>
+                      <a:noFill/>
+                    </a:lnL>
+                    <a:lnR>
+                      <a:noFill/>
+                    </a:lnR>
+                    <a:lnT>
+                      <a:noFill/>
+                    </a:lnT>
+                    <a:lnB>
+                      <a:noFill/>
+                    </a:lnB>
+                  </a:tcPr>
+                </a:tc>
+                <a:tc>
+                  <a:txBody>
+                    <a:bodyPr/>
+                    <a:lstStyle/>
+                    <a:p>
+                      <a:pPr algn="r" fontAlgn="ctr"/>
+                      <a:r>
+                        <a:rPr lang="en-US" altLang="ja-JP" sz="700" b="0" i="0" u="none" strike="noStrike" dirty="0">
+                          <a:solidFill>
+                            <a:srgbClr val="000000"/>
+                          </a:solidFill>
+                          <a:effectLst/>
+                          <a:latin typeface="游ゴシック" panose="020B0400000000000000" pitchFamily="50" charset="-128"/>
+                          <a:ea typeface="游ゴシック" panose="020B0400000000000000" pitchFamily="50" charset="-128"/>
+                        </a:rPr>
+                        <a:t>-</a:t>
+                      </a:r>
+                    </a:p>
+                  </a:txBody>
+                  <a:tcPr marL="6197" marR="6197" marT="6197" marB="0" anchor="ctr">
+                    <a:lnL>
+                      <a:noFill/>
+                    </a:lnL>
+                    <a:lnR>
+                      <a:noFill/>
+                    </a:lnR>
+                    <a:lnT>
+                      <a:noFill/>
+                    </a:lnT>
+                    <a:lnB>
+                      <a:noFill/>
+                    </a:lnB>
+                  </a:tcPr>
+                </a:tc>
+                <a:tc>
+                  <a:txBody>
+                    <a:bodyPr/>
+                    <a:lstStyle/>
+                    <a:p>
+                      <a:pPr algn="r" fontAlgn="ctr"/>
+                      <a:r>
+                        <a:rPr lang="en-US" altLang="ja-JP" sz="700" b="0" i="0" u="none" strike="noStrike" dirty="0">
+                          <a:solidFill>
+                            <a:srgbClr val="000000"/>
+                          </a:solidFill>
+                          <a:effectLst/>
+                          <a:latin typeface="游ゴシック" panose="020B0400000000000000" pitchFamily="50" charset="-128"/>
+                          <a:ea typeface="游ゴシック" panose="020B0400000000000000" pitchFamily="50" charset="-128"/>
+                        </a:rPr>
+                        <a:t>-</a:t>
+                      </a:r>
+                    </a:p>
+                  </a:txBody>
+                  <a:tcPr marL="6197" marR="6197" marT="6197" marB="0" anchor="ctr">
+                    <a:lnL>
+                      <a:noFill/>
+                    </a:lnL>
+                    <a:lnR>
+                      <a:noFill/>
+                    </a:lnR>
+                    <a:lnT>
+                      <a:noFill/>
+                    </a:lnT>
+                    <a:lnB>
+                      <a:noFill/>
+                    </a:lnB>
+                  </a:tcPr>
+                </a:tc>
+                <a:tc>
+                  <a:txBody>
+                    <a:bodyPr/>
+                    <a:lstStyle/>
+                    <a:p>
+                      <a:pPr algn="r" fontAlgn="ctr"/>
+                      <a:r>
+                        <a:rPr lang="en-US" sz="700" b="0" i="0" u="none" strike="noStrike" dirty="0">
+                          <a:solidFill>
+                            <a:srgbClr val="000000"/>
+                          </a:solidFill>
+                          <a:effectLst/>
+                          <a:latin typeface="游ゴシック" panose="020B0400000000000000" pitchFamily="50" charset="-128"/>
+                          <a:ea typeface="游ゴシック" panose="020B0400000000000000" pitchFamily="50" charset="-128"/>
+                        </a:rPr>
+                        <a:t>-</a:t>
+                      </a:r>
+                    </a:p>
+                  </a:txBody>
+                  <a:tcPr marL="6197" marR="6197" marT="6197" marB="0" anchor="ctr">
+                    <a:lnL>
+                      <a:noFill/>
+                    </a:lnL>
+                    <a:lnR>
+                      <a:noFill/>
+                    </a:lnR>
+                    <a:lnT>
+                      <a:noFill/>
+                    </a:lnT>
+                    <a:lnB>
+                      <a:noFill/>
+                    </a:lnB>
+                  </a:tcPr>
+                </a:tc>
+                <a:tc>
+                  <a:txBody>
+                    <a:bodyPr/>
+                    <a:lstStyle/>
+                    <a:p>
+                      <a:pPr algn="r" fontAlgn="ctr"/>
+                      <a:r>
+                        <a:rPr lang="en-US" altLang="ja-JP" sz="700" b="0" i="0" u="none" strike="noStrike" dirty="0">
+                          <a:solidFill>
+                            <a:srgbClr val="000000"/>
+                          </a:solidFill>
+                          <a:effectLst/>
+                          <a:latin typeface="游ゴシック" panose="020B0400000000000000" pitchFamily="50" charset="-128"/>
+                          <a:ea typeface="游ゴシック" panose="020B0400000000000000" pitchFamily="50" charset="-128"/>
+                        </a:rPr>
+                        <a:t>-</a:t>
+                      </a:r>
+                      <a:endParaRPr lang="ja-JP" altLang="en-US" sz="700" b="0" i="0" u="none" strike="noStrike" dirty="0">
+                        <a:solidFill>
+                          <a:srgbClr val="000000"/>
+                        </a:solidFill>
+                        <a:effectLst/>
+                        <a:latin typeface="游ゴシック" panose="020B0400000000000000" pitchFamily="50" charset="-128"/>
+                        <a:ea typeface="游ゴシック" panose="020B0400000000000000" pitchFamily="50" charset="-128"/>
+                      </a:endParaRPr>
+                    </a:p>
+                  </a:txBody>
+                  <a:tcPr marL="6197" marR="6197" marT="6197" marB="0" anchor="ctr">
+                    <a:lnL>
+                      <a:noFill/>
+                    </a:lnL>
+                    <a:lnR>
+                      <a:noFill/>
+                    </a:lnR>
+                    <a:lnT>
+                      <a:noFill/>
+                    </a:lnT>
+                    <a:lnB>
+                      <a:noFill/>
+                    </a:lnB>
+                  </a:tcPr>
+                </a:tc>
+                <a:tc>
+                  <a:txBody>
+                    <a:bodyPr/>
+                    <a:lstStyle/>
+                    <a:p>
+                      <a:pPr algn="r" fontAlgn="ctr"/>
+                      <a:r>
+                        <a:rPr lang="en-US" sz="700" b="0" i="0" u="none" strike="noStrike" dirty="0">
+                          <a:solidFill>
+                            <a:srgbClr val="000000"/>
+                          </a:solidFill>
+                          <a:effectLst/>
+                          <a:latin typeface="游ゴシック" panose="020B0400000000000000" pitchFamily="50" charset="-128"/>
+                          <a:ea typeface="游ゴシック" panose="020B0400000000000000" pitchFamily="50" charset="-128"/>
+                        </a:rPr>
+                        <a:t>-</a:t>
+                      </a:r>
+                    </a:p>
+                  </a:txBody>
+                  <a:tcPr marL="6197" marR="6197" marT="6197" marB="0" anchor="ctr">
+                    <a:lnL>
+                      <a:noFill/>
+                    </a:lnL>
+                    <a:lnR>
+                      <a:noFill/>
+                    </a:lnR>
+                    <a:lnT>
+                      <a:noFill/>
+                    </a:lnT>
+                    <a:lnB>
+                      <a:noFill/>
+                    </a:lnB>
+                  </a:tcPr>
+                </a:tc>
+                <a:extLst>
+                  <a:ext uri="{0D108BD9-81ED-4DB2-BD59-A6C34878D82A}">
+                    <a16:rowId xmlns:a16="http://schemas.microsoft.com/office/drawing/2014/main" val="4038425461"/>
+                  </a:ext>
+                </a:extLst>
+              </a:tr>
+              <a:tr h="154922">
+                <a:tc>
+                  <a:txBody>
+                    <a:bodyPr/>
+                    <a:lstStyle/>
+                    <a:p>
+                      <a:pPr algn="r" fontAlgn="ctr"/>
+                      <a:r>
+                        <a:rPr lang="en-US" sz="700" b="0" i="0" u="none" strike="noStrike" dirty="0">
+                          <a:solidFill>
+                            <a:srgbClr val="000000"/>
+                          </a:solidFill>
+                          <a:effectLst/>
+                          <a:latin typeface="游ゴシック" panose="020B0400000000000000" pitchFamily="50" charset="-128"/>
+                          <a:ea typeface="游ゴシック" panose="020B0400000000000000" pitchFamily="50" charset="-128"/>
+                        </a:rPr>
+                        <a:t>-</a:t>
+                      </a:r>
+                    </a:p>
+                  </a:txBody>
+                  <a:tcPr marL="6197" marR="6197" marT="6197" marB="0" anchor="ctr">
+                    <a:lnL>
+                      <a:noFill/>
+                    </a:lnL>
+                    <a:lnR>
+                      <a:noFill/>
+                    </a:lnR>
+                    <a:lnT>
+                      <a:noFill/>
+                    </a:lnT>
+                    <a:lnB>
+                      <a:noFill/>
+                    </a:lnB>
+                  </a:tcPr>
+                </a:tc>
+                <a:tc>
+                  <a:txBody>
+                    <a:bodyPr/>
+                    <a:lstStyle/>
+                    <a:p>
+                      <a:pPr algn="r" fontAlgn="ctr"/>
+                      <a:r>
+                        <a:rPr lang="en-US" sz="700" b="0" i="0" u="none" strike="noStrike" dirty="0">
+                          <a:solidFill>
+                            <a:srgbClr val="000000"/>
+                          </a:solidFill>
+                          <a:effectLst/>
+                          <a:latin typeface="游ゴシック" panose="020B0400000000000000" pitchFamily="50" charset="-128"/>
+                          <a:ea typeface="游ゴシック" panose="020B0400000000000000" pitchFamily="50" charset="-128"/>
+                        </a:rPr>
+                        <a:t>-</a:t>
+                      </a:r>
+                    </a:p>
+                  </a:txBody>
+                  <a:tcPr marL="6197" marR="6197" marT="6197" marB="0" anchor="ctr">
+                    <a:lnL>
+                      <a:noFill/>
+                    </a:lnL>
+                    <a:lnR>
+                      <a:noFill/>
+                    </a:lnR>
+                    <a:lnT>
+                      <a:noFill/>
+                    </a:lnT>
+                    <a:lnB>
+                      <a:noFill/>
+                    </a:lnB>
+                  </a:tcPr>
+                </a:tc>
+                <a:tc>
+                  <a:txBody>
+                    <a:bodyPr/>
+                    <a:lstStyle/>
+                    <a:p>
+                      <a:pPr algn="r" fontAlgn="ctr"/>
+                      <a:r>
+                        <a:rPr lang="en-US" altLang="ja-JP" sz="700" b="0" i="0" u="none" strike="noStrike" dirty="0">
+                          <a:solidFill>
+                            <a:srgbClr val="000000"/>
+                          </a:solidFill>
+                          <a:effectLst/>
+                          <a:latin typeface="游ゴシック" panose="020B0400000000000000" pitchFamily="50" charset="-128"/>
+                          <a:ea typeface="游ゴシック" panose="020B0400000000000000" pitchFamily="50" charset="-128"/>
+                        </a:rPr>
+                        <a:t>-</a:t>
+                      </a:r>
+                    </a:p>
+                  </a:txBody>
+                  <a:tcPr marL="6197" marR="6197" marT="6197" marB="0" anchor="ctr">
+                    <a:lnL>
+                      <a:noFill/>
+                    </a:lnL>
+                    <a:lnR>
+                      <a:noFill/>
+                    </a:lnR>
+                    <a:lnT>
+                      <a:noFill/>
+                    </a:lnT>
+                    <a:lnB>
+                      <a:noFill/>
+                    </a:lnB>
+                  </a:tcPr>
+                </a:tc>
+                <a:tc>
+                  <a:txBody>
+                    <a:bodyPr/>
+                    <a:lstStyle/>
+                    <a:p>
+                      <a:pPr algn="r" fontAlgn="ctr"/>
+                      <a:r>
+                        <a:rPr lang="en-US" altLang="ja-JP" sz="700" b="0" i="0" u="none" strike="noStrike" dirty="0">
+                          <a:solidFill>
+                            <a:srgbClr val="000000"/>
+                          </a:solidFill>
+                          <a:effectLst/>
+                          <a:latin typeface="游ゴシック" panose="020B0400000000000000" pitchFamily="50" charset="-128"/>
+                          <a:ea typeface="游ゴシック" panose="020B0400000000000000" pitchFamily="50" charset="-128"/>
+                        </a:rPr>
+                        <a:t>-</a:t>
+                      </a:r>
+                    </a:p>
+                  </a:txBody>
+                  <a:tcPr marL="6197" marR="6197" marT="6197" marB="0" anchor="ctr">
+                    <a:lnL>
+                      <a:noFill/>
+                    </a:lnL>
+                    <a:lnR>
+                      <a:noFill/>
+                    </a:lnR>
+                    <a:lnT>
+                      <a:noFill/>
+                    </a:lnT>
+                    <a:lnB>
+                      <a:noFill/>
+                    </a:lnB>
+                  </a:tcPr>
+                </a:tc>
+                <a:tc>
+                  <a:txBody>
+                    <a:bodyPr/>
+                    <a:lstStyle/>
+                    <a:p>
+                      <a:pPr algn="r" fontAlgn="ctr"/>
+                      <a:r>
+                        <a:rPr lang="en-US" altLang="ja-JP" sz="700" b="0" i="0" u="none" strike="noStrike" dirty="0">
+                          <a:solidFill>
+                            <a:srgbClr val="000000"/>
+                          </a:solidFill>
+                          <a:effectLst/>
+                          <a:latin typeface="游ゴシック" panose="020B0400000000000000" pitchFamily="50" charset="-128"/>
+                          <a:ea typeface="游ゴシック" panose="020B0400000000000000" pitchFamily="50" charset="-128"/>
+                        </a:rPr>
+                        <a:t>-</a:t>
+                      </a:r>
+                    </a:p>
+                  </a:txBody>
+                  <a:tcPr marL="6197" marR="6197" marT="6197" marB="0" anchor="ctr">
+                    <a:lnL>
+                      <a:noFill/>
+                    </a:lnL>
+                    <a:lnR>
+                      <a:noFill/>
+                    </a:lnR>
+                    <a:lnT>
+                      <a:noFill/>
+                    </a:lnT>
+                    <a:lnB>
+                      <a:noFill/>
+                    </a:lnB>
+                  </a:tcPr>
+                </a:tc>
+                <a:tc>
+                  <a:txBody>
+                    <a:bodyPr/>
+                    <a:lstStyle/>
+                    <a:p>
+                      <a:pPr algn="r" fontAlgn="ctr"/>
+                      <a:r>
+                        <a:rPr lang="en-US" altLang="ja-JP" sz="700" b="0" i="0" u="none" strike="noStrike" dirty="0">
+                          <a:solidFill>
+                            <a:srgbClr val="000000"/>
+                          </a:solidFill>
+                          <a:effectLst/>
+                          <a:latin typeface="游ゴシック" panose="020B0400000000000000" pitchFamily="50" charset="-128"/>
+                          <a:ea typeface="游ゴシック" panose="020B0400000000000000" pitchFamily="50" charset="-128"/>
+                        </a:rPr>
+                        <a:t>-</a:t>
+                      </a:r>
+                    </a:p>
+                  </a:txBody>
+                  <a:tcPr marL="6197" marR="6197" marT="6197" marB="0" anchor="ctr">
+                    <a:lnL>
+                      <a:noFill/>
+                    </a:lnL>
+                    <a:lnR>
+                      <a:noFill/>
+                    </a:lnR>
+                    <a:lnT>
+                      <a:noFill/>
+                    </a:lnT>
+                    <a:lnB>
+                      <a:noFill/>
+                    </a:lnB>
+                  </a:tcPr>
+                </a:tc>
+                <a:tc>
+                  <a:txBody>
+                    <a:bodyPr/>
+                    <a:lstStyle/>
+                    <a:p>
+                      <a:pPr algn="r" fontAlgn="ctr"/>
+                      <a:r>
+                        <a:rPr lang="en-US" altLang="ja-JP" sz="700" b="0" i="0" u="none" strike="noStrike" dirty="0">
+                          <a:solidFill>
+                            <a:srgbClr val="000000"/>
+                          </a:solidFill>
+                          <a:effectLst/>
+                          <a:latin typeface="游ゴシック" panose="020B0400000000000000" pitchFamily="50" charset="-128"/>
+                          <a:ea typeface="游ゴシック" panose="020B0400000000000000" pitchFamily="50" charset="-128"/>
+                        </a:rPr>
+                        <a:t>-</a:t>
+                      </a:r>
+                      <a:endParaRPr lang="ja-JP" altLang="en-US" sz="700" b="0" i="0" u="none" strike="noStrike" dirty="0">
+                        <a:solidFill>
+                          <a:srgbClr val="000000"/>
+                        </a:solidFill>
+                        <a:effectLst/>
+                        <a:latin typeface="游ゴシック" panose="020B0400000000000000" pitchFamily="50" charset="-128"/>
+                        <a:ea typeface="游ゴシック" panose="020B0400000000000000" pitchFamily="50" charset="-128"/>
+                      </a:endParaRPr>
+                    </a:p>
+                  </a:txBody>
+                  <a:tcPr marL="6197" marR="6197" marT="6197" marB="0" anchor="ctr">
+                    <a:lnL>
+                      <a:noFill/>
+                    </a:lnL>
+                    <a:lnR>
+                      <a:noFill/>
+                    </a:lnR>
+                    <a:lnT>
+                      <a:noFill/>
+                    </a:lnT>
+                    <a:lnB>
+                      <a:noFill/>
+                    </a:lnB>
+                  </a:tcPr>
+                </a:tc>
+                <a:tc>
+                  <a:txBody>
+                    <a:bodyPr/>
+                    <a:lstStyle/>
+                    <a:p>
+                      <a:pPr algn="r" fontAlgn="ctr"/>
+                      <a:r>
+                        <a:rPr lang="en-US" sz="700" b="0" i="0" u="none" strike="noStrike" dirty="0">
+                          <a:solidFill>
+                            <a:srgbClr val="000000"/>
+                          </a:solidFill>
+                          <a:effectLst/>
+                          <a:latin typeface="游ゴシック" panose="020B0400000000000000" pitchFamily="50" charset="-128"/>
+                          <a:ea typeface="游ゴシック" panose="020B0400000000000000" pitchFamily="50" charset="-128"/>
+                        </a:rPr>
+                        <a:t>-</a:t>
+                      </a:r>
+                    </a:p>
+                  </a:txBody>
+                  <a:tcPr marL="6197" marR="6197" marT="6197" marB="0" anchor="ctr">
+                    <a:lnL>
+                      <a:noFill/>
+                    </a:lnL>
+                    <a:lnR>
+                      <a:noFill/>
+                    </a:lnR>
+                    <a:lnT>
+                      <a:noFill/>
+                    </a:lnT>
+                    <a:lnB>
+                      <a:noFill/>
+                    </a:lnB>
+                  </a:tcPr>
+                </a:tc>
+                <a:extLst>
+                  <a:ext uri="{0D108BD9-81ED-4DB2-BD59-A6C34878D82A}">
+                    <a16:rowId xmlns:a16="http://schemas.microsoft.com/office/drawing/2014/main" val="3731123703"/>
+                  </a:ext>
+                </a:extLst>
+              </a:tr>
+              <a:tr h="154922">
+                <a:tc>
+                  <a:txBody>
+                    <a:bodyPr/>
+                    <a:lstStyle/>
+                    <a:p>
+                      <a:pPr algn="r" fontAlgn="ctr"/>
+                      <a:r>
+                        <a:rPr lang="en-US" sz="700" b="0" i="0" u="none" strike="noStrike" dirty="0">
+                          <a:solidFill>
+                            <a:srgbClr val="000000"/>
+                          </a:solidFill>
+                          <a:effectLst/>
+                          <a:latin typeface="游ゴシック" panose="020B0400000000000000" pitchFamily="50" charset="-128"/>
+                          <a:ea typeface="游ゴシック" panose="020B0400000000000000" pitchFamily="50" charset="-128"/>
+                        </a:rPr>
+                        <a:t>-</a:t>
+                      </a:r>
+                    </a:p>
+                  </a:txBody>
+                  <a:tcPr marL="6197" marR="6197" marT="6197" marB="0" anchor="ctr">
+                    <a:lnL>
+                      <a:noFill/>
+                    </a:lnL>
+                    <a:lnR>
+                      <a:noFill/>
+                    </a:lnR>
+                    <a:lnT>
+                      <a:noFill/>
+                    </a:lnT>
+                    <a:lnB>
+                      <a:noFill/>
+                    </a:lnB>
+                  </a:tcPr>
+                </a:tc>
+                <a:tc>
+                  <a:txBody>
+                    <a:bodyPr/>
+                    <a:lstStyle/>
+                    <a:p>
+                      <a:pPr algn="r" fontAlgn="ctr"/>
+                      <a:r>
+                        <a:rPr lang="en-US" sz="700" b="0" i="0" u="none" strike="noStrike" dirty="0">
+                          <a:solidFill>
+                            <a:srgbClr val="000000"/>
+                          </a:solidFill>
+                          <a:effectLst/>
+                          <a:latin typeface="游ゴシック" panose="020B0400000000000000" pitchFamily="50" charset="-128"/>
+                          <a:ea typeface="游ゴシック" panose="020B0400000000000000" pitchFamily="50" charset="-128"/>
+                        </a:rPr>
+                        <a:t>-</a:t>
+                      </a:r>
+                    </a:p>
+                  </a:txBody>
+                  <a:tcPr marL="6197" marR="6197" marT="6197" marB="0" anchor="ctr">
+                    <a:lnL>
+                      <a:noFill/>
+                    </a:lnL>
+                    <a:lnR>
+                      <a:noFill/>
+                    </a:lnR>
+                    <a:lnT>
+                      <a:noFill/>
+                    </a:lnT>
+                    <a:lnB>
+                      <a:noFill/>
+                    </a:lnB>
+                  </a:tcPr>
+                </a:tc>
+                <a:tc>
+                  <a:txBody>
+                    <a:bodyPr/>
+                    <a:lstStyle/>
+                    <a:p>
+                      <a:pPr algn="r" fontAlgn="ctr"/>
+                      <a:r>
+                        <a:rPr lang="en-US" altLang="ja-JP" sz="700" b="0" i="0" u="none" strike="noStrike" dirty="0">
+                          <a:solidFill>
+                            <a:srgbClr val="000000"/>
+                          </a:solidFill>
+                          <a:effectLst/>
+                          <a:latin typeface="游ゴシック" panose="020B0400000000000000" pitchFamily="50" charset="-128"/>
+                          <a:ea typeface="游ゴシック" panose="020B0400000000000000" pitchFamily="50" charset="-128"/>
+                        </a:rPr>
+                        <a:t>-</a:t>
+                      </a:r>
+                    </a:p>
+                  </a:txBody>
+                  <a:tcPr marL="6197" marR="6197" marT="6197" marB="0" anchor="ctr">
+                    <a:lnL>
+                      <a:noFill/>
+                    </a:lnL>
+                    <a:lnR>
+                      <a:noFill/>
+                    </a:lnR>
+                    <a:lnT>
+                      <a:noFill/>
+                    </a:lnT>
+                    <a:lnB>
+                      <a:noFill/>
+                    </a:lnB>
+                  </a:tcPr>
+                </a:tc>
+                <a:tc>
+                  <a:txBody>
+                    <a:bodyPr/>
+                    <a:lstStyle/>
+                    <a:p>
+                      <a:pPr algn="r" fontAlgn="ctr"/>
+                      <a:r>
+                        <a:rPr lang="en-US" altLang="ja-JP" sz="700" b="0" i="0" u="none" strike="noStrike" dirty="0">
+                          <a:solidFill>
+                            <a:srgbClr val="000000"/>
+                          </a:solidFill>
+                          <a:effectLst/>
+                          <a:latin typeface="游ゴシック" panose="020B0400000000000000" pitchFamily="50" charset="-128"/>
+                          <a:ea typeface="游ゴシック" panose="020B0400000000000000" pitchFamily="50" charset="-128"/>
+                        </a:rPr>
+                        <a:t>-</a:t>
+                      </a:r>
+                    </a:p>
+                  </a:txBody>
+                  <a:tcPr marL="6197" marR="6197" marT="6197" marB="0" anchor="ctr">
+                    <a:lnL>
+                      <a:noFill/>
+                    </a:lnL>
+                    <a:lnR>
+                      <a:noFill/>
+                    </a:lnR>
+                    <a:lnT>
+                      <a:noFill/>
+                    </a:lnT>
+                    <a:lnB>
+                      <a:noFill/>
+                    </a:lnB>
+                  </a:tcPr>
+                </a:tc>
+                <a:tc>
+                  <a:txBody>
+                    <a:bodyPr/>
+                    <a:lstStyle/>
+                    <a:p>
+                      <a:pPr algn="r" fontAlgn="ctr"/>
+                      <a:r>
+                        <a:rPr lang="en-US" altLang="ja-JP" sz="700" b="0" i="0" u="none" strike="noStrike" dirty="0">
+                          <a:solidFill>
+                            <a:srgbClr val="000000"/>
+                          </a:solidFill>
+                          <a:effectLst/>
+                          <a:latin typeface="游ゴシック" panose="020B0400000000000000" pitchFamily="50" charset="-128"/>
+                          <a:ea typeface="游ゴシック" panose="020B0400000000000000" pitchFamily="50" charset="-128"/>
+                        </a:rPr>
+                        <a:t>-</a:t>
+                      </a:r>
+                    </a:p>
+                  </a:txBody>
+                  <a:tcPr marL="6197" marR="6197" marT="6197" marB="0" anchor="ctr">
+                    <a:lnL>
+                      <a:noFill/>
+                    </a:lnL>
+                    <a:lnR>
+                      <a:noFill/>
+                    </a:lnR>
+                    <a:lnT>
+                      <a:noFill/>
+                    </a:lnT>
+                    <a:lnB>
+                      <a:noFill/>
+                    </a:lnB>
+                  </a:tcPr>
+                </a:tc>
+                <a:tc>
+                  <a:txBody>
+                    <a:bodyPr/>
+                    <a:lstStyle/>
+                    <a:p>
+                      <a:pPr algn="r" fontAlgn="ctr"/>
+                      <a:r>
+                        <a:rPr lang="en-US" altLang="ja-JP" sz="700" b="0" i="0" u="none" strike="noStrike" dirty="0">
+                          <a:solidFill>
+                            <a:srgbClr val="000000"/>
+                          </a:solidFill>
+                          <a:effectLst/>
+                          <a:latin typeface="游ゴシック" panose="020B0400000000000000" pitchFamily="50" charset="-128"/>
+                          <a:ea typeface="游ゴシック" panose="020B0400000000000000" pitchFamily="50" charset="-128"/>
+                        </a:rPr>
+                        <a:t>-</a:t>
+                      </a:r>
+                    </a:p>
+                  </a:txBody>
+                  <a:tcPr marL="6197" marR="6197" marT="6197" marB="0" anchor="ctr">
+                    <a:lnL>
+                      <a:noFill/>
+                    </a:lnL>
+                    <a:lnR>
+                      <a:noFill/>
+                    </a:lnR>
+                    <a:lnT>
+                      <a:noFill/>
+                    </a:lnT>
+                    <a:lnB>
+                      <a:noFill/>
+                    </a:lnB>
+                  </a:tcPr>
+                </a:tc>
+                <a:tc>
+                  <a:txBody>
+                    <a:bodyPr/>
+                    <a:lstStyle/>
+                    <a:p>
+                      <a:pPr algn="r" fontAlgn="ctr"/>
+                      <a:r>
+                        <a:rPr lang="en-US" altLang="ja-JP" sz="700" b="0" i="0" u="none" strike="noStrike" dirty="0">
+                          <a:solidFill>
+                            <a:srgbClr val="000000"/>
+                          </a:solidFill>
+                          <a:effectLst/>
+                          <a:latin typeface="游ゴシック" panose="020B0400000000000000" pitchFamily="50" charset="-128"/>
+                          <a:ea typeface="游ゴシック" panose="020B0400000000000000" pitchFamily="50" charset="-128"/>
+                        </a:rPr>
+                        <a:t>-</a:t>
+                      </a:r>
+                      <a:endParaRPr lang="ja-JP" altLang="en-US" sz="700" b="0" i="0" u="none" strike="noStrike" dirty="0">
+                        <a:solidFill>
+                          <a:srgbClr val="000000"/>
+                        </a:solidFill>
+                        <a:effectLst/>
+                        <a:latin typeface="游ゴシック" panose="020B0400000000000000" pitchFamily="50" charset="-128"/>
+                        <a:ea typeface="游ゴシック" panose="020B0400000000000000" pitchFamily="50" charset="-128"/>
+                      </a:endParaRPr>
+                    </a:p>
+                  </a:txBody>
+                  <a:tcPr marL="6197" marR="6197" marT="6197" marB="0" anchor="ctr">
+                    <a:lnL>
+                      <a:noFill/>
+                    </a:lnL>
+                    <a:lnR>
+                      <a:noFill/>
+                    </a:lnR>
+                    <a:lnT>
+                      <a:noFill/>
+                    </a:lnT>
+                    <a:lnB>
+                      <a:noFill/>
+                    </a:lnB>
+                  </a:tcPr>
+                </a:tc>
+                <a:tc>
+                  <a:txBody>
+                    <a:bodyPr/>
+                    <a:lstStyle/>
+                    <a:p>
+                      <a:pPr algn="r" fontAlgn="ctr"/>
+                      <a:r>
+                        <a:rPr lang="en-US" sz="700" b="0" i="0" u="none" strike="noStrike" dirty="0">
+                          <a:solidFill>
+                            <a:srgbClr val="000000"/>
+                          </a:solidFill>
+                          <a:effectLst/>
+                          <a:latin typeface="游ゴシック" panose="020B0400000000000000" pitchFamily="50" charset="-128"/>
+                          <a:ea typeface="游ゴシック" panose="020B0400000000000000" pitchFamily="50" charset="-128"/>
+                        </a:rPr>
+                        <a:t>-</a:t>
+                      </a:r>
+                    </a:p>
+                  </a:txBody>
+                  <a:tcPr marL="6197" marR="6197" marT="6197" marB="0" anchor="ctr">
+                    <a:lnL>
+                      <a:noFill/>
+                    </a:lnL>
+                    <a:lnR>
+                      <a:noFill/>
+                    </a:lnR>
+                    <a:lnT>
+                      <a:noFill/>
+                    </a:lnT>
+                    <a:lnB>
+                      <a:noFill/>
+                    </a:lnB>
+                  </a:tcPr>
+                </a:tc>
+                <a:extLst>
+                  <a:ext uri="{0D108BD9-81ED-4DB2-BD59-A6C34878D82A}">
+                    <a16:rowId xmlns:a16="http://schemas.microsoft.com/office/drawing/2014/main" val="1749779790"/>
+                  </a:ext>
+                </a:extLst>
+              </a:tr>
+              <a:tr h="154922">
+                <a:tc>
+                  <a:txBody>
+                    <a:bodyPr/>
+                    <a:lstStyle/>
+                    <a:p>
+                      <a:pPr algn="r" fontAlgn="ctr"/>
+                      <a:r>
+                        <a:rPr lang="en-US" sz="700" b="0" i="0" u="none" strike="noStrike" dirty="0">
+                          <a:solidFill>
+                            <a:srgbClr val="000000"/>
+                          </a:solidFill>
+                          <a:effectLst/>
+                          <a:latin typeface="游ゴシック" panose="020B0400000000000000" pitchFamily="50" charset="-128"/>
+                          <a:ea typeface="游ゴシック" panose="020B0400000000000000" pitchFamily="50" charset="-128"/>
+                        </a:rPr>
+                        <a:t>-</a:t>
+                      </a:r>
+                    </a:p>
+                  </a:txBody>
+                  <a:tcPr marL="6197" marR="6197" marT="6197" marB="0" anchor="ctr">
+                    <a:lnL>
+                      <a:noFill/>
+                    </a:lnL>
+                    <a:lnR>
+                      <a:noFill/>
+                    </a:lnR>
+                    <a:lnT>
+                      <a:noFill/>
+                    </a:lnT>
+                    <a:lnB>
+                      <a:noFill/>
+                    </a:lnB>
+                  </a:tcPr>
+                </a:tc>
+                <a:tc>
+                  <a:txBody>
+                    <a:bodyPr/>
+                    <a:lstStyle/>
+                    <a:p>
+                      <a:pPr algn="r" fontAlgn="ctr"/>
+                      <a:r>
+                        <a:rPr lang="en-US" sz="700" b="0" i="0" u="none" strike="noStrike" dirty="0">
+                          <a:solidFill>
+                            <a:srgbClr val="000000"/>
+                          </a:solidFill>
+                          <a:effectLst/>
+                          <a:latin typeface="游ゴシック" panose="020B0400000000000000" pitchFamily="50" charset="-128"/>
+                          <a:ea typeface="游ゴシック" panose="020B0400000000000000" pitchFamily="50" charset="-128"/>
+                        </a:rPr>
+                        <a:t>-</a:t>
+                      </a:r>
+                    </a:p>
+                  </a:txBody>
+                  <a:tcPr marL="6197" marR="6197" marT="6197" marB="0" anchor="ctr">
+                    <a:lnL>
+                      <a:noFill/>
+                    </a:lnL>
+                    <a:lnR>
+                      <a:noFill/>
+                    </a:lnR>
+                    <a:lnT>
+                      <a:noFill/>
+                    </a:lnT>
+                    <a:lnB>
+                      <a:noFill/>
+                    </a:lnB>
+                  </a:tcPr>
+                </a:tc>
+                <a:tc>
+                  <a:txBody>
+                    <a:bodyPr/>
+                    <a:lstStyle/>
+                    <a:p>
+                      <a:pPr algn="r" fontAlgn="ctr"/>
+                      <a:r>
+                        <a:rPr lang="en-US" altLang="ja-JP" sz="700" b="0" i="0" u="none" strike="noStrike" dirty="0">
+                          <a:solidFill>
+                            <a:srgbClr val="000000"/>
+                          </a:solidFill>
+                          <a:effectLst/>
+                          <a:latin typeface="游ゴシック" panose="020B0400000000000000" pitchFamily="50" charset="-128"/>
+                          <a:ea typeface="游ゴシック" panose="020B0400000000000000" pitchFamily="50" charset="-128"/>
+                        </a:rPr>
+                        <a:t>-</a:t>
+                      </a:r>
+                    </a:p>
+                  </a:txBody>
+                  <a:tcPr marL="6197" marR="6197" marT="6197" marB="0" anchor="ctr">
+                    <a:lnL>
+                      <a:noFill/>
+                    </a:lnL>
+                    <a:lnR>
+                      <a:noFill/>
+                    </a:lnR>
+                    <a:lnT>
+                      <a:noFill/>
+                    </a:lnT>
+                    <a:lnB>
+                      <a:noFill/>
+                    </a:lnB>
+                  </a:tcPr>
+                </a:tc>
+                <a:tc>
+                  <a:txBody>
+                    <a:bodyPr/>
+                    <a:lstStyle/>
+                    <a:p>
+                      <a:pPr algn="r" fontAlgn="ctr"/>
+                      <a:r>
+                        <a:rPr lang="en-US" altLang="ja-JP" sz="700" b="0" i="0" u="none" strike="noStrike" dirty="0">
+                          <a:solidFill>
+                            <a:srgbClr val="000000"/>
+                          </a:solidFill>
+                          <a:effectLst/>
+                          <a:latin typeface="游ゴシック" panose="020B0400000000000000" pitchFamily="50" charset="-128"/>
+                          <a:ea typeface="游ゴシック" panose="020B0400000000000000" pitchFamily="50" charset="-128"/>
+                        </a:rPr>
+                        <a:t>-</a:t>
+                      </a:r>
+                    </a:p>
+                  </a:txBody>
+                  <a:tcPr marL="6197" marR="6197" marT="6197" marB="0" anchor="ctr">
+                    <a:lnL>
+                      <a:noFill/>
+                    </a:lnL>
+                    <a:lnR>
+                      <a:noFill/>
+                    </a:lnR>
+                    <a:lnT>
+                      <a:noFill/>
+                    </a:lnT>
+                    <a:lnB>
+                      <a:noFill/>
+                    </a:lnB>
+                  </a:tcPr>
+                </a:tc>
+                <a:tc>
+                  <a:txBody>
+                    <a:bodyPr/>
+                    <a:lstStyle/>
+                    <a:p>
+                      <a:pPr algn="r" fontAlgn="ctr"/>
+                      <a:r>
+                        <a:rPr lang="en-US" altLang="ja-JP" sz="700" b="0" i="0" u="none" strike="noStrike" dirty="0">
+                          <a:solidFill>
+                            <a:srgbClr val="000000"/>
+                          </a:solidFill>
+                          <a:effectLst/>
+                          <a:latin typeface="游ゴシック" panose="020B0400000000000000" pitchFamily="50" charset="-128"/>
+                          <a:ea typeface="游ゴシック" panose="020B0400000000000000" pitchFamily="50" charset="-128"/>
+                        </a:rPr>
+                        <a:t>-</a:t>
+                      </a:r>
+                    </a:p>
+                  </a:txBody>
+                  <a:tcPr marL="6197" marR="6197" marT="6197" marB="0" anchor="ctr">
+                    <a:lnL>
+                      <a:noFill/>
+                    </a:lnL>
+                    <a:lnR>
+                      <a:noFill/>
+                    </a:lnR>
+                    <a:lnT>
+                      <a:noFill/>
+                    </a:lnT>
+                    <a:lnB>
+                      <a:noFill/>
+                    </a:lnB>
+                  </a:tcPr>
+                </a:tc>
+                <a:tc>
+                  <a:txBody>
+                    <a:bodyPr/>
+                    <a:lstStyle/>
+                    <a:p>
+                      <a:pPr algn="r" fontAlgn="ctr"/>
+                      <a:r>
+                        <a:rPr lang="en-US" altLang="ja-JP" sz="700" b="0" i="0" u="none" strike="noStrike" dirty="0">
+                          <a:solidFill>
+                            <a:srgbClr val="000000"/>
+                          </a:solidFill>
+                          <a:effectLst/>
+                          <a:latin typeface="游ゴシック" panose="020B0400000000000000" pitchFamily="50" charset="-128"/>
+                          <a:ea typeface="游ゴシック" panose="020B0400000000000000" pitchFamily="50" charset="-128"/>
+                        </a:rPr>
+                        <a:t>-</a:t>
+                      </a:r>
+                    </a:p>
+                  </a:txBody>
+                  <a:tcPr marL="6197" marR="6197" marT="6197" marB="0" anchor="ctr">
+                    <a:lnL>
+                      <a:noFill/>
+                    </a:lnL>
+                    <a:lnR>
+                      <a:noFill/>
+                    </a:lnR>
+                    <a:lnT>
+                      <a:noFill/>
+                    </a:lnT>
+                    <a:lnB>
+                      <a:noFill/>
+                    </a:lnB>
+                  </a:tcPr>
+                </a:tc>
+                <a:tc>
+                  <a:txBody>
+                    <a:bodyPr/>
+                    <a:lstStyle/>
+                    <a:p>
+                      <a:pPr algn="r" fontAlgn="ctr"/>
+                      <a:r>
+                        <a:rPr lang="en-US" altLang="ja-JP" sz="700" b="0" i="0" u="none" strike="noStrike" dirty="0">
+                          <a:solidFill>
+                            <a:srgbClr val="000000"/>
+                          </a:solidFill>
+                          <a:effectLst/>
+                          <a:latin typeface="游ゴシック" panose="020B0400000000000000" pitchFamily="50" charset="-128"/>
+                          <a:ea typeface="游ゴシック" panose="020B0400000000000000" pitchFamily="50" charset="-128"/>
+                        </a:rPr>
+                        <a:t>-</a:t>
+                      </a:r>
+                      <a:endParaRPr lang="ja-JP" altLang="en-US" sz="700" b="0" i="0" u="none" strike="noStrike" dirty="0">
+                        <a:solidFill>
+                          <a:srgbClr val="000000"/>
+                        </a:solidFill>
+                        <a:effectLst/>
+                        <a:latin typeface="游ゴシック" panose="020B0400000000000000" pitchFamily="50" charset="-128"/>
+                        <a:ea typeface="游ゴシック" panose="020B0400000000000000" pitchFamily="50" charset="-128"/>
+                      </a:endParaRPr>
+                    </a:p>
+                  </a:txBody>
+                  <a:tcPr marL="6197" marR="6197" marT="6197" marB="0" anchor="ctr">
+                    <a:lnL>
+                      <a:noFill/>
+                    </a:lnL>
+                    <a:lnR>
+                      <a:noFill/>
+                    </a:lnR>
+                    <a:lnT>
+                      <a:noFill/>
+                    </a:lnT>
+                    <a:lnB>
+                      <a:noFill/>
+                    </a:lnB>
+                  </a:tcPr>
+                </a:tc>
+                <a:tc>
+                  <a:txBody>
+                    <a:bodyPr/>
+                    <a:lstStyle/>
+                    <a:p>
+                      <a:pPr algn="r" fontAlgn="ctr"/>
+                      <a:r>
+                        <a:rPr lang="en-US" sz="700" b="0" i="0" u="none" strike="noStrike" dirty="0">
+                          <a:solidFill>
+                            <a:srgbClr val="000000"/>
+                          </a:solidFill>
+                          <a:effectLst/>
+                          <a:latin typeface="游ゴシック" panose="020B0400000000000000" pitchFamily="50" charset="-128"/>
+                          <a:ea typeface="游ゴシック" panose="020B0400000000000000" pitchFamily="50" charset="-128"/>
+                        </a:rPr>
+                        <a:t>-</a:t>
+                      </a:r>
+                    </a:p>
+                  </a:txBody>
+                  <a:tcPr marL="6197" marR="6197" marT="6197" marB="0" anchor="ctr">
+                    <a:lnL>
+                      <a:noFill/>
+                    </a:lnL>
+                    <a:lnR>
+                      <a:noFill/>
+                    </a:lnR>
+                    <a:lnT>
+                      <a:noFill/>
+                    </a:lnT>
+                    <a:lnB>
+                      <a:noFill/>
+                    </a:lnB>
+                  </a:tcPr>
+                </a:tc>
+                <a:extLst>
+                  <a:ext uri="{0D108BD9-81ED-4DB2-BD59-A6C34878D82A}">
+                    <a16:rowId xmlns:a16="http://schemas.microsoft.com/office/drawing/2014/main" val="3890227536"/>
+                  </a:ext>
+                </a:extLst>
+              </a:tr>
+              <a:tr h="154922">
+                <a:tc>
+                  <a:txBody>
+                    <a:bodyPr/>
+                    <a:lstStyle/>
+                    <a:p>
+                      <a:pPr algn="r" fontAlgn="ctr"/>
+                      <a:r>
+                        <a:rPr lang="en-US" sz="700" b="0" i="0" u="none" strike="noStrike" dirty="0">
+                          <a:solidFill>
+                            <a:srgbClr val="000000"/>
+                          </a:solidFill>
+                          <a:effectLst/>
+                          <a:latin typeface="游ゴシック" panose="020B0400000000000000" pitchFamily="50" charset="-128"/>
+                          <a:ea typeface="游ゴシック" panose="020B0400000000000000" pitchFamily="50" charset="-128"/>
+                        </a:rPr>
+                        <a:t>-</a:t>
+                      </a:r>
+                    </a:p>
+                  </a:txBody>
+                  <a:tcPr marL="6197" marR="6197" marT="6197" marB="0" anchor="ctr">
+                    <a:lnL>
+                      <a:noFill/>
+                    </a:lnL>
+                    <a:lnR>
+                      <a:noFill/>
+                    </a:lnR>
+                    <a:lnT>
+                      <a:noFill/>
+                    </a:lnT>
+                    <a:lnB>
+                      <a:noFill/>
+                    </a:lnB>
+                  </a:tcPr>
+                </a:tc>
+                <a:tc>
+                  <a:txBody>
+                    <a:bodyPr/>
+                    <a:lstStyle/>
+                    <a:p>
+                      <a:pPr algn="r" fontAlgn="ctr"/>
+                      <a:r>
+                        <a:rPr lang="en-US" sz="700" b="0" i="0" u="none" strike="noStrike" dirty="0">
+                          <a:solidFill>
+                            <a:srgbClr val="000000"/>
+                          </a:solidFill>
+                          <a:effectLst/>
+                          <a:latin typeface="游ゴシック" panose="020B0400000000000000" pitchFamily="50" charset="-128"/>
+                          <a:ea typeface="游ゴシック" panose="020B0400000000000000" pitchFamily="50" charset="-128"/>
+                        </a:rPr>
+                        <a:t>-</a:t>
+                      </a:r>
+                    </a:p>
+                  </a:txBody>
+                  <a:tcPr marL="6197" marR="6197" marT="6197" marB="0" anchor="ctr">
+                    <a:lnL>
+                      <a:noFill/>
+                    </a:lnL>
+                    <a:lnR>
+                      <a:noFill/>
+                    </a:lnR>
+                    <a:lnT>
+                      <a:noFill/>
+                    </a:lnT>
+                    <a:lnB>
+                      <a:noFill/>
+                    </a:lnB>
+                  </a:tcPr>
+                </a:tc>
+                <a:tc>
+                  <a:txBody>
+                    <a:bodyPr/>
+                    <a:lstStyle/>
+                    <a:p>
+                      <a:pPr algn="r" fontAlgn="ctr"/>
+                      <a:r>
+                        <a:rPr lang="en-US" altLang="ja-JP" sz="700" b="0" i="0" u="none" strike="noStrike" dirty="0">
+                          <a:solidFill>
+                            <a:srgbClr val="000000"/>
+                          </a:solidFill>
+                          <a:effectLst/>
+                          <a:latin typeface="游ゴシック" panose="020B0400000000000000" pitchFamily="50" charset="-128"/>
+                          <a:ea typeface="游ゴシック" panose="020B0400000000000000" pitchFamily="50" charset="-128"/>
+                        </a:rPr>
+                        <a:t>-</a:t>
+                      </a:r>
+                    </a:p>
+                  </a:txBody>
+                  <a:tcPr marL="6197" marR="6197" marT="6197" marB="0" anchor="ctr">
+                    <a:lnL>
+                      <a:noFill/>
+                    </a:lnL>
+                    <a:lnR>
+                      <a:noFill/>
+                    </a:lnR>
+                    <a:lnT>
+                      <a:noFill/>
+                    </a:lnT>
+                    <a:lnB>
+                      <a:noFill/>
+                    </a:lnB>
+                  </a:tcPr>
+                </a:tc>
+                <a:tc>
+                  <a:txBody>
+                    <a:bodyPr/>
+                    <a:lstStyle/>
+                    <a:p>
+                      <a:pPr algn="r" fontAlgn="ctr"/>
+                      <a:r>
+                        <a:rPr lang="en-US" altLang="ja-JP" sz="700" b="0" i="0" u="none" strike="noStrike" dirty="0">
+                          <a:solidFill>
+                            <a:srgbClr val="000000"/>
+                          </a:solidFill>
+                          <a:effectLst/>
+                          <a:latin typeface="游ゴシック" panose="020B0400000000000000" pitchFamily="50" charset="-128"/>
+                          <a:ea typeface="游ゴシック" panose="020B0400000000000000" pitchFamily="50" charset="-128"/>
+                        </a:rPr>
+                        <a:t>-</a:t>
+                      </a:r>
+                    </a:p>
+                  </a:txBody>
+                  <a:tcPr marL="6197" marR="6197" marT="6197" marB="0" anchor="ctr">
+                    <a:lnL>
+                      <a:noFill/>
+                    </a:lnL>
+                    <a:lnR>
+                      <a:noFill/>
+                    </a:lnR>
+                    <a:lnT>
+                      <a:noFill/>
+                    </a:lnT>
+                    <a:lnB>
+                      <a:noFill/>
+                    </a:lnB>
+                  </a:tcPr>
+                </a:tc>
+                <a:tc>
+                  <a:txBody>
+                    <a:bodyPr/>
+                    <a:lstStyle/>
+                    <a:p>
+                      <a:pPr algn="r" fontAlgn="ctr"/>
+                      <a:r>
+                        <a:rPr lang="en-US" altLang="ja-JP" sz="700" b="0" i="0" u="none" strike="noStrike" dirty="0">
+                          <a:solidFill>
+                            <a:srgbClr val="000000"/>
+                          </a:solidFill>
+                          <a:effectLst/>
+                          <a:latin typeface="游ゴシック" panose="020B0400000000000000" pitchFamily="50" charset="-128"/>
+                          <a:ea typeface="游ゴシック" panose="020B0400000000000000" pitchFamily="50" charset="-128"/>
+                        </a:rPr>
+                        <a:t>-</a:t>
+                      </a:r>
+                    </a:p>
+                  </a:txBody>
+                  <a:tcPr marL="6197" marR="6197" marT="6197" marB="0" anchor="ctr">
+                    <a:lnL>
+                      <a:noFill/>
+                    </a:lnL>
+                    <a:lnR>
+                      <a:noFill/>
+                    </a:lnR>
+                    <a:lnT>
+                      <a:noFill/>
+                    </a:lnT>
+                    <a:lnB>
+                      <a:noFill/>
+                    </a:lnB>
+                  </a:tcPr>
+                </a:tc>
+                <a:tc>
+                  <a:txBody>
+                    <a:bodyPr/>
+                    <a:lstStyle/>
+                    <a:p>
+                      <a:pPr algn="r" fontAlgn="ctr"/>
+                      <a:r>
+                        <a:rPr lang="en-US" altLang="ja-JP" sz="700" b="0" i="0" u="none" strike="noStrike" dirty="0">
+                          <a:solidFill>
+                            <a:srgbClr val="000000"/>
+                          </a:solidFill>
+                          <a:effectLst/>
+                          <a:latin typeface="游ゴシック" panose="020B0400000000000000" pitchFamily="50" charset="-128"/>
+                          <a:ea typeface="游ゴシック" panose="020B0400000000000000" pitchFamily="50" charset="-128"/>
+                        </a:rPr>
+                        <a:t>-</a:t>
+                      </a:r>
+                    </a:p>
+                  </a:txBody>
+                  <a:tcPr marL="6197" marR="6197" marT="6197" marB="0" anchor="ctr">
+                    <a:lnL>
+                      <a:noFill/>
+                    </a:lnL>
+                    <a:lnR>
+                      <a:noFill/>
+                    </a:lnR>
+                    <a:lnT>
+                      <a:noFill/>
+                    </a:lnT>
+                    <a:lnB>
+                      <a:noFill/>
+                    </a:lnB>
+                  </a:tcPr>
+                </a:tc>
+                <a:tc>
+                  <a:txBody>
+                    <a:bodyPr/>
+                    <a:lstStyle/>
+                    <a:p>
+                      <a:pPr algn="r" fontAlgn="ctr"/>
+                      <a:r>
+                        <a:rPr lang="en-US" altLang="ja-JP" sz="700" b="0" i="0" u="none" strike="noStrike" dirty="0">
+                          <a:solidFill>
+                            <a:srgbClr val="000000"/>
+                          </a:solidFill>
+                          <a:effectLst/>
+                          <a:latin typeface="游ゴシック" panose="020B0400000000000000" pitchFamily="50" charset="-128"/>
+                          <a:ea typeface="游ゴシック" panose="020B0400000000000000" pitchFamily="50" charset="-128"/>
+                        </a:rPr>
+                        <a:t>-</a:t>
+                      </a:r>
+                      <a:endParaRPr lang="ja-JP" altLang="en-US" sz="700" b="0" i="0" u="none" strike="noStrike" dirty="0">
+                        <a:solidFill>
+                          <a:srgbClr val="000000"/>
+                        </a:solidFill>
+                        <a:effectLst/>
+                        <a:latin typeface="游ゴシック" panose="020B0400000000000000" pitchFamily="50" charset="-128"/>
+                        <a:ea typeface="游ゴシック" panose="020B0400000000000000" pitchFamily="50" charset="-128"/>
+                      </a:endParaRPr>
+                    </a:p>
+                  </a:txBody>
+                  <a:tcPr marL="6197" marR="6197" marT="6197" marB="0" anchor="ctr">
+                    <a:lnL>
+                      <a:noFill/>
+                    </a:lnL>
+                    <a:lnR>
+                      <a:noFill/>
+                    </a:lnR>
+                    <a:lnT>
+                      <a:noFill/>
+                    </a:lnT>
+                    <a:lnB>
+                      <a:noFill/>
+                    </a:lnB>
+                  </a:tcPr>
+                </a:tc>
+                <a:tc>
+                  <a:txBody>
+                    <a:bodyPr/>
+                    <a:lstStyle/>
+                    <a:p>
+                      <a:pPr algn="r" fontAlgn="ctr"/>
+                      <a:r>
+                        <a:rPr lang="en-US" sz="700" b="0" i="0" u="none" strike="noStrike" dirty="0">
+                          <a:solidFill>
+                            <a:srgbClr val="000000"/>
+                          </a:solidFill>
+                          <a:effectLst/>
+                          <a:latin typeface="游ゴシック" panose="020B0400000000000000" pitchFamily="50" charset="-128"/>
+                          <a:ea typeface="游ゴシック" panose="020B0400000000000000" pitchFamily="50" charset="-128"/>
+                        </a:rPr>
+                        <a:t>-</a:t>
+                      </a:r>
+                    </a:p>
+                  </a:txBody>
+                  <a:tcPr marL="6197" marR="6197" marT="6197" marB="0" anchor="ctr">
+                    <a:lnL>
+                      <a:noFill/>
+                    </a:lnL>
+                    <a:lnR>
+                      <a:noFill/>
+                    </a:lnR>
+                    <a:lnT>
+                      <a:noFill/>
+                    </a:lnT>
+                    <a:lnB>
+                      <a:noFill/>
+                    </a:lnB>
+                  </a:tcPr>
+                </a:tc>
+                <a:extLst>
+                  <a:ext uri="{0D108BD9-81ED-4DB2-BD59-A6C34878D82A}">
+                    <a16:rowId xmlns:a16="http://schemas.microsoft.com/office/drawing/2014/main" val="4132574178"/>
+                  </a:ext>
+                </a:extLst>
+              </a:tr>
+              <a:tr h="154922">
+                <a:tc>
+                  <a:txBody>
+                    <a:bodyPr/>
+                    <a:lstStyle/>
+                    <a:p>
+                      <a:pPr algn="r" fontAlgn="ctr"/>
+                      <a:r>
+                        <a:rPr lang="en-US" sz="700" b="0" i="0" u="none" strike="noStrike" dirty="0">
+                          <a:solidFill>
+                            <a:srgbClr val="000000"/>
+                          </a:solidFill>
+                          <a:effectLst/>
+                          <a:latin typeface="游ゴシック" panose="020B0400000000000000" pitchFamily="50" charset="-128"/>
+                          <a:ea typeface="游ゴシック" panose="020B0400000000000000" pitchFamily="50" charset="-128"/>
+                        </a:rPr>
+                        <a:t>-</a:t>
+                      </a:r>
+                    </a:p>
+                  </a:txBody>
+                  <a:tcPr marL="6197" marR="6197" marT="6197" marB="0" anchor="ctr">
+                    <a:lnL>
+                      <a:noFill/>
+                    </a:lnL>
+                    <a:lnR>
+                      <a:noFill/>
+                    </a:lnR>
+                    <a:lnT>
+                      <a:noFill/>
+                    </a:lnT>
+                    <a:lnB>
+                      <a:noFill/>
+                    </a:lnB>
+                  </a:tcPr>
+                </a:tc>
+                <a:tc>
+                  <a:txBody>
+                    <a:bodyPr/>
+                    <a:lstStyle/>
+                    <a:p>
+                      <a:pPr algn="r" fontAlgn="ctr"/>
+                      <a:r>
+                        <a:rPr lang="en-US" sz="700" b="0" i="0" u="none" strike="noStrike" dirty="0">
+                          <a:solidFill>
+                            <a:srgbClr val="000000"/>
+                          </a:solidFill>
+                          <a:effectLst/>
+                          <a:latin typeface="游ゴシック" panose="020B0400000000000000" pitchFamily="50" charset="-128"/>
+                          <a:ea typeface="游ゴシック" panose="020B0400000000000000" pitchFamily="50" charset="-128"/>
+                        </a:rPr>
+                        <a:t>-</a:t>
+                      </a:r>
+                    </a:p>
+                  </a:txBody>
+                  <a:tcPr marL="6197" marR="6197" marT="6197" marB="0" anchor="ctr">
+                    <a:lnL>
+                      <a:noFill/>
+                    </a:lnL>
+                    <a:lnR>
+                      <a:noFill/>
+                    </a:lnR>
+                    <a:lnT>
+                      <a:noFill/>
+                    </a:lnT>
+                    <a:lnB>
+                      <a:noFill/>
+                    </a:lnB>
+                  </a:tcPr>
+                </a:tc>
+                <a:tc>
+                  <a:txBody>
+                    <a:bodyPr/>
+                    <a:lstStyle/>
+                    <a:p>
+                      <a:pPr algn="r" fontAlgn="ctr"/>
+                      <a:r>
+                        <a:rPr lang="en-US" altLang="ja-JP" sz="700" b="0" i="0" u="none" strike="noStrike" dirty="0">
+                          <a:solidFill>
+                            <a:srgbClr val="000000"/>
+                          </a:solidFill>
+                          <a:effectLst/>
+                          <a:latin typeface="游ゴシック" panose="020B0400000000000000" pitchFamily="50" charset="-128"/>
+                          <a:ea typeface="游ゴシック" panose="020B0400000000000000" pitchFamily="50" charset="-128"/>
+                        </a:rPr>
+                        <a:t>-</a:t>
+                      </a:r>
+                    </a:p>
+                  </a:txBody>
+                  <a:tcPr marL="6197" marR="6197" marT="6197" marB="0" anchor="ctr">
+                    <a:lnL>
+                      <a:noFill/>
+                    </a:lnL>
+                    <a:lnR>
+                      <a:noFill/>
+                    </a:lnR>
+                    <a:lnT>
+                      <a:noFill/>
+                    </a:lnT>
+                    <a:lnB>
+                      <a:noFill/>
+                    </a:lnB>
+                  </a:tcPr>
+                </a:tc>
+                <a:tc>
+                  <a:txBody>
+                    <a:bodyPr/>
+                    <a:lstStyle/>
+                    <a:p>
+                      <a:pPr algn="r" fontAlgn="ctr"/>
+                      <a:r>
+                        <a:rPr lang="en-US" altLang="ja-JP" sz="700" b="0" i="0" u="none" strike="noStrike" dirty="0">
+                          <a:solidFill>
+                            <a:srgbClr val="000000"/>
+                          </a:solidFill>
+                          <a:effectLst/>
+                          <a:latin typeface="游ゴシック" panose="020B0400000000000000" pitchFamily="50" charset="-128"/>
+                          <a:ea typeface="游ゴシック" panose="020B0400000000000000" pitchFamily="50" charset="-128"/>
+                        </a:rPr>
+                        <a:t>-</a:t>
+                      </a:r>
+                    </a:p>
+                  </a:txBody>
+                  <a:tcPr marL="6197" marR="6197" marT="6197" marB="0" anchor="ctr">
+                    <a:lnL>
+                      <a:noFill/>
+                    </a:lnL>
+                    <a:lnR>
+                      <a:noFill/>
+                    </a:lnR>
+                    <a:lnT>
+                      <a:noFill/>
+                    </a:lnT>
+                    <a:lnB>
+                      <a:noFill/>
+                    </a:lnB>
+                  </a:tcPr>
+                </a:tc>
+                <a:tc>
+                  <a:txBody>
+                    <a:bodyPr/>
+                    <a:lstStyle/>
+                    <a:p>
+                      <a:pPr algn="r" fontAlgn="ctr"/>
+                      <a:r>
+                        <a:rPr lang="en-US" altLang="ja-JP" sz="700" b="0" i="0" u="none" strike="noStrike" dirty="0">
+                          <a:solidFill>
+                            <a:srgbClr val="000000"/>
+                          </a:solidFill>
+                          <a:effectLst/>
+                          <a:latin typeface="游ゴシック" panose="020B0400000000000000" pitchFamily="50" charset="-128"/>
+                          <a:ea typeface="游ゴシック" panose="020B0400000000000000" pitchFamily="50" charset="-128"/>
+                        </a:rPr>
+                        <a:t>-</a:t>
+                      </a:r>
+                    </a:p>
+                  </a:txBody>
+                  <a:tcPr marL="6197" marR="6197" marT="6197" marB="0" anchor="ctr">
+                    <a:lnL>
+                      <a:noFill/>
+                    </a:lnL>
+                    <a:lnR>
+                      <a:noFill/>
+                    </a:lnR>
+                    <a:lnT>
+                      <a:noFill/>
+                    </a:lnT>
+                    <a:lnB>
+                      <a:noFill/>
+                    </a:lnB>
+                  </a:tcPr>
+                </a:tc>
+                <a:tc>
+                  <a:txBody>
+                    <a:bodyPr/>
+                    <a:lstStyle/>
+                    <a:p>
+                      <a:pPr algn="r" fontAlgn="ctr"/>
+                      <a:r>
+                        <a:rPr lang="en-US" altLang="ja-JP" sz="700" b="0" i="0" u="none" strike="noStrike" dirty="0">
+                          <a:solidFill>
+                            <a:srgbClr val="000000"/>
+                          </a:solidFill>
+                          <a:effectLst/>
+                          <a:latin typeface="游ゴシック" panose="020B0400000000000000" pitchFamily="50" charset="-128"/>
+                          <a:ea typeface="游ゴシック" panose="020B0400000000000000" pitchFamily="50" charset="-128"/>
+                        </a:rPr>
+                        <a:t>-</a:t>
+                      </a:r>
+                    </a:p>
+                  </a:txBody>
+                  <a:tcPr marL="6197" marR="6197" marT="6197" marB="0" anchor="ctr">
+                    <a:lnL>
+                      <a:noFill/>
+                    </a:lnL>
+                    <a:lnR>
+                      <a:noFill/>
+                    </a:lnR>
+                    <a:lnT>
+                      <a:noFill/>
+                    </a:lnT>
+                    <a:lnB>
+                      <a:noFill/>
+                    </a:lnB>
+                  </a:tcPr>
+                </a:tc>
+                <a:tc>
+                  <a:txBody>
+                    <a:bodyPr/>
+                    <a:lstStyle/>
+                    <a:p>
+                      <a:pPr algn="r" fontAlgn="ctr"/>
+                      <a:r>
+                        <a:rPr lang="en-US" altLang="ja-JP" sz="700" b="0" i="0" u="none" strike="noStrike" dirty="0">
+                          <a:solidFill>
+                            <a:srgbClr val="000000"/>
+                          </a:solidFill>
+                          <a:effectLst/>
+                          <a:latin typeface="游ゴシック" panose="020B0400000000000000" pitchFamily="50" charset="-128"/>
+                          <a:ea typeface="游ゴシック" panose="020B0400000000000000" pitchFamily="50" charset="-128"/>
+                        </a:rPr>
+                        <a:t>-</a:t>
+                      </a:r>
+                      <a:endParaRPr lang="ja-JP" altLang="en-US" sz="700" b="0" i="0" u="none" strike="noStrike" dirty="0">
+                        <a:solidFill>
+                          <a:srgbClr val="000000"/>
+                        </a:solidFill>
+                        <a:effectLst/>
+                        <a:latin typeface="游ゴシック" panose="020B0400000000000000" pitchFamily="50" charset="-128"/>
+                        <a:ea typeface="游ゴシック" panose="020B0400000000000000" pitchFamily="50" charset="-128"/>
+                      </a:endParaRPr>
+                    </a:p>
+                  </a:txBody>
+                  <a:tcPr marL="6197" marR="6197" marT="6197" marB="0" anchor="ctr">
+                    <a:lnL>
+                      <a:noFill/>
+                    </a:lnL>
+                    <a:lnR>
+                      <a:noFill/>
+                    </a:lnR>
+                    <a:lnT>
+                      <a:noFill/>
+                    </a:lnT>
+                    <a:lnB>
+                      <a:noFill/>
+                    </a:lnB>
+                  </a:tcPr>
+                </a:tc>
+                <a:tc>
+                  <a:txBody>
+                    <a:bodyPr/>
+                    <a:lstStyle/>
+                    <a:p>
+                      <a:pPr algn="r" fontAlgn="ctr"/>
+                      <a:r>
+                        <a:rPr lang="en-US" sz="700" b="0" i="0" u="none" strike="noStrike" dirty="0">
+                          <a:solidFill>
+                            <a:srgbClr val="000000"/>
+                          </a:solidFill>
+                          <a:effectLst/>
+                          <a:latin typeface="游ゴシック" panose="020B0400000000000000" pitchFamily="50" charset="-128"/>
+                          <a:ea typeface="游ゴシック" panose="020B0400000000000000" pitchFamily="50" charset="-128"/>
+                        </a:rPr>
+                        <a:t>-</a:t>
+                      </a:r>
+                    </a:p>
+                  </a:txBody>
+                  <a:tcPr marL="6197" marR="6197" marT="6197" marB="0" anchor="ctr">
+                    <a:lnL>
+                      <a:noFill/>
+                    </a:lnL>
+                    <a:lnR>
+                      <a:noFill/>
+                    </a:lnR>
+                    <a:lnT>
+                      <a:noFill/>
+                    </a:lnT>
+                    <a:lnB>
+                      <a:noFill/>
+                    </a:lnB>
+                  </a:tcPr>
+                </a:tc>
+                <a:extLst>
+                  <a:ext uri="{0D108BD9-81ED-4DB2-BD59-A6C34878D82A}">
+                    <a16:rowId xmlns:a16="http://schemas.microsoft.com/office/drawing/2014/main" val="2464070035"/>
+                  </a:ext>
+                </a:extLst>
+              </a:tr>
+            </a:tbl>
+          </a:graphicData>
+        </a:graphic>
+      </p:graphicFrame>
+    </p:spTree>
+    <p:extLst>
+      <p:ext uri="{BB962C8B-B14F-4D97-AF65-F5344CB8AC3E}">
+        <p14:creationId xmlns:p14="http://schemas.microsoft.com/office/powerpoint/2010/main" val="2010231075"/>
+      </p:ext>
+    </p:extLst>
+  </p:cSld>
+  <p:clrMapOvr>
+    <a:masterClrMapping/>
+  </p:clrMapOvr>
+</p:sld>
+</file>
+
 <file path=ppt/theme/theme1.xml><?xml version="1.0" encoding="utf-8"?>
 <a:theme xmlns:a="http://schemas.openxmlformats.org/drawingml/2006/main" name="Office テーマ">
   <a:themeElements>
@@ -34662,4 +39179,299 @@
     </a:ext>
   </a:extLst>
 </a:theme>
+</file>
+
+<file path=ppt/theme/theme2.xml><?xml version="1.0" encoding="utf-8"?>
+<a:theme xmlns:a="http://schemas.openxmlformats.org/drawingml/2006/main" name="Office テーマ">
+  <a:themeElements>
+    <a:clrScheme name="Office">
+      <a:dk1>
+        <a:sysClr val="windowText" lastClr="000000"/>
+      </a:dk1>
+      <a:lt1>
+        <a:sysClr val="window" lastClr="FFFFFF"/>
+      </a:lt1>
+      <a:dk2>
+        <a:srgbClr val="44546A"/>
+      </a:dk2>
+      <a:lt2>
+        <a:srgbClr val="E7E6E6"/>
+      </a:lt2>
+      <a:accent1>
+        <a:srgbClr val="4472C4"/>
+      </a:accent1>
+      <a:accent2>
+        <a:srgbClr val="ED7D31"/>
+      </a:accent2>
+      <a:accent3>
+        <a:srgbClr val="A5A5A5"/>
+      </a:accent3>
+      <a:accent4>
+        <a:srgbClr val="FFC000"/>
+      </a:accent4>
+      <a:accent5>
+        <a:srgbClr val="5B9BD5"/>
+      </a:accent5>
+      <a:accent6>
+        <a:srgbClr val="70AD47"/>
+      </a:accent6>
+      <a:hlink>
+        <a:srgbClr val="0563C1"/>
+      </a:hlink>
+      <a:folHlink>
+        <a:srgbClr val="954F72"/>
+      </a:folHlink>
+    </a:clrScheme>
+    <a:fontScheme name="Office">
+      <a:majorFont>
+        <a:latin typeface="游ゴシック Light" panose="020F0302020204030204"/>
+        <a:ea typeface=""/>
+        <a:cs typeface=""/>
+        <a:font script="Jpan" typeface="游ゴシック Light"/>
+        <a:font script="Hang" typeface="맑은 고딕"/>
+        <a:font script="Hans" typeface="等线 Light"/>
+        <a:font script="Hant" typeface="新細明體"/>
+        <a:font script="Arab" typeface="Times New Roman"/>
+        <a:font script="Hebr" typeface="Times New Roman"/>
+        <a:font script="Thai" typeface="Angsana New"/>
+        <a:font script="Ethi" typeface="Nyala"/>
+        <a:font script="Beng" typeface="Vrinda"/>
+        <a:font script="Gujr" typeface="Shruti"/>
+        <a:font script="Khmr" typeface="MoolBoran"/>
+        <a:font script="Knda" typeface="Tunga"/>
+        <a:font script="Guru" typeface="Raavi"/>
+        <a:font script="Cans" typeface="Euphemia"/>
+        <a:font script="Cher" typeface="Plantagenet Cherokee"/>
+        <a:font script="Yiii" typeface="Microsoft Yi Baiti"/>
+        <a:font script="Tibt" typeface="Microsoft Himalaya"/>
+        <a:font script="Thaa" typeface="MV Boli"/>
+        <a:font script="Deva" typeface="Mangal"/>
+        <a:font script="Telu" typeface="Gautami"/>
+        <a:font script="Taml" typeface="Latha"/>
+        <a:font script="Syrc" typeface="Estrangelo Edessa"/>
+        <a:font script="Orya" typeface="Kalinga"/>
+        <a:font script="Mlym" typeface="Kartika"/>
+        <a:font script="Laoo" typeface="DokChampa"/>
+        <a:font script="Sinh" typeface="Iskoola Pota"/>
+        <a:font script="Mong" typeface="Mongolian Baiti"/>
+        <a:font script="Viet" typeface="Times New Roman"/>
+        <a:font script="Uigh" typeface="Microsoft Uighur"/>
+        <a:font script="Geor" typeface="Sylfaen"/>
+        <a:font script="Armn" typeface="Arial"/>
+        <a:font script="Bugi" typeface="Leelawadee UI"/>
+        <a:font script="Bopo" typeface="Microsoft JhengHei"/>
+        <a:font script="Java" typeface="Javanese Text"/>
+        <a:font script="Lisu" typeface="Segoe UI"/>
+        <a:font script="Mymr" typeface="Myanmar Text"/>
+        <a:font script="Nkoo" typeface="Ebrima"/>
+        <a:font script="Olck" typeface="Nirmala UI"/>
+        <a:font script="Osma" typeface="Ebrima"/>
+        <a:font script="Phag" typeface="Phagspa"/>
+        <a:font script="Syrn" typeface="Estrangelo Edessa"/>
+        <a:font script="Syrj" typeface="Estrangelo Edessa"/>
+        <a:font script="Syre" typeface="Estrangelo Edessa"/>
+        <a:font script="Sora" typeface="Nirmala UI"/>
+        <a:font script="Tale" typeface="Microsoft Tai Le"/>
+        <a:font script="Talu" typeface="Microsoft New Tai Lue"/>
+        <a:font script="Tfng" typeface="Ebrima"/>
+      </a:majorFont>
+      <a:minorFont>
+        <a:latin typeface="游ゴシック" panose="020F0502020204030204"/>
+        <a:ea typeface=""/>
+        <a:cs typeface=""/>
+        <a:font script="Jpan" typeface="游ゴシック"/>
+        <a:font script="Hang" typeface="맑은 고딕"/>
+        <a:font script="Hans" typeface="等线"/>
+        <a:font script="Hant" typeface="新細明體"/>
+        <a:font script="Arab" typeface="Arial"/>
+        <a:font script="Hebr" typeface="Arial"/>
+        <a:font script="Thai" typeface="Cordia New"/>
+        <a:font script="Ethi" typeface="Nyala"/>
+        <a:font script="Beng" typeface="Vrinda"/>
+        <a:font script="Gujr" typeface="Shruti"/>
+        <a:font script="Khmr" typeface="DaunPenh"/>
+        <a:font script="Knda" typeface="Tunga"/>
+        <a:font script="Guru" typeface="Raavi"/>
+        <a:font script="Cans" typeface="Euphemia"/>
+        <a:font script="Cher" typeface="Plantagenet Cherokee"/>
+        <a:font script="Yiii" typeface="Microsoft Yi Baiti"/>
+        <a:font script="Tibt" typeface="Microsoft Himalaya"/>
+        <a:font script="Thaa" typeface="MV Boli"/>
+        <a:font script="Deva" typeface="Mangal"/>
+        <a:font script="Telu" typeface="Gautami"/>
+        <a:font script="Taml" typeface="Latha"/>
+        <a:font script="Syrc" typeface="Estrangelo Edessa"/>
+        <a:font script="Orya" typeface="Kalinga"/>
+        <a:font script="Mlym" typeface="Kartika"/>
+        <a:font script="Laoo" typeface="DokChampa"/>
+        <a:font script="Sinh" typeface="Iskoola Pota"/>
+        <a:font script="Mong" typeface="Mongolian Baiti"/>
+        <a:font script="Viet" typeface="Arial"/>
+        <a:font script="Uigh" typeface="Microsoft Uighur"/>
+        <a:font script="Geor" typeface="Sylfaen"/>
+        <a:font script="Armn" typeface="Arial"/>
+        <a:font script="Bugi" typeface="Leelawadee UI"/>
+        <a:font script="Bopo" typeface="Microsoft JhengHei"/>
+        <a:font script="Java" typeface="Javanese Text"/>
+        <a:font script="Lisu" typeface="Segoe UI"/>
+        <a:font script="Mymr" typeface="Myanmar Text"/>
+        <a:font script="Nkoo" typeface="Ebrima"/>
+        <a:font script="Olck" typeface="Nirmala UI"/>
+        <a:font script="Osma" typeface="Ebrima"/>
+        <a:font script="Phag" typeface="Phagspa"/>
+        <a:font script="Syrn" typeface="Estrangelo Edessa"/>
+        <a:font script="Syrj" typeface="Estrangelo Edessa"/>
+        <a:font script="Syre" typeface="Estrangelo Edessa"/>
+        <a:font script="Sora" typeface="Nirmala UI"/>
+        <a:font script="Tale" typeface="Microsoft Tai Le"/>
+        <a:font script="Talu" typeface="Microsoft New Tai Lue"/>
+        <a:font script="Tfng" typeface="Ebrima"/>
+      </a:minorFont>
+    </a:fontScheme>
+    <a:fmtScheme name="Office">
+      <a:fillStyleLst>
+        <a:solidFill>
+          <a:schemeClr val="phClr"/>
+        </a:solidFill>
+        <a:gradFill rotWithShape="1">
+          <a:gsLst>
+            <a:gs pos="0">
+              <a:schemeClr val="phClr">
+                <a:lumMod val="110000"/>
+                <a:satMod val="105000"/>
+                <a:tint val="67000"/>
+              </a:schemeClr>
+            </a:gs>
+            <a:gs pos="50000">
+              <a:schemeClr val="phClr">
+                <a:lumMod val="105000"/>
+                <a:satMod val="103000"/>
+                <a:tint val="73000"/>
+              </a:schemeClr>
+            </a:gs>
+            <a:gs pos="100000">
+              <a:schemeClr val="phClr">
+                <a:lumMod val="105000"/>
+                <a:satMod val="109000"/>
+                <a:tint val="81000"/>
+              </a:schemeClr>
+            </a:gs>
+          </a:gsLst>
+          <a:lin ang="5400000" scaled="0"/>
+        </a:gradFill>
+        <a:gradFill rotWithShape="1">
+          <a:gsLst>
+            <a:gs pos="0">
+              <a:schemeClr val="phClr">
+                <a:satMod val="103000"/>
+                <a:lumMod val="102000"/>
+                <a:tint val="94000"/>
+              </a:schemeClr>
+            </a:gs>
+            <a:gs pos="50000">
+              <a:schemeClr val="phClr">
+                <a:satMod val="110000"/>
+                <a:lumMod val="100000"/>
+                <a:shade val="100000"/>
+              </a:schemeClr>
+            </a:gs>
+            <a:gs pos="100000">
+              <a:schemeClr val="phClr">
+                <a:lumMod val="99000"/>
+                <a:satMod val="120000"/>
+                <a:shade val="78000"/>
+              </a:schemeClr>
+            </a:gs>
+          </a:gsLst>
+          <a:lin ang="5400000" scaled="0"/>
+        </a:gradFill>
+      </a:fillStyleLst>
+      <a:lnStyleLst>
+        <a:ln w="6350" cap="flat" cmpd="sng" algn="ctr">
+          <a:solidFill>
+            <a:schemeClr val="phClr"/>
+          </a:solidFill>
+          <a:prstDash val="solid"/>
+          <a:miter lim="800000"/>
+        </a:ln>
+        <a:ln w="12700" cap="flat" cmpd="sng" algn="ctr">
+          <a:solidFill>
+            <a:schemeClr val="phClr"/>
+          </a:solidFill>
+          <a:prstDash val="solid"/>
+          <a:miter lim="800000"/>
+        </a:ln>
+        <a:ln w="19050" cap="flat" cmpd="sng" algn="ctr">
+          <a:solidFill>
+            <a:schemeClr val="phClr"/>
+          </a:solidFill>
+          <a:prstDash val="solid"/>
+          <a:miter lim="800000"/>
+        </a:ln>
+      </a:lnStyleLst>
+      <a:effectStyleLst>
+        <a:effectStyle>
+          <a:effectLst/>
+        </a:effectStyle>
+        <a:effectStyle>
+          <a:effectLst/>
+        </a:effectStyle>
+        <a:effectStyle>
+          <a:effectLst>
+            <a:outerShdw blurRad="57150" dist="19050" dir="5400000" algn="ctr" rotWithShape="0">
+              <a:srgbClr val="000000">
+                <a:alpha val="63000"/>
+              </a:srgbClr>
+            </a:outerShdw>
+          </a:effectLst>
+        </a:effectStyle>
+      </a:effectStyleLst>
+      <a:bgFillStyleLst>
+        <a:solidFill>
+          <a:schemeClr val="phClr"/>
+        </a:solidFill>
+        <a:solidFill>
+          <a:schemeClr val="phClr">
+            <a:tint val="95000"/>
+            <a:satMod val="170000"/>
+          </a:schemeClr>
+        </a:solidFill>
+        <a:gradFill rotWithShape="1">
+          <a:gsLst>
+            <a:gs pos="0">
+              <a:schemeClr val="phClr">
+                <a:tint val="93000"/>
+                <a:satMod val="150000"/>
+                <a:shade val="98000"/>
+                <a:lumMod val="102000"/>
+              </a:schemeClr>
+            </a:gs>
+            <a:gs pos="50000">
+              <a:schemeClr val="phClr">
+                <a:tint val="98000"/>
+                <a:satMod val="130000"/>
+                <a:shade val="90000"/>
+                <a:lumMod val="103000"/>
+              </a:schemeClr>
+            </a:gs>
+            <a:gs pos="100000">
+              <a:schemeClr val="phClr">
+                <a:shade val="63000"/>
+                <a:satMod val="120000"/>
+              </a:schemeClr>
+            </a:gs>
+          </a:gsLst>
+          <a:lin ang="5400000" scaled="0"/>
+        </a:gradFill>
+      </a:bgFillStyleLst>
+    </a:fmtScheme>
+  </a:themeElements>
+  <a:objectDefaults/>
+  <a:extraClrSchemeLst/>
+  <a:extLst>
+    <a:ext uri="{05A4C25C-085E-4340-85A3-A5531E510DB2}">
+      <thm15:themeFamily xmlns:thm15="http://schemas.microsoft.com/office/thememl/2012/main" name="Office Theme" id="{62F939B6-93AF-4DB8-9C6B-D6C7DFDC589F}" vid="{4A3C46E8-61CC-4603-A589-7422A47A8E4A}"/>
+    </a:ext>
+  </a:extLst>
+</a:theme>
 </file>
--- a/faster2lib/EEG_power_specrum_template.pptx
+++ b/faster2lib/EEG_power_specrum_template.pptx
@@ -202,7 +202,7 @@
           <a:p>
             <a:fld id="{659F289F-6C09-4E41-AB64-F4FBAF604A8F}" type="datetimeFigureOut">
               <a:rPr kumimoji="1" lang="ja-JP" altLang="en-US" smtClean="0"/>
-              <a:t>2022/12/24</a:t>
+              <a:t>2022/12/25</a:t>
             </a:fld>
             <a:endParaRPr kumimoji="1" lang="ja-JP" altLang="en-US"/>
           </a:p>
@@ -733,7 +733,7 @@
           <a:p>
             <a:fld id="{B3DF8FAD-2AB0-4DA8-8497-F48AD089473F}" type="datetimeFigureOut">
               <a:rPr kumimoji="1" lang="ja-JP" altLang="en-US" smtClean="0"/>
-              <a:t>2022/12/24</a:t>
+              <a:t>2022/12/25</a:t>
             </a:fld>
             <a:endParaRPr kumimoji="1" lang="ja-JP" altLang="en-US"/>
           </a:p>
@@ -935,7 +935,7 @@
           <a:p>
             <a:fld id="{B3DF8FAD-2AB0-4DA8-8497-F48AD089473F}" type="datetimeFigureOut">
               <a:rPr kumimoji="1" lang="ja-JP" altLang="en-US" smtClean="0"/>
-              <a:t>2022/12/24</a:t>
+              <a:t>2022/12/25</a:t>
             </a:fld>
             <a:endParaRPr kumimoji="1" lang="ja-JP" altLang="en-US"/>
           </a:p>
@@ -1147,7 +1147,7 @@
           <a:p>
             <a:fld id="{B3DF8FAD-2AB0-4DA8-8497-F48AD089473F}" type="datetimeFigureOut">
               <a:rPr kumimoji="1" lang="ja-JP" altLang="en-US" smtClean="0"/>
-              <a:t>2022/12/24</a:t>
+              <a:t>2022/12/25</a:t>
             </a:fld>
             <a:endParaRPr kumimoji="1" lang="ja-JP" altLang="en-US"/>
           </a:p>
@@ -1349,7 +1349,7 @@
           <a:p>
             <a:fld id="{B3DF8FAD-2AB0-4DA8-8497-F48AD089473F}" type="datetimeFigureOut">
               <a:rPr kumimoji="1" lang="ja-JP" altLang="en-US" smtClean="0"/>
-              <a:t>2022/12/24</a:t>
+              <a:t>2022/12/25</a:t>
             </a:fld>
             <a:endParaRPr kumimoji="1" lang="ja-JP" altLang="en-US"/>
           </a:p>
@@ -1595,7 +1595,7 @@
           <a:p>
             <a:fld id="{B3DF8FAD-2AB0-4DA8-8497-F48AD089473F}" type="datetimeFigureOut">
               <a:rPr kumimoji="1" lang="ja-JP" altLang="en-US" smtClean="0"/>
-              <a:t>2022/12/24</a:t>
+              <a:t>2022/12/25</a:t>
             </a:fld>
             <a:endParaRPr kumimoji="1" lang="ja-JP" altLang="en-US"/>
           </a:p>
@@ -1891,7 +1891,7 @@
           <a:p>
             <a:fld id="{B3DF8FAD-2AB0-4DA8-8497-F48AD089473F}" type="datetimeFigureOut">
               <a:rPr kumimoji="1" lang="ja-JP" altLang="en-US" smtClean="0"/>
-              <a:t>2022/12/24</a:t>
+              <a:t>2022/12/25</a:t>
             </a:fld>
             <a:endParaRPr kumimoji="1" lang="ja-JP" altLang="en-US"/>
           </a:p>
@@ -2322,7 +2322,7 @@
           <a:p>
             <a:fld id="{B3DF8FAD-2AB0-4DA8-8497-F48AD089473F}" type="datetimeFigureOut">
               <a:rPr kumimoji="1" lang="ja-JP" altLang="en-US" smtClean="0"/>
-              <a:t>2022/12/24</a:t>
+              <a:t>2022/12/25</a:t>
             </a:fld>
             <a:endParaRPr kumimoji="1" lang="ja-JP" altLang="en-US"/>
           </a:p>
@@ -2440,7 +2440,7 @@
           <a:p>
             <a:fld id="{B3DF8FAD-2AB0-4DA8-8497-F48AD089473F}" type="datetimeFigureOut">
               <a:rPr kumimoji="1" lang="ja-JP" altLang="en-US" smtClean="0"/>
-              <a:t>2022/12/24</a:t>
+              <a:t>2022/12/25</a:t>
             </a:fld>
             <a:endParaRPr kumimoji="1" lang="ja-JP" altLang="en-US"/>
           </a:p>
@@ -2535,7 +2535,7 @@
           <a:p>
             <a:fld id="{B3DF8FAD-2AB0-4DA8-8497-F48AD089473F}" type="datetimeFigureOut">
               <a:rPr kumimoji="1" lang="ja-JP" altLang="en-US" smtClean="0"/>
-              <a:t>2022/12/24</a:t>
+              <a:t>2022/12/25</a:t>
             </a:fld>
             <a:endParaRPr kumimoji="1" lang="ja-JP" altLang="en-US"/>
           </a:p>
@@ -2844,7 +2844,7 @@
           <a:p>
             <a:fld id="{B3DF8FAD-2AB0-4DA8-8497-F48AD089473F}" type="datetimeFigureOut">
               <a:rPr kumimoji="1" lang="ja-JP" altLang="en-US" smtClean="0"/>
-              <a:t>2022/12/24</a:t>
+              <a:t>2022/12/25</a:t>
             </a:fld>
             <a:endParaRPr kumimoji="1" lang="ja-JP" altLang="en-US"/>
           </a:p>
@@ -3101,7 +3101,7 @@
           <a:p>
             <a:fld id="{B3DF8FAD-2AB0-4DA8-8497-F48AD089473F}" type="datetimeFigureOut">
               <a:rPr kumimoji="1" lang="ja-JP" altLang="en-US" smtClean="0"/>
-              <a:t>2022/12/24</a:t>
+              <a:t>2022/12/25</a:t>
             </a:fld>
             <a:endParaRPr kumimoji="1" lang="ja-JP" altLang="en-US"/>
           </a:p>
@@ -3346,7 +3346,7 @@
           <a:p>
             <a:fld id="{B3DF8FAD-2AB0-4DA8-8497-F48AD089473F}" type="datetimeFigureOut">
               <a:rPr kumimoji="1" lang="ja-JP" altLang="en-US" smtClean="0"/>
-              <a:t>2022/12/24</a:t>
+              <a:t>2022/12/25</a:t>
             </a:fld>
             <a:endParaRPr kumimoji="1" lang="ja-JP" altLang="en-US"/>
           </a:p>
@@ -35005,14 +35005,14 @@
           <p:nvPr>
             <p:extLst>
               <p:ext uri="{D42A27DB-BD31-4B8C-83A1-F6EECF244321}">
-                <p14:modId xmlns:p14="http://schemas.microsoft.com/office/powerpoint/2010/main" val="1992943793"/>
+                <p14:modId xmlns:p14="http://schemas.microsoft.com/office/powerpoint/2010/main" val="4018126136"/>
               </p:ext>
             </p:extLst>
           </p:nvPr>
         </p:nvGraphicFramePr>
         <p:xfrm>
           <a:off x="6414837" y="4073733"/>
-          <a:ext cx="4643520" cy="2013986"/>
+          <a:ext cx="4643520" cy="2323830"/>
         </p:xfrm>
         <a:graphic>
           <a:graphicData uri="http://schemas.openxmlformats.org/drawingml/2006/table">
@@ -38900,6 +38900,588 @@
                 <a:extLst>
                   <a:ext uri="{0D108BD9-81ED-4DB2-BD59-A6C34878D82A}">
                     <a16:rowId xmlns:a16="http://schemas.microsoft.com/office/drawing/2014/main" val="2464070035"/>
+                  </a:ext>
+                </a:extLst>
+              </a:tr>
+              <a:tr h="154922">
+                <a:tc>
+                  <a:txBody>
+                    <a:bodyPr/>
+                    <a:lstStyle/>
+                    <a:p>
+                      <a:pPr algn="r" fontAlgn="ctr"/>
+                      <a:r>
+                        <a:rPr lang="en-US" sz="700" b="0" i="0" u="none" strike="noStrike" dirty="0">
+                          <a:solidFill>
+                            <a:srgbClr val="000000"/>
+                          </a:solidFill>
+                          <a:effectLst/>
+                          <a:latin typeface="游ゴシック" panose="020B0400000000000000" pitchFamily="50" charset="-128"/>
+                          <a:ea typeface="游ゴシック" panose="020B0400000000000000" pitchFamily="50" charset="-128"/>
+                        </a:rPr>
+                        <a:t>-</a:t>
+                      </a:r>
+                    </a:p>
+                  </a:txBody>
+                  <a:tcPr marL="6197" marR="6197" marT="6197" marB="0" anchor="ctr">
+                    <a:lnL>
+                      <a:noFill/>
+                    </a:lnL>
+                    <a:lnR>
+                      <a:noFill/>
+                    </a:lnR>
+                    <a:lnT>
+                      <a:noFill/>
+                    </a:lnT>
+                    <a:lnB>
+                      <a:noFill/>
+                    </a:lnB>
+                  </a:tcPr>
+                </a:tc>
+                <a:tc>
+                  <a:txBody>
+                    <a:bodyPr/>
+                    <a:lstStyle/>
+                    <a:p>
+                      <a:pPr algn="r" fontAlgn="ctr"/>
+                      <a:r>
+                        <a:rPr lang="en-US" sz="700" b="0" i="0" u="none" strike="noStrike" dirty="0">
+                          <a:solidFill>
+                            <a:srgbClr val="000000"/>
+                          </a:solidFill>
+                          <a:effectLst/>
+                          <a:latin typeface="游ゴシック" panose="020B0400000000000000" pitchFamily="50" charset="-128"/>
+                          <a:ea typeface="游ゴシック" panose="020B0400000000000000" pitchFamily="50" charset="-128"/>
+                        </a:rPr>
+                        <a:t>-</a:t>
+                      </a:r>
+                    </a:p>
+                  </a:txBody>
+                  <a:tcPr marL="6197" marR="6197" marT="6197" marB="0" anchor="ctr">
+                    <a:lnL>
+                      <a:noFill/>
+                    </a:lnL>
+                    <a:lnR>
+                      <a:noFill/>
+                    </a:lnR>
+                    <a:lnT>
+                      <a:noFill/>
+                    </a:lnT>
+                    <a:lnB>
+                      <a:noFill/>
+                    </a:lnB>
+                  </a:tcPr>
+                </a:tc>
+                <a:tc>
+                  <a:txBody>
+                    <a:bodyPr/>
+                    <a:lstStyle/>
+                    <a:p>
+                      <a:pPr algn="r" fontAlgn="ctr"/>
+                      <a:r>
+                        <a:rPr lang="en-US" altLang="ja-JP" sz="700" b="0" i="0" u="none" strike="noStrike" dirty="0">
+                          <a:solidFill>
+                            <a:srgbClr val="000000"/>
+                          </a:solidFill>
+                          <a:effectLst/>
+                          <a:latin typeface="游ゴシック" panose="020B0400000000000000" pitchFamily="50" charset="-128"/>
+                          <a:ea typeface="游ゴシック" panose="020B0400000000000000" pitchFamily="50" charset="-128"/>
+                        </a:rPr>
+                        <a:t>-</a:t>
+                      </a:r>
+                    </a:p>
+                  </a:txBody>
+                  <a:tcPr marL="6197" marR="6197" marT="6197" marB="0" anchor="ctr">
+                    <a:lnL>
+                      <a:noFill/>
+                    </a:lnL>
+                    <a:lnR>
+                      <a:noFill/>
+                    </a:lnR>
+                    <a:lnT>
+                      <a:noFill/>
+                    </a:lnT>
+                    <a:lnB>
+                      <a:noFill/>
+                    </a:lnB>
+                  </a:tcPr>
+                </a:tc>
+                <a:tc>
+                  <a:txBody>
+                    <a:bodyPr/>
+                    <a:lstStyle/>
+                    <a:p>
+                      <a:pPr algn="r" fontAlgn="ctr"/>
+                      <a:r>
+                        <a:rPr lang="en-US" altLang="ja-JP" sz="700" b="0" i="0" u="none" strike="noStrike" dirty="0">
+                          <a:solidFill>
+                            <a:srgbClr val="000000"/>
+                          </a:solidFill>
+                          <a:effectLst/>
+                          <a:latin typeface="游ゴシック" panose="020B0400000000000000" pitchFamily="50" charset="-128"/>
+                          <a:ea typeface="游ゴシック" panose="020B0400000000000000" pitchFamily="50" charset="-128"/>
+                        </a:rPr>
+                        <a:t>-</a:t>
+                      </a:r>
+                    </a:p>
+                  </a:txBody>
+                  <a:tcPr marL="6197" marR="6197" marT="6197" marB="0" anchor="ctr">
+                    <a:lnL>
+                      <a:noFill/>
+                    </a:lnL>
+                    <a:lnR>
+                      <a:noFill/>
+                    </a:lnR>
+                    <a:lnT>
+                      <a:noFill/>
+                    </a:lnT>
+                    <a:lnB>
+                      <a:noFill/>
+                    </a:lnB>
+                  </a:tcPr>
+                </a:tc>
+                <a:tc>
+                  <a:txBody>
+                    <a:bodyPr/>
+                    <a:lstStyle/>
+                    <a:p>
+                      <a:pPr algn="r" fontAlgn="ctr"/>
+                      <a:r>
+                        <a:rPr lang="en-US" altLang="ja-JP" sz="700" b="0" i="0" u="none" strike="noStrike" dirty="0">
+                          <a:solidFill>
+                            <a:srgbClr val="000000"/>
+                          </a:solidFill>
+                          <a:effectLst/>
+                          <a:latin typeface="游ゴシック" panose="020B0400000000000000" pitchFamily="50" charset="-128"/>
+                          <a:ea typeface="游ゴシック" panose="020B0400000000000000" pitchFamily="50" charset="-128"/>
+                        </a:rPr>
+                        <a:t>-</a:t>
+                      </a:r>
+                    </a:p>
+                  </a:txBody>
+                  <a:tcPr marL="6197" marR="6197" marT="6197" marB="0" anchor="ctr">
+                    <a:lnL>
+                      <a:noFill/>
+                    </a:lnL>
+                    <a:lnR>
+                      <a:noFill/>
+                    </a:lnR>
+                    <a:lnT>
+                      <a:noFill/>
+                    </a:lnT>
+                    <a:lnB>
+                      <a:noFill/>
+                    </a:lnB>
+                  </a:tcPr>
+                </a:tc>
+                <a:tc>
+                  <a:txBody>
+                    <a:bodyPr/>
+                    <a:lstStyle/>
+                    <a:p>
+                      <a:pPr algn="r" fontAlgn="ctr"/>
+                      <a:r>
+                        <a:rPr lang="en-US" altLang="ja-JP" sz="700" b="0" i="0" u="none" strike="noStrike" dirty="0">
+                          <a:solidFill>
+                            <a:srgbClr val="000000"/>
+                          </a:solidFill>
+                          <a:effectLst/>
+                          <a:latin typeface="游ゴシック" panose="020B0400000000000000" pitchFamily="50" charset="-128"/>
+                          <a:ea typeface="游ゴシック" panose="020B0400000000000000" pitchFamily="50" charset="-128"/>
+                        </a:rPr>
+                        <a:t>-</a:t>
+                      </a:r>
+                    </a:p>
+                  </a:txBody>
+                  <a:tcPr marL="6197" marR="6197" marT="6197" marB="0" anchor="ctr">
+                    <a:lnL>
+                      <a:noFill/>
+                    </a:lnL>
+                    <a:lnR>
+                      <a:noFill/>
+                    </a:lnR>
+                    <a:lnT>
+                      <a:noFill/>
+                    </a:lnT>
+                    <a:lnB>
+                      <a:noFill/>
+                    </a:lnB>
+                  </a:tcPr>
+                </a:tc>
+                <a:tc>
+                  <a:txBody>
+                    <a:bodyPr/>
+                    <a:lstStyle/>
+                    <a:p>
+                      <a:pPr algn="r" fontAlgn="ctr"/>
+                      <a:r>
+                        <a:rPr lang="en-US" altLang="ja-JP" sz="700" b="0" i="0" u="none" strike="noStrike" dirty="0">
+                          <a:solidFill>
+                            <a:srgbClr val="000000"/>
+                          </a:solidFill>
+                          <a:effectLst/>
+                          <a:latin typeface="游ゴシック" panose="020B0400000000000000" pitchFamily="50" charset="-128"/>
+                          <a:ea typeface="游ゴシック" panose="020B0400000000000000" pitchFamily="50" charset="-128"/>
+                        </a:rPr>
+                        <a:t>-</a:t>
+                      </a:r>
+                      <a:endParaRPr lang="ja-JP" altLang="en-US" sz="700" b="0" i="0" u="none" strike="noStrike" dirty="0">
+                        <a:solidFill>
+                          <a:srgbClr val="000000"/>
+                        </a:solidFill>
+                        <a:effectLst/>
+                        <a:latin typeface="游ゴシック" panose="020B0400000000000000" pitchFamily="50" charset="-128"/>
+                        <a:ea typeface="游ゴシック" panose="020B0400000000000000" pitchFamily="50" charset="-128"/>
+                      </a:endParaRPr>
+                    </a:p>
+                  </a:txBody>
+                  <a:tcPr marL="6197" marR="6197" marT="6197" marB="0" anchor="ctr">
+                    <a:lnL>
+                      <a:noFill/>
+                    </a:lnL>
+                    <a:lnR>
+                      <a:noFill/>
+                    </a:lnR>
+                    <a:lnT>
+                      <a:noFill/>
+                    </a:lnT>
+                    <a:lnB>
+                      <a:noFill/>
+                    </a:lnB>
+                  </a:tcPr>
+                </a:tc>
+                <a:tc>
+                  <a:txBody>
+                    <a:bodyPr/>
+                    <a:lstStyle/>
+                    <a:p>
+                      <a:pPr algn="r" fontAlgn="ctr"/>
+                      <a:r>
+                        <a:rPr lang="en-US" sz="700" b="0" i="0" u="none" strike="noStrike" dirty="0">
+                          <a:solidFill>
+                            <a:srgbClr val="000000"/>
+                          </a:solidFill>
+                          <a:effectLst/>
+                          <a:latin typeface="游ゴシック" panose="020B0400000000000000" pitchFamily="50" charset="-128"/>
+                          <a:ea typeface="游ゴシック" panose="020B0400000000000000" pitchFamily="50" charset="-128"/>
+                        </a:rPr>
+                        <a:t>-</a:t>
+                      </a:r>
+                    </a:p>
+                  </a:txBody>
+                  <a:tcPr marL="6197" marR="6197" marT="6197" marB="0" anchor="ctr">
+                    <a:lnL>
+                      <a:noFill/>
+                    </a:lnL>
+                    <a:lnR>
+                      <a:noFill/>
+                    </a:lnR>
+                    <a:lnT>
+                      <a:noFill/>
+                    </a:lnT>
+                    <a:lnB>
+                      <a:noFill/>
+                    </a:lnB>
+                  </a:tcPr>
+                </a:tc>
+                <a:extLst>
+                  <a:ext uri="{0D108BD9-81ED-4DB2-BD59-A6C34878D82A}">
+                    <a16:rowId xmlns:a16="http://schemas.microsoft.com/office/drawing/2014/main" val="3902445938"/>
+                  </a:ext>
+                </a:extLst>
+              </a:tr>
+              <a:tr h="154922">
+                <a:tc>
+                  <a:txBody>
+                    <a:bodyPr/>
+                    <a:lstStyle/>
+                    <a:p>
+                      <a:pPr algn="r" fontAlgn="ctr"/>
+                      <a:r>
+                        <a:rPr lang="en-US" sz="700" b="0" i="0" u="none" strike="noStrike" dirty="0">
+                          <a:solidFill>
+                            <a:srgbClr val="000000"/>
+                          </a:solidFill>
+                          <a:effectLst/>
+                          <a:latin typeface="游ゴシック" panose="020B0400000000000000" pitchFamily="50" charset="-128"/>
+                          <a:ea typeface="游ゴシック" panose="020B0400000000000000" pitchFamily="50" charset="-128"/>
+                        </a:rPr>
+                        <a:t>-</a:t>
+                      </a:r>
+                    </a:p>
+                  </a:txBody>
+                  <a:tcPr marL="6197" marR="6197" marT="6197" marB="0" anchor="ctr">
+                    <a:lnL>
+                      <a:noFill/>
+                    </a:lnL>
+                    <a:lnR>
+                      <a:noFill/>
+                    </a:lnR>
+                    <a:lnT>
+                      <a:noFill/>
+                    </a:lnT>
+                    <a:lnB>
+                      <a:noFill/>
+                    </a:lnB>
+                  </a:tcPr>
+                </a:tc>
+                <a:tc>
+                  <a:txBody>
+                    <a:bodyPr/>
+                    <a:lstStyle/>
+                    <a:p>
+                      <a:pPr algn="r" fontAlgn="ctr"/>
+                      <a:r>
+                        <a:rPr lang="en-US" sz="700" b="0" i="0" u="none" strike="noStrike" dirty="0">
+                          <a:solidFill>
+                            <a:srgbClr val="000000"/>
+                          </a:solidFill>
+                          <a:effectLst/>
+                          <a:latin typeface="游ゴシック" panose="020B0400000000000000" pitchFamily="50" charset="-128"/>
+                          <a:ea typeface="游ゴシック" panose="020B0400000000000000" pitchFamily="50" charset="-128"/>
+                        </a:rPr>
+                        <a:t>-</a:t>
+                      </a:r>
+                    </a:p>
+                  </a:txBody>
+                  <a:tcPr marL="6197" marR="6197" marT="6197" marB="0" anchor="ctr">
+                    <a:lnL>
+                      <a:noFill/>
+                    </a:lnL>
+                    <a:lnR>
+                      <a:noFill/>
+                    </a:lnR>
+                    <a:lnT>
+                      <a:noFill/>
+                    </a:lnT>
+                    <a:lnB>
+                      <a:noFill/>
+                    </a:lnB>
+                  </a:tcPr>
+                </a:tc>
+                <a:tc>
+                  <a:txBody>
+                    <a:bodyPr/>
+                    <a:lstStyle/>
+                    <a:p>
+                      <a:pPr algn="r" fontAlgn="ctr"/>
+                      <a:r>
+                        <a:rPr lang="en-US" altLang="ja-JP" sz="700" b="0" i="0" u="none" strike="noStrike" dirty="0">
+                          <a:solidFill>
+                            <a:srgbClr val="000000"/>
+                          </a:solidFill>
+                          <a:effectLst/>
+                          <a:latin typeface="游ゴシック" panose="020B0400000000000000" pitchFamily="50" charset="-128"/>
+                          <a:ea typeface="游ゴシック" panose="020B0400000000000000" pitchFamily="50" charset="-128"/>
+                        </a:rPr>
+                        <a:t>-</a:t>
+                      </a:r>
+                    </a:p>
+                  </a:txBody>
+                  <a:tcPr marL="6197" marR="6197" marT="6197" marB="0" anchor="ctr">
+                    <a:lnL>
+                      <a:noFill/>
+                    </a:lnL>
+                    <a:lnR>
+                      <a:noFill/>
+                    </a:lnR>
+                    <a:lnT>
+                      <a:noFill/>
+                    </a:lnT>
+                    <a:lnB>
+                      <a:noFill/>
+                    </a:lnB>
+                  </a:tcPr>
+                </a:tc>
+                <a:tc>
+                  <a:txBody>
+                    <a:bodyPr/>
+                    <a:lstStyle/>
+                    <a:p>
+                      <a:pPr algn="r" fontAlgn="ctr"/>
+                      <a:r>
+                        <a:rPr lang="en-US" altLang="ja-JP" sz="700" b="0" i="0" u="none" strike="noStrike" dirty="0">
+                          <a:solidFill>
+                            <a:srgbClr val="000000"/>
+                          </a:solidFill>
+                          <a:effectLst/>
+                          <a:latin typeface="游ゴシック" panose="020B0400000000000000" pitchFamily="50" charset="-128"/>
+                          <a:ea typeface="游ゴシック" panose="020B0400000000000000" pitchFamily="50" charset="-128"/>
+                        </a:rPr>
+                        <a:t>-</a:t>
+                      </a:r>
+                    </a:p>
+                  </a:txBody>
+                  <a:tcPr marL="6197" marR="6197" marT="6197" marB="0" anchor="ctr">
+                    <a:lnL>
+                      <a:noFill/>
+                    </a:lnL>
+                    <a:lnR>
+                      <a:noFill/>
+                    </a:lnR>
+                    <a:lnT>
+                      <a:noFill/>
+                    </a:lnT>
+                    <a:lnB>
+                      <a:noFill/>
+                    </a:lnB>
+                  </a:tcPr>
+                </a:tc>
+                <a:tc>
+                  <a:txBody>
+                    <a:bodyPr/>
+                    <a:lstStyle/>
+                    <a:p>
+                      <a:pPr algn="r" fontAlgn="ctr"/>
+                      <a:r>
+                        <a:rPr lang="en-US" altLang="ja-JP" sz="700" b="0" i="0" u="none" strike="noStrike" dirty="0">
+                          <a:solidFill>
+                            <a:srgbClr val="000000"/>
+                          </a:solidFill>
+                          <a:effectLst/>
+                          <a:latin typeface="游ゴシック" panose="020B0400000000000000" pitchFamily="50" charset="-128"/>
+                          <a:ea typeface="游ゴシック" panose="020B0400000000000000" pitchFamily="50" charset="-128"/>
+                        </a:rPr>
+                        <a:t>-</a:t>
+                      </a:r>
+                    </a:p>
+                  </a:txBody>
+                  <a:tcPr marL="6197" marR="6197" marT="6197" marB="0" anchor="ctr">
+                    <a:lnL>
+                      <a:noFill/>
+                    </a:lnL>
+                    <a:lnR>
+                      <a:noFill/>
+                    </a:lnR>
+                    <a:lnT>
+                      <a:noFill/>
+                    </a:lnT>
+                    <a:lnB>
+                      <a:noFill/>
+                    </a:lnB>
+                  </a:tcPr>
+                </a:tc>
+                <a:tc>
+                  <a:txBody>
+                    <a:bodyPr/>
+                    <a:lstStyle/>
+                    <a:p>
+                      <a:pPr algn="r" fontAlgn="ctr"/>
+                      <a:r>
+                        <a:rPr lang="en-US" altLang="ja-JP" sz="700" b="0" i="0" u="none" strike="noStrike" dirty="0">
+                          <a:solidFill>
+                            <a:srgbClr val="000000"/>
+                          </a:solidFill>
+                          <a:effectLst/>
+                          <a:latin typeface="游ゴシック" panose="020B0400000000000000" pitchFamily="50" charset="-128"/>
+                          <a:ea typeface="游ゴシック" panose="020B0400000000000000" pitchFamily="50" charset="-128"/>
+                        </a:rPr>
+                        <a:t>-</a:t>
+                      </a:r>
+                    </a:p>
+                  </a:txBody>
+                  <a:tcPr marL="6197" marR="6197" marT="6197" marB="0" anchor="ctr">
+                    <a:lnL>
+                      <a:noFill/>
+                    </a:lnL>
+                    <a:lnR>
+                      <a:noFill/>
+                    </a:lnR>
+                    <a:lnT>
+                      <a:noFill/>
+                    </a:lnT>
+                    <a:lnB>
+                      <a:noFill/>
+                    </a:lnB>
+                  </a:tcPr>
+                </a:tc>
+                <a:tc>
+                  <a:txBody>
+                    <a:bodyPr/>
+                    <a:lstStyle/>
+                    <a:p>
+                      <a:pPr algn="r" fontAlgn="ctr"/>
+                      <a:r>
+                        <a:rPr lang="en-US" altLang="ja-JP" sz="700" b="0" i="0" u="none" strike="noStrike" dirty="0">
+                          <a:solidFill>
+                            <a:srgbClr val="000000"/>
+                          </a:solidFill>
+                          <a:effectLst/>
+                          <a:latin typeface="游ゴシック" panose="020B0400000000000000" pitchFamily="50" charset="-128"/>
+                          <a:ea typeface="游ゴシック" panose="020B0400000000000000" pitchFamily="50" charset="-128"/>
+                        </a:rPr>
+                        <a:t>-</a:t>
+                      </a:r>
+                      <a:endParaRPr lang="ja-JP" altLang="en-US" sz="700" b="0" i="0" u="none" strike="noStrike" dirty="0">
+                        <a:solidFill>
+                          <a:srgbClr val="000000"/>
+                        </a:solidFill>
+                        <a:effectLst/>
+                        <a:latin typeface="游ゴシック" panose="020B0400000000000000" pitchFamily="50" charset="-128"/>
+                        <a:ea typeface="游ゴシック" panose="020B0400000000000000" pitchFamily="50" charset="-128"/>
+                      </a:endParaRPr>
+                    </a:p>
+                  </a:txBody>
+                  <a:tcPr marL="6197" marR="6197" marT="6197" marB="0" anchor="ctr">
+                    <a:lnL>
+                      <a:noFill/>
+                    </a:lnL>
+                    <a:lnR>
+                      <a:noFill/>
+                    </a:lnR>
+                    <a:lnT>
+                      <a:noFill/>
+                    </a:lnT>
+                    <a:lnB>
+                      <a:noFill/>
+                    </a:lnB>
+                  </a:tcPr>
+                </a:tc>
+                <a:tc>
+                  <a:txBody>
+                    <a:bodyPr/>
+                    <a:lstStyle/>
+                    <a:p>
+                      <a:pPr algn="r" fontAlgn="ctr"/>
+                      <a:r>
+                        <a:rPr lang="en-US" sz="700" b="0" i="0" u="none" strike="noStrike">
+                          <a:solidFill>
+                            <a:srgbClr val="000000"/>
+                          </a:solidFill>
+                          <a:effectLst/>
+                          <a:latin typeface="游ゴシック" panose="020B0400000000000000" pitchFamily="50" charset="-128"/>
+                          <a:ea typeface="游ゴシック" panose="020B0400000000000000" pitchFamily="50" charset="-128"/>
+                        </a:rPr>
+                        <a:t>-</a:t>
+                      </a:r>
+                      <a:endParaRPr lang="en-US" sz="700" b="0" i="0" u="none" strike="noStrike" dirty="0">
+                        <a:solidFill>
+                          <a:srgbClr val="000000"/>
+                        </a:solidFill>
+                        <a:effectLst/>
+                        <a:latin typeface="游ゴシック" panose="020B0400000000000000" pitchFamily="50" charset="-128"/>
+                        <a:ea typeface="游ゴシック" panose="020B0400000000000000" pitchFamily="50" charset="-128"/>
+                      </a:endParaRPr>
+                    </a:p>
+                  </a:txBody>
+                  <a:tcPr marL="6197" marR="6197" marT="6197" marB="0" anchor="ctr">
+                    <a:lnL>
+                      <a:noFill/>
+                    </a:lnL>
+                    <a:lnR>
+                      <a:noFill/>
+                    </a:lnR>
+                    <a:lnT>
+                      <a:noFill/>
+                    </a:lnT>
+                    <a:lnB>
+                      <a:noFill/>
+                    </a:lnB>
+                  </a:tcPr>
+                </a:tc>
+                <a:extLst>
+                  <a:ext uri="{0D108BD9-81ED-4DB2-BD59-A6C34878D82A}">
+                    <a16:rowId xmlns:a16="http://schemas.microsoft.com/office/drawing/2014/main" val="1746050471"/>
                   </a:ext>
                 </a:extLst>
               </a:tr>

--- a/faster2lib/EEG_power_specrum_template.pptx
+++ b/faster2lib/EEG_power_specrum_template.pptx
@@ -202,7 +202,7 @@
           <a:p>
             <a:fld id="{659F289F-6C09-4E41-AB64-F4FBAF604A8F}" type="datetimeFigureOut">
               <a:rPr kumimoji="1" lang="ja-JP" altLang="en-US" smtClean="0"/>
-              <a:t>2022/12/25</a:t>
+              <a:t>2023/5/27</a:t>
             </a:fld>
             <a:endParaRPr kumimoji="1" lang="ja-JP" altLang="en-US"/>
           </a:p>
@@ -733,7 +733,7 @@
           <a:p>
             <a:fld id="{B3DF8FAD-2AB0-4DA8-8497-F48AD089473F}" type="datetimeFigureOut">
               <a:rPr kumimoji="1" lang="ja-JP" altLang="en-US" smtClean="0"/>
-              <a:t>2022/12/25</a:t>
+              <a:t>2023/5/27</a:t>
             </a:fld>
             <a:endParaRPr kumimoji="1" lang="ja-JP" altLang="en-US"/>
           </a:p>
@@ -935,7 +935,7 @@
           <a:p>
             <a:fld id="{B3DF8FAD-2AB0-4DA8-8497-F48AD089473F}" type="datetimeFigureOut">
               <a:rPr kumimoji="1" lang="ja-JP" altLang="en-US" smtClean="0"/>
-              <a:t>2022/12/25</a:t>
+              <a:t>2023/5/27</a:t>
             </a:fld>
             <a:endParaRPr kumimoji="1" lang="ja-JP" altLang="en-US"/>
           </a:p>
@@ -1147,7 +1147,7 @@
           <a:p>
             <a:fld id="{B3DF8FAD-2AB0-4DA8-8497-F48AD089473F}" type="datetimeFigureOut">
               <a:rPr kumimoji="1" lang="ja-JP" altLang="en-US" smtClean="0"/>
-              <a:t>2022/12/25</a:t>
+              <a:t>2023/5/27</a:t>
             </a:fld>
             <a:endParaRPr kumimoji="1" lang="ja-JP" altLang="en-US"/>
           </a:p>
@@ -1349,7 +1349,7 @@
           <a:p>
             <a:fld id="{B3DF8FAD-2AB0-4DA8-8497-F48AD089473F}" type="datetimeFigureOut">
               <a:rPr kumimoji="1" lang="ja-JP" altLang="en-US" smtClean="0"/>
-              <a:t>2022/12/25</a:t>
+              <a:t>2023/5/27</a:t>
             </a:fld>
             <a:endParaRPr kumimoji="1" lang="ja-JP" altLang="en-US"/>
           </a:p>
@@ -1595,7 +1595,7 @@
           <a:p>
             <a:fld id="{B3DF8FAD-2AB0-4DA8-8497-F48AD089473F}" type="datetimeFigureOut">
               <a:rPr kumimoji="1" lang="ja-JP" altLang="en-US" smtClean="0"/>
-              <a:t>2022/12/25</a:t>
+              <a:t>2023/5/27</a:t>
             </a:fld>
             <a:endParaRPr kumimoji="1" lang="ja-JP" altLang="en-US"/>
           </a:p>
@@ -1891,7 +1891,7 @@
           <a:p>
             <a:fld id="{B3DF8FAD-2AB0-4DA8-8497-F48AD089473F}" type="datetimeFigureOut">
               <a:rPr kumimoji="1" lang="ja-JP" altLang="en-US" smtClean="0"/>
-              <a:t>2022/12/25</a:t>
+              <a:t>2023/5/27</a:t>
             </a:fld>
             <a:endParaRPr kumimoji="1" lang="ja-JP" altLang="en-US"/>
           </a:p>
@@ -2322,7 +2322,7 @@
           <a:p>
             <a:fld id="{B3DF8FAD-2AB0-4DA8-8497-F48AD089473F}" type="datetimeFigureOut">
               <a:rPr kumimoji="1" lang="ja-JP" altLang="en-US" smtClean="0"/>
-              <a:t>2022/12/25</a:t>
+              <a:t>2023/5/27</a:t>
             </a:fld>
             <a:endParaRPr kumimoji="1" lang="ja-JP" altLang="en-US"/>
           </a:p>
@@ -2440,7 +2440,7 @@
           <a:p>
             <a:fld id="{B3DF8FAD-2AB0-4DA8-8497-F48AD089473F}" type="datetimeFigureOut">
               <a:rPr kumimoji="1" lang="ja-JP" altLang="en-US" smtClean="0"/>
-              <a:t>2022/12/25</a:t>
+              <a:t>2023/5/27</a:t>
             </a:fld>
             <a:endParaRPr kumimoji="1" lang="ja-JP" altLang="en-US"/>
           </a:p>
@@ -2535,7 +2535,7 @@
           <a:p>
             <a:fld id="{B3DF8FAD-2AB0-4DA8-8497-F48AD089473F}" type="datetimeFigureOut">
               <a:rPr kumimoji="1" lang="ja-JP" altLang="en-US" smtClean="0"/>
-              <a:t>2022/12/25</a:t>
+              <a:t>2023/5/27</a:t>
             </a:fld>
             <a:endParaRPr kumimoji="1" lang="ja-JP" altLang="en-US"/>
           </a:p>
@@ -2844,7 +2844,7 @@
           <a:p>
             <a:fld id="{B3DF8FAD-2AB0-4DA8-8497-F48AD089473F}" type="datetimeFigureOut">
               <a:rPr kumimoji="1" lang="ja-JP" altLang="en-US" smtClean="0"/>
-              <a:t>2022/12/25</a:t>
+              <a:t>2023/5/27</a:t>
             </a:fld>
             <a:endParaRPr kumimoji="1" lang="ja-JP" altLang="en-US"/>
           </a:p>
@@ -3101,7 +3101,7 @@
           <a:p>
             <a:fld id="{B3DF8FAD-2AB0-4DA8-8497-F48AD089473F}" type="datetimeFigureOut">
               <a:rPr kumimoji="1" lang="ja-JP" altLang="en-US" smtClean="0"/>
-              <a:t>2022/12/25</a:t>
+              <a:t>2023/5/27</a:t>
             </a:fld>
             <a:endParaRPr kumimoji="1" lang="ja-JP" altLang="en-US"/>
           </a:p>
@@ -3346,7 +3346,7 @@
           <a:p>
             <a:fld id="{B3DF8FAD-2AB0-4DA8-8497-F48AD089473F}" type="datetimeFigureOut">
               <a:rPr kumimoji="1" lang="ja-JP" altLang="en-US" smtClean="0"/>
-              <a:t>2022/12/25</a:t>
+              <a:t>2023/5/27</a:t>
             </a:fld>
             <a:endParaRPr kumimoji="1" lang="ja-JP" altLang="en-US"/>
           </a:p>
@@ -3766,7 +3766,7 @@
           <p:nvPr>
             <p:extLst>
               <p:ext uri="{D42A27DB-BD31-4B8C-83A1-F6EECF244321}">
-                <p14:modId xmlns:p14="http://schemas.microsoft.com/office/powerpoint/2010/main" val="122560203"/>
+                <p14:modId xmlns:p14="http://schemas.microsoft.com/office/powerpoint/2010/main" val="2491126051"/>
               </p:ext>
             </p:extLst>
           </p:nvPr>
@@ -3780,14 +3780,14 @@
             <a:tbl>
               <a:tblPr/>
               <a:tblGrid>
-                <a:gridCol w="884683">
+                <a:gridCol w="1025375">
                   <a:extLst>
                     <a:ext uri="{9D8B030D-6E8A-4147-A177-3AD203B41FA5}">
                       <a16:colId xmlns:a16="http://schemas.microsoft.com/office/drawing/2014/main" val="3713795776"/>
                     </a:ext>
                   </a:extLst>
                 </a:gridCol>
-                <a:gridCol w="706045">
+                <a:gridCol w="565353">
                   <a:extLst>
                     <a:ext uri="{9D8B030D-6E8A-4147-A177-3AD203B41FA5}">
                       <a16:colId xmlns:a16="http://schemas.microsoft.com/office/drawing/2014/main" val="544720975"/>
@@ -4433,15 +4433,31 @@
                     <a:bodyPr/>
                     <a:lstStyle/>
                     <a:p>
-                      <a:pPr algn="l" fontAlgn="ctr"/>
-                      <a:r>
-                        <a:rPr lang="en-US" sz="700" b="0" i="0" u="none" strike="noStrike" dirty="0">
-                          <a:solidFill>
-                            <a:srgbClr val="000000"/>
-                          </a:solidFill>
-                          <a:effectLst/>
-                          <a:latin typeface="游ゴシック" panose="020B0400000000000000" pitchFamily="50" charset="-128"/>
-                          <a:ea typeface="游ゴシック" panose="020B0400000000000000" pitchFamily="50" charset="-128"/>
+                      <a:pPr marL="0" marR="0" lvl="0" indent="0" algn="l" defTabSz="914400" rtl="0" eaLnBrk="1" fontAlgn="ctr" latinLnBrk="0" hangingPunct="1">
+                        <a:lnSpc>
+                          <a:spcPct val="100000"/>
+                        </a:lnSpc>
+                        <a:spcBef>
+                          <a:spcPts val="0"/>
+                        </a:spcBef>
+                        <a:spcAft>
+                          <a:spcPts val="0"/>
+                        </a:spcAft>
+                        <a:buClrTx/>
+                        <a:buSzTx/>
+                        <a:buFontTx/>
+                        <a:buNone/>
+                        <a:tabLst/>
+                        <a:defRPr/>
+                      </a:pPr>
+                      <a:r>
+                        <a:rPr lang="en-US" altLang="ja-JP" sz="700" b="0" i="0" u="none" strike="noStrike" dirty="0">
+                          <a:solidFill>
+                            <a:srgbClr val="000000"/>
+                          </a:solidFill>
+                          <a:effectLst/>
+                          <a:latin typeface="游ゴシック" panose="020B0400000000000000" pitchFamily="50" charset="-128"/>
+                          <a:ea typeface="+mn-ea"/>
                         </a:rPr>
                         <a:t>-</a:t>
                       </a:r>
@@ -5913,28 +5929,28 @@
           <p:nvPr>
             <p:extLst>
               <p:ext uri="{D42A27DB-BD31-4B8C-83A1-F6EECF244321}">
-                <p14:modId xmlns:p14="http://schemas.microsoft.com/office/powerpoint/2010/main" val="4281866655"/>
+                <p14:modId xmlns:p14="http://schemas.microsoft.com/office/powerpoint/2010/main" val="1936526858"/>
               </p:ext>
             </p:extLst>
           </p:nvPr>
         </p:nvGraphicFramePr>
         <p:xfrm>
           <a:off x="5358989" y="3191743"/>
-          <a:ext cx="4944246" cy="581025"/>
+          <a:ext cx="5244283" cy="581025"/>
         </p:xfrm>
         <a:graphic>
           <a:graphicData uri="http://schemas.openxmlformats.org/drawingml/2006/table">
             <a:tbl>
               <a:tblPr/>
               <a:tblGrid>
-                <a:gridCol w="611188">
+                <a:gridCol w="984661">
                   <a:extLst>
                     <a:ext uri="{9D8B030D-6E8A-4147-A177-3AD203B41FA5}">
                       <a16:colId xmlns:a16="http://schemas.microsoft.com/office/drawing/2014/main" val="1693758350"/>
                     </a:ext>
                   </a:extLst>
                 </a:gridCol>
-                <a:gridCol w="446609">
+                <a:gridCol w="373173">
                   <a:extLst>
                     <a:ext uri="{9D8B030D-6E8A-4147-A177-3AD203B41FA5}">
                       <a16:colId xmlns:a16="http://schemas.microsoft.com/office/drawing/2014/main" val="79885063"/>
@@ -6591,15 +6607,31 @@
                     <a:bodyPr/>
                     <a:lstStyle/>
                     <a:p>
-                      <a:pPr algn="l" fontAlgn="ctr"/>
-                      <a:r>
-                        <a:rPr lang="en-US" sz="700" b="0" i="0" u="none" strike="noStrike" dirty="0">
-                          <a:solidFill>
-                            <a:srgbClr val="000000"/>
-                          </a:solidFill>
-                          <a:effectLst/>
-                          <a:latin typeface="游ゴシック" panose="020B0400000000000000" pitchFamily="50" charset="-128"/>
-                          <a:ea typeface="游ゴシック" panose="020B0400000000000000" pitchFamily="50" charset="-128"/>
+                      <a:pPr marL="0" marR="0" lvl="0" indent="0" algn="l" defTabSz="914400" rtl="0" eaLnBrk="1" fontAlgn="ctr" latinLnBrk="0" hangingPunct="1">
+                        <a:lnSpc>
+                          <a:spcPct val="100000"/>
+                        </a:lnSpc>
+                        <a:spcBef>
+                          <a:spcPts val="0"/>
+                        </a:spcBef>
+                        <a:spcAft>
+                          <a:spcPts val="0"/>
+                        </a:spcAft>
+                        <a:buClrTx/>
+                        <a:buSzTx/>
+                        <a:buFontTx/>
+                        <a:buNone/>
+                        <a:tabLst/>
+                        <a:defRPr/>
+                      </a:pPr>
+                      <a:r>
+                        <a:rPr lang="en-US" altLang="ja-JP" sz="700" b="0" i="0" u="none" strike="noStrike" dirty="0">
+                          <a:solidFill>
+                            <a:srgbClr val="000000"/>
+                          </a:solidFill>
+                          <a:effectLst/>
+                          <a:latin typeface="游ゴシック" panose="020B0400000000000000" pitchFamily="50" charset="-128"/>
+                          <a:ea typeface="+mn-ea"/>
                         </a:rPr>
                         <a:t>-</a:t>
                       </a:r>
@@ -7565,63 +7597,63 @@
           <p:nvPr>
             <p:extLst>
               <p:ext uri="{D42A27DB-BD31-4B8C-83A1-F6EECF244321}">
-                <p14:modId xmlns:p14="http://schemas.microsoft.com/office/powerpoint/2010/main" val="2373992595"/>
+                <p14:modId xmlns:p14="http://schemas.microsoft.com/office/powerpoint/2010/main" val="1366972489"/>
               </p:ext>
             </p:extLst>
           </p:nvPr>
         </p:nvGraphicFramePr>
         <p:xfrm>
           <a:off x="9421091" y="3940511"/>
-          <a:ext cx="2770908" cy="2719951"/>
+          <a:ext cx="2770909" cy="2719951"/>
         </p:xfrm>
         <a:graphic>
           <a:graphicData uri="http://schemas.openxmlformats.org/drawingml/2006/table">
             <a:tbl>
               <a:tblPr/>
               <a:tblGrid>
-                <a:gridCol w="780537">
+                <a:gridCol w="984997">
                   <a:extLst>
                     <a:ext uri="{9D8B030D-6E8A-4147-A177-3AD203B41FA5}">
                       <a16:colId xmlns:a16="http://schemas.microsoft.com/office/drawing/2014/main" val="1392627465"/>
                     </a:ext>
                   </a:extLst>
                 </a:gridCol>
-                <a:gridCol w="288081">
+                <a:gridCol w="261912">
                   <a:extLst>
                     <a:ext uri="{9D8B030D-6E8A-4147-A177-3AD203B41FA5}">
                       <a16:colId xmlns:a16="http://schemas.microsoft.com/office/drawing/2014/main" val="3327564658"/>
                     </a:ext>
                   </a:extLst>
                 </a:gridCol>
-                <a:gridCol w="163457">
+                <a:gridCol w="184150">
                   <a:extLst>
                     <a:ext uri="{9D8B030D-6E8A-4147-A177-3AD203B41FA5}">
                       <a16:colId xmlns:a16="http://schemas.microsoft.com/office/drawing/2014/main" val="1423139776"/>
                     </a:ext>
                   </a:extLst>
                 </a:gridCol>
-                <a:gridCol w="421234">
+                <a:gridCol w="406400">
                   <a:extLst>
                     <a:ext uri="{9D8B030D-6E8A-4147-A177-3AD203B41FA5}">
                       <a16:colId xmlns:a16="http://schemas.microsoft.com/office/drawing/2014/main" val="447136922"/>
                     </a:ext>
                   </a:extLst>
                 </a:gridCol>
-                <a:gridCol w="424873">
+                <a:gridCol w="393700">
                   <a:extLst>
                     <a:ext uri="{9D8B030D-6E8A-4147-A177-3AD203B41FA5}">
                       <a16:colId xmlns:a16="http://schemas.microsoft.com/office/drawing/2014/main" val="2041675413"/>
                     </a:ext>
                   </a:extLst>
                 </a:gridCol>
-                <a:gridCol w="393508">
+                <a:gridCol w="400050">
                   <a:extLst>
                     <a:ext uri="{9D8B030D-6E8A-4147-A177-3AD203B41FA5}">
                       <a16:colId xmlns:a16="http://schemas.microsoft.com/office/drawing/2014/main" val="3512451945"/>
                     </a:ext>
                   </a:extLst>
                 </a:gridCol>
-                <a:gridCol w="299218">
+                <a:gridCol w="139700">
                   <a:extLst>
                     <a:ext uri="{9D8B030D-6E8A-4147-A177-3AD203B41FA5}">
                       <a16:colId xmlns:a16="http://schemas.microsoft.com/office/drawing/2014/main" val="3656572944"/>
@@ -7807,16 +7839,24 @@
                     <a:p>
                       <a:pPr algn="l" fontAlgn="ctr"/>
                       <a:r>
-                        <a:rPr lang="en-US" sz="700" b="1" i="0" u="none" strike="noStrike">
-                          <a:solidFill>
-                            <a:srgbClr val="000000"/>
-                          </a:solidFill>
-                          <a:effectLst/>
-                          <a:latin typeface="游ゴシック" panose="020B0400000000000000" pitchFamily="50" charset="-128"/>
-                          <a:ea typeface="游ゴシック" panose="020B0400000000000000" pitchFamily="50" charset="-128"/>
-                        </a:rPr>
-                        <a:t>Pvalue</a:t>
-                      </a:r>
+                        <a:rPr lang="en-US" sz="700" b="1" i="0" u="none" strike="noStrike" dirty="0" err="1">
+                          <a:solidFill>
+                            <a:srgbClr val="000000"/>
+                          </a:solidFill>
+                          <a:effectLst/>
+                          <a:latin typeface="游ゴシック" panose="020B0400000000000000" pitchFamily="50" charset="-128"/>
+                          <a:ea typeface="游ゴシック" panose="020B0400000000000000" pitchFamily="50" charset="-128"/>
+                        </a:rPr>
+                        <a:t>Pval</a:t>
+                      </a:r>
+                      <a:endParaRPr lang="en-US" sz="700" b="1" i="0" u="none" strike="noStrike" dirty="0">
+                        <a:solidFill>
+                          <a:srgbClr val="000000"/>
+                        </a:solidFill>
+                        <a:effectLst/>
+                        <a:latin typeface="游ゴシック" panose="020B0400000000000000" pitchFamily="50" charset="-128"/>
+                        <a:ea typeface="游ゴシック" panose="020B0400000000000000" pitchFamily="50" charset="-128"/>
+                      </a:endParaRPr>
                     </a:p>
                   </a:txBody>
                   <a:tcPr marL="8637" marR="8637" marT="8637" marB="0" anchor="ctr">
@@ -7841,15 +7881,15 @@
                     <a:p>
                       <a:pPr algn="l" fontAlgn="ctr"/>
                       <a:r>
-                        <a:rPr lang="en-US" sz="700" b="1" i="0" u="none" strike="noStrike">
-                          <a:solidFill>
-                            <a:srgbClr val="000000"/>
-                          </a:solidFill>
-                          <a:effectLst/>
-                          <a:latin typeface="游ゴシック" panose="020B0400000000000000" pitchFamily="50" charset="-128"/>
-                          <a:ea typeface="游ゴシック" panose="020B0400000000000000" pitchFamily="50" charset="-128"/>
-                        </a:rPr>
-                        <a:t>Stars</a:t>
+                        <a:rPr lang="en-US" sz="700" b="1" i="0" u="none" strike="noStrike" dirty="0">
+                          <a:solidFill>
+                            <a:srgbClr val="000000"/>
+                          </a:solidFill>
+                          <a:effectLst/>
+                          <a:latin typeface="游ゴシック" panose="020B0400000000000000" pitchFamily="50" charset="-128"/>
+                          <a:ea typeface="游ゴシック" panose="020B0400000000000000" pitchFamily="50" charset="-128"/>
+                        </a:rPr>
+                        <a:t>*</a:t>
                       </a:r>
                     </a:p>
                   </a:txBody>
@@ -8127,13 +8167,13 @@
                     <a:p>
                       <a:pPr algn="l" fontAlgn="ctr"/>
                       <a:r>
-                        <a:rPr lang="en-US" sz="700" b="0" i="0" u="none" strike="noStrike" dirty="0">
-                          <a:solidFill>
-                            <a:srgbClr val="000000"/>
-                          </a:solidFill>
-                          <a:effectLst/>
-                          <a:latin typeface="游ゴシック" panose="020B0400000000000000" pitchFamily="50" charset="-128"/>
-                          <a:ea typeface="游ゴシック" panose="020B0400000000000000" pitchFamily="50" charset="-128"/>
+                        <a:rPr lang="en-US" altLang="ja-JP" sz="700" b="0" i="0" u="none" strike="noStrike" dirty="0">
+                          <a:solidFill>
+                            <a:srgbClr val="000000"/>
+                          </a:solidFill>
+                          <a:effectLst/>
+                          <a:latin typeface="游ゴシック" panose="020B0400000000000000" pitchFamily="50" charset="-128"/>
+                          <a:ea typeface="+mn-ea"/>
                         </a:rPr>
                         <a:t>-</a:t>
                       </a:r>
@@ -35005,21 +35045,21 @@
           <p:nvPr>
             <p:extLst>
               <p:ext uri="{D42A27DB-BD31-4B8C-83A1-F6EECF244321}">
-                <p14:modId xmlns:p14="http://schemas.microsoft.com/office/powerpoint/2010/main" val="4018126136"/>
+                <p14:modId xmlns:p14="http://schemas.microsoft.com/office/powerpoint/2010/main" val="2912388290"/>
               </p:ext>
             </p:extLst>
           </p:nvPr>
         </p:nvGraphicFramePr>
         <p:xfrm>
-          <a:off x="6414837" y="4073733"/>
-          <a:ext cx="4643520" cy="2323830"/>
+          <a:off x="6414837" y="3009600"/>
+          <a:ext cx="4903901" cy="1856940"/>
         </p:xfrm>
         <a:graphic>
           <a:graphicData uri="http://schemas.openxmlformats.org/drawingml/2006/table">
             <a:tbl>
               <a:tblPr/>
               <a:tblGrid>
-                <a:gridCol w="644188">
+                <a:gridCol w="904569">
                   <a:extLst>
                     <a:ext uri="{9D8B030D-6E8A-4147-A177-3AD203B41FA5}">
                       <a16:colId xmlns:a16="http://schemas.microsoft.com/office/drawing/2014/main" val="4115591681"/>
@@ -35076,7 +35116,7 @@
                   </a:extLst>
                 </a:gridCol>
               </a:tblGrid>
-              <a:tr h="154922">
+              <a:tr h="123796">
                 <a:tc>
                   <a:txBody>
                     <a:bodyPr/>
@@ -35363,7 +35403,7 @@
                   </a:ext>
                 </a:extLst>
               </a:tr>
-              <a:tr h="154922">
+              <a:tr h="123796">
                 <a:tc>
                   <a:txBody>
                     <a:bodyPr/>
@@ -35666,7 +35706,7 @@
                   </a:ext>
                 </a:extLst>
               </a:tr>
-              <a:tr h="154922">
+              <a:tr h="123796">
                 <a:tc>
                   <a:txBody>
                     <a:bodyPr/>
@@ -35936,7 +35976,7 @@
                           <a:latin typeface="游ゴシック" panose="020B0400000000000000" pitchFamily="50" charset="-128"/>
                           <a:ea typeface="游ゴシック" panose="020B0400000000000000" pitchFamily="50" charset="-128"/>
                         </a:rPr>
-                        <a:t>-</a:t>
+                        <a:t>- </a:t>
                       </a:r>
                       <a:endParaRPr lang="ja-JP" altLang="en-US" sz="700" b="0" i="0" u="none" strike="noStrike" dirty="0">
                         <a:solidFill>
@@ -35969,7 +36009,7 @@
                   </a:ext>
                 </a:extLst>
               </a:tr>
-              <a:tr h="154922">
+              <a:tr h="123796">
                 <a:tc>
                   <a:txBody>
                     <a:bodyPr/>
@@ -36272,7 +36312,7 @@
                   </a:ext>
                 </a:extLst>
               </a:tr>
-              <a:tr h="154922">
+              <a:tr h="123796">
                 <a:tc>
                   <a:txBody>
                     <a:bodyPr/>
@@ -36575,7 +36615,7 @@
                   </a:ext>
                 </a:extLst>
               </a:tr>
-              <a:tr h="154922">
+              <a:tr h="123796">
                 <a:tc>
                   <a:txBody>
                     <a:bodyPr/>
@@ -36878,7 +36918,7 @@
                   </a:ext>
                 </a:extLst>
               </a:tr>
-              <a:tr h="154922">
+              <a:tr h="123796">
                 <a:tc>
                   <a:txBody>
                     <a:bodyPr/>
@@ -37181,7 +37221,7 @@
                   </a:ext>
                 </a:extLst>
               </a:tr>
-              <a:tr h="154922">
+              <a:tr h="123796">
                 <a:tc>
                   <a:txBody>
                     <a:bodyPr/>
@@ -37468,7 +37508,7 @@
                   </a:ext>
                 </a:extLst>
               </a:tr>
-              <a:tr h="154922">
+              <a:tr h="123796">
                 <a:tc>
                   <a:txBody>
                     <a:bodyPr/>
@@ -37755,7 +37795,7 @@
                   </a:ext>
                 </a:extLst>
               </a:tr>
-              <a:tr h="154922">
+              <a:tr h="123796">
                 <a:tc>
                   <a:txBody>
                     <a:bodyPr/>
@@ -38042,7 +38082,7 @@
                   </a:ext>
                 </a:extLst>
               </a:tr>
-              <a:tr h="154922">
+              <a:tr h="123796">
                 <a:tc>
                   <a:txBody>
                     <a:bodyPr/>
@@ -38329,7 +38369,7 @@
                   </a:ext>
                 </a:extLst>
               </a:tr>
-              <a:tr h="154922">
+              <a:tr h="123796">
                 <a:tc>
                   <a:txBody>
                     <a:bodyPr/>
@@ -38616,7 +38656,7 @@
                   </a:ext>
                 </a:extLst>
               </a:tr>
-              <a:tr h="154922">
+              <a:tr h="123796">
                 <a:tc>
                   <a:txBody>
                     <a:bodyPr/>
@@ -38903,7 +38943,7 @@
                   </a:ext>
                 </a:extLst>
               </a:tr>
-              <a:tr h="154922">
+              <a:tr h="123796">
                 <a:tc>
                   <a:txBody>
                     <a:bodyPr/>
@@ -39190,7 +39230,7 @@
                   </a:ext>
                 </a:extLst>
               </a:tr>
-              <a:tr h="154922">
+              <a:tr h="123796">
                 <a:tc>
                   <a:txBody>
                     <a:bodyPr/>
@@ -39444,24 +39484,16 @@
                     <a:p>
                       <a:pPr algn="r" fontAlgn="ctr"/>
                       <a:r>
-                        <a:rPr lang="en-US" sz="700" b="0" i="0" u="none" strike="noStrike">
-                          <a:solidFill>
-                            <a:srgbClr val="000000"/>
-                          </a:solidFill>
-                          <a:effectLst/>
-                          <a:latin typeface="游ゴシック" panose="020B0400000000000000" pitchFamily="50" charset="-128"/>
-                          <a:ea typeface="游ゴシック" panose="020B0400000000000000" pitchFamily="50" charset="-128"/>
-                        </a:rPr>
-                        <a:t>-</a:t>
-                      </a:r>
-                      <a:endParaRPr lang="en-US" sz="700" b="0" i="0" u="none" strike="noStrike" dirty="0">
-                        <a:solidFill>
-                          <a:srgbClr val="000000"/>
-                        </a:solidFill>
-                        <a:effectLst/>
-                        <a:latin typeface="游ゴシック" panose="020B0400000000000000" pitchFamily="50" charset="-128"/>
-                        <a:ea typeface="游ゴシック" panose="020B0400000000000000" pitchFamily="50" charset="-128"/>
-                      </a:endParaRPr>
+                        <a:rPr lang="en-US" sz="700" b="0" i="0" u="none" strike="noStrike" dirty="0">
+                          <a:solidFill>
+                            <a:srgbClr val="000000"/>
+                          </a:solidFill>
+                          <a:effectLst/>
+                          <a:latin typeface="游ゴシック" panose="020B0400000000000000" pitchFamily="50" charset="-128"/>
+                          <a:ea typeface="游ゴシック" panose="020B0400000000000000" pitchFamily="50" charset="-128"/>
+                        </a:rPr>
+                        <a:t>-</a:t>
+                      </a:r>
                     </a:p>
                   </a:txBody>
                   <a:tcPr marL="6197" marR="6197" marT="6197" marB="0" anchor="ctr">

--- a/faster2lib/EEG_power_specrum_template.pptx
+++ b/faster2lib/EEG_power_specrum_template.pptx
@@ -5,7 +5,7 @@
     <p:sldMasterId id="2147483660" r:id="rId1"/>
   </p:sldMasterIdLst>
   <p:notesMasterIdLst>
-    <p:notesMasterId r:id="rId8"/>
+    <p:notesMasterId r:id="rId9"/>
   </p:notesMasterIdLst>
   <p:sldIdLst>
     <p:sldId id="265" r:id="rId2"/>
@@ -14,6 +14,7 @@
     <p:sldId id="268" r:id="rId5"/>
     <p:sldId id="269" r:id="rId6"/>
     <p:sldId id="448" r:id="rId7"/>
+    <p:sldId id="449" r:id="rId8"/>
   </p:sldIdLst>
   <p:sldSz cx="12192000" cy="6858000"/>
   <p:notesSz cx="6858000" cy="9144000"/>
@@ -202,7 +203,7 @@
           <a:p>
             <a:fld id="{659F289F-6C09-4E41-AB64-F4FBAF604A8F}" type="datetimeFigureOut">
               <a:rPr kumimoji="1" lang="ja-JP" altLang="en-US" smtClean="0"/>
-              <a:t>2023/5/27</a:t>
+              <a:t>2024/8/24</a:t>
             </a:fld>
             <a:endParaRPr kumimoji="1" lang="ja-JP" altLang="en-US"/>
           </a:p>
@@ -602,6 +603,107 @@
 </p:notes>
 </file>
 
+<file path=ppt/notesSlides/notesSlide2.xml><?xml version="1.0" encoding="utf-8"?>
+<p:notes xmlns:a="http://schemas.openxmlformats.org/drawingml/2006/main" xmlns:r="http://schemas.openxmlformats.org/officeDocument/2006/relationships" xmlns:p="http://schemas.openxmlformats.org/presentationml/2006/main">
+  <p:cSld>
+    <p:spTree>
+      <p:nvGrpSpPr>
+        <p:cNvPr id="1" name=""/>
+        <p:cNvGrpSpPr/>
+        <p:nvPr/>
+      </p:nvGrpSpPr>
+      <p:grpSpPr>
+        <a:xfrm>
+          <a:off x="0" y="0"/>
+          <a:ext cx="0" cy="0"/>
+          <a:chOff x="0" y="0"/>
+          <a:chExt cx="0" cy="0"/>
+        </a:xfrm>
+      </p:grpSpPr>
+      <p:sp>
+        <p:nvSpPr>
+          <p:cNvPr id="2" name="スライド イメージ プレースホルダー 1"/>
+          <p:cNvSpPr>
+            <a:spLocks noGrp="1" noRot="1" noChangeAspect="1"/>
+          </p:cNvSpPr>
+          <p:nvPr>
+            <p:ph type="sldImg"/>
+          </p:nvPr>
+        </p:nvSpPr>
+        <p:spPr/>
+      </p:sp>
+      <p:sp>
+        <p:nvSpPr>
+          <p:cNvPr id="3" name="ノート プレースホルダー 2"/>
+          <p:cNvSpPr>
+            <a:spLocks noGrp="1"/>
+          </p:cNvSpPr>
+          <p:nvPr>
+            <p:ph type="body" idx="1"/>
+          </p:nvPr>
+        </p:nvSpPr>
+        <p:spPr/>
+        <p:txBody>
+          <a:bodyPr/>
+          <a:lstStyle/>
+          <a:p>
+            <a:pPr marL="0" marR="0" lvl="0" indent="0" algn="l" defTabSz="914400" rtl="0" eaLnBrk="1" fontAlgn="auto" latinLnBrk="0" hangingPunct="1">
+              <a:lnSpc>
+                <a:spcPct val="100000"/>
+              </a:lnSpc>
+              <a:spcBef>
+                <a:spcPts val="0"/>
+              </a:spcBef>
+              <a:spcAft>
+                <a:spcPts val="0"/>
+              </a:spcAft>
+              <a:buClrTx/>
+              <a:buSzTx/>
+              <a:buFontTx/>
+              <a:buNone/>
+              <a:tabLst/>
+              <a:defRPr/>
+            </a:pPr>
+            <a:endParaRPr kumimoji="1" lang="en-US" altLang="ja-JP" dirty="0"/>
+          </a:p>
+        </p:txBody>
+      </p:sp>
+      <p:sp>
+        <p:nvSpPr>
+          <p:cNvPr id="4" name="スライド番号プレースホルダー 3"/>
+          <p:cNvSpPr>
+            <a:spLocks noGrp="1"/>
+          </p:cNvSpPr>
+          <p:nvPr>
+            <p:ph type="sldNum" sz="quarter" idx="5"/>
+          </p:nvPr>
+        </p:nvSpPr>
+        <p:spPr/>
+        <p:txBody>
+          <a:bodyPr/>
+          <a:lstStyle/>
+          <a:p>
+            <a:fld id="{63A79F27-1E42-4BBB-99C6-DF7CF67A2388}" type="slidenum">
+              <a:rPr kumimoji="1" lang="ja-JP" altLang="en-US" smtClean="0"/>
+              <a:t>7</a:t>
+            </a:fld>
+            <a:endParaRPr kumimoji="1" lang="ja-JP" altLang="en-US"/>
+          </a:p>
+        </p:txBody>
+      </p:sp>
+    </p:spTree>
+    <p:extLst>
+      <p:ext uri="{BB962C8B-B14F-4D97-AF65-F5344CB8AC3E}">
+        <p14:creationId xmlns:p14="http://schemas.microsoft.com/office/powerpoint/2010/main" val="924082555"/>
+      </p:ext>
+    </p:extLst>
+  </p:cSld>
+  <p:clrMapOvr>
+    <a:masterClrMapping/>
+  </p:clrMapOvr>
+</p:notes>
+</file>
+
 <file path=ppt/slideLayouts/slideLayout1.xml><?xml version="1.0" encoding="utf-8"?>
 <p:sldLayout xmlns:a="http://schemas.openxmlformats.org/drawingml/2006/main" xmlns:r="http://schemas.openxmlformats.org/officeDocument/2006/relationships" xmlns:p="http://schemas.openxmlformats.org/presentationml/2006/main" type="title" preserve="1">
   <p:cSld name="タイトル スライド">
@@ -733,7 +835,7 @@
           <a:p>
             <a:fld id="{B3DF8FAD-2AB0-4DA8-8497-F48AD089473F}" type="datetimeFigureOut">
               <a:rPr kumimoji="1" lang="ja-JP" altLang="en-US" smtClean="0"/>
-              <a:t>2023/5/27</a:t>
+              <a:t>2024/8/24</a:t>
             </a:fld>
             <a:endParaRPr kumimoji="1" lang="ja-JP" altLang="en-US"/>
           </a:p>
@@ -935,7 +1037,7 @@
           <a:p>
             <a:fld id="{B3DF8FAD-2AB0-4DA8-8497-F48AD089473F}" type="datetimeFigureOut">
               <a:rPr kumimoji="1" lang="ja-JP" altLang="en-US" smtClean="0"/>
-              <a:t>2023/5/27</a:t>
+              <a:t>2024/8/24</a:t>
             </a:fld>
             <a:endParaRPr kumimoji="1" lang="ja-JP" altLang="en-US"/>
           </a:p>
@@ -1147,7 +1249,7 @@
           <a:p>
             <a:fld id="{B3DF8FAD-2AB0-4DA8-8497-F48AD089473F}" type="datetimeFigureOut">
               <a:rPr kumimoji="1" lang="ja-JP" altLang="en-US" smtClean="0"/>
-              <a:t>2023/5/27</a:t>
+              <a:t>2024/8/24</a:t>
             </a:fld>
             <a:endParaRPr kumimoji="1" lang="ja-JP" altLang="en-US"/>
           </a:p>
@@ -1349,7 +1451,7 @@
           <a:p>
             <a:fld id="{B3DF8FAD-2AB0-4DA8-8497-F48AD089473F}" type="datetimeFigureOut">
               <a:rPr kumimoji="1" lang="ja-JP" altLang="en-US" smtClean="0"/>
-              <a:t>2023/5/27</a:t>
+              <a:t>2024/8/24</a:t>
             </a:fld>
             <a:endParaRPr kumimoji="1" lang="ja-JP" altLang="en-US"/>
           </a:p>
@@ -1595,7 +1697,7 @@
           <a:p>
             <a:fld id="{B3DF8FAD-2AB0-4DA8-8497-F48AD089473F}" type="datetimeFigureOut">
               <a:rPr kumimoji="1" lang="ja-JP" altLang="en-US" smtClean="0"/>
-              <a:t>2023/5/27</a:t>
+              <a:t>2024/8/24</a:t>
             </a:fld>
             <a:endParaRPr kumimoji="1" lang="ja-JP" altLang="en-US"/>
           </a:p>
@@ -1891,7 +1993,7 @@
           <a:p>
             <a:fld id="{B3DF8FAD-2AB0-4DA8-8497-F48AD089473F}" type="datetimeFigureOut">
               <a:rPr kumimoji="1" lang="ja-JP" altLang="en-US" smtClean="0"/>
-              <a:t>2023/5/27</a:t>
+              <a:t>2024/8/24</a:t>
             </a:fld>
             <a:endParaRPr kumimoji="1" lang="ja-JP" altLang="en-US"/>
           </a:p>
@@ -2322,7 +2424,7 @@
           <a:p>
             <a:fld id="{B3DF8FAD-2AB0-4DA8-8497-F48AD089473F}" type="datetimeFigureOut">
               <a:rPr kumimoji="1" lang="ja-JP" altLang="en-US" smtClean="0"/>
-              <a:t>2023/5/27</a:t>
+              <a:t>2024/8/24</a:t>
             </a:fld>
             <a:endParaRPr kumimoji="1" lang="ja-JP" altLang="en-US"/>
           </a:p>
@@ -2440,7 +2542,7 @@
           <a:p>
             <a:fld id="{B3DF8FAD-2AB0-4DA8-8497-F48AD089473F}" type="datetimeFigureOut">
               <a:rPr kumimoji="1" lang="ja-JP" altLang="en-US" smtClean="0"/>
-              <a:t>2023/5/27</a:t>
+              <a:t>2024/8/24</a:t>
             </a:fld>
             <a:endParaRPr kumimoji="1" lang="ja-JP" altLang="en-US"/>
           </a:p>
@@ -2535,7 +2637,7 @@
           <a:p>
             <a:fld id="{B3DF8FAD-2AB0-4DA8-8497-F48AD089473F}" type="datetimeFigureOut">
               <a:rPr kumimoji="1" lang="ja-JP" altLang="en-US" smtClean="0"/>
-              <a:t>2023/5/27</a:t>
+              <a:t>2024/8/24</a:t>
             </a:fld>
             <a:endParaRPr kumimoji="1" lang="ja-JP" altLang="en-US"/>
           </a:p>
@@ -2844,7 +2946,7 @@
           <a:p>
             <a:fld id="{B3DF8FAD-2AB0-4DA8-8497-F48AD089473F}" type="datetimeFigureOut">
               <a:rPr kumimoji="1" lang="ja-JP" altLang="en-US" smtClean="0"/>
-              <a:t>2023/5/27</a:t>
+              <a:t>2024/8/24</a:t>
             </a:fld>
             <a:endParaRPr kumimoji="1" lang="ja-JP" altLang="en-US"/>
           </a:p>
@@ -3101,7 +3203,7 @@
           <a:p>
             <a:fld id="{B3DF8FAD-2AB0-4DA8-8497-F48AD089473F}" type="datetimeFigureOut">
               <a:rPr kumimoji="1" lang="ja-JP" altLang="en-US" smtClean="0"/>
-              <a:t>2023/5/27</a:t>
+              <a:t>2024/8/24</a:t>
             </a:fld>
             <a:endParaRPr kumimoji="1" lang="ja-JP" altLang="en-US"/>
           </a:p>
@@ -3346,7 +3448,7 @@
           <a:p>
             <a:fld id="{B3DF8FAD-2AB0-4DA8-8497-F48AD089473F}" type="datetimeFigureOut">
               <a:rPr kumimoji="1" lang="ja-JP" altLang="en-US" smtClean="0"/>
-              <a:t>2023/5/27</a:t>
+              <a:t>2024/8/24</a:t>
             </a:fld>
             <a:endParaRPr kumimoji="1" lang="ja-JP" altLang="en-US"/>
           </a:p>
@@ -39534,6 +39636,120 @@
 </p:sld>
 </file>
 
+<file path=ppt/slides/slide7.xml><?xml version="1.0" encoding="utf-8"?>
+<p:sld xmlns:a="http://schemas.openxmlformats.org/drawingml/2006/main" xmlns:r="http://schemas.openxmlformats.org/officeDocument/2006/relationships" xmlns:p="http://schemas.openxmlformats.org/presentationml/2006/main">
+  <p:cSld>
+    <p:spTree>
+      <p:nvGrpSpPr>
+        <p:cNvPr id="1" name=""/>
+        <p:cNvGrpSpPr/>
+        <p:nvPr/>
+      </p:nvGrpSpPr>
+      <p:grpSpPr>
+        <a:xfrm>
+          <a:off x="0" y="0"/>
+          <a:ext cx="0" cy="0"/>
+          <a:chOff x="0" y="0"/>
+          <a:chExt cx="0" cy="0"/>
+        </a:xfrm>
+      </p:grpSpPr>
+      <p:sp>
+        <p:nvSpPr>
+          <p:cNvPr id="8" name="テキスト ボックス 7">
+            <a:extLst>
+              <a:ext uri="{FF2B5EF4-FFF2-40B4-BE49-F238E27FC236}">
+                <a16:creationId xmlns:a16="http://schemas.microsoft.com/office/drawing/2014/main" id="{660F79BC-033E-B1F3-DF81-6C79869EC121}"/>
+              </a:ext>
+            </a:extLst>
+          </p:cNvPr>
+          <p:cNvSpPr txBox="1"/>
+          <p:nvPr/>
+        </p:nvSpPr>
+        <p:spPr>
+          <a:xfrm>
+            <a:off x="254668" y="164251"/>
+            <a:ext cx="11640821" cy="461665"/>
+          </a:xfrm>
+          <a:prstGeom prst="rect">
+            <a:avLst/>
+          </a:prstGeom>
+          <a:noFill/>
+        </p:spPr>
+        <p:txBody>
+          <a:bodyPr wrap="square" rtlCol="0">
+            <a:spAutoFit/>
+          </a:bodyPr>
+          <a:lstStyle/>
+          <a:p>
+            <a:r>
+              <a:rPr lang="en-US" altLang="ja-JP" sz="2400" dirty="0">
+                <a:latin typeface="+mn-ea"/>
+                <a:cs typeface="Mplus 1p" panose="020B0502020203020207" pitchFamily="50" charset="-128"/>
+              </a:rPr>
+              <a:t>Summary label</a:t>
+            </a:r>
+            <a:endParaRPr lang="ja-JP" altLang="en-US" sz="2400" dirty="0">
+              <a:latin typeface="+mn-ea"/>
+              <a:cs typeface="Mplus 1p" panose="020B0502020203020207" pitchFamily="50" charset="-128"/>
+            </a:endParaRPr>
+          </a:p>
+        </p:txBody>
+      </p:sp>
+      <p:sp>
+        <p:nvSpPr>
+          <p:cNvPr id="10" name="テキスト ボックス 9">
+            <a:extLst>
+              <a:ext uri="{FF2B5EF4-FFF2-40B4-BE49-F238E27FC236}">
+                <a16:creationId xmlns:a16="http://schemas.microsoft.com/office/drawing/2014/main" id="{BB6FF907-C69E-9891-135E-289D2A1C913E}"/>
+              </a:ext>
+            </a:extLst>
+          </p:cNvPr>
+          <p:cNvSpPr txBox="1"/>
+          <p:nvPr/>
+        </p:nvSpPr>
+        <p:spPr>
+          <a:xfrm>
+            <a:off x="254669" y="557276"/>
+            <a:ext cx="7243010" cy="369332"/>
+          </a:xfrm>
+          <a:prstGeom prst="rect">
+            <a:avLst/>
+          </a:prstGeom>
+          <a:noFill/>
+        </p:spPr>
+        <p:txBody>
+          <a:bodyPr wrap="square" rtlCol="0">
+            <a:spAutoFit/>
+          </a:bodyPr>
+          <a:lstStyle/>
+          <a:p>
+            <a:r>
+              <a:rPr lang="en-US" altLang="ja-JP" dirty="0">
+                <a:latin typeface="+mn-ea"/>
+                <a:cs typeface="Mplus 1p" panose="020B0502020203020207" pitchFamily="50" charset="-128"/>
+              </a:rPr>
+              <a:t>Spindle analysis</a:t>
+            </a:r>
+            <a:endParaRPr lang="ja-JP" altLang="en-US" dirty="0">
+              <a:latin typeface="+mn-ea"/>
+              <a:cs typeface="Mplus 1p" panose="020B0502020203020207" pitchFamily="50" charset="-128"/>
+            </a:endParaRPr>
+          </a:p>
+        </p:txBody>
+      </p:sp>
+    </p:spTree>
+    <p:extLst>
+      <p:ext uri="{BB962C8B-B14F-4D97-AF65-F5344CB8AC3E}">
+        <p14:creationId xmlns:p14="http://schemas.microsoft.com/office/powerpoint/2010/main" val="1617513702"/>
+      </p:ext>
+    </p:extLst>
+  </p:cSld>
+  <p:clrMapOvr>
+    <a:masterClrMapping/>
+  </p:clrMapOvr>
+</p:sld>
+</file>
+
 <file path=ppt/theme/theme1.xml><?xml version="1.0" encoding="utf-8"?>
 <a:theme xmlns:a="http://schemas.openxmlformats.org/drawingml/2006/main" name="Office テーマ">
   <a:themeElements>

--- a/faster2lib/EEG_power_specrum_template.pptx
+++ b/faster2lib/EEG_power_specrum_template.pptx
@@ -203,7 +203,7 @@
           <a:p>
             <a:fld id="{659F289F-6C09-4E41-AB64-F4FBAF604A8F}" type="datetimeFigureOut">
               <a:rPr kumimoji="1" lang="ja-JP" altLang="en-US" smtClean="0"/>
-              <a:t>2024/8/24</a:t>
+              <a:t>2024/9/12</a:t>
             </a:fld>
             <a:endParaRPr kumimoji="1" lang="ja-JP" altLang="en-US"/>
           </a:p>
@@ -835,7 +835,7 @@
           <a:p>
             <a:fld id="{B3DF8FAD-2AB0-4DA8-8497-F48AD089473F}" type="datetimeFigureOut">
               <a:rPr kumimoji="1" lang="ja-JP" altLang="en-US" smtClean="0"/>
-              <a:t>2024/8/24</a:t>
+              <a:t>2024/9/12</a:t>
             </a:fld>
             <a:endParaRPr kumimoji="1" lang="ja-JP" altLang="en-US"/>
           </a:p>
@@ -1037,7 +1037,7 @@
           <a:p>
             <a:fld id="{B3DF8FAD-2AB0-4DA8-8497-F48AD089473F}" type="datetimeFigureOut">
               <a:rPr kumimoji="1" lang="ja-JP" altLang="en-US" smtClean="0"/>
-              <a:t>2024/8/24</a:t>
+              <a:t>2024/9/12</a:t>
             </a:fld>
             <a:endParaRPr kumimoji="1" lang="ja-JP" altLang="en-US"/>
           </a:p>
@@ -1249,7 +1249,7 @@
           <a:p>
             <a:fld id="{B3DF8FAD-2AB0-4DA8-8497-F48AD089473F}" type="datetimeFigureOut">
               <a:rPr kumimoji="1" lang="ja-JP" altLang="en-US" smtClean="0"/>
-              <a:t>2024/8/24</a:t>
+              <a:t>2024/9/12</a:t>
             </a:fld>
             <a:endParaRPr kumimoji="1" lang="ja-JP" altLang="en-US"/>
           </a:p>
@@ -1451,7 +1451,7 @@
           <a:p>
             <a:fld id="{B3DF8FAD-2AB0-4DA8-8497-F48AD089473F}" type="datetimeFigureOut">
               <a:rPr kumimoji="1" lang="ja-JP" altLang="en-US" smtClean="0"/>
-              <a:t>2024/8/24</a:t>
+              <a:t>2024/9/12</a:t>
             </a:fld>
             <a:endParaRPr kumimoji="1" lang="ja-JP" altLang="en-US"/>
           </a:p>
@@ -1697,7 +1697,7 @@
           <a:p>
             <a:fld id="{B3DF8FAD-2AB0-4DA8-8497-F48AD089473F}" type="datetimeFigureOut">
               <a:rPr kumimoji="1" lang="ja-JP" altLang="en-US" smtClean="0"/>
-              <a:t>2024/8/24</a:t>
+              <a:t>2024/9/12</a:t>
             </a:fld>
             <a:endParaRPr kumimoji="1" lang="ja-JP" altLang="en-US"/>
           </a:p>
@@ -1993,7 +1993,7 @@
           <a:p>
             <a:fld id="{B3DF8FAD-2AB0-4DA8-8497-F48AD089473F}" type="datetimeFigureOut">
               <a:rPr kumimoji="1" lang="ja-JP" altLang="en-US" smtClean="0"/>
-              <a:t>2024/8/24</a:t>
+              <a:t>2024/9/12</a:t>
             </a:fld>
             <a:endParaRPr kumimoji="1" lang="ja-JP" altLang="en-US"/>
           </a:p>
@@ -2424,7 +2424,7 @@
           <a:p>
             <a:fld id="{B3DF8FAD-2AB0-4DA8-8497-F48AD089473F}" type="datetimeFigureOut">
               <a:rPr kumimoji="1" lang="ja-JP" altLang="en-US" smtClean="0"/>
-              <a:t>2024/8/24</a:t>
+              <a:t>2024/9/12</a:t>
             </a:fld>
             <a:endParaRPr kumimoji="1" lang="ja-JP" altLang="en-US"/>
           </a:p>
@@ -2542,7 +2542,7 @@
           <a:p>
             <a:fld id="{B3DF8FAD-2AB0-4DA8-8497-F48AD089473F}" type="datetimeFigureOut">
               <a:rPr kumimoji="1" lang="ja-JP" altLang="en-US" smtClean="0"/>
-              <a:t>2024/8/24</a:t>
+              <a:t>2024/9/12</a:t>
             </a:fld>
             <a:endParaRPr kumimoji="1" lang="ja-JP" altLang="en-US"/>
           </a:p>
@@ -2637,7 +2637,7 @@
           <a:p>
             <a:fld id="{B3DF8FAD-2AB0-4DA8-8497-F48AD089473F}" type="datetimeFigureOut">
               <a:rPr kumimoji="1" lang="ja-JP" altLang="en-US" smtClean="0"/>
-              <a:t>2024/8/24</a:t>
+              <a:t>2024/9/12</a:t>
             </a:fld>
             <a:endParaRPr kumimoji="1" lang="ja-JP" altLang="en-US"/>
           </a:p>
@@ -2946,7 +2946,7 @@
           <a:p>
             <a:fld id="{B3DF8FAD-2AB0-4DA8-8497-F48AD089473F}" type="datetimeFigureOut">
               <a:rPr kumimoji="1" lang="ja-JP" altLang="en-US" smtClean="0"/>
-              <a:t>2024/8/24</a:t>
+              <a:t>2024/9/12</a:t>
             </a:fld>
             <a:endParaRPr kumimoji="1" lang="ja-JP" altLang="en-US"/>
           </a:p>
@@ -3203,7 +3203,7 @@
           <a:p>
             <a:fld id="{B3DF8FAD-2AB0-4DA8-8497-F48AD089473F}" type="datetimeFigureOut">
               <a:rPr kumimoji="1" lang="ja-JP" altLang="en-US" smtClean="0"/>
-              <a:t>2024/8/24</a:t>
+              <a:t>2024/9/12</a:t>
             </a:fld>
             <a:endParaRPr kumimoji="1" lang="ja-JP" altLang="en-US"/>
           </a:p>
@@ -3448,7 +3448,7 @@
           <a:p>
             <a:fld id="{B3DF8FAD-2AB0-4DA8-8497-F48AD089473F}" type="datetimeFigureOut">
               <a:rPr kumimoji="1" lang="ja-JP" altLang="en-US" smtClean="0"/>
-              <a:t>2024/8/24</a:t>
+              <a:t>2024/9/12</a:t>
             </a:fld>
             <a:endParaRPr kumimoji="1" lang="ja-JP" altLang="en-US"/>
           </a:p>
@@ -39737,6 +39737,358 @@
           </a:p>
         </p:txBody>
       </p:sp>
+      <p:sp>
+        <p:nvSpPr>
+          <p:cNvPr id="3" name="テキスト ボックス 2">
+            <a:extLst>
+              <a:ext uri="{FF2B5EF4-FFF2-40B4-BE49-F238E27FC236}">
+                <a16:creationId xmlns:a16="http://schemas.microsoft.com/office/drawing/2014/main" id="{66B2D5D0-A5FE-B59F-1C2A-DB4B991A75D7}"/>
+              </a:ext>
+            </a:extLst>
+          </p:cNvPr>
+          <p:cNvSpPr txBox="1"/>
+          <p:nvPr/>
+        </p:nvSpPr>
+        <p:spPr>
+          <a:xfrm>
+            <a:off x="254669" y="557276"/>
+            <a:ext cx="7243010" cy="369332"/>
+          </a:xfrm>
+          <a:prstGeom prst="rect">
+            <a:avLst/>
+          </a:prstGeom>
+          <a:noFill/>
+        </p:spPr>
+        <p:txBody>
+          <a:bodyPr wrap="square" rtlCol="0">
+            <a:spAutoFit/>
+          </a:bodyPr>
+          <a:lstStyle/>
+          <a:p>
+            <a:r>
+              <a:rPr lang="en-US" altLang="ja-JP" dirty="0">
+                <a:latin typeface="+mn-ea"/>
+                <a:cs typeface="Mplus 1p" panose="020B0502020203020207" pitchFamily="50" charset="-128"/>
+              </a:rPr>
+              <a:t>Spindle analysis</a:t>
+            </a:r>
+            <a:endParaRPr lang="ja-JP" altLang="en-US" dirty="0">
+              <a:latin typeface="+mn-ea"/>
+              <a:cs typeface="Mplus 1p" panose="020B0502020203020207" pitchFamily="50" charset="-128"/>
+            </a:endParaRPr>
+          </a:p>
+        </p:txBody>
+      </p:sp>
+      <p:sp>
+        <p:nvSpPr>
+          <p:cNvPr id="4" name="テキスト ボックス 3">
+            <a:extLst>
+              <a:ext uri="{FF2B5EF4-FFF2-40B4-BE49-F238E27FC236}">
+                <a16:creationId xmlns:a16="http://schemas.microsoft.com/office/drawing/2014/main" id="{2D429E26-FC5F-45A8-9C31-1256EEEF84CE}"/>
+              </a:ext>
+            </a:extLst>
+          </p:cNvPr>
+          <p:cNvSpPr txBox="1"/>
+          <p:nvPr/>
+        </p:nvSpPr>
+        <p:spPr>
+          <a:xfrm>
+            <a:off x="564982" y="867873"/>
+            <a:ext cx="3130798" cy="338554"/>
+          </a:xfrm>
+          <a:prstGeom prst="rect">
+            <a:avLst/>
+          </a:prstGeom>
+          <a:noFill/>
+          <a:ln>
+            <a:solidFill>
+              <a:schemeClr val="tx1"/>
+            </a:solidFill>
+          </a:ln>
+        </p:spPr>
+        <p:txBody>
+          <a:bodyPr wrap="square" rtlCol="0">
+            <a:spAutoFit/>
+          </a:bodyPr>
+          <a:lstStyle/>
+          <a:p>
+            <a:pPr algn="ctr"/>
+            <a:r>
+              <a:rPr kumimoji="1" lang="en-US" altLang="ja-JP" sz="1600" dirty="0">
+                <a:latin typeface="游ゴシック" panose="020B0400000000000000" pitchFamily="50" charset="-128"/>
+                <a:ea typeface="游ゴシック" panose="020B0400000000000000" pitchFamily="50" charset="-128"/>
+              </a:rPr>
+              <a:t># spindle per NREM length(s)</a:t>
+            </a:r>
+            <a:endParaRPr kumimoji="1" lang="ja-JP" altLang="en-US" sz="1600" dirty="0">
+              <a:latin typeface="游ゴシック" panose="020B0400000000000000" pitchFamily="50" charset="-128"/>
+              <a:ea typeface="游ゴシック" panose="020B0400000000000000" pitchFamily="50" charset="-128"/>
+            </a:endParaRPr>
+          </a:p>
+        </p:txBody>
+      </p:sp>
+      <p:sp>
+        <p:nvSpPr>
+          <p:cNvPr id="5" name="テキスト ボックス 4">
+            <a:extLst>
+              <a:ext uri="{FF2B5EF4-FFF2-40B4-BE49-F238E27FC236}">
+                <a16:creationId xmlns:a16="http://schemas.microsoft.com/office/drawing/2014/main" id="{E43928F2-26CE-2ED3-A274-0AFA7019FA47}"/>
+              </a:ext>
+            </a:extLst>
+          </p:cNvPr>
+          <p:cNvSpPr txBox="1"/>
+          <p:nvPr/>
+        </p:nvSpPr>
+        <p:spPr>
+          <a:xfrm>
+            <a:off x="4739379" y="867873"/>
+            <a:ext cx="3130798" cy="338554"/>
+          </a:xfrm>
+          <a:prstGeom prst="rect">
+            <a:avLst/>
+          </a:prstGeom>
+          <a:noFill/>
+          <a:ln>
+            <a:solidFill>
+              <a:schemeClr val="tx1"/>
+            </a:solidFill>
+          </a:ln>
+        </p:spPr>
+        <p:txBody>
+          <a:bodyPr wrap="square" rtlCol="0">
+            <a:spAutoFit/>
+          </a:bodyPr>
+          <a:lstStyle/>
+          <a:p>
+            <a:pPr algn="ctr"/>
+            <a:r>
+              <a:rPr kumimoji="1" lang="en-US" altLang="ja-JP" sz="1600" b="1" dirty="0">
+                <a:latin typeface="游ゴシック" panose="020B0400000000000000" pitchFamily="50" charset="-128"/>
+                <a:ea typeface="游ゴシック" panose="020B0400000000000000" pitchFamily="50" charset="-128"/>
+              </a:rPr>
+              <a:t>NREM</a:t>
+            </a:r>
+            <a:r>
+              <a:rPr kumimoji="1" lang="en-US" altLang="ja-JP" sz="1600" dirty="0">
+                <a:latin typeface="游ゴシック" panose="020B0400000000000000" pitchFamily="50" charset="-128"/>
+                <a:ea typeface="游ゴシック" panose="020B0400000000000000" pitchFamily="50" charset="-128"/>
+              </a:rPr>
+              <a:t> </a:t>
+            </a:r>
+            <a:r>
+              <a:rPr kumimoji="1" lang="ja-JP" altLang="en-US" sz="1600" dirty="0">
+                <a:latin typeface="游ゴシック" panose="020B0400000000000000" pitchFamily="50" charset="-128"/>
+                <a:ea typeface="游ゴシック" panose="020B0400000000000000" pitchFamily="50" charset="-128"/>
+              </a:rPr>
+              <a:t>→ </a:t>
+            </a:r>
+            <a:r>
+              <a:rPr kumimoji="1" lang="en-US" altLang="ja-JP" sz="1600" dirty="0">
+                <a:latin typeface="游ゴシック" panose="020B0400000000000000" pitchFamily="50" charset="-128"/>
+                <a:ea typeface="游ゴシック" panose="020B0400000000000000" pitchFamily="50" charset="-128"/>
+              </a:rPr>
+              <a:t>REM</a:t>
+            </a:r>
+            <a:endParaRPr kumimoji="1" lang="ja-JP" altLang="en-US" sz="1600" dirty="0">
+              <a:latin typeface="游ゴシック" panose="020B0400000000000000" pitchFamily="50" charset="-128"/>
+              <a:ea typeface="游ゴシック" panose="020B0400000000000000" pitchFamily="50" charset="-128"/>
+            </a:endParaRPr>
+          </a:p>
+        </p:txBody>
+      </p:sp>
+      <p:sp>
+        <p:nvSpPr>
+          <p:cNvPr id="6" name="テキスト ボックス 5">
+            <a:extLst>
+              <a:ext uri="{FF2B5EF4-FFF2-40B4-BE49-F238E27FC236}">
+                <a16:creationId xmlns:a16="http://schemas.microsoft.com/office/drawing/2014/main" id="{45EC4989-1741-F5D2-E099-B528E9B2A9C0}"/>
+              </a:ext>
+            </a:extLst>
+          </p:cNvPr>
+          <p:cNvSpPr txBox="1"/>
+          <p:nvPr/>
+        </p:nvSpPr>
+        <p:spPr>
+          <a:xfrm>
+            <a:off x="4739379" y="3913931"/>
+            <a:ext cx="3130798" cy="338554"/>
+          </a:xfrm>
+          <a:prstGeom prst="rect">
+            <a:avLst/>
+          </a:prstGeom>
+          <a:noFill/>
+          <a:ln>
+            <a:solidFill>
+              <a:schemeClr val="tx1"/>
+            </a:solidFill>
+          </a:ln>
+        </p:spPr>
+        <p:txBody>
+          <a:bodyPr wrap="square" rtlCol="0">
+            <a:spAutoFit/>
+          </a:bodyPr>
+          <a:lstStyle/>
+          <a:p>
+            <a:pPr algn="ctr"/>
+            <a:r>
+              <a:rPr kumimoji="1" lang="en-US" altLang="ja-JP" sz="1600" b="1" dirty="0">
+                <a:latin typeface="游ゴシック" panose="020B0400000000000000" pitchFamily="50" charset="-128"/>
+                <a:ea typeface="游ゴシック" panose="020B0400000000000000" pitchFamily="50" charset="-128"/>
+              </a:rPr>
+              <a:t>NREM</a:t>
+            </a:r>
+            <a:r>
+              <a:rPr kumimoji="1" lang="en-US" altLang="ja-JP" sz="1600" dirty="0">
+                <a:latin typeface="游ゴシック" panose="020B0400000000000000" pitchFamily="50" charset="-128"/>
+                <a:ea typeface="游ゴシック" panose="020B0400000000000000" pitchFamily="50" charset="-128"/>
+              </a:rPr>
+              <a:t> </a:t>
+            </a:r>
+            <a:r>
+              <a:rPr kumimoji="1" lang="ja-JP" altLang="en-US" sz="1600" dirty="0">
+                <a:latin typeface="游ゴシック" panose="020B0400000000000000" pitchFamily="50" charset="-128"/>
+                <a:ea typeface="游ゴシック" panose="020B0400000000000000" pitchFamily="50" charset="-128"/>
+              </a:rPr>
+              <a:t>→ </a:t>
+            </a:r>
+            <a:r>
+              <a:rPr kumimoji="1" lang="en-US" altLang="ja-JP" sz="1600" dirty="0">
+                <a:latin typeface="游ゴシック" panose="020B0400000000000000" pitchFamily="50" charset="-128"/>
+                <a:ea typeface="游ゴシック" panose="020B0400000000000000" pitchFamily="50" charset="-128"/>
+              </a:rPr>
+              <a:t>Wake</a:t>
+            </a:r>
+            <a:endParaRPr kumimoji="1" lang="ja-JP" altLang="en-US" sz="1600" dirty="0">
+              <a:latin typeface="游ゴシック" panose="020B0400000000000000" pitchFamily="50" charset="-128"/>
+              <a:ea typeface="游ゴシック" panose="020B0400000000000000" pitchFamily="50" charset="-128"/>
+            </a:endParaRPr>
+          </a:p>
+        </p:txBody>
+      </p:sp>
+      <p:sp>
+        <p:nvSpPr>
+          <p:cNvPr id="7" name="テキスト ボックス 6">
+            <a:extLst>
+              <a:ext uri="{FF2B5EF4-FFF2-40B4-BE49-F238E27FC236}">
+                <a16:creationId xmlns:a16="http://schemas.microsoft.com/office/drawing/2014/main" id="{1A7521E9-AFBA-5354-D6B0-83B6732A9452}"/>
+              </a:ext>
+            </a:extLst>
+          </p:cNvPr>
+          <p:cNvSpPr txBox="1"/>
+          <p:nvPr/>
+        </p:nvSpPr>
+        <p:spPr>
+          <a:xfrm>
+            <a:off x="8764691" y="3913931"/>
+            <a:ext cx="3130798" cy="338554"/>
+          </a:xfrm>
+          <a:prstGeom prst="rect">
+            <a:avLst/>
+          </a:prstGeom>
+          <a:noFill/>
+          <a:ln>
+            <a:solidFill>
+              <a:schemeClr val="tx1"/>
+            </a:solidFill>
+          </a:ln>
+        </p:spPr>
+        <p:txBody>
+          <a:bodyPr wrap="square" rtlCol="0">
+            <a:spAutoFit/>
+          </a:bodyPr>
+          <a:lstStyle/>
+          <a:p>
+            <a:pPr algn="ctr"/>
+            <a:r>
+              <a:rPr kumimoji="1" lang="en-US" altLang="ja-JP" sz="1600" dirty="0">
+                <a:latin typeface="游ゴシック" panose="020B0400000000000000" pitchFamily="50" charset="-128"/>
+                <a:ea typeface="游ゴシック" panose="020B0400000000000000" pitchFamily="50" charset="-128"/>
+              </a:rPr>
+              <a:t>WAKE </a:t>
+            </a:r>
+            <a:r>
+              <a:rPr lang="ja-JP" altLang="en-US" sz="1600" dirty="0">
+                <a:latin typeface="游ゴシック" panose="020B0400000000000000" pitchFamily="50" charset="-128"/>
+                <a:ea typeface="游ゴシック" panose="020B0400000000000000" pitchFamily="50" charset="-128"/>
+              </a:rPr>
+              <a:t>→ </a:t>
+            </a:r>
+            <a:r>
+              <a:rPr lang="en-US" altLang="ja-JP" sz="1600" b="1" dirty="0">
+                <a:latin typeface="游ゴシック" panose="020B0400000000000000" pitchFamily="50" charset="-128"/>
+                <a:ea typeface="游ゴシック" panose="020B0400000000000000" pitchFamily="50" charset="-128"/>
+              </a:rPr>
+              <a:t>NREM</a:t>
+            </a:r>
+            <a:endParaRPr kumimoji="1" lang="ja-JP" altLang="en-US" sz="1600" b="1" dirty="0">
+              <a:latin typeface="游ゴシック" panose="020B0400000000000000" pitchFamily="50" charset="-128"/>
+              <a:ea typeface="游ゴシック" panose="020B0400000000000000" pitchFamily="50" charset="-128"/>
+            </a:endParaRPr>
+          </a:p>
+        </p:txBody>
+      </p:sp>
+      <p:sp>
+        <p:nvSpPr>
+          <p:cNvPr id="9" name="テキスト ボックス 8">
+            <a:extLst>
+              <a:ext uri="{FF2B5EF4-FFF2-40B4-BE49-F238E27FC236}">
+                <a16:creationId xmlns:a16="http://schemas.microsoft.com/office/drawing/2014/main" id="{E2777318-F6D4-7699-0D2F-726B6A62C863}"/>
+              </a:ext>
+            </a:extLst>
+          </p:cNvPr>
+          <p:cNvSpPr txBox="1"/>
+          <p:nvPr/>
+        </p:nvSpPr>
+        <p:spPr>
+          <a:xfrm>
+            <a:off x="8764691" y="867873"/>
+            <a:ext cx="3130798" cy="338554"/>
+          </a:xfrm>
+          <a:prstGeom prst="rect">
+            <a:avLst/>
+          </a:prstGeom>
+          <a:noFill/>
+          <a:ln>
+            <a:solidFill>
+              <a:schemeClr val="tx1"/>
+            </a:solidFill>
+          </a:ln>
+        </p:spPr>
+        <p:txBody>
+          <a:bodyPr wrap="square" rtlCol="0">
+            <a:spAutoFit/>
+          </a:bodyPr>
+          <a:lstStyle/>
+          <a:p>
+            <a:pPr algn="ctr"/>
+            <a:r>
+              <a:rPr kumimoji="1" lang="en-US" altLang="ja-JP" sz="1600" dirty="0">
+                <a:latin typeface="游ゴシック" panose="020B0400000000000000" pitchFamily="50" charset="-128"/>
+                <a:ea typeface="游ゴシック" panose="020B0400000000000000" pitchFamily="50" charset="-128"/>
+              </a:rPr>
+              <a:t>REM </a:t>
+            </a:r>
+            <a:r>
+              <a:rPr kumimoji="1" lang="ja-JP" altLang="en-US" sz="1600" dirty="0">
+                <a:latin typeface="游ゴシック" panose="020B0400000000000000" pitchFamily="50" charset="-128"/>
+                <a:ea typeface="游ゴシック" panose="020B0400000000000000" pitchFamily="50" charset="-128"/>
+              </a:rPr>
+              <a:t>→ </a:t>
+            </a:r>
+            <a:r>
+              <a:rPr kumimoji="1" lang="en-US" altLang="ja-JP" sz="1600" b="1" dirty="0">
+                <a:latin typeface="游ゴシック" panose="020B0400000000000000" pitchFamily="50" charset="-128"/>
+                <a:ea typeface="游ゴシック" panose="020B0400000000000000" pitchFamily="50" charset="-128"/>
+              </a:rPr>
+              <a:t>NREM</a:t>
+            </a:r>
+            <a:endParaRPr kumimoji="1" lang="ja-JP" altLang="en-US" sz="1600" b="1" dirty="0">
+              <a:latin typeface="游ゴシック" panose="020B0400000000000000" pitchFamily="50" charset="-128"/>
+              <a:ea typeface="游ゴシック" panose="020B0400000000000000" pitchFamily="50" charset="-128"/>
+            </a:endParaRPr>
+          </a:p>
+        </p:txBody>
+      </p:sp>
     </p:spTree>
     <p:extLst>
       <p:ext uri="{BB962C8B-B14F-4D97-AF65-F5344CB8AC3E}">
